--- a/group6slidshow.pptx
+++ b/group6slidshow.pptx
@@ -7,8 +7,11 @@
   <p:sldIdLst>
     <p:sldId id="256" r:id="rId2"/>
     <p:sldId id="259" r:id="rId3"/>
-    <p:sldId id="257" r:id="rId4"/>
-    <p:sldId id="258" r:id="rId5"/>
+    <p:sldId id="260" r:id="rId4"/>
+    <p:sldId id="257" r:id="rId5"/>
+    <p:sldId id="258" r:id="rId6"/>
+    <p:sldId id="261" r:id="rId7"/>
+    <p:sldId id="262" r:id="rId8"/>
   </p:sldIdLst>
   <p:sldSz cx="12192000" cy="6858000"/>
   <p:notesSz cx="6858000" cy="9144000"/>
@@ -6454,7 +6457,7 @@
           <a:p>
             <a:r>
               <a:rPr lang="en-US" dirty="0" smtClean="0"/>
-              <a:t>Eventual Consistency</a:t>
+              <a:t>CAP Theorem review</a:t>
             </a:r>
             <a:endParaRPr lang="en-US" dirty="0"/>
           </a:p>
@@ -6481,21 +6484,30 @@
             </a:r>
           </a:p>
           <a:p>
-            <a:pPr lvl="1"/>
+            <a:pPr marL="800100" lvl="1" indent="-342900">
+              <a:buFont typeface="+mj-lt"/>
+              <a:buAutoNum type="arabicPeriod"/>
+            </a:pPr>
             <a:r>
               <a:rPr lang="en-US" i="1" dirty="0" smtClean="0"/>
               <a:t>Consistency</a:t>
             </a:r>
           </a:p>
           <a:p>
-            <a:pPr lvl="1"/>
+            <a:pPr marL="800100" lvl="1" indent="-342900">
+              <a:buFont typeface="+mj-lt"/>
+              <a:buAutoNum type="arabicPeriod"/>
+            </a:pPr>
             <a:r>
               <a:rPr lang="en-US" i="1" dirty="0" smtClean="0"/>
               <a:t>Availability</a:t>
             </a:r>
           </a:p>
           <a:p>
-            <a:pPr lvl="1"/>
+            <a:pPr marL="800100" lvl="1" indent="-342900">
+              <a:buFont typeface="+mj-lt"/>
+              <a:buAutoNum type="arabicPeriod"/>
+            </a:pPr>
             <a:r>
               <a:rPr lang="en-US" i="1" dirty="0" smtClean="0"/>
               <a:t>Partition Tolerance</a:t>
@@ -6510,7 +6522,7 @@
           <a:p>
             <a:r>
               <a:rPr lang="en-US" dirty="0" smtClean="0"/>
-              <a:t>This compromise was noted “Eventual Consistency” and is usually illustrated with NRW notation. </a:t>
+              <a:t>This compromise was noted “Eventual Consistency.”</a:t>
             </a:r>
             <a:endParaRPr lang="en-US" dirty="0"/>
           </a:p>
@@ -6526,6 +6538,13 @@
   <p:clrMapOvr>
     <a:masterClrMapping/>
   </p:clrMapOvr>
+  <p:timing>
+    <p:tnLst>
+      <p:par>
+        <p:cTn id="1" dur="indefinite" restart="never" nodeType="tmRoot"/>
+      </p:par>
+    </p:tnLst>
+  </p:timing>
 </p:sld>
 </file>
 
@@ -6563,6 +6582,90 @@
           <a:p>
             <a:r>
               <a:rPr lang="en-US" dirty="0" smtClean="0"/>
+              <a:t>Eventual Consistency</a:t>
+            </a:r>
+            <a:endParaRPr lang="en-US" dirty="0"/>
+          </a:p>
+        </p:txBody>
+      </p:sp>
+      <p:sp>
+        <p:nvSpPr>
+          <p:cNvPr id="3" name="Content Placeholder 2"/>
+          <p:cNvSpPr>
+            <a:spLocks noGrp="1"/>
+          </p:cNvSpPr>
+          <p:nvPr>
+            <p:ph idx="1"/>
+          </p:nvPr>
+        </p:nvSpPr>
+        <p:spPr/>
+        <p:txBody>
+          <a:bodyPr/>
+          <a:lstStyle/>
+          <a:p>
+            <a:r>
+              <a:rPr lang="en-US"/>
+              <a:t>The core of the eventual consistency concept is that while a database may have some inconsistencies at any point in time, it will eventually become consistent when all updates cease: </a:t>
+            </a:r>
+            <a:r>
+              <a:rPr lang="en-US" i="1"/>
+              <a:t>eventually</a:t>
+            </a:r>
+            <a:r>
+              <a:rPr lang="en-US"/>
+              <a:t> all nodes will receive the latest consistent updates.</a:t>
+            </a:r>
+            <a:endParaRPr lang="en-US" dirty="0"/>
+          </a:p>
+        </p:txBody>
+      </p:sp>
+    </p:spTree>
+    <p:extLst>
+      <p:ext uri="{BB962C8B-B14F-4D97-AF65-F5344CB8AC3E}">
+        <p14:creationId xmlns:p14="http://schemas.microsoft.com/office/powerpoint/2010/main" val="3888219724"/>
+      </p:ext>
+    </p:extLst>
+  </p:cSld>
+  <p:clrMapOvr>
+    <a:masterClrMapping/>
+  </p:clrMapOvr>
+</p:sld>
+</file>
+
+<file path=ppt/slides/slide4.xml><?xml version="1.0" encoding="utf-8"?>
+<p:sld xmlns:a="http://schemas.openxmlformats.org/drawingml/2006/main" xmlns:r="http://schemas.openxmlformats.org/officeDocument/2006/relationships" xmlns:p="http://schemas.openxmlformats.org/presentationml/2006/main">
+  <p:cSld>
+    <p:spTree>
+      <p:nvGrpSpPr>
+        <p:cNvPr id="1" name=""/>
+        <p:cNvGrpSpPr/>
+        <p:nvPr/>
+      </p:nvGrpSpPr>
+      <p:grpSpPr>
+        <a:xfrm>
+          <a:off x="0" y="0"/>
+          <a:ext cx="0" cy="0"/>
+          <a:chOff x="0" y="0"/>
+          <a:chExt cx="0" cy="0"/>
+        </a:xfrm>
+      </p:grpSpPr>
+      <p:sp>
+        <p:nvSpPr>
+          <p:cNvPr id="2" name="Title 1"/>
+          <p:cNvSpPr>
+            <a:spLocks noGrp="1"/>
+          </p:cNvSpPr>
+          <p:nvPr>
+            <p:ph type="title"/>
+          </p:nvPr>
+        </p:nvSpPr>
+        <p:spPr/>
+        <p:txBody>
+          <a:bodyPr/>
+          <a:lstStyle/>
+          <a:p>
+            <a:r>
+              <a:rPr lang="en-US" dirty="0" smtClean="0"/>
               <a:t>NRW</a:t>
             </a:r>
             <a:endParaRPr lang="en-US" dirty="0"/>
@@ -6727,7 +6830,7 @@
 </p:sld>
 </file>
 
-<file path=ppt/slides/slide4.xml><?xml version="1.0" encoding="utf-8"?>
+<file path=ppt/slides/slide5.xml><?xml version="1.0" encoding="utf-8"?>
 <p:sld xmlns:a="http://schemas.openxmlformats.org/drawingml/2006/main" xmlns:r="http://schemas.openxmlformats.org/officeDocument/2006/relationships" xmlns:p="http://schemas.openxmlformats.org/presentationml/2006/main">
   <p:cSld>
     <p:spTree>
@@ -7007,6 +7110,142 @@
       </p:par>
     </p:tnLst>
   </p:timing>
+</p:sld>
+</file>
+
+<file path=ppt/slides/slide6.xml><?xml version="1.0" encoding="utf-8"?>
+<p:sld xmlns:a="http://schemas.openxmlformats.org/drawingml/2006/main" xmlns:r="http://schemas.openxmlformats.org/officeDocument/2006/relationships" xmlns:p="http://schemas.openxmlformats.org/presentationml/2006/main">
+  <p:cSld>
+    <p:spTree>
+      <p:nvGrpSpPr>
+        <p:cNvPr id="1" name=""/>
+        <p:cNvGrpSpPr/>
+        <p:nvPr/>
+      </p:nvGrpSpPr>
+      <p:grpSpPr>
+        <a:xfrm>
+          <a:off x="0" y="0"/>
+          <a:ext cx="0" cy="0"/>
+          <a:chOff x="0" y="0"/>
+          <a:chExt cx="0" cy="0"/>
+        </a:xfrm>
+      </p:grpSpPr>
+      <p:sp>
+        <p:nvSpPr>
+          <p:cNvPr id="2" name="Title 1"/>
+          <p:cNvSpPr>
+            <a:spLocks noGrp="1"/>
+          </p:cNvSpPr>
+          <p:nvPr>
+            <p:ph type="title"/>
+          </p:nvPr>
+        </p:nvSpPr>
+        <p:spPr/>
+        <p:txBody>
+          <a:bodyPr/>
+          <a:lstStyle/>
+          <a:p>
+            <a:endParaRPr lang="en-US"/>
+          </a:p>
+        </p:txBody>
+      </p:sp>
+      <p:sp>
+        <p:nvSpPr>
+          <p:cNvPr id="3" name="Content Placeholder 2"/>
+          <p:cNvSpPr>
+            <a:spLocks noGrp="1"/>
+          </p:cNvSpPr>
+          <p:nvPr>
+            <p:ph idx="1"/>
+          </p:nvPr>
+        </p:nvSpPr>
+        <p:spPr/>
+        <p:txBody>
+          <a:bodyPr/>
+          <a:lstStyle/>
+          <a:p>
+            <a:endParaRPr lang="en-US"/>
+          </a:p>
+        </p:txBody>
+      </p:sp>
+    </p:spTree>
+    <p:extLst>
+      <p:ext uri="{BB962C8B-B14F-4D97-AF65-F5344CB8AC3E}">
+        <p14:creationId xmlns:p14="http://schemas.microsoft.com/office/powerpoint/2010/main" val="1051705854"/>
+      </p:ext>
+    </p:extLst>
+  </p:cSld>
+  <p:clrMapOvr>
+    <a:masterClrMapping/>
+  </p:clrMapOvr>
+</p:sld>
+</file>
+
+<file path=ppt/slides/slide7.xml><?xml version="1.0" encoding="utf-8"?>
+<p:sld xmlns:a="http://schemas.openxmlformats.org/drawingml/2006/main" xmlns:r="http://schemas.openxmlformats.org/officeDocument/2006/relationships" xmlns:p="http://schemas.openxmlformats.org/presentationml/2006/main">
+  <p:cSld>
+    <p:spTree>
+      <p:nvGrpSpPr>
+        <p:cNvPr id="1" name=""/>
+        <p:cNvGrpSpPr/>
+        <p:nvPr/>
+      </p:nvGrpSpPr>
+      <p:grpSpPr>
+        <a:xfrm>
+          <a:off x="0" y="0"/>
+          <a:ext cx="0" cy="0"/>
+          <a:chOff x="0" y="0"/>
+          <a:chExt cx="0" cy="0"/>
+        </a:xfrm>
+      </p:grpSpPr>
+      <p:sp>
+        <p:nvSpPr>
+          <p:cNvPr id="2" name="Title 1"/>
+          <p:cNvSpPr>
+            <a:spLocks noGrp="1"/>
+          </p:cNvSpPr>
+          <p:nvPr>
+            <p:ph type="title"/>
+          </p:nvPr>
+        </p:nvSpPr>
+        <p:spPr/>
+        <p:txBody>
+          <a:bodyPr/>
+          <a:lstStyle/>
+          <a:p>
+            <a:endParaRPr lang="en-US"/>
+          </a:p>
+        </p:txBody>
+      </p:sp>
+      <p:sp>
+        <p:nvSpPr>
+          <p:cNvPr id="3" name="Content Placeholder 2"/>
+          <p:cNvSpPr>
+            <a:spLocks noGrp="1"/>
+          </p:cNvSpPr>
+          <p:nvPr>
+            <p:ph idx="1"/>
+          </p:nvPr>
+        </p:nvSpPr>
+        <p:spPr/>
+        <p:txBody>
+          <a:bodyPr/>
+          <a:lstStyle/>
+          <a:p>
+            <a:endParaRPr lang="en-US"/>
+          </a:p>
+        </p:txBody>
+      </p:sp>
+    </p:spTree>
+    <p:extLst>
+      <p:ext uri="{BB962C8B-B14F-4D97-AF65-F5344CB8AC3E}">
+        <p14:creationId xmlns:p14="http://schemas.microsoft.com/office/powerpoint/2010/main" val="3288187351"/>
+      </p:ext>
+    </p:extLst>
+  </p:cSld>
+  <p:clrMapOvr>
+    <a:masterClrMapping/>
+  </p:clrMapOvr>
 </p:sld>
 </file>
 

--- a/group6slidshow.pptx
+++ b/group6slidshow.pptx
@@ -6522,7 +6522,27 @@
           <a:p>
             <a:r>
               <a:rPr lang="en-US" dirty="0" smtClean="0"/>
-              <a:t>This compromise was noted “Eventual Consistency.”</a:t>
+              <a:t>This compromise was noted “Eventual Consistency</a:t>
+            </a:r>
+            <a:r>
+              <a:rPr lang="en-US" dirty="0" smtClean="0"/>
+              <a:t>.” (</a:t>
+            </a:r>
+            <a:r>
+              <a:rPr lang="en-US" dirty="0" err="1" smtClean="0"/>
+              <a:t>ctd</a:t>
+            </a:r>
+            <a:r>
+              <a:rPr lang="en-US" dirty="0" smtClean="0"/>
+              <a:t>. in </a:t>
+            </a:r>
+            <a:r>
+              <a:rPr lang="en-US" dirty="0" err="1" smtClean="0"/>
+              <a:t>Thart</a:t>
+            </a:r>
+            <a:r>
+              <a:rPr lang="en-US" dirty="0" smtClean="0"/>
+              <a:t>)</a:t>
             </a:r>
             <a:endParaRPr lang="en-US" dirty="0"/>
           </a:p>
@@ -6604,16 +6624,59 @@
           <a:lstStyle/>
           <a:p>
             <a:r>
-              <a:rPr lang="en-US"/>
-              <a:t>The core of the eventual consistency concept is that while a database may have some inconsistencies at any point in time, it will eventually become consistent when all updates cease: </a:t>
-            </a:r>
-            <a:r>
-              <a:rPr lang="en-US" i="1"/>
+              <a:rPr lang="en-US" dirty="0"/>
+              <a:t>The core of the </a:t>
+            </a:r>
+            <a:r>
+              <a:rPr lang="en-US" i="1" dirty="0" smtClean="0"/>
+              <a:t>Ev</a:t>
+            </a:r>
+            <a:r>
+              <a:rPr lang="en-US" i="1" dirty="0" smtClean="0"/>
+              <a:t>entual Consistency </a:t>
+            </a:r>
+            <a:r>
+              <a:rPr lang="en-US" dirty="0"/>
+              <a:t>concept is that while a database may have some inconsistencies at any point in time, it will eventually become consistent when all updates cease: </a:t>
+            </a:r>
+            <a:r>
+              <a:rPr lang="en-US" i="1" dirty="0"/>
               <a:t>eventually</a:t>
             </a:r>
             <a:r>
-              <a:rPr lang="en-US"/>
-              <a:t> all nodes will receive the latest consistent updates.</a:t>
+              <a:rPr lang="en-US" dirty="0"/>
+              <a:t> all nodes will receive the latest consistent </a:t>
+            </a:r>
+            <a:r>
+              <a:rPr lang="en-US" dirty="0" smtClean="0"/>
+              <a:t>updates</a:t>
+            </a:r>
+            <a:r>
+              <a:rPr lang="en-US" dirty="0"/>
+              <a:t> </a:t>
+            </a:r>
+            <a:r>
+              <a:rPr lang="en-US" dirty="0" smtClean="0"/>
+              <a:t>(</a:t>
+            </a:r>
+            <a:r>
+              <a:rPr lang="en-US" dirty="0" err="1" smtClean="0"/>
+              <a:t>ctd</a:t>
+            </a:r>
+            <a:r>
+              <a:rPr lang="en-US" dirty="0" smtClean="0"/>
+              <a:t>. in Harrison).</a:t>
+            </a:r>
+            <a:endParaRPr lang="en-US" dirty="0" smtClean="0"/>
+          </a:p>
+          <a:p>
+            <a:r>
+              <a:rPr lang="en-US" dirty="0" smtClean="0"/>
+              <a:t>It’s basically computational </a:t>
+            </a:r>
+            <a:r>
+              <a:rPr lang="en-US" smtClean="0"/>
+              <a:t>wishful thinking </a:t>
             </a:r>
             <a:endParaRPr lang="en-US" dirty="0"/>
           </a:p>
@@ -7213,7 +7276,12 @@
           <a:bodyPr/>
           <a:lstStyle/>
           <a:p>
-            <a:endParaRPr lang="en-US"/>
+            <a:pPr algn="ctr"/>
+            <a:r>
+              <a:rPr lang="en-US" dirty="0" smtClean="0"/>
+              <a:t>Works Cited</a:t>
+            </a:r>
+            <a:endParaRPr lang="en-US" dirty="0"/>
           </a:p>
         </p:txBody>
       </p:sp>
@@ -7227,12 +7295,99 @@
             <p:ph idx="1"/>
           </p:nvPr>
         </p:nvSpPr>
-        <p:spPr/>
-        <p:txBody>
-          <a:bodyPr/>
+        <p:spPr>
+          <a:xfrm>
+            <a:off x="1103312" y="1175658"/>
+            <a:ext cx="8946541" cy="5072742"/>
+          </a:xfrm>
+        </p:spPr>
+        <p:txBody>
+          <a:bodyPr>
+            <a:normAutofit/>
+          </a:bodyPr>
           <a:lstStyle/>
           <a:p>
-            <a:endParaRPr lang="en-US"/>
+            <a:pPr marL="0" indent="0">
+              <a:buNone/>
+            </a:pPr>
+            <a:r>
+              <a:rPr lang="en-US" sz="1200" dirty="0"/>
+              <a:t>Thant, </a:t>
+            </a:r>
+            <a:r>
+              <a:rPr lang="en-US" sz="1200" dirty="0" err="1"/>
+              <a:t>Phyo</a:t>
+            </a:r>
+            <a:r>
+              <a:rPr lang="en-US" sz="1200" dirty="0"/>
+              <a:t> </a:t>
+            </a:r>
+            <a:r>
+              <a:rPr lang="en-US" sz="1200" dirty="0" err="1"/>
+              <a:t>Thandar</a:t>
+            </a:r>
+            <a:r>
+              <a:rPr lang="en-US" sz="1200" dirty="0"/>
+              <a:t>, and Thinn Thu </a:t>
+            </a:r>
+            <a:r>
+              <a:rPr lang="en-US" sz="1200" dirty="0" err="1"/>
+              <a:t>Naing</a:t>
+            </a:r>
+            <a:r>
+              <a:rPr lang="en-US" sz="1200" dirty="0"/>
+              <a:t>. "Improving the availability of NoSQL databases for Cloud Storage." </a:t>
+            </a:r>
+            <a:br>
+              <a:rPr lang="en-US" sz="1200" dirty="0"/>
+            </a:br>
+            <a:r>
+              <a:rPr lang="en-US" sz="1200" dirty="0"/>
+              <a:t>	Yangon: University of Computer Studies.</a:t>
+            </a:r>
+          </a:p>
+          <a:p>
+            <a:pPr marL="0" indent="0">
+              <a:buNone/>
+            </a:pPr>
+            <a:r>
+              <a:rPr lang="en-US" sz="1200" dirty="0" smtClean="0"/>
+              <a:t>Harrison</a:t>
+            </a:r>
+            <a:r>
+              <a:rPr lang="en-US" sz="1200" dirty="0"/>
+              <a:t>, Guy. “Eventual Consistency.” </a:t>
+            </a:r>
+            <a:r>
+              <a:rPr lang="en-US" sz="1200" i="1" dirty="0"/>
+              <a:t>Database Trends and Applications</a:t>
+            </a:r>
+            <a:r>
+              <a:rPr lang="en-US" sz="1200" dirty="0"/>
+              <a:t>, 7 Jan. </a:t>
+            </a:r>
+            <a:r>
+              <a:rPr lang="en-US" sz="1200" dirty="0" smtClean="0"/>
+              <a:t>2011,</a:t>
+            </a:r>
+            <a:br>
+              <a:rPr lang="en-US" sz="1200" dirty="0" smtClean="0"/>
+            </a:br>
+            <a:r>
+              <a:rPr lang="en-US" sz="1200" dirty="0" smtClean="0"/>
+              <a:t>	</a:t>
+            </a:r>
+            <a:r>
+              <a:rPr lang="en-US" sz="1200" dirty="0" smtClean="0">
+                <a:hlinkClick r:id="rId2"/>
+              </a:rPr>
+              <a:t>www.dbta.com/Columns/Applications-Insight/Eventual-Consistency-73004.aspx</a:t>
+            </a:r>
+            <a:r>
+              <a:rPr lang="en-US" sz="1200" dirty="0" smtClean="0"/>
+              <a:t>.</a:t>
+            </a:r>
+            <a:endParaRPr lang="en-US" sz="1200" dirty="0"/>
           </a:p>
         </p:txBody>
       </p:sp>

--- a/group6slidshow.pptx
+++ b/group6slidshow.pptx
@@ -6618,7 +6618,12 @@
             <p:ph idx="1"/>
           </p:nvPr>
         </p:nvSpPr>
-        <p:spPr/>
+        <p:spPr>
+          <a:xfrm>
+            <a:off x="1103312" y="2052918"/>
+            <a:ext cx="9666288" cy="4195481"/>
+          </a:xfrm>
+        </p:spPr>
         <p:txBody>
           <a:bodyPr/>
           <a:lstStyle/>
@@ -6660,8 +6665,12 @@
               <a:t>(</a:t>
             </a:r>
             <a:r>
+              <a:rPr lang="en-US" dirty="0" err="1"/>
+              <a:t>q</a:t>
+            </a:r>
+            <a:r>
               <a:rPr lang="en-US" dirty="0" err="1" smtClean="0"/>
-              <a:t>ctd</a:t>
+              <a:t>td</a:t>
             </a:r>
             <a:r>
               <a:rPr lang="en-US" dirty="0" smtClean="0"/>
@@ -6672,11 +6681,7 @@
           <a:p>
             <a:r>
               <a:rPr lang="en-US" dirty="0" smtClean="0"/>
-              <a:t>It’s basically computational </a:t>
-            </a:r>
-            <a:r>
-              <a:rPr lang="en-US" smtClean="0"/>
-              <a:t>wishful thinking </a:t>
+              <a:t>It’s basically computational wishful thinking </a:t>
             </a:r>
             <a:endParaRPr lang="en-US" dirty="0"/>
           </a:p>

--- a/group6slidshow.pptx
+++ b/group6slidshow.pptx
@@ -7317,7 +7317,49 @@
             </a:pPr>
             <a:r>
               <a:rPr lang="en-US" sz="1200" dirty="0"/>
-              <a:t>Thant, </a:t>
+              <a:t>Harrison, Guy. “Eventual Consistency.” </a:t>
+            </a:r>
+            <a:r>
+              <a:rPr lang="en-US" sz="1200" i="1" dirty="0"/>
+              <a:t>Database Trends and Applications</a:t>
+            </a:r>
+            <a:r>
+              <a:rPr lang="en-US" sz="1200" dirty="0"/>
+              <a:t>, 7 Jan. </a:t>
+            </a:r>
+            <a:r>
+              <a:rPr lang="en-US" sz="1200"/>
+              <a:t>2011,</a:t>
+            </a:r>
+            <a:br>
+              <a:rPr lang="en-US" sz="1200"/>
+            </a:br>
+            <a:r>
+              <a:rPr lang="en-US" sz="1200"/>
+              <a:t>	</a:t>
+            </a:r>
+            <a:r>
+              <a:rPr lang="en-US" sz="1200">
+                <a:hlinkClick r:id="rId2"/>
+              </a:rPr>
+              <a:t>www.dbta.com/Columns/Applications-Insight/Eventual-Consistency-73004.aspx</a:t>
+            </a:r>
+            <a:r>
+              <a:rPr lang="en-US" sz="1200"/>
+              <a:t>.</a:t>
+            </a:r>
+          </a:p>
+          <a:p>
+            <a:pPr marL="0" indent="0">
+              <a:buNone/>
+            </a:pPr>
+            <a:r>
+              <a:rPr lang="en-US" sz="1200" smtClean="0"/>
+              <a:t>Thant</a:t>
+            </a:r>
+            <a:r>
+              <a:rPr lang="en-US" sz="1200" dirty="0"/>
+              <a:t>, </a:t>
             </a:r>
             <a:r>
               <a:rPr lang="en-US" sz="1200" dirty="0" err="1"/>
@@ -7356,43 +7398,13 @@
               <a:buNone/>
             </a:pPr>
             <a:r>
-              <a:rPr lang="en-US" sz="1200" dirty="0" smtClean="0"/>
-              <a:t>Harrison</a:t>
+              <a:rPr lang="en-US" sz="1200" dirty="0" err="1" smtClean="0"/>
+              <a:t>Vanroose</a:t>
             </a:r>
             <a:r>
               <a:rPr lang="en-US" sz="1200" dirty="0"/>
-              <a:t>, Guy. “Eventual Consistency.” </a:t>
-            </a:r>
-            <a:r>
-              <a:rPr lang="en-US" sz="1200" i="1" dirty="0"/>
-              <a:t>Database Trends and Applications</a:t>
-            </a:r>
-            <a:r>
-              <a:rPr lang="en-US" sz="1200" dirty="0"/>
-              <a:t>, 7 Jan. </a:t>
-            </a:r>
-            <a:r>
-              <a:rPr lang="en-US" sz="1200" dirty="0" smtClean="0"/>
-              <a:t>2011,</a:t>
-            </a:r>
-            <a:br>
-              <a:rPr lang="en-US" sz="1200" dirty="0" smtClean="0"/>
-            </a:br>
-            <a:r>
-              <a:rPr lang="en-US" sz="1200" dirty="0" smtClean="0"/>
-              <a:t>	</a:t>
-            </a:r>
-            <a:r>
-              <a:rPr lang="en-US" sz="1200" dirty="0" smtClean="0">
-                <a:hlinkClick r:id="rId2"/>
-              </a:rPr>
-              <a:t>www.dbta.com/Columns/Applications-Insight/Eventual-Consistency-73004.aspx</a:t>
-            </a:r>
-            <a:r>
-              <a:rPr lang="en-US" sz="1200" dirty="0" smtClean="0"/>
-              <a:t>.</a:t>
-            </a:r>
-            <a:endParaRPr lang="en-US" sz="1200" dirty="0"/>
+              <a:t>, Peter, and GSE DB Belgium. "ACID or BASE?-the case of NoSQL."</a:t>
+            </a:r>
           </a:p>
         </p:txBody>
       </p:sp>

--- a/group6slidshow.pptx
+++ b/group6slidshow.pptx
@@ -6534,15 +6534,7 @@
             </a:r>
             <a:r>
               <a:rPr lang="en-US" dirty="0" smtClean="0"/>
-              <a:t>. in </a:t>
-            </a:r>
-            <a:r>
-              <a:rPr lang="en-US" dirty="0" err="1" smtClean="0"/>
-              <a:t>Thart</a:t>
-            </a:r>
-            <a:r>
-              <a:rPr lang="en-US" dirty="0" smtClean="0"/>
-              <a:t>)</a:t>
+              <a:t>. in Thant)</a:t>
             </a:r>
             <a:endParaRPr lang="en-US" dirty="0"/>
           </a:p>
@@ -6621,28 +6613,32 @@
         <p:spPr>
           <a:xfrm>
             <a:off x="1103312" y="2052918"/>
-            <a:ext cx="9666288" cy="4195481"/>
+            <a:ext cx="9666288" cy="4595532"/>
           </a:xfrm>
         </p:spPr>
         <p:txBody>
-          <a:bodyPr/>
+          <a:bodyPr>
+            <a:normAutofit/>
+          </a:bodyPr>
           <a:lstStyle/>
           <a:p>
             <a:r>
+              <a:rPr lang="en-US" dirty="0" smtClean="0"/>
+              <a:t>Since the CAP theorem was not enough (for users wanting undisturbed systems by network partitions) </a:t>
+            </a:r>
+            <a:r>
+              <a:rPr lang="en-US" i="1" dirty="0" smtClean="0"/>
+              <a:t>Eventual Consistency </a:t>
+            </a:r>
+            <a:r>
+              <a:rPr lang="en-US" dirty="0" smtClean="0"/>
+              <a:t>had to be implemented.</a:t>
+            </a:r>
+          </a:p>
+          <a:p>
+            <a:r>
               <a:rPr lang="en-US" dirty="0"/>
-              <a:t>The core of the </a:t>
-            </a:r>
-            <a:r>
-              <a:rPr lang="en-US" i="1" dirty="0" smtClean="0"/>
-              <a:t>Ev</a:t>
-            </a:r>
-            <a:r>
-              <a:rPr lang="en-US" i="1" dirty="0" smtClean="0"/>
-              <a:t>entual Consistency </a:t>
-            </a:r>
-            <a:r>
-              <a:rPr lang="en-US" dirty="0"/>
-              <a:t>concept is that while a database may have some inconsistencies at any point in time, it will eventually become consistent when all updates cease: </a:t>
+              <a:t>The core of the eventual consistency concept is that while a database may have some inconsistencies at any point in time, it will eventually become consistent when all updates cease: </a:t>
             </a:r>
             <a:r>
               <a:rPr lang="en-US" i="1" dirty="0"/>
@@ -6654,23 +6650,11 @@
             </a:r>
             <a:r>
               <a:rPr lang="en-US" dirty="0" smtClean="0"/>
-              <a:t>updates</a:t>
-            </a:r>
-            <a:r>
-              <a:rPr lang="en-US" dirty="0"/>
-              <a:t> </a:t>
-            </a:r>
-            <a:r>
-              <a:rPr lang="en-US" dirty="0" smtClean="0"/>
-              <a:t>(</a:t>
-            </a:r>
-            <a:r>
-              <a:rPr lang="en-US" dirty="0" err="1"/>
-              <a:t>q</a:t>
+              <a:t>updates (</a:t>
             </a:r>
             <a:r>
               <a:rPr lang="en-US" dirty="0" err="1" smtClean="0"/>
-              <a:t>td</a:t>
+              <a:t>qtd</a:t>
             </a:r>
             <a:r>
               <a:rPr lang="en-US" dirty="0" smtClean="0"/>
@@ -6681,7 +6665,39 @@
           <a:p>
             <a:r>
               <a:rPr lang="en-US" dirty="0" smtClean="0"/>
-              <a:t>It’s basically computational wishful thinking </a:t>
+              <a:t>Keep in mind that a bank or ACID oriented database systems cannot afford to use </a:t>
+            </a:r>
+            <a:r>
+              <a:rPr lang="en-US" i="1" dirty="0" smtClean="0"/>
+              <a:t>Eventual Consistency</a:t>
+            </a:r>
+            <a:r>
+              <a:rPr lang="en-US" dirty="0" smtClean="0"/>
+              <a:t> it is more-so used for platforms that can do without “all or nothing transactions.”</a:t>
+            </a:r>
+          </a:p>
+          <a:p>
+            <a:pPr marL="857250" lvl="1" indent="-400050">
+              <a:buFont typeface="+mj-lt"/>
+              <a:buAutoNum type="romanLcPeriod"/>
+            </a:pPr>
+            <a:r>
+              <a:rPr lang="en-US" dirty="0" smtClean="0"/>
+              <a:t>A Tweet or Facebook post loading 1 or 2 seconds too late/early.</a:t>
+            </a:r>
+          </a:p>
+          <a:p>
+            <a:pPr marL="857250" lvl="1" indent="-400050">
+              <a:buFont typeface="+mj-lt"/>
+              <a:buAutoNum type="romanLcPeriod"/>
+            </a:pPr>
+            <a:r>
+              <a:rPr lang="en-US" dirty="0" smtClean="0"/>
+              <a:t>Websites and E-Commerce that do not require a </a:t>
+            </a:r>
+            <a:r>
+              <a:rPr lang="en-US" smtClean="0"/>
+              <a:t>synchronous consistency.</a:t>
             </a:r>
             <a:endParaRPr lang="en-US" dirty="0"/>
           </a:p>
@@ -7325,27 +7341,23 @@
             </a:r>
             <a:r>
               <a:rPr lang="en-US" sz="1200" dirty="0"/>
-              <a:t>, 7 Jan. </a:t>
-            </a:r>
-            <a:r>
-              <a:rPr lang="en-US" sz="1200"/>
-              <a:t>2011,</a:t>
+              <a:t>, 7 Jan. 2011,</a:t>
             </a:r>
             <a:br>
-              <a:rPr lang="en-US" sz="1200"/>
+              <a:rPr lang="en-US" sz="1200" dirty="0"/>
             </a:br>
             <a:r>
-              <a:rPr lang="en-US" sz="1200"/>
+              <a:rPr lang="en-US" sz="1200" dirty="0"/>
               <a:t>	</a:t>
             </a:r>
             <a:r>
-              <a:rPr lang="en-US" sz="1200">
+              <a:rPr lang="en-US" sz="1200" dirty="0">
                 <a:hlinkClick r:id="rId2"/>
               </a:rPr>
               <a:t>www.dbta.com/Columns/Applications-Insight/Eventual-Consistency-73004.aspx</a:t>
             </a:r>
             <a:r>
-              <a:rPr lang="en-US" sz="1200"/>
+              <a:rPr lang="en-US" sz="1200" dirty="0" smtClean="0"/>
               <a:t>.</a:t>
             </a:r>
           </a:p>
@@ -7354,7 +7366,32 @@
               <a:buNone/>
             </a:pPr>
             <a:r>
-              <a:rPr lang="en-US" sz="1200" smtClean="0"/>
+              <a:rPr lang="en-US" sz="1200" dirty="0" smtClean="0"/>
+              <a:t>---. "</a:t>
+            </a:r>
+            <a:r>
+              <a:rPr lang="en-US" sz="1200" dirty="0"/>
+              <a:t>Consistency Models." Next Generation Databases. </a:t>
+            </a:r>
+            <a:r>
+              <a:rPr lang="en-US" sz="1200" dirty="0" err="1"/>
+              <a:t>Apress</a:t>
+            </a:r>
+            <a:r>
+              <a:rPr lang="en-US" sz="1200" dirty="0"/>
+              <a:t>, Berkeley, CA, </a:t>
+            </a:r>
+            <a:r>
+              <a:rPr lang="en-US" sz="1200" dirty="0" smtClean="0"/>
+              <a:t>2015.</a:t>
+            </a:r>
+          </a:p>
+          <a:p>
+            <a:pPr marL="0" indent="0">
+              <a:buNone/>
+            </a:pPr>
+            <a:r>
+              <a:rPr lang="en-US" sz="1200" dirty="0" smtClean="0"/>
               <a:t>Thant</a:t>
             </a:r>
             <a:r>

--- a/group6slidshow.pptx
+++ b/group6slidshow.pptx
@@ -7,11 +7,12 @@
   <p:sldIdLst>
     <p:sldId id="256" r:id="rId2"/>
     <p:sldId id="259" r:id="rId3"/>
-    <p:sldId id="260" r:id="rId4"/>
+    <p:sldId id="264" r:id="rId4"/>
     <p:sldId id="257" r:id="rId5"/>
-    <p:sldId id="258" r:id="rId6"/>
-    <p:sldId id="261" r:id="rId7"/>
-    <p:sldId id="262" r:id="rId8"/>
+    <p:sldId id="263" r:id="rId6"/>
+    <p:sldId id="260" r:id="rId7"/>
+    <p:sldId id="261" r:id="rId8"/>
+    <p:sldId id="262" r:id="rId9"/>
   </p:sldIdLst>
   <p:sldSz cx="12192000" cy="6858000"/>
   <p:notesSz cx="6858000" cy="9144000"/>
@@ -6109,8 +6110,8 @@
         </p:nvSpPr>
         <p:spPr>
           <a:xfrm>
-            <a:off x="887461" y="424296"/>
-            <a:ext cx="10427445" cy="3329581"/>
+            <a:off x="-84487" y="1217467"/>
+            <a:ext cx="12371340" cy="3329581"/>
           </a:xfrm>
         </p:spPr>
         <p:txBody>
@@ -6120,286 +6121,9 @@
             <a:pPr algn="ctr"/>
             <a:r>
               <a:rPr lang="en-US" dirty="0" smtClean="0"/>
-              <a:t>Eventual Consistency in NoSQL</a:t>
+              <a:t>Consistency in Database Systems Illustrated with NRW Notation</a:t>
             </a:r>
             <a:endParaRPr lang="en-US" dirty="0"/>
-          </a:p>
-        </p:txBody>
-      </p:sp>
-      <p:sp>
-        <p:nvSpPr>
-          <p:cNvPr id="5" name="Subtitle 2"/>
-          <p:cNvSpPr txBox="1">
-            <a:spLocks/>
-          </p:cNvSpPr>
-          <p:nvPr/>
-        </p:nvSpPr>
-        <p:spPr>
-          <a:xfrm>
-            <a:off x="1688354" y="4547048"/>
-            <a:ext cx="8825658" cy="861420"/>
-          </a:xfrm>
-          <a:prstGeom prst="rect">
-            <a:avLst/>
-          </a:prstGeom>
-        </p:spPr>
-        <p:txBody>
-          <a:bodyPr vert="horz" lIns="91440" tIns="45720" rIns="91440" bIns="45720" rtlCol="0" anchor="t">
-            <a:normAutofit/>
-          </a:bodyPr>
-          <a:lstStyle>
-            <a:lvl1pPr marL="0" indent="0" algn="l" defTabSz="457200" rtl="0" eaLnBrk="1" latinLnBrk="0" hangingPunct="1">
-              <a:spcBef>
-                <a:spcPts val="1000"/>
-              </a:spcBef>
-              <a:spcAft>
-                <a:spcPts val="0"/>
-              </a:spcAft>
-              <a:buClr>
-                <a:schemeClr val="bg2">
-                  <a:lumMod val="40000"/>
-                  <a:lumOff val="60000"/>
-                </a:schemeClr>
-              </a:buClr>
-              <a:buSzPct val="80000"/>
-              <a:buFont typeface="Wingdings 3" charset="2"/>
-              <a:buNone/>
-              <a:defRPr sz="2000" b="0" i="0" kern="1200" cap="all">
-                <a:solidFill>
-                  <a:schemeClr val="bg2">
-                    <a:lumMod val="40000"/>
-                    <a:lumOff val="60000"/>
-                  </a:schemeClr>
-                </a:solidFill>
-                <a:latin typeface="+mj-lt"/>
-                <a:ea typeface="+mj-ea"/>
-                <a:cs typeface="+mj-cs"/>
-              </a:defRPr>
-            </a:lvl1pPr>
-            <a:lvl2pPr marL="457200" indent="0" algn="ctr" defTabSz="457200" rtl="0" eaLnBrk="1" latinLnBrk="0" hangingPunct="1">
-              <a:spcBef>
-                <a:spcPts val="1000"/>
-              </a:spcBef>
-              <a:spcAft>
-                <a:spcPts val="0"/>
-              </a:spcAft>
-              <a:buClr>
-                <a:schemeClr val="bg2">
-                  <a:lumMod val="40000"/>
-                  <a:lumOff val="60000"/>
-                </a:schemeClr>
-              </a:buClr>
-              <a:buSzPct val="80000"/>
-              <a:buFont typeface="Wingdings 3" charset="2"/>
-              <a:buNone/>
-              <a:defRPr sz="1800" b="0" i="0" kern="1200">
-                <a:solidFill>
-                  <a:schemeClr val="tx1">
-                    <a:tint val="75000"/>
-                  </a:schemeClr>
-                </a:solidFill>
-                <a:latin typeface="+mj-lt"/>
-                <a:ea typeface="+mj-ea"/>
-                <a:cs typeface="+mj-cs"/>
-              </a:defRPr>
-            </a:lvl2pPr>
-            <a:lvl3pPr marL="914400" indent="0" algn="ctr" defTabSz="457200" rtl="0" eaLnBrk="1" latinLnBrk="0" hangingPunct="1">
-              <a:spcBef>
-                <a:spcPts val="1000"/>
-              </a:spcBef>
-              <a:spcAft>
-                <a:spcPts val="0"/>
-              </a:spcAft>
-              <a:buClr>
-                <a:schemeClr val="bg2">
-                  <a:lumMod val="40000"/>
-                  <a:lumOff val="60000"/>
-                </a:schemeClr>
-              </a:buClr>
-              <a:buSzPct val="80000"/>
-              <a:buFont typeface="Wingdings 3" charset="2"/>
-              <a:buNone/>
-              <a:defRPr sz="1600" b="0" i="0" kern="1200">
-                <a:solidFill>
-                  <a:schemeClr val="tx1">
-                    <a:tint val="75000"/>
-                  </a:schemeClr>
-                </a:solidFill>
-                <a:latin typeface="+mj-lt"/>
-                <a:ea typeface="+mj-ea"/>
-                <a:cs typeface="+mj-cs"/>
-              </a:defRPr>
-            </a:lvl3pPr>
-            <a:lvl4pPr marL="1371600" indent="0" algn="ctr" defTabSz="457200" rtl="0" eaLnBrk="1" latinLnBrk="0" hangingPunct="1">
-              <a:spcBef>
-                <a:spcPts val="1000"/>
-              </a:spcBef>
-              <a:spcAft>
-                <a:spcPts val="0"/>
-              </a:spcAft>
-              <a:buClr>
-                <a:schemeClr val="bg2">
-                  <a:lumMod val="40000"/>
-                  <a:lumOff val="60000"/>
-                </a:schemeClr>
-              </a:buClr>
-              <a:buSzPct val="80000"/>
-              <a:buFont typeface="Wingdings 3" charset="2"/>
-              <a:buNone/>
-              <a:defRPr sz="1400" b="0" i="0" kern="1200">
-                <a:solidFill>
-                  <a:schemeClr val="tx1">
-                    <a:tint val="75000"/>
-                  </a:schemeClr>
-                </a:solidFill>
-                <a:latin typeface="+mj-lt"/>
-                <a:ea typeface="+mj-ea"/>
-                <a:cs typeface="+mj-cs"/>
-              </a:defRPr>
-            </a:lvl4pPr>
-            <a:lvl5pPr marL="1828800" indent="0" algn="ctr" defTabSz="457200" rtl="0" eaLnBrk="1" latinLnBrk="0" hangingPunct="1">
-              <a:spcBef>
-                <a:spcPts val="1000"/>
-              </a:spcBef>
-              <a:spcAft>
-                <a:spcPts val="0"/>
-              </a:spcAft>
-              <a:buClr>
-                <a:schemeClr val="bg2">
-                  <a:lumMod val="40000"/>
-                  <a:lumOff val="60000"/>
-                </a:schemeClr>
-              </a:buClr>
-              <a:buSzPct val="80000"/>
-              <a:buFont typeface="Wingdings 3" charset="2"/>
-              <a:buNone/>
-              <a:defRPr sz="1400" b="0" i="0" kern="1200">
-                <a:solidFill>
-                  <a:schemeClr val="tx1">
-                    <a:tint val="75000"/>
-                  </a:schemeClr>
-                </a:solidFill>
-                <a:latin typeface="+mj-lt"/>
-                <a:ea typeface="+mj-ea"/>
-                <a:cs typeface="+mj-cs"/>
-              </a:defRPr>
-            </a:lvl5pPr>
-            <a:lvl6pPr marL="2286000" indent="0" algn="ctr" defTabSz="457200" rtl="0" eaLnBrk="1" latinLnBrk="0" hangingPunct="1">
-              <a:spcBef>
-                <a:spcPts val="1000"/>
-              </a:spcBef>
-              <a:spcAft>
-                <a:spcPts val="0"/>
-              </a:spcAft>
-              <a:buClr>
-                <a:schemeClr val="bg2">
-                  <a:lumMod val="40000"/>
-                  <a:lumOff val="60000"/>
-                </a:schemeClr>
-              </a:buClr>
-              <a:buSzPct val="80000"/>
-              <a:buFont typeface="Wingdings 3" charset="2"/>
-              <a:buNone/>
-              <a:defRPr sz="1400" b="0" i="0" kern="1200">
-                <a:solidFill>
-                  <a:schemeClr val="tx1">
-                    <a:tint val="75000"/>
-                  </a:schemeClr>
-                </a:solidFill>
-                <a:latin typeface="+mj-lt"/>
-                <a:ea typeface="+mj-ea"/>
-                <a:cs typeface="+mj-cs"/>
-              </a:defRPr>
-            </a:lvl6pPr>
-            <a:lvl7pPr marL="2743200" indent="0" algn="ctr" defTabSz="457200" rtl="0" eaLnBrk="1" latinLnBrk="0" hangingPunct="1">
-              <a:spcBef>
-                <a:spcPts val="1000"/>
-              </a:spcBef>
-              <a:spcAft>
-                <a:spcPts val="0"/>
-              </a:spcAft>
-              <a:buClr>
-                <a:schemeClr val="bg2">
-                  <a:lumMod val="40000"/>
-                  <a:lumOff val="60000"/>
-                </a:schemeClr>
-              </a:buClr>
-              <a:buSzPct val="80000"/>
-              <a:buFont typeface="Wingdings 3" charset="2"/>
-              <a:buNone/>
-              <a:defRPr sz="1400" b="0" i="0" kern="1200">
-                <a:solidFill>
-                  <a:schemeClr val="tx1">
-                    <a:tint val="75000"/>
-                  </a:schemeClr>
-                </a:solidFill>
-                <a:latin typeface="+mj-lt"/>
-                <a:ea typeface="+mj-ea"/>
-                <a:cs typeface="+mj-cs"/>
-              </a:defRPr>
-            </a:lvl7pPr>
-            <a:lvl8pPr marL="3200400" indent="0" algn="ctr" defTabSz="457200" rtl="0" eaLnBrk="1" latinLnBrk="0" hangingPunct="1">
-              <a:spcBef>
-                <a:spcPts val="1000"/>
-              </a:spcBef>
-              <a:spcAft>
-                <a:spcPts val="0"/>
-              </a:spcAft>
-              <a:buClr>
-                <a:schemeClr val="bg2">
-                  <a:lumMod val="40000"/>
-                  <a:lumOff val="60000"/>
-                </a:schemeClr>
-              </a:buClr>
-              <a:buSzPct val="80000"/>
-              <a:buFont typeface="Wingdings 3" charset="2"/>
-              <a:buNone/>
-              <a:defRPr sz="1400" b="0" i="0" kern="1200">
-                <a:solidFill>
-                  <a:schemeClr val="tx1">
-                    <a:tint val="75000"/>
-                  </a:schemeClr>
-                </a:solidFill>
-                <a:latin typeface="+mj-lt"/>
-                <a:ea typeface="+mj-ea"/>
-                <a:cs typeface="+mj-cs"/>
-              </a:defRPr>
-            </a:lvl8pPr>
-            <a:lvl9pPr marL="3657600" indent="0" algn="ctr" defTabSz="457200" rtl="0" eaLnBrk="1" latinLnBrk="0" hangingPunct="1">
-              <a:spcBef>
-                <a:spcPts val="1000"/>
-              </a:spcBef>
-              <a:spcAft>
-                <a:spcPts val="0"/>
-              </a:spcAft>
-              <a:buClr>
-                <a:schemeClr val="bg2">
-                  <a:lumMod val="40000"/>
-                  <a:lumOff val="60000"/>
-                </a:schemeClr>
-              </a:buClr>
-              <a:buSzPct val="80000"/>
-              <a:buFont typeface="Wingdings 3" charset="2"/>
-              <a:buNone/>
-              <a:defRPr sz="1400" b="0" i="0" kern="1200">
-                <a:solidFill>
-                  <a:schemeClr val="tx1">
-                    <a:tint val="75000"/>
-                  </a:schemeClr>
-                </a:solidFill>
-                <a:latin typeface="+mj-lt"/>
-                <a:ea typeface="+mj-ea"/>
-                <a:cs typeface="+mj-cs"/>
-              </a:defRPr>
-            </a:lvl9pPr>
-          </a:lstStyle>
-          <a:p>
-            <a:pPr algn="ctr"/>
-            <a:r>
-              <a:rPr lang="en-US" sz="4000" dirty="0" smtClean="0"/>
-              <a:t>Illustrated with NRW Notation</a:t>
-            </a:r>
-            <a:endParaRPr lang="en-US" sz="4000" dirty="0"/>
           </a:p>
         </p:txBody>
       </p:sp>
@@ -6594,7 +6318,7 @@
           <a:p>
             <a:r>
               <a:rPr lang="en-US" dirty="0" smtClean="0"/>
-              <a:t>Eventual Consistency</a:t>
+              <a:t>Consistencies</a:t>
             </a:r>
             <a:endParaRPr lang="en-US" dirty="0"/>
           </a:p>
@@ -6610,94 +6334,80 @@
             <p:ph idx="1"/>
           </p:nvPr>
         </p:nvSpPr>
-        <p:spPr>
-          <a:xfrm>
-            <a:off x="1103312" y="2052918"/>
-            <a:ext cx="9666288" cy="4595532"/>
-          </a:xfrm>
-        </p:spPr>
-        <p:txBody>
-          <a:bodyPr>
-            <a:normAutofit/>
-          </a:bodyPr>
+        <p:spPr/>
+        <p:txBody>
+          <a:bodyPr/>
           <a:lstStyle/>
           <a:p>
+            <a:pPr marL="342900" lvl="1" indent="-342900"/>
             <a:r>
               <a:rPr lang="en-US" dirty="0" smtClean="0"/>
-              <a:t>Since the CAP theorem was not enough (for users wanting undisturbed systems by network partitions) </a:t>
-            </a:r>
-            <a:r>
-              <a:rPr lang="en-US" i="1" dirty="0" smtClean="0"/>
-              <a:t>Eventual Consistency </a:t>
+              <a:t>There are many types of consistencies </a:t>
+            </a:r>
+            <a:r>
+              <a:rPr lang="en-US" dirty="0"/>
+              <a:t>(</a:t>
+            </a:r>
+            <a:r>
+              <a:rPr lang="en-US" dirty="0" err="1"/>
+              <a:t>ctd</a:t>
+            </a:r>
+            <a:r>
+              <a:rPr lang="en-US" dirty="0"/>
+              <a:t>. in Springer</a:t>
             </a:r>
             <a:r>
               <a:rPr lang="en-US" dirty="0" smtClean="0"/>
-              <a:t>had to be implemented.</a:t>
-            </a:r>
-          </a:p>
-          <a:p>
-            <a:r>
-              <a:rPr lang="en-US" dirty="0"/>
-              <a:t>The core of the eventual consistency concept is that while a database may have some inconsistencies at any point in time, it will eventually become consistent when all updates cease: </a:t>
-            </a:r>
-            <a:r>
-              <a:rPr lang="en-US" i="1" dirty="0"/>
-              <a:t>eventually</a:t>
-            </a:r>
-            <a:r>
-              <a:rPr lang="en-US" dirty="0"/>
-              <a:t> all nodes will receive the latest consistent </a:t>
-            </a:r>
+              <a:t>):</a:t>
+            </a:r>
+            <a:endParaRPr lang="en-US" dirty="0"/>
+          </a:p>
+          <a:p>
+            <a:pPr marL="742950" lvl="2" indent="-342900">
+              <a:buFont typeface="Wingdings" panose="05000000000000000000" pitchFamily="2" charset="2"/>
+              <a:buChar char="v"/>
+            </a:pPr>
             <a:r>
               <a:rPr lang="en-US" dirty="0" smtClean="0"/>
-              <a:t>updates (</a:t>
-            </a:r>
-            <a:r>
-              <a:rPr lang="en-US" dirty="0" err="1" smtClean="0"/>
-              <a:t>qtd</a:t>
-            </a:r>
+              <a:t>Strong Consistency: After the update, any subsequent accesses will return the updated value.</a:t>
+            </a:r>
+          </a:p>
+          <a:p>
+            <a:pPr marL="742950" lvl="2" indent="-342900">
+              <a:buFont typeface="Wingdings" panose="05000000000000000000" pitchFamily="2" charset="2"/>
+              <a:buChar char="v"/>
+            </a:pPr>
             <a:r>
               <a:rPr lang="en-US" dirty="0" smtClean="0"/>
-              <a:t>. in Harrison).</a:t>
-            </a:r>
-            <a:endParaRPr lang="en-US" dirty="0" smtClean="0"/>
-          </a:p>
-          <a:p>
+              <a:t>Weak Consistency: The system does not guarantee that at any given point in the future subsequent access will return the updated value.</a:t>
+            </a:r>
+          </a:p>
+          <a:p>
+            <a:pPr marL="742950" lvl="2" indent="-342900">
+              <a:buFont typeface="Wingdings" panose="05000000000000000000" pitchFamily="2" charset="2"/>
+              <a:buChar char="v"/>
+            </a:pPr>
             <a:r>
               <a:rPr lang="en-US" dirty="0" smtClean="0"/>
-              <a:t>Keep in mind that a bank or ACID oriented database systems cannot afford to use </a:t>
-            </a:r>
-            <a:r>
-              <a:rPr lang="en-US" i="1" dirty="0" smtClean="0"/>
-              <a:t>Eventual Consistency</a:t>
+              <a:t>Eventual Consistency: If </a:t>
+            </a:r>
+            <a:r>
+              <a:rPr lang="en-US" u="sng" dirty="0" smtClean="0"/>
+              <a:t>NO UPDATES</a:t>
             </a:r>
             <a:r>
               <a:rPr lang="en-US" dirty="0" smtClean="0"/>
-              <a:t> it is more-so used for platforms that can do without “all or nothing transactions.”</a:t>
-            </a:r>
-          </a:p>
-          <a:p>
-            <a:pPr marL="857250" lvl="1" indent="-400050">
-              <a:buFont typeface="+mj-lt"/>
-              <a:buAutoNum type="romanLcPeriod"/>
+              <a:t> are made to the objet, eventually all accesses will return the last updated value.</a:t>
+            </a:r>
+          </a:p>
+          <a:p>
+            <a:pPr marL="742950" lvl="2" indent="-342900">
+              <a:buFont typeface="Wingdings" panose="05000000000000000000" pitchFamily="2" charset="2"/>
+              <a:buChar char="v"/>
             </a:pPr>
             <a:r>
               <a:rPr lang="en-US" dirty="0" smtClean="0"/>
-              <a:t>A Tweet or Facebook post loading 1 or 2 seconds too late/early.</a:t>
-            </a:r>
-          </a:p>
-          <a:p>
-            <a:pPr marL="857250" lvl="1" indent="-400050">
-              <a:buFont typeface="+mj-lt"/>
-              <a:buAutoNum type="romanLcPeriod"/>
-            </a:pPr>
-            <a:r>
-              <a:rPr lang="en-US" dirty="0" smtClean="0"/>
-              <a:t>Websites and E-Commerce that do not require a </a:t>
-            </a:r>
-            <a:r>
-              <a:rPr lang="en-US" smtClean="0"/>
-              <a:t>synchronous consistency.</a:t>
+              <a:t>There are also these, but we’ll not go any deeper than this: Casual, Read-Your-Writes, Session, Monotonic Read/Write, Eventual RDBMS consistencies. </a:t>
             </a:r>
             <a:endParaRPr lang="en-US" dirty="0"/>
           </a:p>
@@ -6706,7 +6416,7 @@
     </p:spTree>
     <p:extLst>
       <p:ext uri="{BB962C8B-B14F-4D97-AF65-F5344CB8AC3E}">
-        <p14:creationId xmlns:p14="http://schemas.microsoft.com/office/powerpoint/2010/main" val="3888219724"/>
+        <p14:creationId xmlns:p14="http://schemas.microsoft.com/office/powerpoint/2010/main" val="236508873"/>
       </p:ext>
     </p:extLst>
   </p:cSld>
@@ -6750,7 +6460,7 @@
           <a:p>
             <a:r>
               <a:rPr lang="en-US" dirty="0" smtClean="0"/>
-              <a:t>NRW</a:t>
+              <a:t>NRW NOTATION</a:t>
             </a:r>
             <a:endParaRPr lang="en-US" dirty="0"/>
           </a:p>
@@ -6931,23 +6641,45 @@
           <a:chExt cx="0" cy="0"/>
         </a:xfrm>
       </p:grpSpPr>
+      <p:sp>
+        <p:nvSpPr>
+          <p:cNvPr id="2" name="Title 1"/>
+          <p:cNvSpPr>
+            <a:spLocks noGrp="1"/>
+          </p:cNvSpPr>
+          <p:nvPr>
+            <p:ph type="title"/>
+          </p:nvPr>
+        </p:nvSpPr>
+        <p:spPr/>
+        <p:txBody>
+          <a:bodyPr/>
+          <a:lstStyle/>
+          <a:p>
+            <a:r>
+              <a:rPr lang="en-US" dirty="0" smtClean="0"/>
+              <a:t>NRW NOTATION</a:t>
+            </a:r>
+            <a:endParaRPr lang="en-US" dirty="0"/>
+          </a:p>
+        </p:txBody>
+      </p:sp>
       <p:graphicFrame>
         <p:nvGraphicFramePr>
           <p:cNvPr id="5" name="Content Placeholder 4"/>
           <p:cNvGraphicFramePr>
-            <a:graphicFrameLocks noGrp="1"/>
+            <a:graphicFrameLocks/>
           </p:cNvGraphicFramePr>
           <p:nvPr>
-            <p:ph idx="1"/>
             <p:extLst>
               <p:ext uri="{D42A27DB-BD31-4B8C-83A1-F6EECF244321}">
-                <p14:modId xmlns:p14="http://schemas.microsoft.com/office/powerpoint/2010/main" val="2420105190"/>
+                <p14:modId xmlns:p14="http://schemas.microsoft.com/office/powerpoint/2010/main" val="3734774622"/>
               </p:ext>
             </p:extLst>
           </p:nvPr>
         </p:nvGraphicFramePr>
         <p:xfrm>
-          <a:off x="1200149" y="3771898"/>
+          <a:off x="1208088" y="3409950"/>
           <a:ext cx="9802814" cy="2382840"/>
         </p:xfrm>
         <a:graphic>
@@ -7180,7 +6912,7 @@
     </p:spTree>
     <p:extLst>
       <p:ext uri="{BB962C8B-B14F-4D97-AF65-F5344CB8AC3E}">
-        <p14:creationId xmlns:p14="http://schemas.microsoft.com/office/powerpoint/2010/main" val="3232789106"/>
+        <p14:creationId xmlns:p14="http://schemas.microsoft.com/office/powerpoint/2010/main" val="1249489284"/>
       </p:ext>
     </p:extLst>
   </p:cSld>
@@ -7229,7 +6961,11 @@
           <a:bodyPr/>
           <a:lstStyle/>
           <a:p>
-            <a:endParaRPr lang="en-US"/>
+            <a:r>
+              <a:rPr lang="en-US" dirty="0" smtClean="0"/>
+              <a:t>Eventual Consistency</a:t>
+            </a:r>
+            <a:endParaRPr lang="en-US" dirty="0"/>
           </a:p>
         </p:txBody>
       </p:sp>
@@ -7243,19 +6979,103 @@
             <p:ph idx="1"/>
           </p:nvPr>
         </p:nvSpPr>
-        <p:spPr/>
-        <p:txBody>
-          <a:bodyPr/>
+        <p:spPr>
+          <a:xfrm>
+            <a:off x="1103312" y="2052918"/>
+            <a:ext cx="9666288" cy="4595532"/>
+          </a:xfrm>
+        </p:spPr>
+        <p:txBody>
+          <a:bodyPr>
+            <a:normAutofit/>
+          </a:bodyPr>
           <a:lstStyle/>
           <a:p>
-            <a:endParaRPr lang="en-US"/>
+            <a:r>
+              <a:rPr lang="en-US" dirty="0" smtClean="0"/>
+              <a:t>Since the CAP theorem was not enough (for users wanting undisturbed systems by network partitions) </a:t>
+            </a:r>
+            <a:r>
+              <a:rPr lang="en-US" i="1" dirty="0" smtClean="0"/>
+              <a:t>Eventual Consistency </a:t>
+            </a:r>
+            <a:r>
+              <a:rPr lang="en-US" dirty="0" smtClean="0"/>
+              <a:t>had to be implemented.</a:t>
+            </a:r>
+          </a:p>
+          <a:p>
+            <a:r>
+              <a:rPr lang="en-US" dirty="0"/>
+              <a:t>The core of the eventual consistency concept is that while a database may have some inconsistencies at any point in time, it will eventually become consistent when all updates cease: </a:t>
+            </a:r>
+            <a:r>
+              <a:rPr lang="en-US" i="1" dirty="0"/>
+              <a:t>eventually</a:t>
+            </a:r>
+            <a:r>
+              <a:rPr lang="en-US" dirty="0"/>
+              <a:t> all nodes will receive the latest consistent </a:t>
+            </a:r>
+            <a:r>
+              <a:rPr lang="en-US" dirty="0" smtClean="0"/>
+              <a:t>updates (</a:t>
+            </a:r>
+            <a:r>
+              <a:rPr lang="en-US" dirty="0" err="1" smtClean="0"/>
+              <a:t>qtd</a:t>
+            </a:r>
+            <a:r>
+              <a:rPr lang="en-US" dirty="0" smtClean="0"/>
+              <a:t>. in Harrison).</a:t>
+            </a:r>
+            <a:endParaRPr lang="en-US" dirty="0" smtClean="0"/>
+          </a:p>
+          <a:p>
+            <a:r>
+              <a:rPr lang="en-US" dirty="0" smtClean="0"/>
+              <a:t>Keep in mind that a bank or ACID oriented database systems cannot afford to use </a:t>
+            </a:r>
+            <a:r>
+              <a:rPr lang="en-US" i="1" dirty="0" smtClean="0"/>
+              <a:t>Eventual Consistency</a:t>
+            </a:r>
+            <a:r>
+              <a:rPr lang="en-US" dirty="0" smtClean="0"/>
+              <a:t> it is more-so used for platforms that can do without “all or nothing transactions.”</a:t>
+            </a:r>
+          </a:p>
+          <a:p>
+            <a:pPr marL="857250" lvl="1" indent="-400050">
+              <a:buFont typeface="+mj-lt"/>
+              <a:buAutoNum type="romanLcPeriod"/>
+            </a:pPr>
+            <a:r>
+              <a:rPr lang="en-US" dirty="0" smtClean="0"/>
+              <a:t>A Tweet or Facebook post loading 1 or 2 seconds too late/early.</a:t>
+            </a:r>
+          </a:p>
+          <a:p>
+            <a:pPr marL="857250" lvl="1" indent="-400050">
+              <a:buFont typeface="+mj-lt"/>
+              <a:buAutoNum type="romanLcPeriod"/>
+            </a:pPr>
+            <a:r>
+              <a:rPr lang="en-US" dirty="0" smtClean="0"/>
+              <a:t>Websites and E-Commerce that do not require a </a:t>
+            </a:r>
+            <a:r>
+              <a:rPr lang="en-US" dirty="0" smtClean="0"/>
+              <a:t>synchronous consistency.</a:t>
+            </a:r>
+            <a:endParaRPr lang="en-US" dirty="0"/>
           </a:p>
         </p:txBody>
       </p:sp>
     </p:spTree>
     <p:extLst>
       <p:ext uri="{BB962C8B-B14F-4D97-AF65-F5344CB8AC3E}">
-        <p14:creationId xmlns:p14="http://schemas.microsoft.com/office/powerpoint/2010/main" val="1051705854"/>
+        <p14:creationId xmlns:p14="http://schemas.microsoft.com/office/powerpoint/2010/main" val="3888219724"/>
       </p:ext>
     </p:extLst>
   </p:cSld>
@@ -7297,6 +7117,74 @@
           <a:bodyPr/>
           <a:lstStyle/>
           <a:p>
+            <a:endParaRPr lang="en-US"/>
+          </a:p>
+        </p:txBody>
+      </p:sp>
+      <p:sp>
+        <p:nvSpPr>
+          <p:cNvPr id="3" name="Content Placeholder 2"/>
+          <p:cNvSpPr>
+            <a:spLocks noGrp="1"/>
+          </p:cNvSpPr>
+          <p:nvPr>
+            <p:ph idx="1"/>
+          </p:nvPr>
+        </p:nvSpPr>
+        <p:spPr/>
+        <p:txBody>
+          <a:bodyPr/>
+          <a:lstStyle/>
+          <a:p>
+            <a:endParaRPr lang="en-US"/>
+          </a:p>
+        </p:txBody>
+      </p:sp>
+    </p:spTree>
+    <p:extLst>
+      <p:ext uri="{BB962C8B-B14F-4D97-AF65-F5344CB8AC3E}">
+        <p14:creationId xmlns:p14="http://schemas.microsoft.com/office/powerpoint/2010/main" val="1051705854"/>
+      </p:ext>
+    </p:extLst>
+  </p:cSld>
+  <p:clrMapOvr>
+    <a:masterClrMapping/>
+  </p:clrMapOvr>
+</p:sld>
+</file>
+
+<file path=ppt/slides/slide8.xml><?xml version="1.0" encoding="utf-8"?>
+<p:sld xmlns:a="http://schemas.openxmlformats.org/drawingml/2006/main" xmlns:r="http://schemas.openxmlformats.org/officeDocument/2006/relationships" xmlns:p="http://schemas.openxmlformats.org/presentationml/2006/main">
+  <p:cSld>
+    <p:spTree>
+      <p:nvGrpSpPr>
+        <p:cNvPr id="1" name=""/>
+        <p:cNvGrpSpPr/>
+        <p:nvPr/>
+      </p:nvGrpSpPr>
+      <p:grpSpPr>
+        <a:xfrm>
+          <a:off x="0" y="0"/>
+          <a:ext cx="0" cy="0"/>
+          <a:chOff x="0" y="0"/>
+          <a:chExt cx="0" cy="0"/>
+        </a:xfrm>
+      </p:grpSpPr>
+      <p:sp>
+        <p:nvSpPr>
+          <p:cNvPr id="2" name="Title 1"/>
+          <p:cNvSpPr>
+            <a:spLocks noGrp="1"/>
+          </p:cNvSpPr>
+          <p:nvPr>
+            <p:ph type="title"/>
+          </p:nvPr>
+        </p:nvSpPr>
+        <p:spPr/>
+        <p:txBody>
+          <a:bodyPr/>
+          <a:lstStyle/>
+          <a:p>
             <a:pPr algn="ctr"/>
             <a:r>
               <a:rPr lang="en-US" dirty="0" smtClean="0"/>
@@ -7391,6 +7279,39 @@
               <a:buNone/>
             </a:pPr>
             <a:r>
+              <a:rPr lang="en-US" sz="1200" dirty="0"/>
+              <a:t>Springer, Wilfred. “Eventually Consistent.” LinkedIn </a:t>
+            </a:r>
+            <a:r>
+              <a:rPr lang="en-US" sz="1200" dirty="0" err="1"/>
+              <a:t>SlideShare</a:t>
+            </a:r>
+            <a:r>
+              <a:rPr lang="en-US" sz="1200" dirty="0"/>
+              <a:t>, 21 July 2010, </a:t>
+            </a:r>
+            <a:r>
+              <a:rPr lang="en-US" sz="1200" dirty="0" smtClean="0"/>
+              <a:t>www.slideshare.net/springerw/eventually-</a:t>
+            </a:r>
+            <a:br>
+              <a:rPr lang="en-US" sz="1200" dirty="0" smtClean="0"/>
+            </a:br>
+            <a:r>
+              <a:rPr lang="en-US" sz="1200" dirty="0" smtClean="0"/>
+              <a:t>	consistent</a:t>
+            </a:r>
+            <a:r>
+              <a:rPr lang="en-US" sz="1200" dirty="0"/>
+              <a:t>.</a:t>
+            </a:r>
+            <a:endParaRPr lang="en-US" sz="1200" dirty="0" smtClean="0"/>
+          </a:p>
+          <a:p>
+            <a:pPr marL="0" indent="0">
+              <a:buNone/>
+            </a:pPr>
+            <a:r>
               <a:rPr lang="en-US" sz="1200" dirty="0" smtClean="0"/>
               <a:t>Thant</a:t>
             </a:r>
@@ -7440,8 +7361,18 @@
             </a:r>
             <a:r>
               <a:rPr lang="en-US" sz="1200" dirty="0"/>
-              <a:t>, Peter, and GSE DB Belgium. "ACID or BASE?-the case of NoSQL."</a:t>
-            </a:r>
+              <a:t>, Peter, and GSE DB Belgium. "ACID or BASE?-the case of NoSQL</a:t>
+            </a:r>
+            <a:r>
+              <a:rPr lang="en-US" sz="1200" dirty="0" smtClean="0"/>
+              <a:t>.“</a:t>
+            </a:r>
+          </a:p>
+          <a:p>
+            <a:pPr marL="0" indent="0">
+              <a:buNone/>
+            </a:pPr>
+            <a:endParaRPr lang="en-US" sz="1200" dirty="0"/>
           </a:p>
         </p:txBody>
       </p:sp>

--- a/group6slidshow.pptx
+++ b/group6slidshow.pptx
@@ -10,9 +10,16 @@
     <p:sldId id="264" r:id="rId4"/>
     <p:sldId id="257" r:id="rId5"/>
     <p:sldId id="263" r:id="rId6"/>
-    <p:sldId id="260" r:id="rId7"/>
-    <p:sldId id="261" r:id="rId8"/>
-    <p:sldId id="262" r:id="rId9"/>
+    <p:sldId id="265" r:id="rId7"/>
+    <p:sldId id="266" r:id="rId8"/>
+    <p:sldId id="267" r:id="rId9"/>
+    <p:sldId id="268" r:id="rId10"/>
+    <p:sldId id="269" r:id="rId11"/>
+    <p:sldId id="270" r:id="rId12"/>
+    <p:sldId id="271" r:id="rId13"/>
+    <p:sldId id="260" r:id="rId14"/>
+    <p:sldId id="261" r:id="rId15"/>
+    <p:sldId id="262" r:id="rId16"/>
   </p:sldIdLst>
   <p:sldSz cx="12192000" cy="6858000"/>
   <p:notesSz cx="6858000" cy="9144000"/>
@@ -6147,6 +6154,923 @@
 </p:sld>
 </file>
 
+<file path=ppt/slides/slide10.xml><?xml version="1.0" encoding="utf-8"?>
+<p:sld xmlns:a="http://schemas.openxmlformats.org/drawingml/2006/main" xmlns:r="http://schemas.openxmlformats.org/officeDocument/2006/relationships" xmlns:p="http://schemas.openxmlformats.org/presentationml/2006/main">
+  <p:cSld>
+    <p:spTree>
+      <p:nvGrpSpPr>
+        <p:cNvPr id="1" name=""/>
+        <p:cNvGrpSpPr/>
+        <p:nvPr/>
+      </p:nvGrpSpPr>
+      <p:grpSpPr>
+        <a:xfrm>
+          <a:off x="0" y="0"/>
+          <a:ext cx="0" cy="0"/>
+          <a:chOff x="0" y="0"/>
+          <a:chExt cx="0" cy="0"/>
+        </a:xfrm>
+      </p:grpSpPr>
+      <p:sp>
+        <p:nvSpPr>
+          <p:cNvPr id="2" name="Title 1"/>
+          <p:cNvSpPr>
+            <a:spLocks noGrp="1"/>
+          </p:cNvSpPr>
+          <p:nvPr>
+            <p:ph type="title"/>
+          </p:nvPr>
+        </p:nvSpPr>
+        <p:spPr/>
+        <p:txBody>
+          <a:bodyPr/>
+          <a:lstStyle/>
+          <a:p>
+            <a:r>
+              <a:rPr lang="en-US" dirty="0" smtClean="0"/>
+              <a:t>An easy way to remember NRW</a:t>
+            </a:r>
+            <a:endParaRPr lang="en-US" dirty="0"/>
+          </a:p>
+        </p:txBody>
+      </p:sp>
+      <p:sp>
+        <p:nvSpPr>
+          <p:cNvPr id="4" name="Content Placeholder 3"/>
+          <p:cNvSpPr>
+            <a:spLocks noGrp="1"/>
+          </p:cNvSpPr>
+          <p:nvPr>
+            <p:ph idx="1"/>
+          </p:nvPr>
+        </p:nvSpPr>
+        <p:spPr/>
+        <p:txBody>
+          <a:bodyPr/>
+          <a:lstStyle/>
+          <a:p>
+            <a:r>
+              <a:rPr lang="en-US" dirty="0"/>
+              <a:t>When Read or Write are 1 and the other two variables are the same, the unpaired (variable with 1) is the optimized pillar </a:t>
+            </a:r>
+          </a:p>
+          <a:p>
+            <a:pPr lvl="1">
+              <a:buFont typeface="Wingdings" panose="05000000000000000000" pitchFamily="2" charset="2"/>
+              <a:buChar char="§"/>
+            </a:pPr>
+            <a:r>
+              <a:rPr lang="en-US" dirty="0"/>
+              <a:t>will always be “read/write optimized </a:t>
+            </a:r>
+            <a:r>
+              <a:rPr lang="en-US" u="sng" dirty="0"/>
+              <a:t>strong</a:t>
+            </a:r>
+            <a:r>
+              <a:rPr lang="en-US" dirty="0"/>
+              <a:t> consistency”, since 1+x is always &gt; x</a:t>
+            </a:r>
+          </a:p>
+          <a:p>
+            <a:endParaRPr lang="en-US" dirty="0" smtClean="0"/>
+          </a:p>
+          <a:p>
+            <a:pPr marL="0" indent="0">
+              <a:buNone/>
+            </a:pPr>
+            <a:r>
+              <a:rPr lang="en-US" dirty="0" smtClean="0"/>
+              <a:t>So, once more, what is the answer to this question: </a:t>
+            </a:r>
+            <a:br>
+              <a:rPr lang="en-US" dirty="0" smtClean="0"/>
+            </a:br>
+            <a:r>
+              <a:rPr lang="en-US" dirty="0" smtClean="0"/>
+              <a:t>Let R = 3, W = 1, and N = 1: STRONG CONSISTENCY</a:t>
+            </a:r>
+            <a:endParaRPr lang="en-US" dirty="0"/>
+          </a:p>
+        </p:txBody>
+      </p:sp>
+    </p:spTree>
+    <p:extLst>
+      <p:ext uri="{BB962C8B-B14F-4D97-AF65-F5344CB8AC3E}">
+        <p14:creationId xmlns:p14="http://schemas.microsoft.com/office/powerpoint/2010/main" val="2785325697"/>
+      </p:ext>
+    </p:extLst>
+  </p:cSld>
+  <p:clrMapOvr>
+    <a:masterClrMapping/>
+  </p:clrMapOvr>
+  <p:timing>
+    <p:tnLst>
+      <p:par>
+        <p:cTn id="1" dur="indefinite" restart="never" nodeType="tmRoot"/>
+      </p:par>
+    </p:tnLst>
+  </p:timing>
+</p:sld>
+</file>
+
+<file path=ppt/slides/slide11.xml><?xml version="1.0" encoding="utf-8"?>
+<p:sld xmlns:a="http://schemas.openxmlformats.org/drawingml/2006/main" xmlns:r="http://schemas.openxmlformats.org/officeDocument/2006/relationships" xmlns:p="http://schemas.openxmlformats.org/presentationml/2006/main">
+  <p:cSld>
+    <p:spTree>
+      <p:nvGrpSpPr>
+        <p:cNvPr id="1" name=""/>
+        <p:cNvGrpSpPr/>
+        <p:nvPr/>
+      </p:nvGrpSpPr>
+      <p:grpSpPr>
+        <a:xfrm>
+          <a:off x="0" y="0"/>
+          <a:ext cx="0" cy="0"/>
+          <a:chOff x="0" y="0"/>
+          <a:chExt cx="0" cy="0"/>
+        </a:xfrm>
+      </p:grpSpPr>
+      <p:sp>
+        <p:nvSpPr>
+          <p:cNvPr id="2" name="Title 1"/>
+          <p:cNvSpPr>
+            <a:spLocks noGrp="1"/>
+          </p:cNvSpPr>
+          <p:nvPr>
+            <p:ph type="title"/>
+          </p:nvPr>
+        </p:nvSpPr>
+        <p:spPr/>
+        <p:txBody>
+          <a:bodyPr/>
+          <a:lstStyle/>
+          <a:p>
+            <a:r>
+              <a:rPr lang="en-US" dirty="0" smtClean="0"/>
+              <a:t>An easy way to remember NRW</a:t>
+            </a:r>
+            <a:endParaRPr lang="en-US" dirty="0"/>
+          </a:p>
+        </p:txBody>
+      </p:sp>
+      <p:sp>
+        <p:nvSpPr>
+          <p:cNvPr id="4" name="Content Placeholder 3"/>
+          <p:cNvSpPr>
+            <a:spLocks noGrp="1"/>
+          </p:cNvSpPr>
+          <p:nvPr>
+            <p:ph idx="1"/>
+          </p:nvPr>
+        </p:nvSpPr>
+        <p:spPr>
+          <a:xfrm>
+            <a:off x="1103312" y="2052918"/>
+            <a:ext cx="8946541" cy="5813825"/>
+          </a:xfrm>
+        </p:spPr>
+        <p:txBody>
+          <a:bodyPr>
+            <a:normAutofit/>
+          </a:bodyPr>
+          <a:lstStyle/>
+          <a:p>
+            <a:r>
+              <a:rPr lang="en-US" dirty="0"/>
+              <a:t>When Read or Write are 1 and the other two variables are the same, the unpaired (variable with 1) is the optimized pillar </a:t>
+            </a:r>
+          </a:p>
+          <a:p>
+            <a:pPr lvl="1">
+              <a:buFont typeface="Wingdings" panose="05000000000000000000" pitchFamily="2" charset="2"/>
+              <a:buChar char="§"/>
+            </a:pPr>
+            <a:r>
+              <a:rPr lang="en-US" dirty="0"/>
+              <a:t>will always be “read/write optimized </a:t>
+            </a:r>
+            <a:r>
+              <a:rPr lang="en-US" u="sng" dirty="0"/>
+              <a:t>strong</a:t>
+            </a:r>
+            <a:r>
+              <a:rPr lang="en-US" dirty="0"/>
+              <a:t> consistency”, since 1+x is always &gt; x</a:t>
+            </a:r>
+          </a:p>
+          <a:p>
+            <a:endParaRPr lang="en-US" dirty="0"/>
+          </a:p>
+          <a:p>
+            <a:pPr marL="0" indent="0">
+              <a:buNone/>
+            </a:pPr>
+            <a:r>
+              <a:rPr lang="en-US" dirty="0" smtClean="0"/>
+              <a:t>So, once more, what is the answer to this question: </a:t>
+            </a:r>
+            <a:br>
+              <a:rPr lang="en-US" dirty="0" smtClean="0"/>
+            </a:br>
+            <a:r>
+              <a:rPr lang="en-US" dirty="0" smtClean="0"/>
+              <a:t>Let R = 3, W = 1, and N = 1: STRONG CONSISTENCY</a:t>
+            </a:r>
+          </a:p>
+          <a:p>
+            <a:pPr marL="0" indent="0">
+              <a:buNone/>
+            </a:pPr>
+            <a:endParaRPr lang="en-US" dirty="0"/>
+          </a:p>
+          <a:p>
+            <a:pPr marL="0" indent="0">
+              <a:buNone/>
+            </a:pPr>
+            <a:r>
+              <a:rPr lang="en-US" dirty="0" smtClean="0"/>
+              <a:t>1 more! </a:t>
+            </a:r>
+            <a:r>
+              <a:rPr lang="en-US" dirty="0" err="1" smtClean="0"/>
+              <a:t>Haha</a:t>
+            </a:r>
+            <a:endParaRPr lang="en-US" dirty="0" smtClean="0"/>
+          </a:p>
+          <a:p>
+            <a:pPr marL="0" indent="0">
+              <a:buNone/>
+            </a:pPr>
+            <a:r>
+              <a:rPr lang="en-US" dirty="0" smtClean="0"/>
+              <a:t>Let R = 1,000; W = 1; and N = 1,000</a:t>
+            </a:r>
+          </a:p>
+          <a:p>
+            <a:pPr marL="0" indent="0">
+              <a:buNone/>
+            </a:pPr>
+            <a:r>
+              <a:rPr lang="en-US" dirty="0" smtClean="0"/>
+              <a:t>This is a _________________________ CONSISTENCY. </a:t>
+            </a:r>
+            <a:endParaRPr lang="en-US" dirty="0"/>
+          </a:p>
+        </p:txBody>
+      </p:sp>
+    </p:spTree>
+    <p:extLst>
+      <p:ext uri="{BB962C8B-B14F-4D97-AF65-F5344CB8AC3E}">
+        <p14:creationId xmlns:p14="http://schemas.microsoft.com/office/powerpoint/2010/main" val="3231271256"/>
+      </p:ext>
+    </p:extLst>
+  </p:cSld>
+  <p:clrMapOvr>
+    <a:masterClrMapping/>
+  </p:clrMapOvr>
+  <p:timing>
+    <p:tnLst>
+      <p:par>
+        <p:cTn id="1" dur="indefinite" restart="never" nodeType="tmRoot"/>
+      </p:par>
+    </p:tnLst>
+  </p:timing>
+</p:sld>
+</file>
+
+<file path=ppt/slides/slide12.xml><?xml version="1.0" encoding="utf-8"?>
+<p:sld xmlns:a="http://schemas.openxmlformats.org/drawingml/2006/main" xmlns:r="http://schemas.openxmlformats.org/officeDocument/2006/relationships" xmlns:p="http://schemas.openxmlformats.org/presentationml/2006/main">
+  <p:cSld>
+    <p:spTree>
+      <p:nvGrpSpPr>
+        <p:cNvPr id="1" name=""/>
+        <p:cNvGrpSpPr/>
+        <p:nvPr/>
+      </p:nvGrpSpPr>
+      <p:grpSpPr>
+        <a:xfrm>
+          <a:off x="0" y="0"/>
+          <a:ext cx="0" cy="0"/>
+          <a:chOff x="0" y="0"/>
+          <a:chExt cx="0" cy="0"/>
+        </a:xfrm>
+      </p:grpSpPr>
+      <p:sp>
+        <p:nvSpPr>
+          <p:cNvPr id="2" name="Title 1"/>
+          <p:cNvSpPr>
+            <a:spLocks noGrp="1"/>
+          </p:cNvSpPr>
+          <p:nvPr>
+            <p:ph type="title"/>
+          </p:nvPr>
+        </p:nvSpPr>
+        <p:spPr/>
+        <p:txBody>
+          <a:bodyPr/>
+          <a:lstStyle/>
+          <a:p>
+            <a:r>
+              <a:rPr lang="en-US" dirty="0" smtClean="0"/>
+              <a:t>An easy way to remember NRW</a:t>
+            </a:r>
+            <a:endParaRPr lang="en-US" dirty="0"/>
+          </a:p>
+        </p:txBody>
+      </p:sp>
+      <p:sp>
+        <p:nvSpPr>
+          <p:cNvPr id="4" name="Content Placeholder 3"/>
+          <p:cNvSpPr>
+            <a:spLocks noGrp="1"/>
+          </p:cNvSpPr>
+          <p:nvPr>
+            <p:ph idx="1"/>
+          </p:nvPr>
+        </p:nvSpPr>
+        <p:spPr>
+          <a:xfrm>
+            <a:off x="1103312" y="2052918"/>
+            <a:ext cx="8946541" cy="5494511"/>
+          </a:xfrm>
+        </p:spPr>
+        <p:txBody>
+          <a:bodyPr>
+            <a:normAutofit/>
+          </a:bodyPr>
+          <a:lstStyle/>
+          <a:p>
+            <a:r>
+              <a:rPr lang="en-US" dirty="0"/>
+              <a:t>When Read or Write are 1 and the other two variables are the same, the unpaired (variable with 1) is the optimized pillar </a:t>
+            </a:r>
+          </a:p>
+          <a:p>
+            <a:pPr lvl="1">
+              <a:buFont typeface="Wingdings" panose="05000000000000000000" pitchFamily="2" charset="2"/>
+              <a:buChar char="§"/>
+            </a:pPr>
+            <a:r>
+              <a:rPr lang="en-US" dirty="0"/>
+              <a:t>will always be “read/write optimized </a:t>
+            </a:r>
+            <a:r>
+              <a:rPr lang="en-US" u="sng" dirty="0"/>
+              <a:t>strong</a:t>
+            </a:r>
+            <a:r>
+              <a:rPr lang="en-US" dirty="0"/>
+              <a:t> consistency”, since 1+x is always &gt; x</a:t>
+            </a:r>
+          </a:p>
+          <a:p>
+            <a:endParaRPr lang="en-US" dirty="0"/>
+          </a:p>
+          <a:p>
+            <a:pPr marL="0" indent="0">
+              <a:buNone/>
+            </a:pPr>
+            <a:r>
+              <a:rPr lang="en-US" dirty="0" smtClean="0"/>
+              <a:t>So, once more, what is the answer to this question: </a:t>
+            </a:r>
+            <a:br>
+              <a:rPr lang="en-US" dirty="0" smtClean="0"/>
+            </a:br>
+            <a:r>
+              <a:rPr lang="en-US" dirty="0" smtClean="0"/>
+              <a:t>Let R = 3, W = 1, and N = 1: STRONG CONSISTENCY</a:t>
+            </a:r>
+          </a:p>
+          <a:p>
+            <a:pPr marL="0" indent="0">
+              <a:buNone/>
+            </a:pPr>
+            <a:endParaRPr lang="en-US" dirty="0"/>
+          </a:p>
+          <a:p>
+            <a:pPr marL="0" indent="0">
+              <a:buNone/>
+            </a:pPr>
+            <a:r>
+              <a:rPr lang="en-US" dirty="0" smtClean="0"/>
+              <a:t>1 more! </a:t>
+            </a:r>
+            <a:r>
+              <a:rPr lang="en-US" dirty="0" err="1" smtClean="0"/>
+              <a:t>Haha</a:t>
+            </a:r>
+            <a:endParaRPr lang="en-US" dirty="0" smtClean="0"/>
+          </a:p>
+          <a:p>
+            <a:pPr marL="0" indent="0">
+              <a:buNone/>
+            </a:pPr>
+            <a:r>
+              <a:rPr lang="en-US" dirty="0" smtClean="0"/>
+              <a:t>Let R = 1,000; W = 1; and N = 1,000</a:t>
+            </a:r>
+          </a:p>
+          <a:p>
+            <a:pPr marL="0" indent="0">
+              <a:buNone/>
+            </a:pPr>
+            <a:r>
+              <a:rPr lang="en-US" dirty="0" smtClean="0"/>
+              <a:t>This is a WRITE OPTIMIZED STRONG CONSISTENCY.</a:t>
+            </a:r>
+            <a:endParaRPr lang="en-US" dirty="0"/>
+          </a:p>
+        </p:txBody>
+      </p:sp>
+    </p:spTree>
+    <p:extLst>
+      <p:ext uri="{BB962C8B-B14F-4D97-AF65-F5344CB8AC3E}">
+        <p14:creationId xmlns:p14="http://schemas.microsoft.com/office/powerpoint/2010/main" val="1051271345"/>
+      </p:ext>
+    </p:extLst>
+  </p:cSld>
+  <p:clrMapOvr>
+    <a:masterClrMapping/>
+  </p:clrMapOvr>
+  <p:timing>
+    <p:tnLst>
+      <p:par>
+        <p:cTn id="1" dur="indefinite" restart="never" nodeType="tmRoot"/>
+      </p:par>
+    </p:tnLst>
+  </p:timing>
+</p:sld>
+</file>
+
+<file path=ppt/slides/slide13.xml><?xml version="1.0" encoding="utf-8"?>
+<p:sld xmlns:a="http://schemas.openxmlformats.org/drawingml/2006/main" xmlns:r="http://schemas.openxmlformats.org/officeDocument/2006/relationships" xmlns:p="http://schemas.openxmlformats.org/presentationml/2006/main">
+  <p:cSld>
+    <p:spTree>
+      <p:nvGrpSpPr>
+        <p:cNvPr id="1" name=""/>
+        <p:cNvGrpSpPr/>
+        <p:nvPr/>
+      </p:nvGrpSpPr>
+      <p:grpSpPr>
+        <a:xfrm>
+          <a:off x="0" y="0"/>
+          <a:ext cx="0" cy="0"/>
+          <a:chOff x="0" y="0"/>
+          <a:chExt cx="0" cy="0"/>
+        </a:xfrm>
+      </p:grpSpPr>
+      <p:sp>
+        <p:nvSpPr>
+          <p:cNvPr id="2" name="Title 1"/>
+          <p:cNvSpPr>
+            <a:spLocks noGrp="1"/>
+          </p:cNvSpPr>
+          <p:nvPr>
+            <p:ph type="title"/>
+          </p:nvPr>
+        </p:nvSpPr>
+        <p:spPr/>
+        <p:txBody>
+          <a:bodyPr/>
+          <a:lstStyle/>
+          <a:p>
+            <a:r>
+              <a:rPr lang="en-US" dirty="0" smtClean="0"/>
+              <a:t>Eventual Consistency</a:t>
+            </a:r>
+            <a:endParaRPr lang="en-US" dirty="0"/>
+          </a:p>
+        </p:txBody>
+      </p:sp>
+      <p:sp>
+        <p:nvSpPr>
+          <p:cNvPr id="3" name="Content Placeholder 2"/>
+          <p:cNvSpPr>
+            <a:spLocks noGrp="1"/>
+          </p:cNvSpPr>
+          <p:nvPr>
+            <p:ph idx="1"/>
+          </p:nvPr>
+        </p:nvSpPr>
+        <p:spPr>
+          <a:xfrm>
+            <a:off x="1103312" y="2052918"/>
+            <a:ext cx="9666288" cy="4595532"/>
+          </a:xfrm>
+        </p:spPr>
+        <p:txBody>
+          <a:bodyPr>
+            <a:normAutofit/>
+          </a:bodyPr>
+          <a:lstStyle/>
+          <a:p>
+            <a:r>
+              <a:rPr lang="en-US" dirty="0" smtClean="0"/>
+              <a:t>Since the CAP theorem was not enough (for users wanting undisturbed systems by network partitions) </a:t>
+            </a:r>
+            <a:r>
+              <a:rPr lang="en-US" i="1" dirty="0" smtClean="0"/>
+              <a:t>Eventual Consistency </a:t>
+            </a:r>
+            <a:r>
+              <a:rPr lang="en-US" dirty="0" smtClean="0"/>
+              <a:t>had to be implemented.</a:t>
+            </a:r>
+          </a:p>
+          <a:p>
+            <a:r>
+              <a:rPr lang="en-US" dirty="0"/>
+              <a:t>The core of the eventual consistency concept is that while a database may have some inconsistencies at any point in time, it will eventually become consistent when all updates cease: </a:t>
+            </a:r>
+            <a:r>
+              <a:rPr lang="en-US" i="1" dirty="0"/>
+              <a:t>eventually</a:t>
+            </a:r>
+            <a:r>
+              <a:rPr lang="en-US" dirty="0"/>
+              <a:t> all nodes will receive the latest consistent </a:t>
+            </a:r>
+            <a:r>
+              <a:rPr lang="en-US" dirty="0" smtClean="0"/>
+              <a:t>updates (</a:t>
+            </a:r>
+            <a:r>
+              <a:rPr lang="en-US" dirty="0" err="1" smtClean="0"/>
+              <a:t>qtd</a:t>
+            </a:r>
+            <a:r>
+              <a:rPr lang="en-US" dirty="0" smtClean="0"/>
+              <a:t>. in Harrison).</a:t>
+            </a:r>
+            <a:endParaRPr lang="en-US" dirty="0" smtClean="0"/>
+          </a:p>
+          <a:p>
+            <a:r>
+              <a:rPr lang="en-US" dirty="0" smtClean="0"/>
+              <a:t>Keep in mind that a bank or ACID oriented database systems cannot afford to use </a:t>
+            </a:r>
+            <a:r>
+              <a:rPr lang="en-US" i="1" dirty="0" smtClean="0"/>
+              <a:t>Eventual Consistency</a:t>
+            </a:r>
+            <a:r>
+              <a:rPr lang="en-US" dirty="0" smtClean="0"/>
+              <a:t> it is more-so used for platforms that can do without “all or nothing transactions.”</a:t>
+            </a:r>
+          </a:p>
+          <a:p>
+            <a:pPr marL="857250" lvl="1" indent="-400050">
+              <a:buFont typeface="+mj-lt"/>
+              <a:buAutoNum type="romanLcPeriod"/>
+            </a:pPr>
+            <a:r>
+              <a:rPr lang="en-US" dirty="0" smtClean="0"/>
+              <a:t>A Tweet or Facebook post loading 1 or 2 seconds too late/early.</a:t>
+            </a:r>
+          </a:p>
+          <a:p>
+            <a:pPr marL="857250" lvl="1" indent="-400050">
+              <a:buFont typeface="+mj-lt"/>
+              <a:buAutoNum type="romanLcPeriod"/>
+            </a:pPr>
+            <a:r>
+              <a:rPr lang="en-US" dirty="0" smtClean="0"/>
+              <a:t>Websites and E-Commerce that do not require a </a:t>
+            </a:r>
+            <a:r>
+              <a:rPr lang="en-US" dirty="0" smtClean="0"/>
+              <a:t>synchronous consistency.</a:t>
+            </a:r>
+            <a:endParaRPr lang="en-US" dirty="0"/>
+          </a:p>
+        </p:txBody>
+      </p:sp>
+    </p:spTree>
+    <p:extLst>
+      <p:ext uri="{BB962C8B-B14F-4D97-AF65-F5344CB8AC3E}">
+        <p14:creationId xmlns:p14="http://schemas.microsoft.com/office/powerpoint/2010/main" val="3888219724"/>
+      </p:ext>
+    </p:extLst>
+  </p:cSld>
+  <p:clrMapOvr>
+    <a:masterClrMapping/>
+  </p:clrMapOvr>
+  <p:timing>
+    <p:tnLst>
+      <p:par>
+        <p:cTn id="1" dur="indefinite" restart="never" nodeType="tmRoot"/>
+      </p:par>
+    </p:tnLst>
+  </p:timing>
+</p:sld>
+</file>
+
+<file path=ppt/slides/slide14.xml><?xml version="1.0" encoding="utf-8"?>
+<p:sld xmlns:a="http://schemas.openxmlformats.org/drawingml/2006/main" xmlns:r="http://schemas.openxmlformats.org/officeDocument/2006/relationships" xmlns:p="http://schemas.openxmlformats.org/presentationml/2006/main">
+  <p:cSld>
+    <p:spTree>
+      <p:nvGrpSpPr>
+        <p:cNvPr id="1" name=""/>
+        <p:cNvGrpSpPr/>
+        <p:nvPr/>
+      </p:nvGrpSpPr>
+      <p:grpSpPr>
+        <a:xfrm>
+          <a:off x="0" y="0"/>
+          <a:ext cx="0" cy="0"/>
+          <a:chOff x="0" y="0"/>
+          <a:chExt cx="0" cy="0"/>
+        </a:xfrm>
+      </p:grpSpPr>
+      <p:sp>
+        <p:nvSpPr>
+          <p:cNvPr id="2" name="Title 1"/>
+          <p:cNvSpPr>
+            <a:spLocks noGrp="1"/>
+          </p:cNvSpPr>
+          <p:nvPr>
+            <p:ph type="title"/>
+          </p:nvPr>
+        </p:nvSpPr>
+        <p:spPr/>
+        <p:txBody>
+          <a:bodyPr/>
+          <a:lstStyle/>
+          <a:p>
+            <a:endParaRPr lang="en-US"/>
+          </a:p>
+        </p:txBody>
+      </p:sp>
+      <p:sp>
+        <p:nvSpPr>
+          <p:cNvPr id="3" name="Content Placeholder 2"/>
+          <p:cNvSpPr>
+            <a:spLocks noGrp="1"/>
+          </p:cNvSpPr>
+          <p:nvPr>
+            <p:ph idx="1"/>
+          </p:nvPr>
+        </p:nvSpPr>
+        <p:spPr/>
+        <p:txBody>
+          <a:bodyPr/>
+          <a:lstStyle/>
+          <a:p>
+            <a:endParaRPr lang="en-US"/>
+          </a:p>
+        </p:txBody>
+      </p:sp>
+    </p:spTree>
+    <p:extLst>
+      <p:ext uri="{BB962C8B-B14F-4D97-AF65-F5344CB8AC3E}">
+        <p14:creationId xmlns:p14="http://schemas.microsoft.com/office/powerpoint/2010/main" val="1051705854"/>
+      </p:ext>
+    </p:extLst>
+  </p:cSld>
+  <p:clrMapOvr>
+    <a:masterClrMapping/>
+  </p:clrMapOvr>
+</p:sld>
+</file>
+
+<file path=ppt/slides/slide15.xml><?xml version="1.0" encoding="utf-8"?>
+<p:sld xmlns:a="http://schemas.openxmlformats.org/drawingml/2006/main" xmlns:r="http://schemas.openxmlformats.org/officeDocument/2006/relationships" xmlns:p="http://schemas.openxmlformats.org/presentationml/2006/main">
+  <p:cSld>
+    <p:spTree>
+      <p:nvGrpSpPr>
+        <p:cNvPr id="1" name=""/>
+        <p:cNvGrpSpPr/>
+        <p:nvPr/>
+      </p:nvGrpSpPr>
+      <p:grpSpPr>
+        <a:xfrm>
+          <a:off x="0" y="0"/>
+          <a:ext cx="0" cy="0"/>
+          <a:chOff x="0" y="0"/>
+          <a:chExt cx="0" cy="0"/>
+        </a:xfrm>
+      </p:grpSpPr>
+      <p:sp>
+        <p:nvSpPr>
+          <p:cNvPr id="2" name="Title 1"/>
+          <p:cNvSpPr>
+            <a:spLocks noGrp="1"/>
+          </p:cNvSpPr>
+          <p:nvPr>
+            <p:ph type="title"/>
+          </p:nvPr>
+        </p:nvSpPr>
+        <p:spPr/>
+        <p:txBody>
+          <a:bodyPr/>
+          <a:lstStyle/>
+          <a:p>
+            <a:pPr algn="ctr"/>
+            <a:r>
+              <a:rPr lang="en-US" dirty="0" smtClean="0"/>
+              <a:t>Works Cited</a:t>
+            </a:r>
+            <a:endParaRPr lang="en-US" dirty="0"/>
+          </a:p>
+        </p:txBody>
+      </p:sp>
+      <p:sp>
+        <p:nvSpPr>
+          <p:cNvPr id="3" name="Content Placeholder 2"/>
+          <p:cNvSpPr>
+            <a:spLocks noGrp="1"/>
+          </p:cNvSpPr>
+          <p:nvPr>
+            <p:ph idx="1"/>
+          </p:nvPr>
+        </p:nvSpPr>
+        <p:spPr>
+          <a:xfrm>
+            <a:off x="1103312" y="1175658"/>
+            <a:ext cx="8946541" cy="5072742"/>
+          </a:xfrm>
+        </p:spPr>
+        <p:txBody>
+          <a:bodyPr>
+            <a:normAutofit/>
+          </a:bodyPr>
+          <a:lstStyle/>
+          <a:p>
+            <a:pPr marL="0" indent="0">
+              <a:buNone/>
+            </a:pPr>
+            <a:r>
+              <a:rPr lang="en-US" sz="1200" dirty="0"/>
+              <a:t>Harrison, Guy. “Eventual Consistency.” </a:t>
+            </a:r>
+            <a:r>
+              <a:rPr lang="en-US" sz="1200" i="1" dirty="0"/>
+              <a:t>Database Trends and Applications</a:t>
+            </a:r>
+            <a:r>
+              <a:rPr lang="en-US" sz="1200" dirty="0"/>
+              <a:t>, 7 Jan. 2011,</a:t>
+            </a:r>
+            <a:br>
+              <a:rPr lang="en-US" sz="1200" dirty="0"/>
+            </a:br>
+            <a:r>
+              <a:rPr lang="en-US" sz="1200" dirty="0"/>
+              <a:t>	</a:t>
+            </a:r>
+            <a:r>
+              <a:rPr lang="en-US" sz="1200" dirty="0">
+                <a:hlinkClick r:id="rId2"/>
+              </a:rPr>
+              <a:t>www.dbta.com/Columns/Applications-Insight/Eventual-Consistency-73004.aspx</a:t>
+            </a:r>
+            <a:r>
+              <a:rPr lang="en-US" sz="1200" dirty="0" smtClean="0"/>
+              <a:t>.</a:t>
+            </a:r>
+          </a:p>
+          <a:p>
+            <a:pPr marL="0" indent="0">
+              <a:buNone/>
+            </a:pPr>
+            <a:r>
+              <a:rPr lang="en-US" sz="1200" dirty="0" smtClean="0"/>
+              <a:t>---. "</a:t>
+            </a:r>
+            <a:r>
+              <a:rPr lang="en-US" sz="1200" dirty="0"/>
+              <a:t>Consistency Models." Next Generation Databases. </a:t>
+            </a:r>
+            <a:r>
+              <a:rPr lang="en-US" sz="1200" dirty="0" err="1"/>
+              <a:t>Apress</a:t>
+            </a:r>
+            <a:r>
+              <a:rPr lang="en-US" sz="1200" dirty="0"/>
+              <a:t>, Berkeley, CA, </a:t>
+            </a:r>
+            <a:r>
+              <a:rPr lang="en-US" sz="1200" dirty="0" smtClean="0"/>
+              <a:t>2015.</a:t>
+            </a:r>
+          </a:p>
+          <a:p>
+            <a:pPr marL="0" indent="0">
+              <a:buNone/>
+            </a:pPr>
+            <a:r>
+              <a:rPr lang="en-US" sz="1200" dirty="0"/>
+              <a:t>Springer, Wilfred. “Eventually Consistent.” LinkedIn </a:t>
+            </a:r>
+            <a:r>
+              <a:rPr lang="en-US" sz="1200" dirty="0" err="1"/>
+              <a:t>SlideShare</a:t>
+            </a:r>
+            <a:r>
+              <a:rPr lang="en-US" sz="1200" dirty="0"/>
+              <a:t>, 21 July 2010, </a:t>
+            </a:r>
+            <a:r>
+              <a:rPr lang="en-US" sz="1200" dirty="0" smtClean="0"/>
+              <a:t>www.slideshare.net/springerw/eventually-</a:t>
+            </a:r>
+            <a:br>
+              <a:rPr lang="en-US" sz="1200" dirty="0" smtClean="0"/>
+            </a:br>
+            <a:r>
+              <a:rPr lang="en-US" sz="1200" dirty="0" smtClean="0"/>
+              <a:t>	consistent</a:t>
+            </a:r>
+            <a:r>
+              <a:rPr lang="en-US" sz="1200" dirty="0"/>
+              <a:t>.</a:t>
+            </a:r>
+            <a:endParaRPr lang="en-US" sz="1200" dirty="0" smtClean="0"/>
+          </a:p>
+          <a:p>
+            <a:pPr marL="0" indent="0">
+              <a:buNone/>
+            </a:pPr>
+            <a:r>
+              <a:rPr lang="en-US" sz="1200" dirty="0" smtClean="0"/>
+              <a:t>Thant</a:t>
+            </a:r>
+            <a:r>
+              <a:rPr lang="en-US" sz="1200" dirty="0"/>
+              <a:t>, </a:t>
+            </a:r>
+            <a:r>
+              <a:rPr lang="en-US" sz="1200" dirty="0" err="1"/>
+              <a:t>Phyo</a:t>
+            </a:r>
+            <a:r>
+              <a:rPr lang="en-US" sz="1200" dirty="0"/>
+              <a:t> </a:t>
+            </a:r>
+            <a:r>
+              <a:rPr lang="en-US" sz="1200" dirty="0" err="1"/>
+              <a:t>Thandar</a:t>
+            </a:r>
+            <a:r>
+              <a:rPr lang="en-US" sz="1200" dirty="0"/>
+              <a:t>, and Thinn Thu </a:t>
+            </a:r>
+            <a:r>
+              <a:rPr lang="en-US" sz="1200" dirty="0" err="1"/>
+              <a:t>Naing</a:t>
+            </a:r>
+            <a:r>
+              <a:rPr lang="en-US" sz="1200" dirty="0"/>
+              <a:t>. "Improving the availability of NoSQL databases for Cloud Storage." </a:t>
+            </a:r>
+            <a:br>
+              <a:rPr lang="en-US" sz="1200" dirty="0"/>
+            </a:br>
+            <a:r>
+              <a:rPr lang="en-US" sz="1200" dirty="0"/>
+              <a:t>	Yangon: University of Computer Studies.</a:t>
+            </a:r>
+          </a:p>
+          <a:p>
+            <a:pPr marL="0" indent="0">
+              <a:buNone/>
+            </a:pPr>
+            <a:r>
+              <a:rPr lang="en-US" sz="1200" dirty="0" err="1" smtClean="0"/>
+              <a:t>Vanroose</a:t>
+            </a:r>
+            <a:r>
+              <a:rPr lang="en-US" sz="1200" dirty="0"/>
+              <a:t>, Peter, and GSE DB Belgium. "ACID or BASE?-the case of NoSQL</a:t>
+            </a:r>
+            <a:r>
+              <a:rPr lang="en-US" sz="1200" dirty="0" smtClean="0"/>
+              <a:t>.“</a:t>
+            </a:r>
+          </a:p>
+          <a:p>
+            <a:pPr marL="0" indent="0">
+              <a:buNone/>
+            </a:pPr>
+            <a:endParaRPr lang="en-US" sz="1200" dirty="0"/>
+          </a:p>
+        </p:txBody>
+      </p:sp>
+    </p:spTree>
+    <p:extLst>
+      <p:ext uri="{BB962C8B-B14F-4D97-AF65-F5344CB8AC3E}">
+        <p14:creationId xmlns:p14="http://schemas.microsoft.com/office/powerpoint/2010/main" val="3288187351"/>
+      </p:ext>
+    </p:extLst>
+  </p:cSld>
+  <p:clrMapOvr>
+    <a:masterClrMapping/>
+  </p:clrMapOvr>
+</p:sld>
+</file>
+
 <file path=ppt/slides/slide2.xml><?xml version="1.0" encoding="utf-8"?>
 <p:sld xmlns:a="http://schemas.openxmlformats.org/drawingml/2006/main" xmlns:r="http://schemas.openxmlformats.org/officeDocument/2006/relationships" xmlns:p="http://schemas.openxmlformats.org/presentationml/2006/main">
   <p:cSld>
@@ -6423,6 +7347,13 @@
   <p:clrMapOvr>
     <a:masterClrMapping/>
   </p:clrMapOvr>
+  <p:timing>
+    <p:tnLst>
+      <p:par>
+        <p:cTn id="1" dur="indefinite" restart="never" nodeType="tmRoot"/>
+      </p:par>
+    </p:tnLst>
+  </p:timing>
 </p:sld>
 </file>
 
@@ -6519,11 +7450,15 @@
             </a:r>
             <a:r>
               <a:rPr lang="en-US" dirty="0" smtClean="0"/>
-              <a:t>read performance </a:t>
+              <a:t>read </a:t>
+            </a:r>
+            <a:r>
+              <a:rPr lang="en-US" dirty="0" smtClean="0"/>
+              <a:t>and </a:t>
             </a:r>
             <a:r>
               <a:rPr lang="en-US" dirty="0"/>
-              <a:t>and write performance</a:t>
+              <a:t>write performance</a:t>
             </a:r>
             <a:r>
               <a:rPr lang="en-US" dirty="0" smtClean="0"/>
@@ -6651,16 +7586,21 @@
             <p:ph type="title"/>
           </p:nvPr>
         </p:nvSpPr>
-        <p:spPr/>
+        <p:spPr>
+          <a:xfrm>
+            <a:off x="798511" y="5039233"/>
+            <a:ext cx="9404723" cy="1400530"/>
+          </a:xfrm>
+        </p:spPr>
         <p:txBody>
           <a:bodyPr/>
           <a:lstStyle/>
           <a:p>
             <a:r>
-              <a:rPr lang="en-US" dirty="0" smtClean="0"/>
-              <a:t>NRW NOTATION</a:t>
-            </a:r>
-            <a:endParaRPr lang="en-US" dirty="0"/>
+              <a:rPr lang="en-US" sz="2000" dirty="0" smtClean="0"/>
+              <a:t>When W = 3, R = 2 and R = 4 our outcome is: </a:t>
+            </a:r>
+            <a:endParaRPr lang="en-US" sz="2000" dirty="0"/>
           </a:p>
         </p:txBody>
       </p:sp>
@@ -6673,13 +7613,13 @@
           <p:nvPr>
             <p:extLst>
               <p:ext uri="{D42A27DB-BD31-4B8C-83A1-F6EECF244321}">
-                <p14:modId xmlns:p14="http://schemas.microsoft.com/office/powerpoint/2010/main" val="3734774622"/>
+                <p14:modId xmlns:p14="http://schemas.microsoft.com/office/powerpoint/2010/main" val="348700914"/>
               </p:ext>
             </p:extLst>
           </p:nvPr>
         </p:nvGraphicFramePr>
         <p:xfrm>
-          <a:off x="1208088" y="3409950"/>
+          <a:off x="1208088" y="1726292"/>
           <a:ext cx="9802814" cy="2382840"/>
         </p:xfrm>
         <a:graphic>
@@ -6909,6 +7849,108 @@
           </a:graphicData>
         </a:graphic>
       </p:graphicFrame>
+      <p:sp>
+        <p:nvSpPr>
+          <p:cNvPr id="6" name="Title 1"/>
+          <p:cNvSpPr txBox="1">
+            <a:spLocks/>
+          </p:cNvSpPr>
+          <p:nvPr/>
+        </p:nvSpPr>
+        <p:spPr>
+          <a:xfrm>
+            <a:off x="798511" y="605118"/>
+            <a:ext cx="9404723" cy="1400530"/>
+          </a:xfrm>
+          <a:prstGeom prst="rect">
+            <a:avLst/>
+          </a:prstGeom>
+        </p:spPr>
+        <p:txBody>
+          <a:bodyPr vert="horz" lIns="91440" tIns="45720" rIns="91440" bIns="45720" rtlCol="0" anchor="t">
+            <a:noAutofit/>
+          </a:bodyPr>
+          <a:lstStyle>
+            <a:lvl1pPr algn="l" defTabSz="457200" rtl="0" eaLnBrk="1" latinLnBrk="0" hangingPunct="1">
+              <a:spcBef>
+                <a:spcPct val="0"/>
+              </a:spcBef>
+              <a:buNone/>
+              <a:defRPr sz="4200" b="0" i="0" kern="1200">
+                <a:solidFill>
+                  <a:schemeClr val="tx2"/>
+                </a:solidFill>
+                <a:latin typeface="+mj-lt"/>
+                <a:ea typeface="+mj-ea"/>
+                <a:cs typeface="+mj-cs"/>
+              </a:defRPr>
+            </a:lvl1pPr>
+            <a:lvl2pPr eaLnBrk="1" hangingPunct="1">
+              <a:defRPr>
+                <a:solidFill>
+                  <a:schemeClr val="tx2"/>
+                </a:solidFill>
+              </a:defRPr>
+            </a:lvl2pPr>
+            <a:lvl3pPr eaLnBrk="1" hangingPunct="1">
+              <a:defRPr>
+                <a:solidFill>
+                  <a:schemeClr val="tx2"/>
+                </a:solidFill>
+              </a:defRPr>
+            </a:lvl3pPr>
+            <a:lvl4pPr eaLnBrk="1" hangingPunct="1">
+              <a:defRPr>
+                <a:solidFill>
+                  <a:schemeClr val="tx2"/>
+                </a:solidFill>
+              </a:defRPr>
+            </a:lvl4pPr>
+            <a:lvl5pPr eaLnBrk="1" hangingPunct="1">
+              <a:defRPr>
+                <a:solidFill>
+                  <a:schemeClr val="tx2"/>
+                </a:solidFill>
+              </a:defRPr>
+            </a:lvl5pPr>
+            <a:lvl6pPr eaLnBrk="1" hangingPunct="1">
+              <a:defRPr>
+                <a:solidFill>
+                  <a:schemeClr val="tx2"/>
+                </a:solidFill>
+              </a:defRPr>
+            </a:lvl6pPr>
+            <a:lvl7pPr eaLnBrk="1" hangingPunct="1">
+              <a:defRPr>
+                <a:solidFill>
+                  <a:schemeClr val="tx2"/>
+                </a:solidFill>
+              </a:defRPr>
+            </a:lvl7pPr>
+            <a:lvl8pPr eaLnBrk="1" hangingPunct="1">
+              <a:defRPr>
+                <a:solidFill>
+                  <a:schemeClr val="tx2"/>
+                </a:solidFill>
+              </a:defRPr>
+            </a:lvl8pPr>
+            <a:lvl9pPr eaLnBrk="1" hangingPunct="1">
+              <a:defRPr>
+                <a:solidFill>
+                  <a:schemeClr val="tx2"/>
+                </a:solidFill>
+              </a:defRPr>
+            </a:lvl9pPr>
+          </a:lstStyle>
+          <a:p>
+            <a:r>
+              <a:rPr lang="en-US" dirty="0" smtClean="0"/>
+              <a:t>NRW NOTATION</a:t>
+            </a:r>
+            <a:endParaRPr lang="en-US" dirty="0"/>
+          </a:p>
+        </p:txBody>
+      </p:sp>
     </p:spTree>
     <p:extLst>
       <p:ext uri="{BB962C8B-B14F-4D97-AF65-F5344CB8AC3E}">
@@ -6956,117 +7998,366 @@
             <p:ph type="title"/>
           </p:nvPr>
         </p:nvSpPr>
-        <p:spPr/>
+        <p:spPr>
+          <a:xfrm>
+            <a:off x="1208088" y="4865062"/>
+            <a:ext cx="9404723" cy="1400530"/>
+          </a:xfrm>
+        </p:spPr>
         <p:txBody>
           <a:bodyPr/>
           <a:lstStyle/>
           <a:p>
             <a:r>
-              <a:rPr lang="en-US" dirty="0" smtClean="0"/>
-              <a:t>Eventual Consistency</a:t>
-            </a:r>
-            <a:endParaRPr lang="en-US" dirty="0"/>
-          </a:p>
-        </p:txBody>
-      </p:sp>
-      <p:sp>
-        <p:nvSpPr>
-          <p:cNvPr id="3" name="Content Placeholder 2"/>
-          <p:cNvSpPr>
-            <a:spLocks noGrp="1"/>
-          </p:cNvSpPr>
-          <p:nvPr>
-            <p:ph idx="1"/>
-          </p:nvPr>
+              <a:rPr lang="en-US" sz="2000" dirty="0" smtClean="0"/>
+              <a:t>When W = 3, R = 2 and R = 4 our outcome is: 3 + 2 = 5 and 5 &gt; 4 so it is a STRONG CONSISTENCY.</a:t>
+            </a:r>
+            <a:endParaRPr lang="en-US" sz="2000" dirty="0"/>
+          </a:p>
+        </p:txBody>
+      </p:sp>
+      <p:graphicFrame>
+        <p:nvGraphicFramePr>
+          <p:cNvPr id="5" name="Content Placeholder 4"/>
+          <p:cNvGraphicFramePr>
+            <a:graphicFrameLocks/>
+          </p:cNvGraphicFramePr>
+          <p:nvPr>
+            <p:extLst>
+              <p:ext uri="{D42A27DB-BD31-4B8C-83A1-F6EECF244321}">
+                <p14:modId xmlns:p14="http://schemas.microsoft.com/office/powerpoint/2010/main" val="857674150"/>
+              </p:ext>
+            </p:extLst>
+          </p:nvPr>
+        </p:nvGraphicFramePr>
+        <p:xfrm>
+          <a:off x="1208088" y="1726292"/>
+          <a:ext cx="9802814" cy="2382840"/>
+        </p:xfrm>
+        <a:graphic>
+          <a:graphicData uri="http://schemas.openxmlformats.org/drawingml/2006/table">
+            <a:tbl>
+              <a:tblPr firstRow="1" bandRow="1">
+                <a:tableStyleId>{775DCB02-9BB8-47FD-8907-85C794F793BA}</a:tableStyleId>
+              </a:tblPr>
+              <a:tblGrid>
+                <a:gridCol w="4901407">
+                  <a:extLst>
+                    <a:ext uri="{9D8B030D-6E8A-4147-A177-3AD203B41FA5}">
+                      <a16:colId xmlns:a16="http://schemas.microsoft.com/office/drawing/2014/main" val="3734456281"/>
+                    </a:ext>
+                  </a:extLst>
+                </a:gridCol>
+                <a:gridCol w="4901407">
+                  <a:extLst>
+                    <a:ext uri="{9D8B030D-6E8A-4147-A177-3AD203B41FA5}">
+                      <a16:colId xmlns:a16="http://schemas.microsoft.com/office/drawing/2014/main" val="1935269608"/>
+                    </a:ext>
+                  </a:extLst>
+                </a:gridCol>
+              </a:tblGrid>
+              <a:tr h="476568">
+                <a:tc>
+                  <a:txBody>
+                    <a:bodyPr/>
+                    <a:lstStyle/>
+                    <a:p>
+                      <a:pPr algn="ctr"/>
+                      <a:r>
+                        <a:rPr lang="en-US" dirty="0" smtClean="0"/>
+                        <a:t>NRW Configuration</a:t>
+                      </a:r>
+                      <a:endParaRPr lang="en-US" dirty="0"/>
+                    </a:p>
+                  </a:txBody>
+                  <a:tcPr/>
+                </a:tc>
+                <a:tc>
+                  <a:txBody>
+                    <a:bodyPr/>
+                    <a:lstStyle/>
+                    <a:p>
+                      <a:pPr algn="ctr"/>
+                      <a:r>
+                        <a:rPr lang="en-US" dirty="0" smtClean="0"/>
+                        <a:t>Outcome</a:t>
+                      </a:r>
+                      <a:endParaRPr lang="en-US" dirty="0"/>
+                    </a:p>
+                  </a:txBody>
+                  <a:tcPr/>
+                </a:tc>
+                <a:extLst>
+                  <a:ext uri="{0D108BD9-81ED-4DB2-BD59-A6C34878D82A}">
+                    <a16:rowId xmlns:a16="http://schemas.microsoft.com/office/drawing/2014/main" val="685672887"/>
+                  </a:ext>
+                </a:extLst>
+              </a:tr>
+              <a:tr h="476568">
+                <a:tc>
+                  <a:txBody>
+                    <a:bodyPr/>
+                    <a:lstStyle/>
+                    <a:p>
+                      <a:pPr algn="ctr"/>
+                      <a:r>
+                        <a:rPr lang="en-US" dirty="0" smtClean="0"/>
+                        <a:t>(</a:t>
+                      </a:r>
+                      <a:r>
+                        <a:rPr lang="en-US" baseline="0" dirty="0" smtClean="0"/>
+                        <a:t> W = N ) &amp; ( R = 1 )</a:t>
+                      </a:r>
+                      <a:endParaRPr lang="en-US" dirty="0"/>
+                    </a:p>
+                  </a:txBody>
+                  <a:tcPr/>
+                </a:tc>
+                <a:tc>
+                  <a:txBody>
+                    <a:bodyPr/>
+                    <a:lstStyle/>
+                    <a:p>
+                      <a:pPr algn="l"/>
+                      <a:r>
+                        <a:rPr lang="en-US" dirty="0" smtClean="0"/>
+                        <a:t>Read optimized strong consistency</a:t>
+                      </a:r>
+                      <a:endParaRPr lang="en-US" dirty="0"/>
+                    </a:p>
+                  </a:txBody>
+                  <a:tcPr/>
+                </a:tc>
+                <a:extLst>
+                  <a:ext uri="{0D108BD9-81ED-4DB2-BD59-A6C34878D82A}">
+                    <a16:rowId xmlns:a16="http://schemas.microsoft.com/office/drawing/2014/main" val="563112223"/>
+                  </a:ext>
+                </a:extLst>
+              </a:tr>
+              <a:tr h="476568">
+                <a:tc>
+                  <a:txBody>
+                    <a:bodyPr/>
+                    <a:lstStyle/>
+                    <a:p>
+                      <a:pPr algn="ctr"/>
+                      <a:r>
+                        <a:rPr lang="en-US" dirty="0" smtClean="0"/>
+                        <a:t>( W = 1 ) &amp; (</a:t>
+                      </a:r>
+                      <a:r>
+                        <a:rPr lang="en-US" baseline="0" dirty="0" smtClean="0"/>
+                        <a:t> R = N )</a:t>
+                      </a:r>
+                      <a:endParaRPr lang="en-US" dirty="0"/>
+                    </a:p>
+                  </a:txBody>
+                  <a:tcPr/>
+                </a:tc>
+                <a:tc>
+                  <a:txBody>
+                    <a:bodyPr/>
+                    <a:lstStyle/>
+                    <a:p>
+                      <a:pPr algn="l"/>
+                      <a:r>
+                        <a:rPr lang="en-US" dirty="0" smtClean="0"/>
+                        <a:t>Write optimized strong consistency</a:t>
+                      </a:r>
+                      <a:endParaRPr lang="en-US" dirty="0"/>
+                    </a:p>
+                  </a:txBody>
+                  <a:tcPr/>
+                </a:tc>
+                <a:extLst>
+                  <a:ext uri="{0D108BD9-81ED-4DB2-BD59-A6C34878D82A}">
+                    <a16:rowId xmlns:a16="http://schemas.microsoft.com/office/drawing/2014/main" val="1092152895"/>
+                  </a:ext>
+                </a:extLst>
+              </a:tr>
+              <a:tr h="476568">
+                <a:tc>
+                  <a:txBody>
+                    <a:bodyPr/>
+                    <a:lstStyle/>
+                    <a:p>
+                      <a:pPr algn="ctr"/>
+                      <a:r>
+                        <a:rPr lang="en-US" dirty="0" smtClean="0"/>
+                        <a:t>(</a:t>
+                      </a:r>
+                      <a:r>
+                        <a:rPr lang="en-US" baseline="0" dirty="0" smtClean="0"/>
+                        <a:t> W + R ) &lt;= N</a:t>
+                      </a:r>
+                      <a:endParaRPr lang="en-US" dirty="0"/>
+                    </a:p>
+                  </a:txBody>
+                  <a:tcPr/>
+                </a:tc>
+                <a:tc>
+                  <a:txBody>
+                    <a:bodyPr/>
+                    <a:lstStyle/>
+                    <a:p>
+                      <a:pPr algn="l"/>
+                      <a:r>
+                        <a:rPr lang="en-US" dirty="0" smtClean="0"/>
+                        <a:t>Weak eventual consistency</a:t>
+                      </a:r>
+                      <a:endParaRPr lang="en-US" dirty="0"/>
+                    </a:p>
+                  </a:txBody>
+                  <a:tcPr/>
+                </a:tc>
+                <a:extLst>
+                  <a:ext uri="{0D108BD9-81ED-4DB2-BD59-A6C34878D82A}">
+                    <a16:rowId xmlns:a16="http://schemas.microsoft.com/office/drawing/2014/main" val="2292941581"/>
+                  </a:ext>
+                </a:extLst>
+              </a:tr>
+              <a:tr h="476568">
+                <a:tc>
+                  <a:txBody>
+                    <a:bodyPr/>
+                    <a:lstStyle/>
+                    <a:p>
+                      <a:pPr algn="ctr"/>
+                      <a:r>
+                        <a:rPr lang="en-US" dirty="0" smtClean="0"/>
+                        <a:t>( W + R</a:t>
+                      </a:r>
+                      <a:r>
+                        <a:rPr lang="en-US" baseline="0" dirty="0" smtClean="0"/>
+                        <a:t> ) &gt; N</a:t>
+                      </a:r>
+                      <a:endParaRPr lang="en-US" dirty="0"/>
+                    </a:p>
+                  </a:txBody>
+                  <a:tcPr/>
+                </a:tc>
+                <a:tc>
+                  <a:txBody>
+                    <a:bodyPr/>
+                    <a:lstStyle/>
+                    <a:p>
+                      <a:pPr algn="l"/>
+                      <a:r>
+                        <a:rPr lang="en-US" dirty="0" smtClean="0"/>
+                        <a:t>Strong consistency though quorum</a:t>
+                      </a:r>
+                      <a:endParaRPr lang="en-US" dirty="0"/>
+                    </a:p>
+                  </a:txBody>
+                  <a:tcPr/>
+                </a:tc>
+                <a:extLst>
+                  <a:ext uri="{0D108BD9-81ED-4DB2-BD59-A6C34878D82A}">
+                    <a16:rowId xmlns:a16="http://schemas.microsoft.com/office/drawing/2014/main" val="1228862889"/>
+                  </a:ext>
+                </a:extLst>
+              </a:tr>
+            </a:tbl>
+          </a:graphicData>
+        </a:graphic>
+      </p:graphicFrame>
+      <p:sp>
+        <p:nvSpPr>
+          <p:cNvPr id="6" name="Title 1"/>
+          <p:cNvSpPr txBox="1">
+            <a:spLocks/>
+          </p:cNvSpPr>
+          <p:nvPr/>
         </p:nvSpPr>
         <p:spPr>
           <a:xfrm>
-            <a:off x="1103312" y="2052918"/>
-            <a:ext cx="9666288" cy="4595532"/>
+            <a:off x="798511" y="605118"/>
+            <a:ext cx="9404723" cy="1400530"/>
           </a:xfrm>
+          <a:prstGeom prst="rect">
+            <a:avLst/>
+          </a:prstGeom>
         </p:spPr>
         <p:txBody>
-          <a:bodyPr>
-            <a:normAutofit/>
+          <a:bodyPr vert="horz" lIns="91440" tIns="45720" rIns="91440" bIns="45720" rtlCol="0" anchor="t">
+            <a:noAutofit/>
           </a:bodyPr>
-          <a:lstStyle/>
+          <a:lstStyle>
+            <a:lvl1pPr algn="l" defTabSz="457200" rtl="0" eaLnBrk="1" latinLnBrk="0" hangingPunct="1">
+              <a:spcBef>
+                <a:spcPct val="0"/>
+              </a:spcBef>
+              <a:buNone/>
+              <a:defRPr sz="4200" b="0" i="0" kern="1200">
+                <a:solidFill>
+                  <a:schemeClr val="tx2"/>
+                </a:solidFill>
+                <a:latin typeface="+mj-lt"/>
+                <a:ea typeface="+mj-ea"/>
+                <a:cs typeface="+mj-cs"/>
+              </a:defRPr>
+            </a:lvl1pPr>
+            <a:lvl2pPr eaLnBrk="1" hangingPunct="1">
+              <a:defRPr>
+                <a:solidFill>
+                  <a:schemeClr val="tx2"/>
+                </a:solidFill>
+              </a:defRPr>
+            </a:lvl2pPr>
+            <a:lvl3pPr eaLnBrk="1" hangingPunct="1">
+              <a:defRPr>
+                <a:solidFill>
+                  <a:schemeClr val="tx2"/>
+                </a:solidFill>
+              </a:defRPr>
+            </a:lvl3pPr>
+            <a:lvl4pPr eaLnBrk="1" hangingPunct="1">
+              <a:defRPr>
+                <a:solidFill>
+                  <a:schemeClr val="tx2"/>
+                </a:solidFill>
+              </a:defRPr>
+            </a:lvl4pPr>
+            <a:lvl5pPr eaLnBrk="1" hangingPunct="1">
+              <a:defRPr>
+                <a:solidFill>
+                  <a:schemeClr val="tx2"/>
+                </a:solidFill>
+              </a:defRPr>
+            </a:lvl5pPr>
+            <a:lvl6pPr eaLnBrk="1" hangingPunct="1">
+              <a:defRPr>
+                <a:solidFill>
+                  <a:schemeClr val="tx2"/>
+                </a:solidFill>
+              </a:defRPr>
+            </a:lvl6pPr>
+            <a:lvl7pPr eaLnBrk="1" hangingPunct="1">
+              <a:defRPr>
+                <a:solidFill>
+                  <a:schemeClr val="tx2"/>
+                </a:solidFill>
+              </a:defRPr>
+            </a:lvl7pPr>
+            <a:lvl8pPr eaLnBrk="1" hangingPunct="1">
+              <a:defRPr>
+                <a:solidFill>
+                  <a:schemeClr val="tx2"/>
+                </a:solidFill>
+              </a:defRPr>
+            </a:lvl8pPr>
+            <a:lvl9pPr eaLnBrk="1" hangingPunct="1">
+              <a:defRPr>
+                <a:solidFill>
+                  <a:schemeClr val="tx2"/>
+                </a:solidFill>
+              </a:defRPr>
+            </a:lvl9pPr>
+          </a:lstStyle>
           <a:p>
             <a:r>
               <a:rPr lang="en-US" dirty="0" smtClean="0"/>
-              <a:t>Since the CAP theorem was not enough (for users wanting undisturbed systems by network partitions) </a:t>
-            </a:r>
-            <a:r>
-              <a:rPr lang="en-US" i="1" dirty="0" smtClean="0"/>
-              <a:t>Eventual Consistency </a:t>
-            </a:r>
-            <a:r>
-              <a:rPr lang="en-US" dirty="0" smtClean="0"/>
-              <a:t>had to be implemented.</a:t>
-            </a:r>
-          </a:p>
-          <a:p>
-            <a:r>
-              <a:rPr lang="en-US" dirty="0"/>
-              <a:t>The core of the eventual consistency concept is that while a database may have some inconsistencies at any point in time, it will eventually become consistent when all updates cease: </a:t>
-            </a:r>
-            <a:r>
-              <a:rPr lang="en-US" i="1" dirty="0"/>
-              <a:t>eventually</a:t>
-            </a:r>
-            <a:r>
-              <a:rPr lang="en-US" dirty="0"/>
-              <a:t> all nodes will receive the latest consistent </a:t>
-            </a:r>
-            <a:r>
-              <a:rPr lang="en-US" dirty="0" smtClean="0"/>
-              <a:t>updates (</a:t>
-            </a:r>
-            <a:r>
-              <a:rPr lang="en-US" dirty="0" err="1" smtClean="0"/>
-              <a:t>qtd</a:t>
-            </a:r>
-            <a:r>
-              <a:rPr lang="en-US" dirty="0" smtClean="0"/>
-              <a:t>. in Harrison).</a:t>
-            </a:r>
-            <a:endParaRPr lang="en-US" dirty="0" smtClean="0"/>
-          </a:p>
-          <a:p>
-            <a:r>
-              <a:rPr lang="en-US" dirty="0" smtClean="0"/>
-              <a:t>Keep in mind that a bank or ACID oriented database systems cannot afford to use </a:t>
-            </a:r>
-            <a:r>
-              <a:rPr lang="en-US" i="1" dirty="0" smtClean="0"/>
-              <a:t>Eventual Consistency</a:t>
-            </a:r>
-            <a:r>
-              <a:rPr lang="en-US" dirty="0" smtClean="0"/>
-              <a:t> it is more-so used for platforms that can do without “all or nothing transactions.”</a:t>
-            </a:r>
-          </a:p>
-          <a:p>
-            <a:pPr marL="857250" lvl="1" indent="-400050">
-              <a:buFont typeface="+mj-lt"/>
-              <a:buAutoNum type="romanLcPeriod"/>
-            </a:pPr>
-            <a:r>
-              <a:rPr lang="en-US" dirty="0" smtClean="0"/>
-              <a:t>A Tweet or Facebook post loading 1 or 2 seconds too late/early.</a:t>
-            </a:r>
-          </a:p>
-          <a:p>
-            <a:pPr marL="857250" lvl="1" indent="-400050">
-              <a:buFont typeface="+mj-lt"/>
-              <a:buAutoNum type="romanLcPeriod"/>
-            </a:pPr>
-            <a:r>
-              <a:rPr lang="en-US" dirty="0" smtClean="0"/>
-              <a:t>Websites and E-Commerce that do not require a </a:t>
-            </a:r>
-            <a:r>
-              <a:rPr lang="en-US" dirty="0" smtClean="0"/>
-              <a:t>synchronous consistency.</a:t>
+              <a:t>NRW NOTATION</a:t>
             </a:r>
             <a:endParaRPr lang="en-US" dirty="0"/>
           </a:p>
@@ -7075,13 +8366,20 @@
     </p:spTree>
     <p:extLst>
       <p:ext uri="{BB962C8B-B14F-4D97-AF65-F5344CB8AC3E}">
-        <p14:creationId xmlns:p14="http://schemas.microsoft.com/office/powerpoint/2010/main" val="3888219724"/>
+        <p14:creationId xmlns:p14="http://schemas.microsoft.com/office/powerpoint/2010/main" val="1873022180"/>
       </p:ext>
     </p:extLst>
   </p:cSld>
   <p:clrMapOvr>
     <a:masterClrMapping/>
   </p:clrMapOvr>
+  <p:timing>
+    <p:tnLst>
+      <p:par>
+        <p:cTn id="1" dur="indefinite" restart="never" nodeType="tmRoot"/>
+      </p:par>
+    </p:tnLst>
+  </p:timing>
 </p:sld>
 </file>
 
@@ -7112,44 +8410,398 @@
             <p:ph type="title"/>
           </p:nvPr>
         </p:nvSpPr>
-        <p:spPr/>
+        <p:spPr>
+          <a:xfrm>
+            <a:off x="1208088" y="4865062"/>
+            <a:ext cx="9404723" cy="1400530"/>
+          </a:xfrm>
+        </p:spPr>
         <p:txBody>
           <a:bodyPr/>
           <a:lstStyle/>
           <a:p>
-            <a:endParaRPr lang="en-US"/>
-          </a:p>
-        </p:txBody>
-      </p:sp>
-      <p:sp>
-        <p:nvSpPr>
-          <p:cNvPr id="3" name="Content Placeholder 2"/>
-          <p:cNvSpPr>
-            <a:spLocks noGrp="1"/>
-          </p:cNvSpPr>
-          <p:nvPr>
-            <p:ph idx="1"/>
-          </p:nvPr>
-        </p:nvSpPr>
-        <p:spPr/>
-        <p:txBody>
-          <a:bodyPr/>
-          <a:lstStyle/>
-          <a:p>
-            <a:endParaRPr lang="en-US"/>
+            <a:r>
+              <a:rPr lang="en-US" sz="2000" dirty="0" smtClean="0"/>
+              <a:t>When W = 3, R = 2 and R = 4 our outcome is: 3 + 2 = 5 and 5 &gt; 4 so it is a STRONG CONSISTENCY.</a:t>
+            </a:r>
+            <a:br>
+              <a:rPr lang="en-US" sz="2000" dirty="0" smtClean="0"/>
+            </a:br>
+            <a:r>
+              <a:rPr lang="en-US" sz="2000" dirty="0" smtClean="0"/>
+              <a:t/>
+            </a:r>
+            <a:br>
+              <a:rPr lang="en-US" sz="2000" dirty="0" smtClean="0"/>
+            </a:br>
+            <a:r>
+              <a:rPr lang="en-US" sz="2000" dirty="0" smtClean="0"/>
+              <a:t>Let W = 7, R = 1 and N = 7; what’s the outcome? </a:t>
+            </a:r>
+            <a:endParaRPr lang="en-US" sz="2000" dirty="0"/>
+          </a:p>
+        </p:txBody>
+      </p:sp>
+      <p:graphicFrame>
+        <p:nvGraphicFramePr>
+          <p:cNvPr id="5" name="Content Placeholder 4"/>
+          <p:cNvGraphicFramePr>
+            <a:graphicFrameLocks/>
+          </p:cNvGraphicFramePr>
+          <p:nvPr>
+            <p:extLst/>
+          </p:nvPr>
+        </p:nvGraphicFramePr>
+        <p:xfrm>
+          <a:off x="1208088" y="1726292"/>
+          <a:ext cx="9802814" cy="2382840"/>
+        </p:xfrm>
+        <a:graphic>
+          <a:graphicData uri="http://schemas.openxmlformats.org/drawingml/2006/table">
+            <a:tbl>
+              <a:tblPr firstRow="1" bandRow="1">
+                <a:tableStyleId>{775DCB02-9BB8-47FD-8907-85C794F793BA}</a:tableStyleId>
+              </a:tblPr>
+              <a:tblGrid>
+                <a:gridCol w="4901407">
+                  <a:extLst>
+                    <a:ext uri="{9D8B030D-6E8A-4147-A177-3AD203B41FA5}">
+                      <a16:colId xmlns:a16="http://schemas.microsoft.com/office/drawing/2014/main" val="3734456281"/>
+                    </a:ext>
+                  </a:extLst>
+                </a:gridCol>
+                <a:gridCol w="4901407">
+                  <a:extLst>
+                    <a:ext uri="{9D8B030D-6E8A-4147-A177-3AD203B41FA5}">
+                      <a16:colId xmlns:a16="http://schemas.microsoft.com/office/drawing/2014/main" val="1935269608"/>
+                    </a:ext>
+                  </a:extLst>
+                </a:gridCol>
+              </a:tblGrid>
+              <a:tr h="476568">
+                <a:tc>
+                  <a:txBody>
+                    <a:bodyPr/>
+                    <a:lstStyle/>
+                    <a:p>
+                      <a:pPr algn="ctr"/>
+                      <a:r>
+                        <a:rPr lang="en-US" dirty="0" smtClean="0"/>
+                        <a:t>NRW Configuration</a:t>
+                      </a:r>
+                      <a:endParaRPr lang="en-US" dirty="0"/>
+                    </a:p>
+                  </a:txBody>
+                  <a:tcPr/>
+                </a:tc>
+                <a:tc>
+                  <a:txBody>
+                    <a:bodyPr/>
+                    <a:lstStyle/>
+                    <a:p>
+                      <a:pPr algn="ctr"/>
+                      <a:r>
+                        <a:rPr lang="en-US" dirty="0" smtClean="0"/>
+                        <a:t>Outcome</a:t>
+                      </a:r>
+                      <a:endParaRPr lang="en-US" dirty="0"/>
+                    </a:p>
+                  </a:txBody>
+                  <a:tcPr/>
+                </a:tc>
+                <a:extLst>
+                  <a:ext uri="{0D108BD9-81ED-4DB2-BD59-A6C34878D82A}">
+                    <a16:rowId xmlns:a16="http://schemas.microsoft.com/office/drawing/2014/main" val="685672887"/>
+                  </a:ext>
+                </a:extLst>
+              </a:tr>
+              <a:tr h="476568">
+                <a:tc>
+                  <a:txBody>
+                    <a:bodyPr/>
+                    <a:lstStyle/>
+                    <a:p>
+                      <a:pPr algn="ctr"/>
+                      <a:r>
+                        <a:rPr lang="en-US" dirty="0" smtClean="0"/>
+                        <a:t>(</a:t>
+                      </a:r>
+                      <a:r>
+                        <a:rPr lang="en-US" baseline="0" dirty="0" smtClean="0"/>
+                        <a:t> W = N ) &amp; ( R = 1 )</a:t>
+                      </a:r>
+                      <a:endParaRPr lang="en-US" dirty="0"/>
+                    </a:p>
+                  </a:txBody>
+                  <a:tcPr/>
+                </a:tc>
+                <a:tc>
+                  <a:txBody>
+                    <a:bodyPr/>
+                    <a:lstStyle/>
+                    <a:p>
+                      <a:pPr algn="l"/>
+                      <a:r>
+                        <a:rPr lang="en-US" dirty="0" smtClean="0"/>
+                        <a:t>Read optimized strong consistency</a:t>
+                      </a:r>
+                      <a:endParaRPr lang="en-US" dirty="0"/>
+                    </a:p>
+                  </a:txBody>
+                  <a:tcPr/>
+                </a:tc>
+                <a:extLst>
+                  <a:ext uri="{0D108BD9-81ED-4DB2-BD59-A6C34878D82A}">
+                    <a16:rowId xmlns:a16="http://schemas.microsoft.com/office/drawing/2014/main" val="563112223"/>
+                  </a:ext>
+                </a:extLst>
+              </a:tr>
+              <a:tr h="476568">
+                <a:tc>
+                  <a:txBody>
+                    <a:bodyPr/>
+                    <a:lstStyle/>
+                    <a:p>
+                      <a:pPr algn="ctr"/>
+                      <a:r>
+                        <a:rPr lang="en-US" dirty="0" smtClean="0"/>
+                        <a:t>( W = 1 ) &amp; (</a:t>
+                      </a:r>
+                      <a:r>
+                        <a:rPr lang="en-US" baseline="0" dirty="0" smtClean="0"/>
+                        <a:t> R = N )</a:t>
+                      </a:r>
+                      <a:endParaRPr lang="en-US" dirty="0"/>
+                    </a:p>
+                  </a:txBody>
+                  <a:tcPr/>
+                </a:tc>
+                <a:tc>
+                  <a:txBody>
+                    <a:bodyPr/>
+                    <a:lstStyle/>
+                    <a:p>
+                      <a:pPr algn="l"/>
+                      <a:r>
+                        <a:rPr lang="en-US" dirty="0" smtClean="0"/>
+                        <a:t>Write optimized strong consistency</a:t>
+                      </a:r>
+                      <a:endParaRPr lang="en-US" dirty="0"/>
+                    </a:p>
+                  </a:txBody>
+                  <a:tcPr/>
+                </a:tc>
+                <a:extLst>
+                  <a:ext uri="{0D108BD9-81ED-4DB2-BD59-A6C34878D82A}">
+                    <a16:rowId xmlns:a16="http://schemas.microsoft.com/office/drawing/2014/main" val="1092152895"/>
+                  </a:ext>
+                </a:extLst>
+              </a:tr>
+              <a:tr h="476568">
+                <a:tc>
+                  <a:txBody>
+                    <a:bodyPr/>
+                    <a:lstStyle/>
+                    <a:p>
+                      <a:pPr algn="ctr"/>
+                      <a:r>
+                        <a:rPr lang="en-US" dirty="0" smtClean="0"/>
+                        <a:t>(</a:t>
+                      </a:r>
+                      <a:r>
+                        <a:rPr lang="en-US" baseline="0" dirty="0" smtClean="0"/>
+                        <a:t> W + R ) &lt;= N</a:t>
+                      </a:r>
+                      <a:endParaRPr lang="en-US" dirty="0"/>
+                    </a:p>
+                  </a:txBody>
+                  <a:tcPr/>
+                </a:tc>
+                <a:tc>
+                  <a:txBody>
+                    <a:bodyPr/>
+                    <a:lstStyle/>
+                    <a:p>
+                      <a:pPr algn="l"/>
+                      <a:r>
+                        <a:rPr lang="en-US" dirty="0" smtClean="0"/>
+                        <a:t>Weak eventual consistency</a:t>
+                      </a:r>
+                      <a:endParaRPr lang="en-US" dirty="0"/>
+                    </a:p>
+                  </a:txBody>
+                  <a:tcPr/>
+                </a:tc>
+                <a:extLst>
+                  <a:ext uri="{0D108BD9-81ED-4DB2-BD59-A6C34878D82A}">
+                    <a16:rowId xmlns:a16="http://schemas.microsoft.com/office/drawing/2014/main" val="2292941581"/>
+                  </a:ext>
+                </a:extLst>
+              </a:tr>
+              <a:tr h="476568">
+                <a:tc>
+                  <a:txBody>
+                    <a:bodyPr/>
+                    <a:lstStyle/>
+                    <a:p>
+                      <a:pPr algn="ctr"/>
+                      <a:r>
+                        <a:rPr lang="en-US" dirty="0" smtClean="0"/>
+                        <a:t>( W + R</a:t>
+                      </a:r>
+                      <a:r>
+                        <a:rPr lang="en-US" baseline="0" dirty="0" smtClean="0"/>
+                        <a:t> ) &gt; N</a:t>
+                      </a:r>
+                      <a:endParaRPr lang="en-US" dirty="0"/>
+                    </a:p>
+                  </a:txBody>
+                  <a:tcPr/>
+                </a:tc>
+                <a:tc>
+                  <a:txBody>
+                    <a:bodyPr/>
+                    <a:lstStyle/>
+                    <a:p>
+                      <a:pPr algn="l"/>
+                      <a:r>
+                        <a:rPr lang="en-US" dirty="0" smtClean="0"/>
+                        <a:t>Strong consistency though quorum</a:t>
+                      </a:r>
+                      <a:endParaRPr lang="en-US" dirty="0"/>
+                    </a:p>
+                  </a:txBody>
+                  <a:tcPr/>
+                </a:tc>
+                <a:extLst>
+                  <a:ext uri="{0D108BD9-81ED-4DB2-BD59-A6C34878D82A}">
+                    <a16:rowId xmlns:a16="http://schemas.microsoft.com/office/drawing/2014/main" val="1228862889"/>
+                  </a:ext>
+                </a:extLst>
+              </a:tr>
+            </a:tbl>
+          </a:graphicData>
+        </a:graphic>
+      </p:graphicFrame>
+      <p:sp>
+        <p:nvSpPr>
+          <p:cNvPr id="6" name="Title 1"/>
+          <p:cNvSpPr txBox="1">
+            <a:spLocks/>
+          </p:cNvSpPr>
+          <p:nvPr/>
+        </p:nvSpPr>
+        <p:spPr>
+          <a:xfrm>
+            <a:off x="798511" y="605118"/>
+            <a:ext cx="9404723" cy="1400530"/>
+          </a:xfrm>
+          <a:prstGeom prst="rect">
+            <a:avLst/>
+          </a:prstGeom>
+        </p:spPr>
+        <p:txBody>
+          <a:bodyPr vert="horz" lIns="91440" tIns="45720" rIns="91440" bIns="45720" rtlCol="0" anchor="t">
+            <a:noAutofit/>
+          </a:bodyPr>
+          <a:lstStyle>
+            <a:lvl1pPr algn="l" defTabSz="457200" rtl="0" eaLnBrk="1" latinLnBrk="0" hangingPunct="1">
+              <a:spcBef>
+                <a:spcPct val="0"/>
+              </a:spcBef>
+              <a:buNone/>
+              <a:defRPr sz="4200" b="0" i="0" kern="1200">
+                <a:solidFill>
+                  <a:schemeClr val="tx2"/>
+                </a:solidFill>
+                <a:latin typeface="+mj-lt"/>
+                <a:ea typeface="+mj-ea"/>
+                <a:cs typeface="+mj-cs"/>
+              </a:defRPr>
+            </a:lvl1pPr>
+            <a:lvl2pPr eaLnBrk="1" hangingPunct="1">
+              <a:defRPr>
+                <a:solidFill>
+                  <a:schemeClr val="tx2"/>
+                </a:solidFill>
+              </a:defRPr>
+            </a:lvl2pPr>
+            <a:lvl3pPr eaLnBrk="1" hangingPunct="1">
+              <a:defRPr>
+                <a:solidFill>
+                  <a:schemeClr val="tx2"/>
+                </a:solidFill>
+              </a:defRPr>
+            </a:lvl3pPr>
+            <a:lvl4pPr eaLnBrk="1" hangingPunct="1">
+              <a:defRPr>
+                <a:solidFill>
+                  <a:schemeClr val="tx2"/>
+                </a:solidFill>
+              </a:defRPr>
+            </a:lvl4pPr>
+            <a:lvl5pPr eaLnBrk="1" hangingPunct="1">
+              <a:defRPr>
+                <a:solidFill>
+                  <a:schemeClr val="tx2"/>
+                </a:solidFill>
+              </a:defRPr>
+            </a:lvl5pPr>
+            <a:lvl6pPr eaLnBrk="1" hangingPunct="1">
+              <a:defRPr>
+                <a:solidFill>
+                  <a:schemeClr val="tx2"/>
+                </a:solidFill>
+              </a:defRPr>
+            </a:lvl6pPr>
+            <a:lvl7pPr eaLnBrk="1" hangingPunct="1">
+              <a:defRPr>
+                <a:solidFill>
+                  <a:schemeClr val="tx2"/>
+                </a:solidFill>
+              </a:defRPr>
+            </a:lvl7pPr>
+            <a:lvl8pPr eaLnBrk="1" hangingPunct="1">
+              <a:defRPr>
+                <a:solidFill>
+                  <a:schemeClr val="tx2"/>
+                </a:solidFill>
+              </a:defRPr>
+            </a:lvl8pPr>
+            <a:lvl9pPr eaLnBrk="1" hangingPunct="1">
+              <a:defRPr>
+                <a:solidFill>
+                  <a:schemeClr val="tx2"/>
+                </a:solidFill>
+              </a:defRPr>
+            </a:lvl9pPr>
+          </a:lstStyle>
+          <a:p>
+            <a:r>
+              <a:rPr lang="en-US" dirty="0" smtClean="0"/>
+              <a:t>NRW NOTATION</a:t>
+            </a:r>
+            <a:endParaRPr lang="en-US" dirty="0"/>
           </a:p>
         </p:txBody>
       </p:sp>
     </p:spTree>
     <p:extLst>
       <p:ext uri="{BB962C8B-B14F-4D97-AF65-F5344CB8AC3E}">
-        <p14:creationId xmlns:p14="http://schemas.microsoft.com/office/powerpoint/2010/main" val="1051705854"/>
+        <p14:creationId xmlns:p14="http://schemas.microsoft.com/office/powerpoint/2010/main" val="2159059242"/>
       </p:ext>
     </p:extLst>
   </p:cSld>
   <p:clrMapOvr>
     <a:masterClrMapping/>
   </p:clrMapOvr>
+  <p:timing>
+    <p:tnLst>
+      <p:par>
+        <p:cTn id="1" dur="indefinite" restart="never" nodeType="tmRoot"/>
+      </p:par>
+    </p:tnLst>
+  </p:timing>
 </p:sld>
 </file>
 
@@ -7180,212 +8832,525 @@
             <p:ph type="title"/>
           </p:nvPr>
         </p:nvSpPr>
-        <p:spPr/>
+        <p:spPr>
+          <a:xfrm>
+            <a:off x="1208088" y="4865061"/>
+            <a:ext cx="9404723" cy="2101795"/>
+          </a:xfrm>
+        </p:spPr>
         <p:txBody>
           <a:bodyPr/>
           <a:lstStyle/>
           <a:p>
-            <a:pPr algn="ctr"/>
-            <a:r>
-              <a:rPr lang="en-US" dirty="0" smtClean="0"/>
-              <a:t>Works Cited</a:t>
-            </a:r>
-            <a:endParaRPr lang="en-US" dirty="0"/>
-          </a:p>
-        </p:txBody>
-      </p:sp>
-      <p:sp>
-        <p:nvSpPr>
-          <p:cNvPr id="3" name="Content Placeholder 2"/>
-          <p:cNvSpPr>
-            <a:spLocks noGrp="1"/>
-          </p:cNvSpPr>
-          <p:nvPr>
-            <p:ph idx="1"/>
-          </p:nvPr>
+            <a:r>
+              <a:rPr lang="en-US" sz="2000" dirty="0" smtClean="0"/>
+              <a:t>When W = 3, R = 2 and R = 4 our outcome is: 3 + 2 = 5 and 5 &gt; 4 so it is a STRONG CONSISTENCY.</a:t>
+            </a:r>
+            <a:br>
+              <a:rPr lang="en-US" sz="2000" dirty="0" smtClean="0"/>
+            </a:br>
+            <a:r>
+              <a:rPr lang="en-US" sz="2000" dirty="0" smtClean="0"/>
+              <a:t/>
+            </a:r>
+            <a:br>
+              <a:rPr lang="en-US" sz="2000" dirty="0" smtClean="0"/>
+            </a:br>
+            <a:r>
+              <a:rPr lang="en-US" sz="2000" dirty="0" smtClean="0"/>
+              <a:t>Let W = 7, R = 1 and N = 7; what’s the outcome: Since W == N and R = 1</a:t>
+            </a:r>
+            <a:br>
+              <a:rPr lang="en-US" sz="2000" dirty="0" smtClean="0"/>
+            </a:br>
+            <a:r>
+              <a:rPr lang="en-US" sz="2000" dirty="0" smtClean="0"/>
+              <a:t>our configuration’s outcome is READ OPTIMIZED STRONG CONSISTENCY</a:t>
+            </a:r>
+            <a:endParaRPr lang="en-US" sz="2000" dirty="0"/>
+          </a:p>
+        </p:txBody>
+      </p:sp>
+      <p:graphicFrame>
+        <p:nvGraphicFramePr>
+          <p:cNvPr id="5" name="Content Placeholder 4"/>
+          <p:cNvGraphicFramePr>
+            <a:graphicFrameLocks/>
+          </p:cNvGraphicFramePr>
+          <p:nvPr>
+            <p:extLst/>
+          </p:nvPr>
+        </p:nvGraphicFramePr>
+        <p:xfrm>
+          <a:off x="1208088" y="1726292"/>
+          <a:ext cx="9802814" cy="2382840"/>
+        </p:xfrm>
+        <a:graphic>
+          <a:graphicData uri="http://schemas.openxmlformats.org/drawingml/2006/table">
+            <a:tbl>
+              <a:tblPr firstRow="1" bandRow="1">
+                <a:tableStyleId>{775DCB02-9BB8-47FD-8907-85C794F793BA}</a:tableStyleId>
+              </a:tblPr>
+              <a:tblGrid>
+                <a:gridCol w="4901407">
+                  <a:extLst>
+                    <a:ext uri="{9D8B030D-6E8A-4147-A177-3AD203B41FA5}">
+                      <a16:colId xmlns:a16="http://schemas.microsoft.com/office/drawing/2014/main" val="3734456281"/>
+                    </a:ext>
+                  </a:extLst>
+                </a:gridCol>
+                <a:gridCol w="4901407">
+                  <a:extLst>
+                    <a:ext uri="{9D8B030D-6E8A-4147-A177-3AD203B41FA5}">
+                      <a16:colId xmlns:a16="http://schemas.microsoft.com/office/drawing/2014/main" val="1935269608"/>
+                    </a:ext>
+                  </a:extLst>
+                </a:gridCol>
+              </a:tblGrid>
+              <a:tr h="476568">
+                <a:tc>
+                  <a:txBody>
+                    <a:bodyPr/>
+                    <a:lstStyle/>
+                    <a:p>
+                      <a:pPr algn="ctr"/>
+                      <a:r>
+                        <a:rPr lang="en-US" dirty="0" smtClean="0"/>
+                        <a:t>NRW Configuration</a:t>
+                      </a:r>
+                      <a:endParaRPr lang="en-US" dirty="0"/>
+                    </a:p>
+                  </a:txBody>
+                  <a:tcPr/>
+                </a:tc>
+                <a:tc>
+                  <a:txBody>
+                    <a:bodyPr/>
+                    <a:lstStyle/>
+                    <a:p>
+                      <a:pPr algn="ctr"/>
+                      <a:r>
+                        <a:rPr lang="en-US" dirty="0" smtClean="0"/>
+                        <a:t>Outcome</a:t>
+                      </a:r>
+                      <a:endParaRPr lang="en-US" dirty="0"/>
+                    </a:p>
+                  </a:txBody>
+                  <a:tcPr/>
+                </a:tc>
+                <a:extLst>
+                  <a:ext uri="{0D108BD9-81ED-4DB2-BD59-A6C34878D82A}">
+                    <a16:rowId xmlns:a16="http://schemas.microsoft.com/office/drawing/2014/main" val="685672887"/>
+                  </a:ext>
+                </a:extLst>
+              </a:tr>
+              <a:tr h="476568">
+                <a:tc>
+                  <a:txBody>
+                    <a:bodyPr/>
+                    <a:lstStyle/>
+                    <a:p>
+                      <a:pPr algn="ctr"/>
+                      <a:r>
+                        <a:rPr lang="en-US" dirty="0" smtClean="0"/>
+                        <a:t>(</a:t>
+                      </a:r>
+                      <a:r>
+                        <a:rPr lang="en-US" baseline="0" dirty="0" smtClean="0"/>
+                        <a:t> W = N ) &amp; ( R = 1 )</a:t>
+                      </a:r>
+                      <a:endParaRPr lang="en-US" dirty="0"/>
+                    </a:p>
+                  </a:txBody>
+                  <a:tcPr/>
+                </a:tc>
+                <a:tc>
+                  <a:txBody>
+                    <a:bodyPr/>
+                    <a:lstStyle/>
+                    <a:p>
+                      <a:pPr algn="l"/>
+                      <a:r>
+                        <a:rPr lang="en-US" dirty="0" smtClean="0"/>
+                        <a:t>Read optimized strong consistency</a:t>
+                      </a:r>
+                      <a:endParaRPr lang="en-US" dirty="0"/>
+                    </a:p>
+                  </a:txBody>
+                  <a:tcPr/>
+                </a:tc>
+                <a:extLst>
+                  <a:ext uri="{0D108BD9-81ED-4DB2-BD59-A6C34878D82A}">
+                    <a16:rowId xmlns:a16="http://schemas.microsoft.com/office/drawing/2014/main" val="563112223"/>
+                  </a:ext>
+                </a:extLst>
+              </a:tr>
+              <a:tr h="476568">
+                <a:tc>
+                  <a:txBody>
+                    <a:bodyPr/>
+                    <a:lstStyle/>
+                    <a:p>
+                      <a:pPr algn="ctr"/>
+                      <a:r>
+                        <a:rPr lang="en-US" dirty="0" smtClean="0"/>
+                        <a:t>( W = 1 ) &amp; (</a:t>
+                      </a:r>
+                      <a:r>
+                        <a:rPr lang="en-US" baseline="0" dirty="0" smtClean="0"/>
+                        <a:t> R = N )</a:t>
+                      </a:r>
+                      <a:endParaRPr lang="en-US" dirty="0"/>
+                    </a:p>
+                  </a:txBody>
+                  <a:tcPr/>
+                </a:tc>
+                <a:tc>
+                  <a:txBody>
+                    <a:bodyPr/>
+                    <a:lstStyle/>
+                    <a:p>
+                      <a:pPr algn="l"/>
+                      <a:r>
+                        <a:rPr lang="en-US" dirty="0" smtClean="0"/>
+                        <a:t>Write optimized strong consistency</a:t>
+                      </a:r>
+                      <a:endParaRPr lang="en-US" dirty="0"/>
+                    </a:p>
+                  </a:txBody>
+                  <a:tcPr/>
+                </a:tc>
+                <a:extLst>
+                  <a:ext uri="{0D108BD9-81ED-4DB2-BD59-A6C34878D82A}">
+                    <a16:rowId xmlns:a16="http://schemas.microsoft.com/office/drawing/2014/main" val="1092152895"/>
+                  </a:ext>
+                </a:extLst>
+              </a:tr>
+              <a:tr h="476568">
+                <a:tc>
+                  <a:txBody>
+                    <a:bodyPr/>
+                    <a:lstStyle/>
+                    <a:p>
+                      <a:pPr algn="ctr"/>
+                      <a:r>
+                        <a:rPr lang="en-US" dirty="0" smtClean="0"/>
+                        <a:t>(</a:t>
+                      </a:r>
+                      <a:r>
+                        <a:rPr lang="en-US" baseline="0" dirty="0" smtClean="0"/>
+                        <a:t> W + R ) &lt;= N</a:t>
+                      </a:r>
+                      <a:endParaRPr lang="en-US" dirty="0"/>
+                    </a:p>
+                  </a:txBody>
+                  <a:tcPr/>
+                </a:tc>
+                <a:tc>
+                  <a:txBody>
+                    <a:bodyPr/>
+                    <a:lstStyle/>
+                    <a:p>
+                      <a:pPr algn="l"/>
+                      <a:r>
+                        <a:rPr lang="en-US" dirty="0" smtClean="0"/>
+                        <a:t>Weak eventual consistency</a:t>
+                      </a:r>
+                      <a:endParaRPr lang="en-US" dirty="0"/>
+                    </a:p>
+                  </a:txBody>
+                  <a:tcPr/>
+                </a:tc>
+                <a:extLst>
+                  <a:ext uri="{0D108BD9-81ED-4DB2-BD59-A6C34878D82A}">
+                    <a16:rowId xmlns:a16="http://schemas.microsoft.com/office/drawing/2014/main" val="2292941581"/>
+                  </a:ext>
+                </a:extLst>
+              </a:tr>
+              <a:tr h="476568">
+                <a:tc>
+                  <a:txBody>
+                    <a:bodyPr/>
+                    <a:lstStyle/>
+                    <a:p>
+                      <a:pPr algn="ctr"/>
+                      <a:r>
+                        <a:rPr lang="en-US" dirty="0" smtClean="0"/>
+                        <a:t>( W + R</a:t>
+                      </a:r>
+                      <a:r>
+                        <a:rPr lang="en-US" baseline="0" dirty="0" smtClean="0"/>
+                        <a:t> ) &gt; N</a:t>
+                      </a:r>
+                      <a:endParaRPr lang="en-US" dirty="0"/>
+                    </a:p>
+                  </a:txBody>
+                  <a:tcPr/>
+                </a:tc>
+                <a:tc>
+                  <a:txBody>
+                    <a:bodyPr/>
+                    <a:lstStyle/>
+                    <a:p>
+                      <a:pPr algn="l"/>
+                      <a:r>
+                        <a:rPr lang="en-US" dirty="0" smtClean="0"/>
+                        <a:t>Strong consistency though quorum</a:t>
+                      </a:r>
+                      <a:endParaRPr lang="en-US" dirty="0"/>
+                    </a:p>
+                  </a:txBody>
+                  <a:tcPr/>
+                </a:tc>
+                <a:extLst>
+                  <a:ext uri="{0D108BD9-81ED-4DB2-BD59-A6C34878D82A}">
+                    <a16:rowId xmlns:a16="http://schemas.microsoft.com/office/drawing/2014/main" val="1228862889"/>
+                  </a:ext>
+                </a:extLst>
+              </a:tr>
+            </a:tbl>
+          </a:graphicData>
+        </a:graphic>
+      </p:graphicFrame>
+      <p:sp>
+        <p:nvSpPr>
+          <p:cNvPr id="6" name="Title 1"/>
+          <p:cNvSpPr txBox="1">
+            <a:spLocks/>
+          </p:cNvSpPr>
+          <p:nvPr/>
         </p:nvSpPr>
         <p:spPr>
           <a:xfrm>
-            <a:off x="1103312" y="1175658"/>
-            <a:ext cx="8946541" cy="5072742"/>
+            <a:off x="798511" y="605118"/>
+            <a:ext cx="9404723" cy="1400530"/>
           </a:xfrm>
+          <a:prstGeom prst="rect">
+            <a:avLst/>
+          </a:prstGeom>
         </p:spPr>
         <p:txBody>
-          <a:bodyPr>
-            <a:normAutofit/>
+          <a:bodyPr vert="horz" lIns="91440" tIns="45720" rIns="91440" bIns="45720" rtlCol="0" anchor="t">
+            <a:noAutofit/>
           </a:bodyPr>
-          <a:lstStyle/>
-          <a:p>
-            <a:pPr marL="0" indent="0">
-              <a:buNone/>
-            </a:pPr>
-            <a:r>
-              <a:rPr lang="en-US" sz="1200" dirty="0"/>
-              <a:t>Harrison, Guy. “Eventual Consistency.” </a:t>
-            </a:r>
-            <a:r>
-              <a:rPr lang="en-US" sz="1200" i="1" dirty="0"/>
-              <a:t>Database Trends and Applications</a:t>
-            </a:r>
-            <a:r>
-              <a:rPr lang="en-US" sz="1200" dirty="0"/>
-              <a:t>, 7 Jan. 2011,</a:t>
-            </a:r>
-            <a:br>
-              <a:rPr lang="en-US" sz="1200" dirty="0"/>
-            </a:br>
-            <a:r>
-              <a:rPr lang="en-US" sz="1200" dirty="0"/>
-              <a:t>	</a:t>
-            </a:r>
-            <a:r>
-              <a:rPr lang="en-US" sz="1200" dirty="0">
-                <a:hlinkClick r:id="rId2"/>
-              </a:rPr>
-              <a:t>www.dbta.com/Columns/Applications-Insight/Eventual-Consistency-73004.aspx</a:t>
-            </a:r>
-            <a:r>
-              <a:rPr lang="en-US" sz="1200" dirty="0" smtClean="0"/>
-              <a:t>.</a:t>
-            </a:r>
-          </a:p>
-          <a:p>
-            <a:pPr marL="0" indent="0">
-              <a:buNone/>
-            </a:pPr>
-            <a:r>
-              <a:rPr lang="en-US" sz="1200" dirty="0" smtClean="0"/>
-              <a:t>---. "</a:t>
-            </a:r>
-            <a:r>
-              <a:rPr lang="en-US" sz="1200" dirty="0"/>
-              <a:t>Consistency Models." Next Generation Databases. </a:t>
-            </a:r>
-            <a:r>
-              <a:rPr lang="en-US" sz="1200" dirty="0" err="1"/>
-              <a:t>Apress</a:t>
-            </a:r>
-            <a:r>
-              <a:rPr lang="en-US" sz="1200" dirty="0"/>
-              <a:t>, Berkeley, CA, </a:t>
-            </a:r>
-            <a:r>
-              <a:rPr lang="en-US" sz="1200" dirty="0" smtClean="0"/>
-              <a:t>2015.</a:t>
-            </a:r>
-          </a:p>
-          <a:p>
-            <a:pPr marL="0" indent="0">
-              <a:buNone/>
-            </a:pPr>
-            <a:r>
-              <a:rPr lang="en-US" sz="1200" dirty="0"/>
-              <a:t>Springer, Wilfred. “Eventually Consistent.” LinkedIn </a:t>
-            </a:r>
-            <a:r>
-              <a:rPr lang="en-US" sz="1200" dirty="0" err="1"/>
-              <a:t>SlideShare</a:t>
-            </a:r>
-            <a:r>
-              <a:rPr lang="en-US" sz="1200" dirty="0"/>
-              <a:t>, 21 July 2010, </a:t>
-            </a:r>
-            <a:r>
-              <a:rPr lang="en-US" sz="1200" dirty="0" smtClean="0"/>
-              <a:t>www.slideshare.net/springerw/eventually-</a:t>
-            </a:r>
-            <a:br>
-              <a:rPr lang="en-US" sz="1200" dirty="0" smtClean="0"/>
-            </a:br>
-            <a:r>
-              <a:rPr lang="en-US" sz="1200" dirty="0" smtClean="0"/>
-              <a:t>	consistent</a:t>
-            </a:r>
-            <a:r>
-              <a:rPr lang="en-US" sz="1200" dirty="0"/>
-              <a:t>.</a:t>
-            </a:r>
-            <a:endParaRPr lang="en-US" sz="1200" dirty="0" smtClean="0"/>
-          </a:p>
-          <a:p>
-            <a:pPr marL="0" indent="0">
-              <a:buNone/>
-            </a:pPr>
-            <a:r>
-              <a:rPr lang="en-US" sz="1200" dirty="0" smtClean="0"/>
-              <a:t>Thant</a:t>
-            </a:r>
-            <a:r>
-              <a:rPr lang="en-US" sz="1200" dirty="0"/>
-              <a:t>, </a:t>
-            </a:r>
-            <a:r>
-              <a:rPr lang="en-US" sz="1200" dirty="0" err="1"/>
-              <a:t>Phyo</a:t>
-            </a:r>
-            <a:r>
-              <a:rPr lang="en-US" sz="1200" dirty="0"/>
-              <a:t> </a:t>
-            </a:r>
-            <a:r>
-              <a:rPr lang="en-US" sz="1200" dirty="0" err="1"/>
-              <a:t>Thandar</a:t>
-            </a:r>
-            <a:r>
-              <a:rPr lang="en-US" sz="1200" dirty="0"/>
-              <a:t>, and Thinn Thu </a:t>
-            </a:r>
-            <a:r>
-              <a:rPr lang="en-US" sz="1200" dirty="0" err="1"/>
-              <a:t>Naing</a:t>
-            </a:r>
-            <a:r>
-              <a:rPr lang="en-US" sz="1200" dirty="0"/>
-              <a:t>. "Improving the availability of NoSQL databases for Cloud Storage." </a:t>
-            </a:r>
-            <a:br>
-              <a:rPr lang="en-US" sz="1200" dirty="0"/>
-            </a:br>
-            <a:r>
-              <a:rPr lang="en-US" sz="1200" dirty="0"/>
-              <a:t>	Yangon: University of Computer Studies.</a:t>
-            </a:r>
-          </a:p>
-          <a:p>
-            <a:pPr marL="0" indent="0">
-              <a:buNone/>
-            </a:pPr>
-            <a:r>
-              <a:rPr lang="en-US" sz="1200" dirty="0" err="1" smtClean="0"/>
-              <a:t>Vanroose</a:t>
-            </a:r>
-            <a:r>
-              <a:rPr lang="en-US" sz="1200" dirty="0"/>
-              <a:t>, Peter, and GSE DB Belgium. "ACID or BASE?-the case of NoSQL</a:t>
-            </a:r>
-            <a:r>
-              <a:rPr lang="en-US" sz="1200" dirty="0" smtClean="0"/>
-              <a:t>.“</a:t>
-            </a:r>
-          </a:p>
-          <a:p>
-            <a:pPr marL="0" indent="0">
-              <a:buNone/>
-            </a:pPr>
-            <a:endParaRPr lang="en-US" sz="1200" dirty="0"/>
+          <a:lstStyle>
+            <a:lvl1pPr algn="l" defTabSz="457200" rtl="0" eaLnBrk="1" latinLnBrk="0" hangingPunct="1">
+              <a:spcBef>
+                <a:spcPct val="0"/>
+              </a:spcBef>
+              <a:buNone/>
+              <a:defRPr sz="4200" b="0" i="0" kern="1200">
+                <a:solidFill>
+                  <a:schemeClr val="tx2"/>
+                </a:solidFill>
+                <a:latin typeface="+mj-lt"/>
+                <a:ea typeface="+mj-ea"/>
+                <a:cs typeface="+mj-cs"/>
+              </a:defRPr>
+            </a:lvl1pPr>
+            <a:lvl2pPr eaLnBrk="1" hangingPunct="1">
+              <a:defRPr>
+                <a:solidFill>
+                  <a:schemeClr val="tx2"/>
+                </a:solidFill>
+              </a:defRPr>
+            </a:lvl2pPr>
+            <a:lvl3pPr eaLnBrk="1" hangingPunct="1">
+              <a:defRPr>
+                <a:solidFill>
+                  <a:schemeClr val="tx2"/>
+                </a:solidFill>
+              </a:defRPr>
+            </a:lvl3pPr>
+            <a:lvl4pPr eaLnBrk="1" hangingPunct="1">
+              <a:defRPr>
+                <a:solidFill>
+                  <a:schemeClr val="tx2"/>
+                </a:solidFill>
+              </a:defRPr>
+            </a:lvl4pPr>
+            <a:lvl5pPr eaLnBrk="1" hangingPunct="1">
+              <a:defRPr>
+                <a:solidFill>
+                  <a:schemeClr val="tx2"/>
+                </a:solidFill>
+              </a:defRPr>
+            </a:lvl5pPr>
+            <a:lvl6pPr eaLnBrk="1" hangingPunct="1">
+              <a:defRPr>
+                <a:solidFill>
+                  <a:schemeClr val="tx2"/>
+                </a:solidFill>
+              </a:defRPr>
+            </a:lvl6pPr>
+            <a:lvl7pPr eaLnBrk="1" hangingPunct="1">
+              <a:defRPr>
+                <a:solidFill>
+                  <a:schemeClr val="tx2"/>
+                </a:solidFill>
+              </a:defRPr>
+            </a:lvl7pPr>
+            <a:lvl8pPr eaLnBrk="1" hangingPunct="1">
+              <a:defRPr>
+                <a:solidFill>
+                  <a:schemeClr val="tx2"/>
+                </a:solidFill>
+              </a:defRPr>
+            </a:lvl8pPr>
+            <a:lvl9pPr eaLnBrk="1" hangingPunct="1">
+              <a:defRPr>
+                <a:solidFill>
+                  <a:schemeClr val="tx2"/>
+                </a:solidFill>
+              </a:defRPr>
+            </a:lvl9pPr>
+          </a:lstStyle>
+          <a:p>
+            <a:r>
+              <a:rPr lang="en-US" dirty="0" smtClean="0"/>
+              <a:t>NRW NOTATION</a:t>
+            </a:r>
+            <a:endParaRPr lang="en-US" dirty="0"/>
           </a:p>
         </p:txBody>
       </p:sp>
     </p:spTree>
     <p:extLst>
       <p:ext uri="{BB962C8B-B14F-4D97-AF65-F5344CB8AC3E}">
-        <p14:creationId xmlns:p14="http://schemas.microsoft.com/office/powerpoint/2010/main" val="3288187351"/>
+        <p14:creationId xmlns:p14="http://schemas.microsoft.com/office/powerpoint/2010/main" val="4202009229"/>
       </p:ext>
     </p:extLst>
   </p:cSld>
   <p:clrMapOvr>
     <a:masterClrMapping/>
   </p:clrMapOvr>
+  <p:timing>
+    <p:tnLst>
+      <p:par>
+        <p:cTn id="1" dur="indefinite" restart="never" nodeType="tmRoot"/>
+      </p:par>
+    </p:tnLst>
+  </p:timing>
+</p:sld>
+</file>
+
+<file path=ppt/slides/slide9.xml><?xml version="1.0" encoding="utf-8"?>
+<p:sld xmlns:a="http://schemas.openxmlformats.org/drawingml/2006/main" xmlns:r="http://schemas.openxmlformats.org/officeDocument/2006/relationships" xmlns:p="http://schemas.openxmlformats.org/presentationml/2006/main">
+  <p:cSld>
+    <p:spTree>
+      <p:nvGrpSpPr>
+        <p:cNvPr id="1" name=""/>
+        <p:cNvGrpSpPr/>
+        <p:nvPr/>
+      </p:nvGrpSpPr>
+      <p:grpSpPr>
+        <a:xfrm>
+          <a:off x="0" y="0"/>
+          <a:ext cx="0" cy="0"/>
+          <a:chOff x="0" y="0"/>
+          <a:chExt cx="0" cy="0"/>
+        </a:xfrm>
+      </p:grpSpPr>
+      <p:sp>
+        <p:nvSpPr>
+          <p:cNvPr id="2" name="Title 1"/>
+          <p:cNvSpPr>
+            <a:spLocks noGrp="1"/>
+          </p:cNvSpPr>
+          <p:nvPr>
+            <p:ph type="title"/>
+          </p:nvPr>
+        </p:nvSpPr>
+        <p:spPr/>
+        <p:txBody>
+          <a:bodyPr/>
+          <a:lstStyle/>
+          <a:p>
+            <a:r>
+              <a:rPr lang="en-US" dirty="0" smtClean="0"/>
+              <a:t>An easy way to remember NRW</a:t>
+            </a:r>
+            <a:endParaRPr lang="en-US" dirty="0"/>
+          </a:p>
+        </p:txBody>
+      </p:sp>
+      <p:sp>
+        <p:nvSpPr>
+          <p:cNvPr id="4" name="Content Placeholder 3"/>
+          <p:cNvSpPr>
+            <a:spLocks noGrp="1"/>
+          </p:cNvSpPr>
+          <p:nvPr>
+            <p:ph idx="1"/>
+          </p:nvPr>
+        </p:nvSpPr>
+        <p:spPr/>
+        <p:txBody>
+          <a:bodyPr/>
+          <a:lstStyle/>
+          <a:p>
+            <a:r>
+              <a:rPr lang="en-US" dirty="0" smtClean="0"/>
+              <a:t>When Read or Write are 1 and the other two variables are the same, the unpaired (variable with 1) is the optimized pillar </a:t>
+            </a:r>
+          </a:p>
+          <a:p>
+            <a:pPr lvl="1">
+              <a:buFont typeface="Wingdings" panose="05000000000000000000" pitchFamily="2" charset="2"/>
+              <a:buChar char="§"/>
+            </a:pPr>
+            <a:r>
+              <a:rPr lang="en-US" dirty="0" smtClean="0"/>
+              <a:t>will always be “read/write optimized </a:t>
+            </a:r>
+            <a:r>
+              <a:rPr lang="en-US" u="sng" dirty="0" smtClean="0"/>
+              <a:t>strong</a:t>
+            </a:r>
+            <a:r>
+              <a:rPr lang="en-US" dirty="0" smtClean="0"/>
+              <a:t> consistency”, since 1+x is always &gt; x</a:t>
+            </a:r>
+          </a:p>
+          <a:p>
+            <a:endParaRPr lang="en-US" dirty="0"/>
+          </a:p>
+          <a:p>
+            <a:pPr marL="0" indent="0">
+              <a:buNone/>
+            </a:pPr>
+            <a:r>
+              <a:rPr lang="en-US" dirty="0" smtClean="0"/>
+              <a:t>So, once more, what is the answer to this question: </a:t>
+            </a:r>
+            <a:br>
+              <a:rPr lang="en-US" dirty="0" smtClean="0"/>
+            </a:br>
+            <a:r>
+              <a:rPr lang="en-US" dirty="0" smtClean="0"/>
+              <a:t>Let R = 3, W = 1, and N = 1:</a:t>
+            </a:r>
+            <a:endParaRPr lang="en-US" dirty="0"/>
+          </a:p>
+        </p:txBody>
+      </p:sp>
+    </p:spTree>
+    <p:extLst>
+      <p:ext uri="{BB962C8B-B14F-4D97-AF65-F5344CB8AC3E}">
+        <p14:creationId xmlns:p14="http://schemas.microsoft.com/office/powerpoint/2010/main" val="670038221"/>
+      </p:ext>
+    </p:extLst>
+  </p:cSld>
+  <p:clrMapOvr>
+    <a:masterClrMapping/>
+  </p:clrMapOvr>
+  <p:timing>
+    <p:tnLst>
+      <p:par>
+        <p:cTn id="1" dur="indefinite" restart="never" nodeType="tmRoot"/>
+      </p:par>
+    </p:tnLst>
+  </p:timing>
 </p:sld>
 </file>
 

--- a/group6slidshow.pptx
+++ b/group6slidshow.pptx
@@ -6799,7 +6799,7 @@
           <a:bodyPr/>
           <a:lstStyle/>
           <a:p>
-            <a:endParaRPr lang="en-US"/>
+            <a:endParaRPr lang="en-US" dirty="0"/>
           </a:p>
         </p:txBody>
       </p:sp>
@@ -7170,7 +7170,15 @@
           <a:p>
             <a:r>
               <a:rPr lang="en-US" dirty="0" smtClean="0"/>
-              <a:t>This compromise was noted “Eventual Consistency</a:t>
+              <a:t>One of those </a:t>
+            </a:r>
+            <a:r>
+              <a:rPr lang="en-US" dirty="0" smtClean="0"/>
+              <a:t>compromises </a:t>
+            </a:r>
+            <a:r>
+              <a:rPr lang="en-US" dirty="0" smtClean="0"/>
+              <a:t>was noted “Eventual Consistency</a:t>
             </a:r>
             <a:r>
               <a:rPr lang="en-US" dirty="0" smtClean="0"/>

--- a/group6slidshow.pptx
+++ b/group6slidshow.pptx
@@ -16,10 +16,7 @@
     <p:sldId id="268" r:id="rId10"/>
     <p:sldId id="269" r:id="rId11"/>
     <p:sldId id="270" r:id="rId12"/>
-    <p:sldId id="271" r:id="rId13"/>
-    <p:sldId id="260" r:id="rId14"/>
-    <p:sldId id="261" r:id="rId15"/>
-    <p:sldId id="262" r:id="rId16"/>
+    <p:sldId id="262" r:id="rId13"/>
   </p:sldIdLst>
   <p:sldSz cx="12192000" cy="6858000"/>
   <p:notesSz cx="6858000" cy="9144000"/>
@@ -6382,38 +6379,30 @@
             <a:pPr marL="0" indent="0">
               <a:buNone/>
             </a:pPr>
-            <a:endParaRPr lang="en-US" dirty="0"/>
+            <a:r>
+              <a:rPr lang="en-US" dirty="0" smtClean="0"/>
+              <a:t>The latency of read or write is dictated by the slowest of the R or W replicas. This is why R and W are usually configured to be less than N, to provide better latency (</a:t>
+            </a:r>
+            <a:r>
+              <a:rPr lang="en-US" dirty="0" err="1" smtClean="0"/>
+              <a:t>ctd</a:t>
+            </a:r>
+            <a:r>
+              <a:rPr lang="en-US" dirty="0" smtClean="0"/>
+              <a:t>. in “Dynamo: Amazon”).</a:t>
+            </a:r>
           </a:p>
           <a:p>
             <a:pPr marL="0" indent="0">
               <a:buNone/>
             </a:pPr>
             <a:r>
+              <a:rPr lang="en-US" dirty="0"/>
+              <a:t>	</a:t>
+            </a:r>
+            <a:r>
               <a:rPr lang="en-US" dirty="0" smtClean="0"/>
-              <a:t>1 more! </a:t>
-            </a:r>
-            <a:r>
-              <a:rPr lang="en-US" dirty="0" err="1" smtClean="0"/>
-              <a:t>Haha</a:t>
-            </a:r>
-            <a:endParaRPr lang="en-US" dirty="0" smtClean="0"/>
-          </a:p>
-          <a:p>
-            <a:pPr marL="0" indent="0">
-              <a:buNone/>
-            </a:pPr>
-            <a:r>
-              <a:rPr lang="en-US" dirty="0" smtClean="0"/>
-              <a:t>Let R = 1,000; W = 1; and N = 1,000</a:t>
-            </a:r>
-          </a:p>
-          <a:p>
-            <a:pPr marL="0" indent="0">
-              <a:buNone/>
-            </a:pPr>
-            <a:r>
-              <a:rPr lang="en-US" dirty="0" smtClean="0"/>
-              <a:t>This is a _________________________ CONSISTENCY. </a:t>
+              <a:t>Typical Values of (NRW) for Amazon Apps are (3, 2, 2)</a:t>
             </a:r>
             <a:endParaRPr lang="en-US" dirty="0"/>
           </a:p>
@@ -6471,402 +6460,6 @@
           <a:bodyPr/>
           <a:lstStyle/>
           <a:p>
-            <a:r>
-              <a:rPr lang="en-US" dirty="0" smtClean="0"/>
-              <a:t>An easy way to remember NRW</a:t>
-            </a:r>
-            <a:endParaRPr lang="en-US" dirty="0"/>
-          </a:p>
-        </p:txBody>
-      </p:sp>
-      <p:sp>
-        <p:nvSpPr>
-          <p:cNvPr id="4" name="Content Placeholder 3"/>
-          <p:cNvSpPr>
-            <a:spLocks noGrp="1"/>
-          </p:cNvSpPr>
-          <p:nvPr>
-            <p:ph idx="1"/>
-          </p:nvPr>
-        </p:nvSpPr>
-        <p:spPr>
-          <a:xfrm>
-            <a:off x="1103312" y="2052918"/>
-            <a:ext cx="8946541" cy="5494511"/>
-          </a:xfrm>
-        </p:spPr>
-        <p:txBody>
-          <a:bodyPr>
-            <a:normAutofit/>
-          </a:bodyPr>
-          <a:lstStyle/>
-          <a:p>
-            <a:r>
-              <a:rPr lang="en-US" dirty="0"/>
-              <a:t>When Read or Write are 1 and the other two variables are the same, the unpaired (variable with 1) is the optimized pillar </a:t>
-            </a:r>
-          </a:p>
-          <a:p>
-            <a:pPr lvl="1">
-              <a:buFont typeface="Wingdings" panose="05000000000000000000" pitchFamily="2" charset="2"/>
-              <a:buChar char="§"/>
-            </a:pPr>
-            <a:r>
-              <a:rPr lang="en-US" dirty="0"/>
-              <a:t>will always be “read/write optimized </a:t>
-            </a:r>
-            <a:r>
-              <a:rPr lang="en-US" u="sng" dirty="0"/>
-              <a:t>strong</a:t>
-            </a:r>
-            <a:r>
-              <a:rPr lang="en-US" dirty="0"/>
-              <a:t> consistency”, since 1+x is always &gt; x</a:t>
-            </a:r>
-          </a:p>
-          <a:p>
-            <a:endParaRPr lang="en-US" dirty="0"/>
-          </a:p>
-          <a:p>
-            <a:pPr marL="0" indent="0">
-              <a:buNone/>
-            </a:pPr>
-            <a:r>
-              <a:rPr lang="en-US" dirty="0" smtClean="0"/>
-              <a:t>So, once more, what is the answer to this question: </a:t>
-            </a:r>
-            <a:br>
-              <a:rPr lang="en-US" dirty="0" smtClean="0"/>
-            </a:br>
-            <a:r>
-              <a:rPr lang="en-US" dirty="0" smtClean="0"/>
-              <a:t>Let R = 3, W = 1, and N = 1: STRONG CONSISTENCY</a:t>
-            </a:r>
-          </a:p>
-          <a:p>
-            <a:pPr marL="0" indent="0">
-              <a:buNone/>
-            </a:pPr>
-            <a:endParaRPr lang="en-US" dirty="0"/>
-          </a:p>
-          <a:p>
-            <a:pPr marL="0" indent="0">
-              <a:buNone/>
-            </a:pPr>
-            <a:r>
-              <a:rPr lang="en-US" dirty="0" smtClean="0"/>
-              <a:t>1 more! </a:t>
-            </a:r>
-            <a:r>
-              <a:rPr lang="en-US" dirty="0" err="1" smtClean="0"/>
-              <a:t>Haha</a:t>
-            </a:r>
-            <a:endParaRPr lang="en-US" dirty="0" smtClean="0"/>
-          </a:p>
-          <a:p>
-            <a:pPr marL="0" indent="0">
-              <a:buNone/>
-            </a:pPr>
-            <a:r>
-              <a:rPr lang="en-US" dirty="0" smtClean="0"/>
-              <a:t>Let R = 1,000; W = 1; and N = 1,000</a:t>
-            </a:r>
-          </a:p>
-          <a:p>
-            <a:pPr marL="0" indent="0">
-              <a:buNone/>
-            </a:pPr>
-            <a:r>
-              <a:rPr lang="en-US" dirty="0" smtClean="0"/>
-              <a:t>This is a WRITE OPTIMIZED STRONG CONSISTENCY.</a:t>
-            </a:r>
-            <a:endParaRPr lang="en-US" dirty="0"/>
-          </a:p>
-        </p:txBody>
-      </p:sp>
-    </p:spTree>
-    <p:extLst>
-      <p:ext uri="{BB962C8B-B14F-4D97-AF65-F5344CB8AC3E}">
-        <p14:creationId xmlns:p14="http://schemas.microsoft.com/office/powerpoint/2010/main" val="1051271345"/>
-      </p:ext>
-    </p:extLst>
-  </p:cSld>
-  <p:clrMapOvr>
-    <a:masterClrMapping/>
-  </p:clrMapOvr>
-  <p:timing>
-    <p:tnLst>
-      <p:par>
-        <p:cTn id="1" dur="indefinite" restart="never" nodeType="tmRoot"/>
-      </p:par>
-    </p:tnLst>
-  </p:timing>
-</p:sld>
-</file>
-
-<file path=ppt/slides/slide13.xml><?xml version="1.0" encoding="utf-8"?>
-<p:sld xmlns:a="http://schemas.openxmlformats.org/drawingml/2006/main" xmlns:r="http://schemas.openxmlformats.org/officeDocument/2006/relationships" xmlns:p="http://schemas.openxmlformats.org/presentationml/2006/main">
-  <p:cSld>
-    <p:spTree>
-      <p:nvGrpSpPr>
-        <p:cNvPr id="1" name=""/>
-        <p:cNvGrpSpPr/>
-        <p:nvPr/>
-      </p:nvGrpSpPr>
-      <p:grpSpPr>
-        <a:xfrm>
-          <a:off x="0" y="0"/>
-          <a:ext cx="0" cy="0"/>
-          <a:chOff x="0" y="0"/>
-          <a:chExt cx="0" cy="0"/>
-        </a:xfrm>
-      </p:grpSpPr>
-      <p:sp>
-        <p:nvSpPr>
-          <p:cNvPr id="2" name="Title 1"/>
-          <p:cNvSpPr>
-            <a:spLocks noGrp="1"/>
-          </p:cNvSpPr>
-          <p:nvPr>
-            <p:ph type="title"/>
-          </p:nvPr>
-        </p:nvSpPr>
-        <p:spPr/>
-        <p:txBody>
-          <a:bodyPr/>
-          <a:lstStyle/>
-          <a:p>
-            <a:r>
-              <a:rPr lang="en-US" dirty="0" smtClean="0"/>
-              <a:t>Eventual Consistency</a:t>
-            </a:r>
-            <a:endParaRPr lang="en-US" dirty="0"/>
-          </a:p>
-        </p:txBody>
-      </p:sp>
-      <p:sp>
-        <p:nvSpPr>
-          <p:cNvPr id="3" name="Content Placeholder 2"/>
-          <p:cNvSpPr>
-            <a:spLocks noGrp="1"/>
-          </p:cNvSpPr>
-          <p:nvPr>
-            <p:ph idx="1"/>
-          </p:nvPr>
-        </p:nvSpPr>
-        <p:spPr>
-          <a:xfrm>
-            <a:off x="1103312" y="2052918"/>
-            <a:ext cx="9666288" cy="4595532"/>
-          </a:xfrm>
-        </p:spPr>
-        <p:txBody>
-          <a:bodyPr>
-            <a:normAutofit/>
-          </a:bodyPr>
-          <a:lstStyle/>
-          <a:p>
-            <a:r>
-              <a:rPr lang="en-US" dirty="0" smtClean="0"/>
-              <a:t>Since the CAP theorem was not enough (for users wanting undisturbed systems by network partitions) </a:t>
-            </a:r>
-            <a:r>
-              <a:rPr lang="en-US" i="1" dirty="0" smtClean="0"/>
-              <a:t>Eventual Consistency </a:t>
-            </a:r>
-            <a:r>
-              <a:rPr lang="en-US" dirty="0" smtClean="0"/>
-              <a:t>had to be implemented.</a:t>
-            </a:r>
-          </a:p>
-          <a:p>
-            <a:r>
-              <a:rPr lang="en-US" dirty="0"/>
-              <a:t>The core of the eventual consistency concept is that while a database may have some inconsistencies at any point in time, it will eventually become consistent when all updates cease: </a:t>
-            </a:r>
-            <a:r>
-              <a:rPr lang="en-US" i="1" dirty="0"/>
-              <a:t>eventually</a:t>
-            </a:r>
-            <a:r>
-              <a:rPr lang="en-US" dirty="0"/>
-              <a:t> all nodes will receive the latest consistent </a:t>
-            </a:r>
-            <a:r>
-              <a:rPr lang="en-US" dirty="0" smtClean="0"/>
-              <a:t>updates (</a:t>
-            </a:r>
-            <a:r>
-              <a:rPr lang="en-US" dirty="0" err="1" smtClean="0"/>
-              <a:t>qtd</a:t>
-            </a:r>
-            <a:r>
-              <a:rPr lang="en-US" dirty="0" smtClean="0"/>
-              <a:t>. in Harrison).</a:t>
-            </a:r>
-            <a:endParaRPr lang="en-US" dirty="0" smtClean="0"/>
-          </a:p>
-          <a:p>
-            <a:r>
-              <a:rPr lang="en-US" dirty="0" smtClean="0"/>
-              <a:t>Keep in mind that a bank or ACID oriented database systems cannot afford to use </a:t>
-            </a:r>
-            <a:r>
-              <a:rPr lang="en-US" i="1" dirty="0" smtClean="0"/>
-              <a:t>Eventual Consistency</a:t>
-            </a:r>
-            <a:r>
-              <a:rPr lang="en-US" dirty="0" smtClean="0"/>
-              <a:t> it is more-so used for platforms that can do without “all or nothing transactions.”</a:t>
-            </a:r>
-          </a:p>
-          <a:p>
-            <a:pPr marL="857250" lvl="1" indent="-400050">
-              <a:buFont typeface="+mj-lt"/>
-              <a:buAutoNum type="romanLcPeriod"/>
-            </a:pPr>
-            <a:r>
-              <a:rPr lang="en-US" dirty="0" smtClean="0"/>
-              <a:t>A Tweet or Facebook post loading 1 or 2 seconds too late/early.</a:t>
-            </a:r>
-          </a:p>
-          <a:p>
-            <a:pPr marL="857250" lvl="1" indent="-400050">
-              <a:buFont typeface="+mj-lt"/>
-              <a:buAutoNum type="romanLcPeriod"/>
-            </a:pPr>
-            <a:r>
-              <a:rPr lang="en-US" dirty="0" smtClean="0"/>
-              <a:t>Websites and E-Commerce that do not require a </a:t>
-            </a:r>
-            <a:r>
-              <a:rPr lang="en-US" dirty="0" smtClean="0"/>
-              <a:t>synchronous consistency.</a:t>
-            </a:r>
-            <a:endParaRPr lang="en-US" dirty="0"/>
-          </a:p>
-        </p:txBody>
-      </p:sp>
-    </p:spTree>
-    <p:extLst>
-      <p:ext uri="{BB962C8B-B14F-4D97-AF65-F5344CB8AC3E}">
-        <p14:creationId xmlns:p14="http://schemas.microsoft.com/office/powerpoint/2010/main" val="3888219724"/>
-      </p:ext>
-    </p:extLst>
-  </p:cSld>
-  <p:clrMapOvr>
-    <a:masterClrMapping/>
-  </p:clrMapOvr>
-  <p:timing>
-    <p:tnLst>
-      <p:par>
-        <p:cTn id="1" dur="indefinite" restart="never" nodeType="tmRoot"/>
-      </p:par>
-    </p:tnLst>
-  </p:timing>
-</p:sld>
-</file>
-
-<file path=ppt/slides/slide14.xml><?xml version="1.0" encoding="utf-8"?>
-<p:sld xmlns:a="http://schemas.openxmlformats.org/drawingml/2006/main" xmlns:r="http://schemas.openxmlformats.org/officeDocument/2006/relationships" xmlns:p="http://schemas.openxmlformats.org/presentationml/2006/main">
-  <p:cSld>
-    <p:spTree>
-      <p:nvGrpSpPr>
-        <p:cNvPr id="1" name=""/>
-        <p:cNvGrpSpPr/>
-        <p:nvPr/>
-      </p:nvGrpSpPr>
-      <p:grpSpPr>
-        <a:xfrm>
-          <a:off x="0" y="0"/>
-          <a:ext cx="0" cy="0"/>
-          <a:chOff x="0" y="0"/>
-          <a:chExt cx="0" cy="0"/>
-        </a:xfrm>
-      </p:grpSpPr>
-      <p:sp>
-        <p:nvSpPr>
-          <p:cNvPr id="2" name="Title 1"/>
-          <p:cNvSpPr>
-            <a:spLocks noGrp="1"/>
-          </p:cNvSpPr>
-          <p:nvPr>
-            <p:ph type="title"/>
-          </p:nvPr>
-        </p:nvSpPr>
-        <p:spPr/>
-        <p:txBody>
-          <a:bodyPr/>
-          <a:lstStyle/>
-          <a:p>
-            <a:endParaRPr lang="en-US" dirty="0"/>
-          </a:p>
-        </p:txBody>
-      </p:sp>
-      <p:sp>
-        <p:nvSpPr>
-          <p:cNvPr id="3" name="Content Placeholder 2"/>
-          <p:cNvSpPr>
-            <a:spLocks noGrp="1"/>
-          </p:cNvSpPr>
-          <p:nvPr>
-            <p:ph idx="1"/>
-          </p:nvPr>
-        </p:nvSpPr>
-        <p:spPr/>
-        <p:txBody>
-          <a:bodyPr/>
-          <a:lstStyle/>
-          <a:p>
-            <a:endParaRPr lang="en-US"/>
-          </a:p>
-        </p:txBody>
-      </p:sp>
-    </p:spTree>
-    <p:extLst>
-      <p:ext uri="{BB962C8B-B14F-4D97-AF65-F5344CB8AC3E}">
-        <p14:creationId xmlns:p14="http://schemas.microsoft.com/office/powerpoint/2010/main" val="1051705854"/>
-      </p:ext>
-    </p:extLst>
-  </p:cSld>
-  <p:clrMapOvr>
-    <a:masterClrMapping/>
-  </p:clrMapOvr>
-</p:sld>
-</file>
-
-<file path=ppt/slides/slide15.xml><?xml version="1.0" encoding="utf-8"?>
-<p:sld xmlns:a="http://schemas.openxmlformats.org/drawingml/2006/main" xmlns:r="http://schemas.openxmlformats.org/officeDocument/2006/relationships" xmlns:p="http://schemas.openxmlformats.org/presentationml/2006/main">
-  <p:cSld>
-    <p:spTree>
-      <p:nvGrpSpPr>
-        <p:cNvPr id="1" name=""/>
-        <p:cNvGrpSpPr/>
-        <p:nvPr/>
-      </p:nvGrpSpPr>
-      <p:grpSpPr>
-        <a:xfrm>
-          <a:off x="0" y="0"/>
-          <a:ext cx="0" cy="0"/>
-          <a:chOff x="0" y="0"/>
-          <a:chExt cx="0" cy="0"/>
-        </a:xfrm>
-      </p:grpSpPr>
-      <p:sp>
-        <p:nvSpPr>
-          <p:cNvPr id="2" name="Title 1"/>
-          <p:cNvSpPr>
-            <a:spLocks noGrp="1"/>
-          </p:cNvSpPr>
-          <p:nvPr>
-            <p:ph type="title"/>
-          </p:nvPr>
-        </p:nvSpPr>
-        <p:spPr/>
-        <p:txBody>
-          <a:bodyPr/>
-          <a:lstStyle/>
-          <a:p>
             <a:pPr algn="ctr"/>
             <a:r>
               <a:rPr lang="en-US" dirty="0" smtClean="0"/>
@@ -6903,7 +6496,73 @@
             </a:pPr>
             <a:r>
               <a:rPr lang="en-US" sz="1200" dirty="0"/>
-              <a:t>Harrison, Guy. “Eventual Consistency.” </a:t>
+              <a:t>"Dynamo: </a:t>
+            </a:r>
+            <a:r>
+              <a:rPr lang="en-US" sz="1200" dirty="0" err="1"/>
+              <a:t>Amazon’S</a:t>
+            </a:r>
+            <a:r>
+              <a:rPr lang="en-US" sz="1200" dirty="0"/>
+              <a:t> Highly Available Key-Value </a:t>
+            </a:r>
+            <a:r>
+              <a:rPr lang="en-US" sz="1200" dirty="0" smtClean="0"/>
+              <a:t>Store” </a:t>
+            </a:r>
+            <a:r>
+              <a:rPr lang="en-US" sz="1200" dirty="0" err="1" smtClean="0"/>
+              <a:t>Slideplayer.Com</a:t>
+            </a:r>
+            <a:r>
+              <a:rPr lang="en-US" sz="1200" dirty="0"/>
+              <a:t>, 2019, </a:t>
+            </a:r>
+            <a:r>
+              <a:rPr lang="en-US" sz="1200" dirty="0" smtClean="0"/>
+              <a:t/>
+            </a:r>
+            <a:br>
+              <a:rPr lang="en-US" sz="1200" dirty="0" smtClean="0"/>
+            </a:br>
+            <a:r>
+              <a:rPr lang="en-US" sz="1200" dirty="0" smtClean="0"/>
+              <a:t>	</a:t>
+            </a:r>
+            <a:r>
+              <a:rPr lang="en-US" sz="1200" dirty="0" smtClean="0">
+                <a:hlinkClick r:id="rId2"/>
+              </a:rPr>
+              <a:t>https</a:t>
+            </a:r>
+            <a:r>
+              <a:rPr lang="en-US" sz="1200" dirty="0">
+                <a:hlinkClick r:id="rId2"/>
+              </a:rPr>
+              <a:t>://slideplayer.com/slide/7720997</a:t>
+            </a:r>
+            <a:r>
+              <a:rPr lang="en-US" sz="1200" dirty="0" smtClean="0">
+                <a:hlinkClick r:id="rId2"/>
+              </a:rPr>
+              <a:t>/</a:t>
+            </a:r>
+            <a:r>
+              <a:rPr lang="en-US" sz="1200" dirty="0" smtClean="0"/>
+              <a:t>.</a:t>
+            </a:r>
+          </a:p>
+          <a:p>
+            <a:pPr marL="0" indent="0">
+              <a:buNone/>
+            </a:pPr>
+            <a:r>
+              <a:rPr lang="en-US" sz="1200" dirty="0" smtClean="0"/>
+              <a:t>Harrison</a:t>
+            </a:r>
+            <a:r>
+              <a:rPr lang="en-US" sz="1200" dirty="0"/>
+              <a:t>, Guy. “Eventual Consistency.” </a:t>
             </a:r>
             <a:r>
               <a:rPr lang="en-US" sz="1200" i="1" dirty="0"/>
@@ -6922,7 +6581,7 @@
             </a:r>
             <a:r>
               <a:rPr lang="en-US" sz="1200" dirty="0">
-                <a:hlinkClick r:id="rId2"/>
+                <a:hlinkClick r:id="rId3"/>
               </a:rPr>
               <a:t>www.dbta.com/Columns/Applications-Insight/Eventual-Consistency-73004.aspx</a:t>
             </a:r>

--- a/group6slidshow.pptx
+++ b/group6slidshow.pptx
@@ -9,7 +9,7 @@
     <p:sldId id="259" r:id="rId3"/>
     <p:sldId id="264" r:id="rId4"/>
     <p:sldId id="257" r:id="rId5"/>
-    <p:sldId id="263" r:id="rId6"/>
+    <p:sldId id="271" r:id="rId6"/>
     <p:sldId id="265" r:id="rId7"/>
     <p:sldId id="266" r:id="rId8"/>
     <p:sldId id="267" r:id="rId9"/>
@@ -7255,7 +7255,7 @@
         </p:nvSpPr>
         <p:spPr>
           <a:xfrm>
-            <a:off x="798511" y="5039233"/>
+            <a:off x="1208088" y="4865062"/>
             <a:ext cx="9404723" cy="1400530"/>
           </a:xfrm>
         </p:spPr>
@@ -7265,7 +7265,7 @@
           <a:p>
             <a:r>
               <a:rPr lang="en-US" sz="2000" dirty="0" smtClean="0"/>
-              <a:t>When W = 3, R = 2 and R = 4 our outcome is: </a:t>
+              <a:t>When W = 3, R = 2 and R = 4 our outcome is:</a:t>
             </a:r>
             <a:endParaRPr lang="en-US" sz="2000" dirty="0"/>
           </a:p>
@@ -7278,11 +7278,7 @@
             <a:graphicFrameLocks/>
           </p:cNvGraphicFramePr>
           <p:nvPr>
-            <p:extLst>
-              <p:ext uri="{D42A27DB-BD31-4B8C-83A1-F6EECF244321}">
-                <p14:modId xmlns:p14="http://schemas.microsoft.com/office/powerpoint/2010/main" val="348700914"/>
-              </p:ext>
-            </p:extLst>
+            <p:extLst/>
           </p:nvPr>
         </p:nvGraphicFramePr>
         <p:xfrm>
@@ -7373,7 +7369,7 @@
                     <a:bodyPr/>
                     <a:lstStyle/>
                     <a:p>
-                      <a:pPr algn="ctr"/>
+                      <a:pPr algn="l"/>
                       <a:r>
                         <a:rPr lang="en-US" dirty="0" smtClean="0"/>
                         <a:t>Read optimized strong consistency</a:t>
@@ -7414,7 +7410,7 @@
                     <a:bodyPr/>
                     <a:lstStyle/>
                     <a:p>
-                      <a:pPr algn="ctr"/>
+                      <a:pPr algn="l"/>
                       <a:r>
                         <a:rPr lang="en-US" dirty="0" smtClean="0"/>
                         <a:t>Write optimized strong consistency</a:t>
@@ -7455,7 +7451,7 @@
                     <a:bodyPr/>
                     <a:lstStyle/>
                     <a:p>
-                      <a:pPr algn="ctr"/>
+                      <a:pPr algn="l"/>
                       <a:r>
                         <a:rPr lang="en-US" dirty="0" smtClean="0"/>
                         <a:t>Weak eventual consistency</a:t>
@@ -7496,7 +7492,7 @@
                     <a:bodyPr/>
                     <a:lstStyle/>
                     <a:p>
-                      <a:pPr algn="ctr"/>
+                      <a:pPr algn="l"/>
                       <a:r>
                         <a:rPr lang="en-US" dirty="0" smtClean="0"/>
                         <a:t>Strong consistency though quorum</a:t>
@@ -7621,7 +7617,7 @@
     </p:spTree>
     <p:extLst>
       <p:ext uri="{BB962C8B-B14F-4D97-AF65-F5344CB8AC3E}">
-        <p14:creationId xmlns:p14="http://schemas.microsoft.com/office/powerpoint/2010/main" val="1249489284"/>
+        <p14:creationId xmlns:p14="http://schemas.microsoft.com/office/powerpoint/2010/main" val="776413369"/>
       </p:ext>
     </p:extLst>
   </p:cSld>

--- a/group6slidshow.pptx
+++ b/group6slidshow.pptx
@@ -309,7 +309,7 @@
           <a:p>
             <a:fld id="{37461C0B-7B0A-4439-9D20-3DEC988BCA09}" type="datetimeFigureOut">
               <a:rPr lang="en-US" smtClean="0"/>
-              <a:t>5/20/2019</a:t>
+              <a:t>5/22/2019</a:t>
             </a:fld>
             <a:endParaRPr lang="en-US"/>
           </a:p>
@@ -584,7 +584,7 @@
           <a:p>
             <a:fld id="{37461C0B-7B0A-4439-9D20-3DEC988BCA09}" type="datetimeFigureOut">
               <a:rPr lang="en-US" smtClean="0"/>
-              <a:t>5/20/2019</a:t>
+              <a:t>5/22/2019</a:t>
             </a:fld>
             <a:endParaRPr lang="en-US"/>
           </a:p>
@@ -778,7 +778,7 @@
           <a:p>
             <a:fld id="{37461C0B-7B0A-4439-9D20-3DEC988BCA09}" type="datetimeFigureOut">
               <a:rPr lang="en-US" smtClean="0"/>
-              <a:t>5/20/2019</a:t>
+              <a:t>5/22/2019</a:t>
             </a:fld>
             <a:endParaRPr lang="en-US"/>
           </a:p>
@@ -1051,7 +1051,7 @@
           <a:p>
             <a:fld id="{37461C0B-7B0A-4439-9D20-3DEC988BCA09}" type="datetimeFigureOut">
               <a:rPr lang="en-US" smtClean="0"/>
-              <a:t>5/20/2019</a:t>
+              <a:t>5/22/2019</a:t>
             </a:fld>
             <a:endParaRPr lang="en-US"/>
           </a:p>
@@ -1392,7 +1392,7 @@
           <a:p>
             <a:fld id="{37461C0B-7B0A-4439-9D20-3DEC988BCA09}" type="datetimeFigureOut">
               <a:rPr lang="en-US" smtClean="0"/>
-              <a:t>5/20/2019</a:t>
+              <a:t>5/22/2019</a:t>
             </a:fld>
             <a:endParaRPr lang="en-US"/>
           </a:p>
@@ -2015,7 +2015,7 @@
           <a:p>
             <a:fld id="{37461C0B-7B0A-4439-9D20-3DEC988BCA09}" type="datetimeFigureOut">
               <a:rPr lang="en-US" smtClean="0"/>
-              <a:t>5/20/2019</a:t>
+              <a:t>5/22/2019</a:t>
             </a:fld>
             <a:endParaRPr lang="en-US"/>
           </a:p>
@@ -2875,7 +2875,7 @@
           <a:p>
             <a:fld id="{37461C0B-7B0A-4439-9D20-3DEC988BCA09}" type="datetimeFigureOut">
               <a:rPr lang="en-US" smtClean="0"/>
-              <a:t>5/20/2019</a:t>
+              <a:t>5/22/2019</a:t>
             </a:fld>
             <a:endParaRPr lang="en-US"/>
           </a:p>
@@ -3045,7 +3045,7 @@
           <a:p>
             <a:fld id="{37461C0B-7B0A-4439-9D20-3DEC988BCA09}" type="datetimeFigureOut">
               <a:rPr lang="en-US" smtClean="0"/>
-              <a:t>5/20/2019</a:t>
+              <a:t>5/22/2019</a:t>
             </a:fld>
             <a:endParaRPr lang="en-US"/>
           </a:p>
@@ -3225,7 +3225,7 @@
           <a:p>
             <a:fld id="{37461C0B-7B0A-4439-9D20-3DEC988BCA09}" type="datetimeFigureOut">
               <a:rPr lang="en-US" smtClean="0"/>
-              <a:t>5/20/2019</a:t>
+              <a:t>5/22/2019</a:t>
             </a:fld>
             <a:endParaRPr lang="en-US"/>
           </a:p>
@@ -3395,7 +3395,7 @@
           <a:p>
             <a:fld id="{37461C0B-7B0A-4439-9D20-3DEC988BCA09}" type="datetimeFigureOut">
               <a:rPr lang="en-US" smtClean="0"/>
-              <a:t>5/20/2019</a:t>
+              <a:t>5/22/2019</a:t>
             </a:fld>
             <a:endParaRPr lang="en-US"/>
           </a:p>
@@ -3642,7 +3642,7 @@
           <a:p>
             <a:fld id="{37461C0B-7B0A-4439-9D20-3DEC988BCA09}" type="datetimeFigureOut">
               <a:rPr lang="en-US" smtClean="0"/>
-              <a:t>5/20/2019</a:t>
+              <a:t>5/22/2019</a:t>
             </a:fld>
             <a:endParaRPr lang="en-US"/>
           </a:p>
@@ -3934,7 +3934,7 @@
           <a:p>
             <a:fld id="{37461C0B-7B0A-4439-9D20-3DEC988BCA09}" type="datetimeFigureOut">
               <a:rPr lang="en-US" smtClean="0"/>
-              <a:t>5/20/2019</a:t>
+              <a:t>5/22/2019</a:t>
             </a:fld>
             <a:endParaRPr lang="en-US"/>
           </a:p>
@@ -4378,7 +4378,7 @@
           <a:p>
             <a:fld id="{37461C0B-7B0A-4439-9D20-3DEC988BCA09}" type="datetimeFigureOut">
               <a:rPr lang="en-US" smtClean="0"/>
-              <a:t>5/20/2019</a:t>
+              <a:t>5/22/2019</a:t>
             </a:fld>
             <a:endParaRPr lang="en-US"/>
           </a:p>
@@ -4496,7 +4496,7 @@
           <a:p>
             <a:fld id="{37461C0B-7B0A-4439-9D20-3DEC988BCA09}" type="datetimeFigureOut">
               <a:rPr lang="en-US" smtClean="0"/>
-              <a:t>5/20/2019</a:t>
+              <a:t>5/22/2019</a:t>
             </a:fld>
             <a:endParaRPr lang="en-US"/>
           </a:p>
@@ -4591,7 +4591,7 @@
           <a:p>
             <a:fld id="{37461C0B-7B0A-4439-9D20-3DEC988BCA09}" type="datetimeFigureOut">
               <a:rPr lang="en-US" smtClean="0"/>
-              <a:t>5/20/2019</a:t>
+              <a:t>5/22/2019</a:t>
             </a:fld>
             <a:endParaRPr lang="en-US"/>
           </a:p>
@@ -4870,7 +4870,7 @@
           <a:p>
             <a:fld id="{37461C0B-7B0A-4439-9D20-3DEC988BCA09}" type="datetimeFigureOut">
               <a:rPr lang="en-US" smtClean="0"/>
-              <a:t>5/20/2019</a:t>
+              <a:t>5/22/2019</a:t>
             </a:fld>
             <a:endParaRPr lang="en-US"/>
           </a:p>
@@ -5145,7 +5145,7 @@
           <a:p>
             <a:fld id="{37461C0B-7B0A-4439-9D20-3DEC988BCA09}" type="datetimeFigureOut">
               <a:rPr lang="en-US" smtClean="0"/>
-              <a:t>5/20/2019</a:t>
+              <a:t>5/22/2019</a:t>
             </a:fld>
             <a:endParaRPr lang="en-US"/>
           </a:p>
@@ -5574,7 +5574,7 @@
           <a:p>
             <a:fld id="{37461C0B-7B0A-4439-9D20-3DEC988BCA09}" type="datetimeFigureOut">
               <a:rPr lang="en-US" smtClean="0"/>
-              <a:t>5/20/2019</a:t>
+              <a:t>5/22/2019</a:t>
             </a:fld>
             <a:endParaRPr lang="en-US"/>
           </a:p>
@@ -6727,6 +6727,13 @@
   <p:clrMapOvr>
     <a:masterClrMapping/>
   </p:clrMapOvr>
+  <p:timing>
+    <p:tnLst>
+      <p:par>
+        <p:cTn id="1" dur="indefinite" restart="never" nodeType="tmRoot"/>
+      </p:par>
+    </p:tnLst>
+  </p:timing>
 </p:sld>
 </file>
 
@@ -6829,19 +6836,7 @@
           <a:p>
             <a:r>
               <a:rPr lang="en-US" dirty="0" smtClean="0"/>
-              <a:t>One of those </a:t>
-            </a:r>
-            <a:r>
-              <a:rPr lang="en-US" dirty="0" smtClean="0"/>
-              <a:t>compromises </a:t>
-            </a:r>
-            <a:r>
-              <a:rPr lang="en-US" dirty="0" smtClean="0"/>
-              <a:t>was noted “Eventual Consistency</a:t>
-            </a:r>
-            <a:r>
-              <a:rPr lang="en-US" dirty="0" smtClean="0"/>
-              <a:t>.” (</a:t>
+              <a:t>One of those compromises was noted “Eventual Consistency.” (</a:t>
             </a:r>
             <a:r>
               <a:rPr lang="en-US" dirty="0" err="1" smtClean="0"/>
@@ -7117,11 +7112,7 @@
             </a:r>
             <a:r>
               <a:rPr lang="en-US" dirty="0" smtClean="0"/>
-              <a:t>read </a:t>
-            </a:r>
-            <a:r>
-              <a:rPr lang="en-US" dirty="0" smtClean="0"/>
-              <a:t>and </a:t>
+              <a:t>read and </a:t>
             </a:r>
             <a:r>
               <a:rPr lang="en-US" dirty="0"/>
@@ -7265,7 +7256,19 @@
           <a:p>
             <a:r>
               <a:rPr lang="en-US" sz="2000" dirty="0" smtClean="0"/>
-              <a:t>When W = 3, R = 2 and R = 4 our outcome is:</a:t>
+              <a:t>When W = 3, R = 2 and </a:t>
+            </a:r>
+            <a:r>
+              <a:rPr lang="en-US" sz="2000" dirty="0" smtClean="0"/>
+              <a:t>N </a:t>
+            </a:r>
+            <a:r>
+              <a:rPr lang="en-US" sz="2000" dirty="0" smtClean="0"/>
+              <a:t>= </a:t>
+            </a:r>
+            <a:r>
+              <a:rPr lang="en-US" sz="2000" dirty="0" smtClean="0"/>
+              <a:t>4 our outcome is:</a:t>
             </a:r>
             <a:endParaRPr lang="en-US" sz="2000" dirty="0"/>
           </a:p>
@@ -7673,7 +7676,15 @@
           <a:p>
             <a:r>
               <a:rPr lang="en-US" sz="2000" dirty="0" smtClean="0"/>
-              <a:t>When W = 3, R = 2 and R = 4 our outcome is: 3 + 2 = 5 and 5 &gt; 4 so it is a STRONG CONSISTENCY.</a:t>
+              <a:t>When W = 3, R = 2 and </a:t>
+            </a:r>
+            <a:r>
+              <a:rPr lang="en-US" sz="2000" dirty="0" smtClean="0"/>
+              <a:t>N </a:t>
+            </a:r>
+            <a:r>
+              <a:rPr lang="en-US" sz="2000" dirty="0" smtClean="0"/>
+              <a:t>= 4 our outcome is: 3 + 2 = 5 and 5 &gt; 4 so it is a STRONG CONSISTENCY.</a:t>
             </a:r>
             <a:endParaRPr lang="en-US" sz="2000" dirty="0"/>
           </a:p>
@@ -8085,7 +8096,15 @@
           <a:p>
             <a:r>
               <a:rPr lang="en-US" sz="2000" dirty="0" smtClean="0"/>
-              <a:t>When W = 3, R = 2 and R = 4 our outcome is: 3 + 2 = 5 and 5 &gt; 4 so it is a STRONG CONSISTENCY.</a:t>
+              <a:t>When W = 3, R = 2 and </a:t>
+            </a:r>
+            <a:r>
+              <a:rPr lang="en-US" sz="2000" dirty="0" smtClean="0"/>
+              <a:t>N </a:t>
+            </a:r>
+            <a:r>
+              <a:rPr lang="en-US" sz="2000" dirty="0" smtClean="0"/>
+              <a:t>= 4 our outcome is: 3 + 2 = 5 and 5 &gt; 4 so it is a STRONG CONSISTENCY.</a:t>
             </a:r>
             <a:br>
               <a:rPr lang="en-US" sz="2000" dirty="0" smtClean="0"/>
@@ -8507,7 +8526,15 @@
           <a:p>
             <a:r>
               <a:rPr lang="en-US" sz="2000" dirty="0" smtClean="0"/>
-              <a:t>When W = 3, R = 2 and R = 4 our outcome is: 3 + 2 = 5 and 5 &gt; 4 so it is a STRONG CONSISTENCY.</a:t>
+              <a:t>When W = 3, R = 2 and </a:t>
+            </a:r>
+            <a:r>
+              <a:rPr lang="en-US" sz="2000" dirty="0" smtClean="0"/>
+              <a:t>N </a:t>
+            </a:r>
+            <a:r>
+              <a:rPr lang="en-US" sz="2000" dirty="0" smtClean="0"/>
+              <a:t>= 4 our outcome is: 3 + 2 = 5 and 5 &gt; 4 so it is a STRONG CONSISTENCY.</a:t>
             </a:r>
             <a:br>
               <a:rPr lang="en-US" sz="2000" dirty="0" smtClean="0"/>

--- a/group6slidshow.pptx
+++ b/group6slidshow.pptx
@@ -7256,19 +7256,7 @@
           <a:p>
             <a:r>
               <a:rPr lang="en-US" sz="2000" dirty="0" smtClean="0"/>
-              <a:t>When W = 3, R = 2 and </a:t>
-            </a:r>
-            <a:r>
-              <a:rPr lang="en-US" sz="2000" dirty="0" smtClean="0"/>
-              <a:t>N </a:t>
-            </a:r>
-            <a:r>
-              <a:rPr lang="en-US" sz="2000" dirty="0" smtClean="0"/>
-              <a:t>= </a:t>
-            </a:r>
-            <a:r>
-              <a:rPr lang="en-US" sz="2000" dirty="0" smtClean="0"/>
-              <a:t>4 our outcome is:</a:t>
+              <a:t>When W = 3, R = 2 and N = 4 our outcome is:</a:t>
             </a:r>
             <a:endParaRPr lang="en-US" sz="2000" dirty="0"/>
           </a:p>
@@ -7676,15 +7664,7 @@
           <a:p>
             <a:r>
               <a:rPr lang="en-US" sz="2000" dirty="0" smtClean="0"/>
-              <a:t>When W = 3, R = 2 and </a:t>
-            </a:r>
-            <a:r>
-              <a:rPr lang="en-US" sz="2000" dirty="0" smtClean="0"/>
-              <a:t>N </a:t>
-            </a:r>
-            <a:r>
-              <a:rPr lang="en-US" sz="2000" dirty="0" smtClean="0"/>
-              <a:t>= 4 our outcome is: 3 + 2 = 5 and 5 &gt; 4 so it is a STRONG CONSISTENCY.</a:t>
+              <a:t>When W = 3, R = 2 and N = 4 our outcome is: 3 + 2 = 5 and 5 &gt; 4 so it is a STRONG CONSISTENCY.</a:t>
             </a:r>
             <a:endParaRPr lang="en-US" sz="2000" dirty="0"/>
           </a:p>
@@ -8096,15 +8076,7 @@
           <a:p>
             <a:r>
               <a:rPr lang="en-US" sz="2000" dirty="0" smtClean="0"/>
-              <a:t>When W = 3, R = 2 and </a:t>
-            </a:r>
-            <a:r>
-              <a:rPr lang="en-US" sz="2000" dirty="0" smtClean="0"/>
-              <a:t>N </a:t>
-            </a:r>
-            <a:r>
-              <a:rPr lang="en-US" sz="2000" dirty="0" smtClean="0"/>
-              <a:t>= 4 our outcome is: 3 + 2 = 5 and 5 &gt; 4 so it is a STRONG CONSISTENCY.</a:t>
+              <a:t>When W = 3, R = 2 and N = 4 our outcome is: 3 + 2 = 5 and 5 &gt; 4 so it is a STRONG CONSISTENCY.</a:t>
             </a:r>
             <a:br>
               <a:rPr lang="en-US" sz="2000" dirty="0" smtClean="0"/>
@@ -8526,15 +8498,7 @@
           <a:p>
             <a:r>
               <a:rPr lang="en-US" sz="2000" dirty="0" smtClean="0"/>
-              <a:t>When W = 3, R = 2 and </a:t>
-            </a:r>
-            <a:r>
-              <a:rPr lang="en-US" sz="2000" dirty="0" smtClean="0"/>
-              <a:t>N </a:t>
-            </a:r>
-            <a:r>
-              <a:rPr lang="en-US" sz="2000" dirty="0" smtClean="0"/>
-              <a:t>= 4 our outcome is: 3 + 2 = 5 and 5 &gt; 4 so it is a STRONG CONSISTENCY.</a:t>
+              <a:t>When W = 3, R = 2 and N = 4 our outcome is: 3 + 2 = 5 and 5 &gt; 4 so it is a STRONG CONSISTENCY.</a:t>
             </a:r>
             <a:br>
               <a:rPr lang="en-US" sz="2000" dirty="0" smtClean="0"/>

--- a/group6slidshow.pptx
+++ b/group6slidshow.pptx
@@ -16,7 +16,10 @@
     <p:sldId id="268" r:id="rId10"/>
     <p:sldId id="269" r:id="rId11"/>
     <p:sldId id="270" r:id="rId12"/>
-    <p:sldId id="262" r:id="rId13"/>
+    <p:sldId id="272" r:id="rId13"/>
+    <p:sldId id="273" r:id="rId14"/>
+    <p:sldId id="274" r:id="rId15"/>
+    <p:sldId id="262" r:id="rId16"/>
   </p:sldIdLst>
   <p:sldSz cx="12192000" cy="6858000"/>
   <p:notesSz cx="6858000" cy="9144000"/>
@@ -309,7 +312,7 @@
           <a:p>
             <a:fld id="{37461C0B-7B0A-4439-9D20-3DEC988BCA09}" type="datetimeFigureOut">
               <a:rPr lang="en-US" smtClean="0"/>
-              <a:t>5/22/2019</a:t>
+              <a:t>5/31/2019</a:t>
             </a:fld>
             <a:endParaRPr lang="en-US"/>
           </a:p>
@@ -584,7 +587,7 @@
           <a:p>
             <a:fld id="{37461C0B-7B0A-4439-9D20-3DEC988BCA09}" type="datetimeFigureOut">
               <a:rPr lang="en-US" smtClean="0"/>
-              <a:t>5/22/2019</a:t>
+              <a:t>5/31/2019</a:t>
             </a:fld>
             <a:endParaRPr lang="en-US"/>
           </a:p>
@@ -778,7 +781,7 @@
           <a:p>
             <a:fld id="{37461C0B-7B0A-4439-9D20-3DEC988BCA09}" type="datetimeFigureOut">
               <a:rPr lang="en-US" smtClean="0"/>
-              <a:t>5/22/2019</a:t>
+              <a:t>5/31/2019</a:t>
             </a:fld>
             <a:endParaRPr lang="en-US"/>
           </a:p>
@@ -1051,7 +1054,7 @@
           <a:p>
             <a:fld id="{37461C0B-7B0A-4439-9D20-3DEC988BCA09}" type="datetimeFigureOut">
               <a:rPr lang="en-US" smtClean="0"/>
-              <a:t>5/22/2019</a:t>
+              <a:t>5/31/2019</a:t>
             </a:fld>
             <a:endParaRPr lang="en-US"/>
           </a:p>
@@ -1392,7 +1395,7 @@
           <a:p>
             <a:fld id="{37461C0B-7B0A-4439-9D20-3DEC988BCA09}" type="datetimeFigureOut">
               <a:rPr lang="en-US" smtClean="0"/>
-              <a:t>5/22/2019</a:t>
+              <a:t>5/31/2019</a:t>
             </a:fld>
             <a:endParaRPr lang="en-US"/>
           </a:p>
@@ -2015,7 +2018,7 @@
           <a:p>
             <a:fld id="{37461C0B-7B0A-4439-9D20-3DEC988BCA09}" type="datetimeFigureOut">
               <a:rPr lang="en-US" smtClean="0"/>
-              <a:t>5/22/2019</a:t>
+              <a:t>5/31/2019</a:t>
             </a:fld>
             <a:endParaRPr lang="en-US"/>
           </a:p>
@@ -2875,7 +2878,7 @@
           <a:p>
             <a:fld id="{37461C0B-7B0A-4439-9D20-3DEC988BCA09}" type="datetimeFigureOut">
               <a:rPr lang="en-US" smtClean="0"/>
-              <a:t>5/22/2019</a:t>
+              <a:t>5/31/2019</a:t>
             </a:fld>
             <a:endParaRPr lang="en-US"/>
           </a:p>
@@ -3045,7 +3048,7 @@
           <a:p>
             <a:fld id="{37461C0B-7B0A-4439-9D20-3DEC988BCA09}" type="datetimeFigureOut">
               <a:rPr lang="en-US" smtClean="0"/>
-              <a:t>5/22/2019</a:t>
+              <a:t>5/31/2019</a:t>
             </a:fld>
             <a:endParaRPr lang="en-US"/>
           </a:p>
@@ -3225,7 +3228,7 @@
           <a:p>
             <a:fld id="{37461C0B-7B0A-4439-9D20-3DEC988BCA09}" type="datetimeFigureOut">
               <a:rPr lang="en-US" smtClean="0"/>
-              <a:t>5/22/2019</a:t>
+              <a:t>5/31/2019</a:t>
             </a:fld>
             <a:endParaRPr lang="en-US"/>
           </a:p>
@@ -3395,7 +3398,7 @@
           <a:p>
             <a:fld id="{37461C0B-7B0A-4439-9D20-3DEC988BCA09}" type="datetimeFigureOut">
               <a:rPr lang="en-US" smtClean="0"/>
-              <a:t>5/22/2019</a:t>
+              <a:t>5/31/2019</a:t>
             </a:fld>
             <a:endParaRPr lang="en-US"/>
           </a:p>
@@ -3642,7 +3645,7 @@
           <a:p>
             <a:fld id="{37461C0B-7B0A-4439-9D20-3DEC988BCA09}" type="datetimeFigureOut">
               <a:rPr lang="en-US" smtClean="0"/>
-              <a:t>5/22/2019</a:t>
+              <a:t>5/31/2019</a:t>
             </a:fld>
             <a:endParaRPr lang="en-US"/>
           </a:p>
@@ -3934,7 +3937,7 @@
           <a:p>
             <a:fld id="{37461C0B-7B0A-4439-9D20-3DEC988BCA09}" type="datetimeFigureOut">
               <a:rPr lang="en-US" smtClean="0"/>
-              <a:t>5/22/2019</a:t>
+              <a:t>5/31/2019</a:t>
             </a:fld>
             <a:endParaRPr lang="en-US"/>
           </a:p>
@@ -4378,7 +4381,7 @@
           <a:p>
             <a:fld id="{37461C0B-7B0A-4439-9D20-3DEC988BCA09}" type="datetimeFigureOut">
               <a:rPr lang="en-US" smtClean="0"/>
-              <a:t>5/22/2019</a:t>
+              <a:t>5/31/2019</a:t>
             </a:fld>
             <a:endParaRPr lang="en-US"/>
           </a:p>
@@ -4496,7 +4499,7 @@
           <a:p>
             <a:fld id="{37461C0B-7B0A-4439-9D20-3DEC988BCA09}" type="datetimeFigureOut">
               <a:rPr lang="en-US" smtClean="0"/>
-              <a:t>5/22/2019</a:t>
+              <a:t>5/31/2019</a:t>
             </a:fld>
             <a:endParaRPr lang="en-US"/>
           </a:p>
@@ -4591,7 +4594,7 @@
           <a:p>
             <a:fld id="{37461C0B-7B0A-4439-9D20-3DEC988BCA09}" type="datetimeFigureOut">
               <a:rPr lang="en-US" smtClean="0"/>
-              <a:t>5/22/2019</a:t>
+              <a:t>5/31/2019</a:t>
             </a:fld>
             <a:endParaRPr lang="en-US"/>
           </a:p>
@@ -4870,7 +4873,7 @@
           <a:p>
             <a:fld id="{37461C0B-7B0A-4439-9D20-3DEC988BCA09}" type="datetimeFigureOut">
               <a:rPr lang="en-US" smtClean="0"/>
-              <a:t>5/22/2019</a:t>
+              <a:t>5/31/2019</a:t>
             </a:fld>
             <a:endParaRPr lang="en-US"/>
           </a:p>
@@ -5145,7 +5148,7 @@
           <a:p>
             <a:fld id="{37461C0B-7B0A-4439-9D20-3DEC988BCA09}" type="datetimeFigureOut">
               <a:rPr lang="en-US" smtClean="0"/>
-              <a:t>5/22/2019</a:t>
+              <a:t>5/31/2019</a:t>
             </a:fld>
             <a:endParaRPr lang="en-US"/>
           </a:p>
@@ -5574,7 +5577,7 @@
           <a:p>
             <a:fld id="{37461C0B-7B0A-4439-9D20-3DEC988BCA09}" type="datetimeFigureOut">
               <a:rPr lang="en-US" smtClean="0"/>
-              <a:t>5/22/2019</a:t>
+              <a:t>5/31/2019</a:t>
             </a:fld>
             <a:endParaRPr lang="en-US"/>
           </a:p>
@@ -6460,6 +6463,394 @@
           <a:bodyPr/>
           <a:lstStyle/>
           <a:p>
+            <a:r>
+              <a:rPr lang="en-US" dirty="0" err="1" smtClean="0"/>
+              <a:t>DynamoDB</a:t>
+            </a:r>
+            <a:r>
+              <a:rPr lang="en-US" dirty="0" smtClean="0"/>
+              <a:t>: Amazon’s Highly Available Key-value Store</a:t>
+            </a:r>
+            <a:endParaRPr lang="en-US" dirty="0"/>
+          </a:p>
+        </p:txBody>
+      </p:sp>
+      <p:sp>
+        <p:nvSpPr>
+          <p:cNvPr id="3" name="Content Placeholder 2"/>
+          <p:cNvSpPr>
+            <a:spLocks noGrp="1"/>
+          </p:cNvSpPr>
+          <p:nvPr>
+            <p:ph idx="1"/>
+          </p:nvPr>
+        </p:nvSpPr>
+        <p:spPr/>
+        <p:txBody>
+          <a:bodyPr/>
+          <a:lstStyle/>
+          <a:p>
+            <a:r>
+              <a:rPr lang="en-US" dirty="0" smtClean="0"/>
+              <a:t>One problem </a:t>
+            </a:r>
+            <a:r>
+              <a:rPr lang="en-US" dirty="0" err="1" smtClean="0"/>
+              <a:t>DynamoDB</a:t>
+            </a:r>
+            <a:r>
+              <a:rPr lang="en-US" dirty="0" smtClean="0"/>
+              <a:t>, a NoSQL database service, has is partitioning. Their solution was to do “Consistent Hashing,” which resulted in incremental scalability. </a:t>
+            </a:r>
+            <a:endParaRPr lang="en-US" dirty="0"/>
+          </a:p>
+          <a:p>
+            <a:r>
+              <a:rPr lang="en-US" dirty="0" smtClean="0"/>
+              <a:t>There are many good tools out there that can simulate the RWN patterns, i.e. </a:t>
+            </a:r>
+            <a:r>
+              <a:rPr lang="en-US" i="1" dirty="0" err="1" smtClean="0"/>
+              <a:t>Simizer</a:t>
+            </a:r>
+            <a:r>
+              <a:rPr lang="en-US" dirty="0" smtClean="0"/>
+              <a:t>, </a:t>
+            </a:r>
+            <a:r>
+              <a:rPr lang="en-US" i="1" dirty="0" err="1" smtClean="0"/>
+              <a:t>CloudSim</a:t>
+            </a:r>
+            <a:r>
+              <a:rPr lang="en-US" i="1" dirty="0" smtClean="0"/>
+              <a:t>,</a:t>
+            </a:r>
+            <a:r>
+              <a:rPr lang="en-US" dirty="0" smtClean="0"/>
+              <a:t> </a:t>
+            </a:r>
+            <a:r>
+              <a:rPr lang="en-US" i="1" dirty="0" err="1" smtClean="0"/>
+              <a:t>SimGRID</a:t>
+            </a:r>
+            <a:r>
+              <a:rPr lang="en-US" dirty="0" smtClean="0"/>
+              <a:t>, and </a:t>
+            </a:r>
+            <a:r>
+              <a:rPr lang="en-US" i="1" dirty="0" err="1" smtClean="0"/>
+              <a:t>OptorSim</a:t>
+            </a:r>
+            <a:r>
+              <a:rPr lang="en-US" dirty="0" smtClean="0"/>
+              <a:t>. </a:t>
+            </a:r>
+          </a:p>
+          <a:p>
+            <a:endParaRPr lang="en-US" dirty="0"/>
+          </a:p>
+        </p:txBody>
+      </p:sp>
+    </p:spTree>
+    <p:extLst>
+      <p:ext uri="{BB962C8B-B14F-4D97-AF65-F5344CB8AC3E}">
+        <p14:creationId xmlns:p14="http://schemas.microsoft.com/office/powerpoint/2010/main" val="3446903"/>
+      </p:ext>
+    </p:extLst>
+  </p:cSld>
+  <p:clrMapOvr>
+    <a:masterClrMapping/>
+  </p:clrMapOvr>
+</p:sld>
+</file>
+
+<file path=ppt/slides/slide13.xml><?xml version="1.0" encoding="utf-8"?>
+<p:sld xmlns:a="http://schemas.openxmlformats.org/drawingml/2006/main" xmlns:r="http://schemas.openxmlformats.org/officeDocument/2006/relationships" xmlns:p="http://schemas.openxmlformats.org/presentationml/2006/main">
+  <p:cSld>
+    <p:spTree>
+      <p:nvGrpSpPr>
+        <p:cNvPr id="1" name=""/>
+        <p:cNvGrpSpPr/>
+        <p:nvPr/>
+      </p:nvGrpSpPr>
+      <p:grpSpPr>
+        <a:xfrm>
+          <a:off x="0" y="0"/>
+          <a:ext cx="0" cy="0"/>
+          <a:chOff x="0" y="0"/>
+          <a:chExt cx="0" cy="0"/>
+        </a:xfrm>
+      </p:grpSpPr>
+      <p:sp>
+        <p:nvSpPr>
+          <p:cNvPr id="2" name="Title 1"/>
+          <p:cNvSpPr>
+            <a:spLocks noGrp="1"/>
+          </p:cNvSpPr>
+          <p:nvPr>
+            <p:ph type="title"/>
+          </p:nvPr>
+        </p:nvSpPr>
+        <p:spPr>
+          <a:xfrm>
+            <a:off x="1395411" y="3716618"/>
+            <a:ext cx="9404723" cy="1400530"/>
+          </a:xfrm>
+        </p:spPr>
+        <p:txBody>
+          <a:bodyPr/>
+          <a:lstStyle/>
+          <a:p>
+            <a:r>
+              <a:rPr lang="en-US" sz="2000" dirty="0"/>
+              <a:t>This here is a diagram of control flow for client write to Dynamo-style quorum. </a:t>
+            </a:r>
+            <a:br>
+              <a:rPr lang="en-US" sz="2000" dirty="0"/>
+            </a:br>
+            <a:r>
+              <a:rPr lang="en-US" sz="2000" dirty="0"/>
+              <a:t/>
+            </a:r>
+            <a:br>
+              <a:rPr lang="en-US" sz="2000" dirty="0"/>
+            </a:br>
+            <a:r>
+              <a:rPr lang="en-US" sz="2000" dirty="0"/>
+              <a:t>Where N = 3 and W = 2. A coordinator node handles the client write and sends it to all N replicas. The Write call returns after the coordinator </a:t>
+            </a:r>
+            <a:r>
+              <a:rPr lang="en-US" sz="2000" dirty="0" smtClean="0"/>
+              <a:t>receives </a:t>
+            </a:r>
+            <a:r>
+              <a:rPr lang="en-US" sz="2000" dirty="0"/>
+              <a:t>W acknowledgements. </a:t>
+            </a:r>
+            <a:endParaRPr lang="en-US" sz="2000" dirty="0"/>
+          </a:p>
+        </p:txBody>
+      </p:sp>
+      <p:pic>
+        <p:nvPicPr>
+          <p:cNvPr id="5" name="Picture 4"/>
+          <p:cNvPicPr>
+            <a:picLocks noChangeAspect="1"/>
+          </p:cNvPicPr>
+          <p:nvPr/>
+        </p:nvPicPr>
+        <p:blipFill>
+          <a:blip r:embed="rId2" cstate="print">
+            <a:extLst>
+              <a:ext uri="{28A0092B-C50C-407E-A947-70E740481C1C}">
+                <a14:useLocalDpi xmlns:a14="http://schemas.microsoft.com/office/drawing/2010/main" val="0"/>
+              </a:ext>
+            </a:extLst>
+          </a:blip>
+          <a:stretch>
+            <a:fillRect/>
+          </a:stretch>
+        </p:blipFill>
+        <p:spPr>
+          <a:xfrm>
+            <a:off x="2605816" y="0"/>
+            <a:ext cx="6614467" cy="3759199"/>
+          </a:xfrm>
+          <a:prstGeom prst="rect">
+            <a:avLst/>
+          </a:prstGeom>
+        </p:spPr>
+      </p:pic>
+    </p:spTree>
+    <p:extLst>
+      <p:ext uri="{BB962C8B-B14F-4D97-AF65-F5344CB8AC3E}">
+        <p14:creationId xmlns:p14="http://schemas.microsoft.com/office/powerpoint/2010/main" val="4133866526"/>
+      </p:ext>
+    </p:extLst>
+  </p:cSld>
+  <p:clrMapOvr>
+    <a:masterClrMapping/>
+  </p:clrMapOvr>
+</p:sld>
+</file>
+
+<file path=ppt/slides/slide14.xml><?xml version="1.0" encoding="utf-8"?>
+<p:sld xmlns:a="http://schemas.openxmlformats.org/drawingml/2006/main" xmlns:r="http://schemas.openxmlformats.org/officeDocument/2006/relationships" xmlns:p="http://schemas.openxmlformats.org/presentationml/2006/main">
+  <p:cSld>
+    <p:spTree>
+      <p:nvGrpSpPr>
+        <p:cNvPr id="1" name=""/>
+        <p:cNvGrpSpPr/>
+        <p:nvPr/>
+      </p:nvGrpSpPr>
+      <p:grpSpPr>
+        <a:xfrm>
+          <a:off x="0" y="0"/>
+          <a:ext cx="0" cy="0"/>
+          <a:chOff x="0" y="0"/>
+          <a:chExt cx="0" cy="0"/>
+        </a:xfrm>
+      </p:grpSpPr>
+      <p:sp>
+        <p:nvSpPr>
+          <p:cNvPr id="2" name="Title 1"/>
+          <p:cNvSpPr>
+            <a:spLocks noGrp="1"/>
+          </p:cNvSpPr>
+          <p:nvPr>
+            <p:ph type="title"/>
+          </p:nvPr>
+        </p:nvSpPr>
+        <p:spPr/>
+        <p:txBody>
+          <a:bodyPr/>
+          <a:lstStyle/>
+          <a:p>
+            <a:r>
+              <a:rPr lang="en-US" dirty="0" smtClean="0"/>
+              <a:t>Some other configurations</a:t>
+            </a:r>
+            <a:endParaRPr lang="en-US" dirty="0"/>
+          </a:p>
+        </p:txBody>
+      </p:sp>
+      <p:sp>
+        <p:nvSpPr>
+          <p:cNvPr id="3" name="Content Placeholder 2"/>
+          <p:cNvSpPr>
+            <a:spLocks noGrp="1"/>
+          </p:cNvSpPr>
+          <p:nvPr>
+            <p:ph idx="1"/>
+          </p:nvPr>
+        </p:nvSpPr>
+        <p:spPr>
+          <a:xfrm>
+            <a:off x="646111" y="1853248"/>
+            <a:ext cx="10669588" cy="4195481"/>
+          </a:xfrm>
+        </p:spPr>
+        <p:txBody>
+          <a:bodyPr/>
+          <a:lstStyle/>
+          <a:p>
+            <a:r>
+              <a:rPr lang="en-US" dirty="0" smtClean="0"/>
+              <a:t>Cassandra: N = 3, R = W = 1</a:t>
+            </a:r>
+          </a:p>
+          <a:p>
+            <a:r>
+              <a:rPr lang="en-US" dirty="0" smtClean="0"/>
+              <a:t>Rika: N = 3, R = W = 2</a:t>
+            </a:r>
+          </a:p>
+          <a:p>
+            <a:pPr lvl="1"/>
+            <a:r>
+              <a:rPr lang="en-US" dirty="0" smtClean="0"/>
+              <a:t>User sometimes suggest using “low value” R = W = 1 &amp; N = 2 and strict quorum variants for “web,” “mission critical,” and “financial” data.</a:t>
+            </a:r>
+          </a:p>
+          <a:p>
+            <a:r>
+              <a:rPr lang="en-US" dirty="0" smtClean="0"/>
+              <a:t>Voldemort’s authors at LinkedIn often choose: N = </a:t>
+            </a:r>
+            <a:r>
+              <a:rPr lang="en-US" i="1" dirty="0" smtClean="0"/>
+              <a:t>c</a:t>
+            </a:r>
+            <a:r>
+              <a:rPr lang="en-US" dirty="0" smtClean="0"/>
+              <a:t>, R = W = [</a:t>
+            </a:r>
+            <a:r>
+              <a:rPr lang="en-US" i="1" dirty="0" smtClean="0"/>
+              <a:t>c</a:t>
+            </a:r>
+            <a:r>
+              <a:rPr lang="en-US" dirty="0" smtClean="0"/>
+              <a:t>/2] for odd </a:t>
+            </a:r>
+            <a:r>
+              <a:rPr lang="en-US" i="1" dirty="0" smtClean="0"/>
+              <a:t>c</a:t>
+            </a:r>
+            <a:r>
+              <a:rPr lang="en-US" dirty="0" smtClean="0"/>
+              <a:t> </a:t>
+            </a:r>
+          </a:p>
+          <a:p>
+            <a:pPr lvl="1"/>
+            <a:r>
+              <a:rPr lang="en-US" dirty="0" smtClean="0"/>
+              <a:t>Often great for “very low latency and high availability.</a:t>
+            </a:r>
+            <a:endParaRPr lang="en-US" dirty="0"/>
+          </a:p>
+          <a:p>
+            <a:r>
+              <a:rPr lang="en-US" dirty="0" smtClean="0"/>
+              <a:t>LinkedIn deployments Voldemort with N = 2, R = W = 1 provide “some consistency,” when three way replication is not required (</a:t>
+            </a:r>
+            <a:r>
+              <a:rPr lang="en-US" dirty="0" err="1" smtClean="0"/>
+              <a:t>ctd</a:t>
+            </a:r>
+            <a:r>
+              <a:rPr lang="en-US" dirty="0" smtClean="0"/>
+              <a:t>. in Berkeley). </a:t>
+            </a:r>
+          </a:p>
+        </p:txBody>
+      </p:sp>
+    </p:spTree>
+    <p:extLst>
+      <p:ext uri="{BB962C8B-B14F-4D97-AF65-F5344CB8AC3E}">
+        <p14:creationId xmlns:p14="http://schemas.microsoft.com/office/powerpoint/2010/main" val="1427029301"/>
+      </p:ext>
+    </p:extLst>
+  </p:cSld>
+  <p:clrMapOvr>
+    <a:masterClrMapping/>
+  </p:clrMapOvr>
+</p:sld>
+</file>
+
+<file path=ppt/slides/slide15.xml><?xml version="1.0" encoding="utf-8"?>
+<p:sld xmlns:a="http://schemas.openxmlformats.org/drawingml/2006/main" xmlns:r="http://schemas.openxmlformats.org/officeDocument/2006/relationships" xmlns:p="http://schemas.openxmlformats.org/presentationml/2006/main">
+  <p:cSld>
+    <p:spTree>
+      <p:nvGrpSpPr>
+        <p:cNvPr id="1" name=""/>
+        <p:cNvGrpSpPr/>
+        <p:nvPr/>
+      </p:nvGrpSpPr>
+      <p:grpSpPr>
+        <a:xfrm>
+          <a:off x="0" y="0"/>
+          <a:ext cx="0" cy="0"/>
+          <a:chOff x="0" y="0"/>
+          <a:chExt cx="0" cy="0"/>
+        </a:xfrm>
+      </p:grpSpPr>
+      <p:sp>
+        <p:nvSpPr>
+          <p:cNvPr id="2" name="Title 1"/>
+          <p:cNvSpPr>
+            <a:spLocks noGrp="1"/>
+          </p:cNvSpPr>
+          <p:nvPr>
+            <p:ph type="title"/>
+          </p:nvPr>
+        </p:nvSpPr>
+        <p:spPr/>
+        <p:txBody>
+          <a:bodyPr/>
+          <a:lstStyle/>
+          <a:p>
             <a:pPr algn="ctr"/>
             <a:r>
               <a:rPr lang="en-US" dirty="0" smtClean="0"/>
@@ -6708,6 +7099,20 @@
               <a:rPr lang="en-US" sz="1200" dirty="0" smtClean="0"/>
               <a:t>.“</a:t>
             </a:r>
+          </a:p>
+          <a:p>
+            <a:pPr marL="0" indent="0">
+              <a:buNone/>
+            </a:pPr>
+            <a:r>
+              <a:rPr lang="en-US" sz="1200" smtClean="0"/>
+              <a:t>Berkeley, Www2.Eecs.Berkeley.Edu</a:t>
+            </a:r>
+            <a:r>
+              <a:rPr lang="en-US" sz="1200" dirty="0"/>
+              <a:t>, 2019, https://www2.eecs.berkeley.edu/Pubs/TechRpts/2012/EECS-2012-4.pdf.</a:t>
+            </a:r>
+            <a:endParaRPr lang="en-US" sz="1200" dirty="0" smtClean="0"/>
           </a:p>
           <a:p>
             <a:pPr marL="0" indent="0">
@@ -6738,7 +7143,7 @@
 </file>
 
 <file path=ppt/slides/slide2.xml><?xml version="1.0" encoding="utf-8"?>
-<p:sld xmlns:a="http://schemas.openxmlformats.org/drawingml/2006/main" xmlns:r="http://schemas.openxmlformats.org/officeDocument/2006/relationships" xmlns:p="http://schemas.openxmlformats.org/presentationml/2006/main">
+<p:sld xmlns:a="http://schemas.openxmlformats.org/drawingml/2006/main" xmlns:r="http://schemas.openxmlformats.org/officeDocument/2006/relationships" xmlns:p="http://schemas.openxmlformats.org/presentationml/2006/main" show="0">
   <p:cSld>
     <p:spTree>
       <p:nvGrpSpPr>
@@ -6860,6 +7265,14 @@
   <p:clrMapOvr>
     <a:masterClrMapping/>
   </p:clrMapOvr>
+  <mc:AlternateContent xmlns:mc="http://schemas.openxmlformats.org/markup-compatibility/2006" xmlns:p14="http://schemas.microsoft.com/office/powerpoint/2010/main">
+    <mc:Choice Requires="p14">
+      <p:transition spd="slow" p14:dur="2000"/>
+    </mc:Choice>
+    <mc:Fallback xmlns="">
+      <p:transition spd="slow"/>
+    </mc:Fallback>
+  </mc:AlternateContent>
   <p:timing>
     <p:tnLst>
       <p:par>
@@ -6871,7 +7284,7 @@
 </file>
 
 <file path=ppt/slides/slide3.xml><?xml version="1.0" encoding="utf-8"?>
-<p:sld xmlns:a="http://schemas.openxmlformats.org/drawingml/2006/main" xmlns:r="http://schemas.openxmlformats.org/officeDocument/2006/relationships" xmlns:p="http://schemas.openxmlformats.org/presentationml/2006/main">
+<p:sld xmlns:a="http://schemas.openxmlformats.org/drawingml/2006/main" xmlns:r="http://schemas.openxmlformats.org/officeDocument/2006/relationships" xmlns:p="http://schemas.openxmlformats.org/presentationml/2006/main" show="0">
   <p:cSld>
     <p:spTree>
       <p:nvGrpSpPr>
@@ -7009,6 +7422,14 @@
   <p:clrMapOvr>
     <a:masterClrMapping/>
   </p:clrMapOvr>
+  <mc:AlternateContent xmlns:mc="http://schemas.openxmlformats.org/markup-compatibility/2006" xmlns:p14="http://schemas.microsoft.com/office/powerpoint/2010/main">
+    <mc:Choice Requires="p14">
+      <p:transition spd="slow" p14:dur="2000"/>
+    </mc:Choice>
+    <mc:Fallback xmlns="">
+      <p:transition spd="slow"/>
+    </mc:Fallback>
+  </mc:AlternateContent>
   <p:timing>
     <p:tnLst>
       <p:par>
@@ -7071,12 +7492,26 @@
         </p:nvSpPr>
         <p:spPr/>
         <p:txBody>
-          <a:bodyPr/>
+          <a:bodyPr>
+            <a:normAutofit/>
+          </a:bodyPr>
           <a:lstStyle/>
           <a:p>
             <a:r>
+              <a:rPr lang="en-US" dirty="0" smtClean="0"/>
+              <a:t>NRW (</a:t>
+            </a:r>
+            <a:r>
+              <a:rPr lang="en-US" i="1" dirty="0" smtClean="0"/>
+              <a:t>Node, Read, Write)</a:t>
+            </a:r>
+            <a:r>
+              <a:rPr lang="en-US" dirty="0" smtClean="0"/>
+              <a:t> </a:t>
+            </a:r>
+            <a:r>
               <a:rPr lang="en-US" dirty="0"/>
-              <a:t>NRW notation </a:t>
+              <a:t>notation </a:t>
             </a:r>
             <a:r>
               <a:rPr lang="en-US" dirty="0" smtClean="0"/>
@@ -7142,11 +7577,12 @@
             </a:r>
             <a:r>
               <a:rPr lang="en-US" dirty="0"/>
-              <a:t>will maintain</a:t>
-            </a:r>
-          </a:p>
-          <a:p>
-            <a:endParaRPr lang="en-US" dirty="0" smtClean="0"/>
+              <a:t>will </a:t>
+            </a:r>
+            <a:r>
+              <a:rPr lang="en-US" dirty="0" smtClean="0"/>
+              <a:t>maintain</a:t>
+            </a:r>
           </a:p>
           <a:p>
             <a:r>
@@ -7171,11 +7607,12 @@
             </a:r>
             <a:r>
               <a:rPr lang="en-US" dirty="0"/>
-              <a:t>reading the data item</a:t>
-            </a:r>
-          </a:p>
-          <a:p>
-            <a:endParaRPr lang="en-US" dirty="0" smtClean="0"/>
+              <a:t>reading the data </a:t>
+            </a:r>
+            <a:r>
+              <a:rPr lang="en-US" dirty="0" smtClean="0"/>
+              <a:t>item</a:t>
+            </a:r>
           </a:p>
           <a:p>
             <a:r>
@@ -7192,8 +7629,20 @@
             </a:r>
             <a:r>
               <a:rPr lang="en-US" dirty="0"/>
-              <a:t>before the write can complete</a:t>
-            </a:r>
+              <a:t>before the write can </a:t>
+            </a:r>
+            <a:r>
+              <a:rPr lang="en-US" dirty="0" smtClean="0"/>
+              <a:t>complete</a:t>
+            </a:r>
+            <a:endParaRPr lang="en-US" dirty="0"/>
+          </a:p>
+          <a:p>
+            <a:r>
+              <a:rPr lang="en-US" dirty="0" smtClean="0"/>
+              <a:t>Most NoSQL Databases use N&gt;W&gt;1 more than one write must complete, but not all nodes need to be updated immediately.</a:t>
+            </a:r>
+            <a:endParaRPr lang="en-US" dirty="0"/>
           </a:p>
         </p:txBody>
       </p:sp>
@@ -7207,6 +7656,14 @@
   <p:clrMapOvr>
     <a:masterClrMapping/>
   </p:clrMapOvr>
+  <mc:AlternateContent xmlns:mc="http://schemas.openxmlformats.org/markup-compatibility/2006" xmlns:p14="http://schemas.microsoft.com/office/powerpoint/2010/main">
+    <mc:Choice Requires="p14">
+      <p:transition spd="slow" p14:dur="2000"/>
+    </mc:Choice>
+    <mc:Fallback xmlns="">
+      <p:transition spd="slow"/>
+    </mc:Fallback>
+  </mc:AlternateContent>
   <p:timing>
     <p:tnLst>
       <p:par>
@@ -7615,6 +8072,14 @@
   <p:clrMapOvr>
     <a:masterClrMapping/>
   </p:clrMapOvr>
+  <mc:AlternateContent xmlns:mc="http://schemas.openxmlformats.org/markup-compatibility/2006" xmlns:p14="http://schemas.microsoft.com/office/powerpoint/2010/main">
+    <mc:Choice Requires="p14">
+      <p:transition spd="slow" p14:dur="2000"/>
+    </mc:Choice>
+    <mc:Fallback xmlns="">
+      <p:transition spd="slow"/>
+    </mc:Fallback>
+  </mc:AlternateContent>
   <p:timing>
     <p:tnLst>
       <p:par>

--- a/group6slidshow.pptx
+++ b/group6slidshow.pptx
@@ -6507,7 +6507,7 @@
           <a:p>
             <a:r>
               <a:rPr lang="en-US" dirty="0" smtClean="0"/>
-              <a:t>There are many good tools out there that can simulate the RWN patterns, i.e. </a:t>
+              <a:t>There are many good tools out there that can simulate the NRW patterns, i.e. </a:t>
             </a:r>
             <a:r>
               <a:rPr lang="en-US" i="1" dirty="0" err="1" smtClean="0"/>
@@ -6561,6 +6561,13 @@
   <p:clrMapOvr>
     <a:masterClrMapping/>
   </p:clrMapOvr>
+  <p:timing>
+    <p:tnLst>
+      <p:par>
+        <p:cTn id="1" dur="indefinite" restart="never" nodeType="tmRoot"/>
+      </p:par>
+    </p:tnLst>
+  </p:timing>
 </p:sld>
 </file>
 
@@ -6671,6 +6678,13 @@
   <p:clrMapOvr>
     <a:masterClrMapping/>
   </p:clrMapOvr>
+  <p:timing>
+    <p:tnLst>
+      <p:par>
+        <p:cTn id="1" dur="indefinite" restart="never" nodeType="tmRoot"/>
+      </p:par>
+    </p:tnLst>
+  </p:timing>
 </p:sld>
 </file>
 
@@ -6793,7 +6807,15 @@
           <a:p>
             <a:r>
               <a:rPr lang="en-US" dirty="0" smtClean="0"/>
-              <a:t>LinkedIn deployments Voldemort with N = 2, R = W = 1 provide “some consistency,” when three way replication is not required (</a:t>
+              <a:t>LinkedIn </a:t>
+            </a:r>
+            <a:r>
+              <a:rPr lang="en-US" smtClean="0"/>
+              <a:t>deployments of Voldemort </a:t>
+            </a:r>
+            <a:r>
+              <a:rPr lang="en-US" dirty="0" smtClean="0"/>
+              <a:t>with N = 2, R = W = 1 provide “some consistency,” when three way replication is not required (</a:t>
             </a:r>
             <a:r>
               <a:rPr lang="en-US" dirty="0" err="1" smtClean="0"/>
@@ -6816,6 +6838,13 @@
   <p:clrMapOvr>
     <a:masterClrMapping/>
   </p:clrMapOvr>
+  <p:timing>
+    <p:tnLst>
+      <p:par>
+        <p:cTn id="1" dur="indefinite" restart="never" nodeType="tmRoot"/>
+      </p:par>
+    </p:tnLst>
+  </p:timing>
 </p:sld>
 </file>
 
@@ -7105,7 +7134,7 @@
               <a:buNone/>
             </a:pPr>
             <a:r>
-              <a:rPr lang="en-US" sz="1200" smtClean="0"/>
+              <a:rPr lang="en-US" sz="1200" dirty="0" smtClean="0"/>
               <a:t>Berkeley, Www2.Eecs.Berkeley.Edu</a:t>
             </a:r>
             <a:r>

--- a/group6slidshow.pptx
+++ b/group6slidshow.pptx
@@ -6660,7 +6660,7 @@
         </p:blipFill>
         <p:spPr>
           <a:xfrm>
-            <a:off x="2605816" y="0"/>
+            <a:off x="2148616" y="0"/>
             <a:ext cx="6614467" cy="3759199"/>
           </a:xfrm>
           <a:prstGeom prst="rect">
@@ -6807,15 +6807,7 @@
           <a:p>
             <a:r>
               <a:rPr lang="en-US" dirty="0" smtClean="0"/>
-              <a:t>LinkedIn </a:t>
-            </a:r>
-            <a:r>
-              <a:rPr lang="en-US" smtClean="0"/>
-              <a:t>deployments of Voldemort </a:t>
-            </a:r>
-            <a:r>
-              <a:rPr lang="en-US" dirty="0" smtClean="0"/>
-              <a:t>with N = 2, R = W = 1 provide “some consistency,” when three way replication is not required (</a:t>
+              <a:t>LinkedIn deployments of Voldemort with N = 2, R = W = 1 provide “some consistency,” when three way replication is not required (</a:t>
             </a:r>
             <a:r>
               <a:rPr lang="en-US" dirty="0" err="1" smtClean="0"/>
@@ -7172,7 +7164,7 @@
 </file>
 
 <file path=ppt/slides/slide2.xml><?xml version="1.0" encoding="utf-8"?>
-<p:sld xmlns:a="http://schemas.openxmlformats.org/drawingml/2006/main" xmlns:r="http://schemas.openxmlformats.org/officeDocument/2006/relationships" xmlns:p="http://schemas.openxmlformats.org/presentationml/2006/main" show="0">
+<p:sld xmlns:a="http://schemas.openxmlformats.org/drawingml/2006/main" xmlns:r="http://schemas.openxmlformats.org/officeDocument/2006/relationships" xmlns:p="http://schemas.openxmlformats.org/presentationml/2006/main">
   <p:cSld>
     <p:spTree>
       <p:nvGrpSpPr>
@@ -7294,11 +7286,11 @@
   <p:clrMapOvr>
     <a:masterClrMapping/>
   </p:clrMapOvr>
-  <mc:AlternateContent xmlns:mc="http://schemas.openxmlformats.org/markup-compatibility/2006" xmlns:p14="http://schemas.microsoft.com/office/powerpoint/2010/main">
-    <mc:Choice Requires="p14">
+  <mc:AlternateContent xmlns:mc="http://schemas.openxmlformats.org/markup-compatibility/2006">
+    <mc:Choice xmlns:p14="http://schemas.microsoft.com/office/powerpoint/2010/main" Requires="p14">
       <p:transition spd="slow" p14:dur="2000"/>
     </mc:Choice>
-    <mc:Fallback xmlns="">
+    <mc:Fallback>
       <p:transition spd="slow"/>
     </mc:Fallback>
   </mc:AlternateContent>
@@ -7313,7 +7305,7 @@
 </file>
 
 <file path=ppt/slides/slide3.xml><?xml version="1.0" encoding="utf-8"?>
-<p:sld xmlns:a="http://schemas.openxmlformats.org/drawingml/2006/main" xmlns:r="http://schemas.openxmlformats.org/officeDocument/2006/relationships" xmlns:p="http://schemas.openxmlformats.org/presentationml/2006/main" show="0">
+<p:sld xmlns:a="http://schemas.openxmlformats.org/drawingml/2006/main" xmlns:r="http://schemas.openxmlformats.org/officeDocument/2006/relationships" xmlns:p="http://schemas.openxmlformats.org/presentationml/2006/main">
   <p:cSld>
     <p:spTree>
       <p:nvGrpSpPr>
@@ -7451,11 +7443,11 @@
   <p:clrMapOvr>
     <a:masterClrMapping/>
   </p:clrMapOvr>
-  <mc:AlternateContent xmlns:mc="http://schemas.openxmlformats.org/markup-compatibility/2006" xmlns:p14="http://schemas.microsoft.com/office/powerpoint/2010/main">
-    <mc:Choice Requires="p14">
+  <mc:AlternateContent xmlns:mc="http://schemas.openxmlformats.org/markup-compatibility/2006">
+    <mc:Choice xmlns:p14="http://schemas.microsoft.com/office/powerpoint/2010/main" Requires="p14">
       <p:transition spd="slow" p14:dur="2000"/>
     </mc:Choice>
-    <mc:Fallback xmlns="">
+    <mc:Fallback>
       <p:transition spd="slow"/>
     </mc:Fallback>
   </mc:AlternateContent>

--- a/group6slidshow.pptx
+++ b/group6slidshow.pptx
@@ -6,20 +6,13 @@
   </p:sldMasterIdLst>
   <p:sldIdLst>
     <p:sldId id="256" r:id="rId2"/>
-    <p:sldId id="259" r:id="rId3"/>
-    <p:sldId id="264" r:id="rId4"/>
-    <p:sldId id="257" r:id="rId5"/>
-    <p:sldId id="271" r:id="rId6"/>
-    <p:sldId id="265" r:id="rId7"/>
-    <p:sldId id="266" r:id="rId8"/>
-    <p:sldId id="267" r:id="rId9"/>
-    <p:sldId id="268" r:id="rId10"/>
-    <p:sldId id="269" r:id="rId11"/>
-    <p:sldId id="270" r:id="rId12"/>
-    <p:sldId id="272" r:id="rId13"/>
-    <p:sldId id="273" r:id="rId14"/>
-    <p:sldId id="274" r:id="rId15"/>
-    <p:sldId id="262" r:id="rId16"/>
+    <p:sldId id="257" r:id="rId3"/>
+    <p:sldId id="271" r:id="rId4"/>
+    <p:sldId id="265" r:id="rId5"/>
+    <p:sldId id="272" r:id="rId6"/>
+    <p:sldId id="273" r:id="rId7"/>
+    <p:sldId id="274" r:id="rId8"/>
+    <p:sldId id="262" r:id="rId9"/>
   </p:sldIdLst>
   <p:sldSz cx="12192000" cy="6858000"/>
   <p:notesSz cx="6858000" cy="9144000"/>
@@ -314,7 +307,7 @@
               <a:rPr lang="en-US" smtClean="0"/>
               <a:t>5/31/2019</a:t>
             </a:fld>
-            <a:endParaRPr lang="en-US"/>
+            <a:endParaRPr lang="en-US" dirty="0"/>
           </a:p>
         </p:txBody>
       </p:sp>
@@ -333,7 +326,7 @@
           <a:bodyPr/>
           <a:lstStyle/>
           <a:p>
-            <a:endParaRPr lang="en-US"/>
+            <a:endParaRPr lang="en-US" dirty="0"/>
           </a:p>
         </p:txBody>
       </p:sp>
@@ -356,7 +349,7 @@
               <a:rPr lang="en-US" smtClean="0"/>
               <a:t>‹#›</a:t>
             </a:fld>
-            <a:endParaRPr lang="en-US"/>
+            <a:endParaRPr lang="en-US" dirty="0"/>
           </a:p>
         </p:txBody>
       </p:sp>
@@ -496,7 +489,7 @@
           </a:lstStyle>
           <a:p>
             <a:r>
-              <a:rPr lang="en-US" smtClean="0"/>
+              <a:rPr lang="en-US" dirty="0" smtClean="0"/>
               <a:t>Click icon to add picture</a:t>
             </a:r>
             <a:endParaRPr lang="en-US" dirty="0"/>
@@ -589,7 +582,7 @@
               <a:rPr lang="en-US" smtClean="0"/>
               <a:t>5/31/2019</a:t>
             </a:fld>
-            <a:endParaRPr lang="en-US"/>
+            <a:endParaRPr lang="en-US" dirty="0"/>
           </a:p>
         </p:txBody>
       </p:sp>
@@ -608,7 +601,7 @@
           <a:bodyPr/>
           <a:lstStyle/>
           <a:p>
-            <a:endParaRPr lang="en-US"/>
+            <a:endParaRPr lang="en-US" dirty="0"/>
           </a:p>
         </p:txBody>
       </p:sp>
@@ -631,7 +624,7 @@
               <a:rPr lang="en-US" smtClean="0"/>
               <a:t>‹#›</a:t>
             </a:fld>
-            <a:endParaRPr lang="en-US"/>
+            <a:endParaRPr lang="en-US" dirty="0"/>
           </a:p>
         </p:txBody>
       </p:sp>
@@ -783,7 +776,7 @@
               <a:rPr lang="en-US" smtClean="0"/>
               <a:t>5/31/2019</a:t>
             </a:fld>
-            <a:endParaRPr lang="en-US"/>
+            <a:endParaRPr lang="en-US" dirty="0"/>
           </a:p>
         </p:txBody>
       </p:sp>
@@ -802,7 +795,7 @@
           <a:bodyPr/>
           <a:lstStyle/>
           <a:p>
-            <a:endParaRPr lang="en-US"/>
+            <a:endParaRPr lang="en-US" dirty="0"/>
           </a:p>
         </p:txBody>
       </p:sp>
@@ -825,7 +818,7 @@
               <a:rPr lang="en-US" smtClean="0"/>
               <a:t>‹#›</a:t>
             </a:fld>
-            <a:endParaRPr lang="en-US"/>
+            <a:endParaRPr lang="en-US" dirty="0"/>
           </a:p>
         </p:txBody>
       </p:sp>
@@ -1056,7 +1049,7 @@
               <a:rPr lang="en-US" smtClean="0"/>
               <a:t>5/31/2019</a:t>
             </a:fld>
-            <a:endParaRPr lang="en-US"/>
+            <a:endParaRPr lang="en-US" dirty="0"/>
           </a:p>
         </p:txBody>
       </p:sp>
@@ -1075,7 +1068,7 @@
           <a:bodyPr/>
           <a:lstStyle/>
           <a:p>
-            <a:endParaRPr lang="en-US"/>
+            <a:endParaRPr lang="en-US" dirty="0"/>
           </a:p>
         </p:txBody>
       </p:sp>
@@ -1098,7 +1091,7 @@
               <a:rPr lang="en-US" smtClean="0"/>
               <a:t>‹#›</a:t>
             </a:fld>
-            <a:endParaRPr lang="en-US"/>
+            <a:endParaRPr lang="en-US" dirty="0"/>
           </a:p>
         </p:txBody>
       </p:sp>
@@ -1397,7 +1390,7 @@
               <a:rPr lang="en-US" smtClean="0"/>
               <a:t>5/31/2019</a:t>
             </a:fld>
-            <a:endParaRPr lang="en-US"/>
+            <a:endParaRPr lang="en-US" dirty="0"/>
           </a:p>
         </p:txBody>
       </p:sp>
@@ -1416,7 +1409,7 @@
           <a:bodyPr/>
           <a:lstStyle/>
           <a:p>
-            <a:endParaRPr lang="en-US"/>
+            <a:endParaRPr lang="en-US" dirty="0"/>
           </a:p>
         </p:txBody>
       </p:sp>
@@ -1439,7 +1432,7 @@
               <a:rPr lang="en-US" smtClean="0"/>
               <a:t>‹#›</a:t>
             </a:fld>
-            <a:endParaRPr lang="en-US"/>
+            <a:endParaRPr lang="en-US" dirty="0"/>
           </a:p>
         </p:txBody>
       </p:sp>
@@ -2020,7 +2013,7 @@
               <a:rPr lang="en-US" smtClean="0"/>
               <a:t>5/31/2019</a:t>
             </a:fld>
-            <a:endParaRPr lang="en-US"/>
+            <a:endParaRPr lang="en-US" dirty="0"/>
           </a:p>
         </p:txBody>
       </p:sp>
@@ -2039,7 +2032,7 @@
           <a:bodyPr/>
           <a:lstStyle/>
           <a:p>
-            <a:endParaRPr lang="en-US"/>
+            <a:endParaRPr lang="en-US" dirty="0"/>
           </a:p>
         </p:txBody>
       </p:sp>
@@ -2062,7 +2055,7 @@
               <a:rPr lang="en-US" smtClean="0"/>
               <a:t>‹#›</a:t>
             </a:fld>
-            <a:endParaRPr lang="en-US"/>
+            <a:endParaRPr lang="en-US" dirty="0"/>
           </a:p>
         </p:txBody>
       </p:sp>
@@ -2269,7 +2262,7 @@
           </a:lstStyle>
           <a:p>
             <a:r>
-              <a:rPr lang="en-US" smtClean="0"/>
+              <a:rPr lang="en-US" dirty="0" smtClean="0"/>
               <a:t>Click icon to add picture</a:t>
             </a:r>
             <a:endParaRPr lang="en-US" dirty="0"/>
@@ -2489,7 +2482,7 @@
           </a:lstStyle>
           <a:p>
             <a:r>
-              <a:rPr lang="en-US" smtClean="0"/>
+              <a:rPr lang="en-US" dirty="0" smtClean="0"/>
               <a:t>Click icon to add picture</a:t>
             </a:r>
             <a:endParaRPr lang="en-US" dirty="0"/>
@@ -2709,7 +2702,7 @@
           </a:lstStyle>
           <a:p>
             <a:r>
-              <a:rPr lang="en-US" smtClean="0"/>
+              <a:rPr lang="en-US" dirty="0" smtClean="0"/>
               <a:t>Click icon to add picture</a:t>
             </a:r>
             <a:endParaRPr lang="en-US" dirty="0"/>
@@ -2880,7 +2873,7 @@
               <a:rPr lang="en-US" smtClean="0"/>
               <a:t>5/31/2019</a:t>
             </a:fld>
-            <a:endParaRPr lang="en-US"/>
+            <a:endParaRPr lang="en-US" dirty="0"/>
           </a:p>
         </p:txBody>
       </p:sp>
@@ -2899,7 +2892,7 @@
           <a:bodyPr/>
           <a:lstStyle/>
           <a:p>
-            <a:endParaRPr lang="en-US"/>
+            <a:endParaRPr lang="en-US" dirty="0"/>
           </a:p>
         </p:txBody>
       </p:sp>
@@ -2922,7 +2915,7 @@
               <a:rPr lang="en-US" smtClean="0"/>
               <a:t>‹#›</a:t>
             </a:fld>
-            <a:endParaRPr lang="en-US"/>
+            <a:endParaRPr lang="en-US" dirty="0"/>
           </a:p>
         </p:txBody>
       </p:sp>
@@ -3050,7 +3043,7 @@
               <a:rPr lang="en-US" smtClean="0"/>
               <a:t>5/31/2019</a:t>
             </a:fld>
-            <a:endParaRPr lang="en-US"/>
+            <a:endParaRPr lang="en-US" dirty="0"/>
           </a:p>
         </p:txBody>
       </p:sp>
@@ -3069,7 +3062,7 @@
           <a:bodyPr/>
           <a:lstStyle/>
           <a:p>
-            <a:endParaRPr lang="en-US"/>
+            <a:endParaRPr lang="en-US" dirty="0"/>
           </a:p>
         </p:txBody>
       </p:sp>
@@ -3092,7 +3085,7 @@
               <a:rPr lang="en-US" smtClean="0"/>
               <a:t>‹#›</a:t>
             </a:fld>
-            <a:endParaRPr lang="en-US"/>
+            <a:endParaRPr lang="en-US" dirty="0"/>
           </a:p>
         </p:txBody>
       </p:sp>
@@ -3230,7 +3223,7 @@
               <a:rPr lang="en-US" smtClean="0"/>
               <a:t>5/31/2019</a:t>
             </a:fld>
-            <a:endParaRPr lang="en-US"/>
+            <a:endParaRPr lang="en-US" dirty="0"/>
           </a:p>
         </p:txBody>
       </p:sp>
@@ -3249,7 +3242,7 @@
           <a:bodyPr/>
           <a:lstStyle/>
           <a:p>
-            <a:endParaRPr lang="en-US"/>
+            <a:endParaRPr lang="en-US" dirty="0"/>
           </a:p>
         </p:txBody>
       </p:sp>
@@ -3272,7 +3265,7 @@
               <a:rPr lang="en-US" smtClean="0"/>
               <a:t>‹#›</a:t>
             </a:fld>
-            <a:endParaRPr lang="en-US"/>
+            <a:endParaRPr lang="en-US" dirty="0"/>
           </a:p>
         </p:txBody>
       </p:sp>
@@ -3400,7 +3393,7 @@
               <a:rPr lang="en-US" smtClean="0"/>
               <a:t>5/31/2019</a:t>
             </a:fld>
-            <a:endParaRPr lang="en-US"/>
+            <a:endParaRPr lang="en-US" dirty="0"/>
           </a:p>
         </p:txBody>
       </p:sp>
@@ -3419,7 +3412,7 @@
           <a:bodyPr/>
           <a:lstStyle/>
           <a:p>
-            <a:endParaRPr lang="en-US"/>
+            <a:endParaRPr lang="en-US" dirty="0"/>
           </a:p>
         </p:txBody>
       </p:sp>
@@ -3442,7 +3435,7 @@
               <a:rPr lang="en-US" smtClean="0"/>
               <a:t>‹#›</a:t>
             </a:fld>
-            <a:endParaRPr lang="en-US"/>
+            <a:endParaRPr lang="en-US" dirty="0"/>
           </a:p>
         </p:txBody>
       </p:sp>
@@ -3647,7 +3640,7 @@
               <a:rPr lang="en-US" smtClean="0"/>
               <a:t>5/31/2019</a:t>
             </a:fld>
-            <a:endParaRPr lang="en-US"/>
+            <a:endParaRPr lang="en-US" dirty="0"/>
           </a:p>
         </p:txBody>
       </p:sp>
@@ -3666,7 +3659,7 @@
           <a:bodyPr/>
           <a:lstStyle/>
           <a:p>
-            <a:endParaRPr lang="en-US"/>
+            <a:endParaRPr lang="en-US" dirty="0"/>
           </a:p>
         </p:txBody>
       </p:sp>
@@ -3689,7 +3682,7 @@
               <a:rPr lang="en-US" smtClean="0"/>
               <a:t>‹#›</a:t>
             </a:fld>
-            <a:endParaRPr lang="en-US"/>
+            <a:endParaRPr lang="en-US" dirty="0"/>
           </a:p>
         </p:txBody>
       </p:sp>
@@ -3939,7 +3932,7 @@
               <a:rPr lang="en-US" smtClean="0"/>
               <a:t>5/31/2019</a:t>
             </a:fld>
-            <a:endParaRPr lang="en-US"/>
+            <a:endParaRPr lang="en-US" dirty="0"/>
           </a:p>
         </p:txBody>
       </p:sp>
@@ -3958,7 +3951,7 @@
           <a:bodyPr/>
           <a:lstStyle/>
           <a:p>
-            <a:endParaRPr lang="en-US"/>
+            <a:endParaRPr lang="en-US" dirty="0"/>
           </a:p>
         </p:txBody>
       </p:sp>
@@ -3981,7 +3974,7 @@
               <a:rPr lang="en-US" smtClean="0"/>
               <a:t>‹#›</a:t>
             </a:fld>
-            <a:endParaRPr lang="en-US"/>
+            <a:endParaRPr lang="en-US" dirty="0"/>
           </a:p>
         </p:txBody>
       </p:sp>
@@ -4383,7 +4376,7 @@
               <a:rPr lang="en-US" smtClean="0"/>
               <a:t>5/31/2019</a:t>
             </a:fld>
-            <a:endParaRPr lang="en-US"/>
+            <a:endParaRPr lang="en-US" dirty="0"/>
           </a:p>
         </p:txBody>
       </p:sp>
@@ -4402,7 +4395,7 @@
           <a:bodyPr/>
           <a:lstStyle/>
           <a:p>
-            <a:endParaRPr lang="en-US"/>
+            <a:endParaRPr lang="en-US" dirty="0"/>
           </a:p>
         </p:txBody>
       </p:sp>
@@ -4425,7 +4418,7 @@
               <a:rPr lang="en-US" smtClean="0"/>
               <a:t>‹#›</a:t>
             </a:fld>
-            <a:endParaRPr lang="en-US"/>
+            <a:endParaRPr lang="en-US" dirty="0"/>
           </a:p>
         </p:txBody>
       </p:sp>
@@ -4501,7 +4494,7 @@
               <a:rPr lang="en-US" smtClean="0"/>
               <a:t>5/31/2019</a:t>
             </a:fld>
-            <a:endParaRPr lang="en-US"/>
+            <a:endParaRPr lang="en-US" dirty="0"/>
           </a:p>
         </p:txBody>
       </p:sp>
@@ -4520,7 +4513,7 @@
           <a:bodyPr/>
           <a:lstStyle/>
           <a:p>
-            <a:endParaRPr lang="en-US"/>
+            <a:endParaRPr lang="en-US" dirty="0"/>
           </a:p>
         </p:txBody>
       </p:sp>
@@ -4543,7 +4536,7 @@
               <a:rPr lang="en-US" smtClean="0"/>
               <a:t>‹#›</a:t>
             </a:fld>
-            <a:endParaRPr lang="en-US"/>
+            <a:endParaRPr lang="en-US" dirty="0"/>
           </a:p>
         </p:txBody>
       </p:sp>
@@ -4596,7 +4589,7 @@
               <a:rPr lang="en-US" smtClean="0"/>
               <a:t>5/31/2019</a:t>
             </a:fld>
-            <a:endParaRPr lang="en-US"/>
+            <a:endParaRPr lang="en-US" dirty="0"/>
           </a:p>
         </p:txBody>
       </p:sp>
@@ -4615,7 +4608,7 @@
           <a:bodyPr/>
           <a:lstStyle/>
           <a:p>
-            <a:endParaRPr lang="en-US"/>
+            <a:endParaRPr lang="en-US" dirty="0"/>
           </a:p>
         </p:txBody>
       </p:sp>
@@ -4638,7 +4631,7 @@
               <a:rPr lang="en-US" smtClean="0"/>
               <a:t>‹#›</a:t>
             </a:fld>
-            <a:endParaRPr lang="en-US"/>
+            <a:endParaRPr lang="en-US" dirty="0"/>
           </a:p>
         </p:txBody>
       </p:sp>
@@ -4875,7 +4868,7 @@
               <a:rPr lang="en-US" smtClean="0"/>
               <a:t>5/31/2019</a:t>
             </a:fld>
-            <a:endParaRPr lang="en-US"/>
+            <a:endParaRPr lang="en-US" dirty="0"/>
           </a:p>
         </p:txBody>
       </p:sp>
@@ -4894,7 +4887,7 @@
           <a:bodyPr/>
           <a:lstStyle/>
           <a:p>
-            <a:endParaRPr lang="en-US"/>
+            <a:endParaRPr lang="en-US" dirty="0"/>
           </a:p>
         </p:txBody>
       </p:sp>
@@ -4917,7 +4910,7 @@
               <a:rPr lang="en-US" smtClean="0"/>
               <a:t>‹#›</a:t>
             </a:fld>
-            <a:endParaRPr lang="en-US"/>
+            <a:endParaRPr lang="en-US" dirty="0"/>
           </a:p>
         </p:txBody>
       </p:sp>
@@ -5057,7 +5050,7 @@
           </a:lstStyle>
           <a:p>
             <a:r>
-              <a:rPr lang="en-US" smtClean="0"/>
+              <a:rPr lang="en-US" dirty="0" smtClean="0"/>
               <a:t>Click icon to add picture</a:t>
             </a:r>
             <a:endParaRPr lang="en-US" dirty="0"/>
@@ -5150,7 +5143,7 @@
               <a:rPr lang="en-US" smtClean="0"/>
               <a:t>5/31/2019</a:t>
             </a:fld>
-            <a:endParaRPr lang="en-US"/>
+            <a:endParaRPr lang="en-US" dirty="0"/>
           </a:p>
         </p:txBody>
       </p:sp>
@@ -5169,7 +5162,7 @@
           <a:bodyPr/>
           <a:lstStyle/>
           <a:p>
-            <a:endParaRPr lang="en-US"/>
+            <a:endParaRPr lang="en-US" dirty="0"/>
           </a:p>
         </p:txBody>
       </p:sp>
@@ -5192,7 +5185,7 @@
               <a:rPr lang="en-US" smtClean="0"/>
               <a:t>‹#›</a:t>
             </a:fld>
-            <a:endParaRPr lang="en-US"/>
+            <a:endParaRPr lang="en-US" dirty="0"/>
           </a:p>
         </p:txBody>
       </p:sp>
@@ -5579,7 +5572,7 @@
               <a:rPr lang="en-US" smtClean="0"/>
               <a:t>5/31/2019</a:t>
             </a:fld>
-            <a:endParaRPr lang="en-US"/>
+            <a:endParaRPr lang="en-US" dirty="0"/>
           </a:p>
         </p:txBody>
       </p:sp>
@@ -5617,7 +5610,7 @@
             </a:lvl1pPr>
           </a:lstStyle>
           <a:p>
-            <a:endParaRPr lang="en-US"/>
+            <a:endParaRPr lang="en-US" dirty="0"/>
           </a:p>
         </p:txBody>
       </p:sp>
@@ -5658,7 +5651,7 @@
               <a:rPr lang="en-US" smtClean="0"/>
               <a:t>‹#›</a:t>
             </a:fld>
-            <a:endParaRPr lang="en-US"/>
+            <a:endParaRPr lang="en-US" dirty="0"/>
           </a:p>
         </p:txBody>
       </p:sp>
@@ -6154,1314 +6147,7 @@
 </p:sld>
 </file>
 
-<file path=ppt/slides/slide10.xml><?xml version="1.0" encoding="utf-8"?>
-<p:sld xmlns:a="http://schemas.openxmlformats.org/drawingml/2006/main" xmlns:r="http://schemas.openxmlformats.org/officeDocument/2006/relationships" xmlns:p="http://schemas.openxmlformats.org/presentationml/2006/main">
-  <p:cSld>
-    <p:spTree>
-      <p:nvGrpSpPr>
-        <p:cNvPr id="1" name=""/>
-        <p:cNvGrpSpPr/>
-        <p:nvPr/>
-      </p:nvGrpSpPr>
-      <p:grpSpPr>
-        <a:xfrm>
-          <a:off x="0" y="0"/>
-          <a:ext cx="0" cy="0"/>
-          <a:chOff x="0" y="0"/>
-          <a:chExt cx="0" cy="0"/>
-        </a:xfrm>
-      </p:grpSpPr>
-      <p:sp>
-        <p:nvSpPr>
-          <p:cNvPr id="2" name="Title 1"/>
-          <p:cNvSpPr>
-            <a:spLocks noGrp="1"/>
-          </p:cNvSpPr>
-          <p:nvPr>
-            <p:ph type="title"/>
-          </p:nvPr>
-        </p:nvSpPr>
-        <p:spPr/>
-        <p:txBody>
-          <a:bodyPr/>
-          <a:lstStyle/>
-          <a:p>
-            <a:r>
-              <a:rPr lang="en-US" dirty="0" smtClean="0"/>
-              <a:t>An easy way to remember NRW</a:t>
-            </a:r>
-            <a:endParaRPr lang="en-US" dirty="0"/>
-          </a:p>
-        </p:txBody>
-      </p:sp>
-      <p:sp>
-        <p:nvSpPr>
-          <p:cNvPr id="4" name="Content Placeholder 3"/>
-          <p:cNvSpPr>
-            <a:spLocks noGrp="1"/>
-          </p:cNvSpPr>
-          <p:nvPr>
-            <p:ph idx="1"/>
-          </p:nvPr>
-        </p:nvSpPr>
-        <p:spPr/>
-        <p:txBody>
-          <a:bodyPr/>
-          <a:lstStyle/>
-          <a:p>
-            <a:r>
-              <a:rPr lang="en-US" dirty="0"/>
-              <a:t>When Read or Write are 1 and the other two variables are the same, the unpaired (variable with 1) is the optimized pillar </a:t>
-            </a:r>
-          </a:p>
-          <a:p>
-            <a:pPr lvl="1">
-              <a:buFont typeface="Wingdings" panose="05000000000000000000" pitchFamily="2" charset="2"/>
-              <a:buChar char="§"/>
-            </a:pPr>
-            <a:r>
-              <a:rPr lang="en-US" dirty="0"/>
-              <a:t>will always be “read/write optimized </a:t>
-            </a:r>
-            <a:r>
-              <a:rPr lang="en-US" u="sng" dirty="0"/>
-              <a:t>strong</a:t>
-            </a:r>
-            <a:r>
-              <a:rPr lang="en-US" dirty="0"/>
-              <a:t> consistency”, since 1+x is always &gt; x</a:t>
-            </a:r>
-          </a:p>
-          <a:p>
-            <a:endParaRPr lang="en-US" dirty="0" smtClean="0"/>
-          </a:p>
-          <a:p>
-            <a:pPr marL="0" indent="0">
-              <a:buNone/>
-            </a:pPr>
-            <a:r>
-              <a:rPr lang="en-US" dirty="0" smtClean="0"/>
-              <a:t>So, once more, what is the answer to this question: </a:t>
-            </a:r>
-            <a:br>
-              <a:rPr lang="en-US" dirty="0" smtClean="0"/>
-            </a:br>
-            <a:r>
-              <a:rPr lang="en-US" dirty="0" smtClean="0"/>
-              <a:t>Let R = 3, W = 1, and N = 1: STRONG CONSISTENCY</a:t>
-            </a:r>
-            <a:endParaRPr lang="en-US" dirty="0"/>
-          </a:p>
-        </p:txBody>
-      </p:sp>
-    </p:spTree>
-    <p:extLst>
-      <p:ext uri="{BB962C8B-B14F-4D97-AF65-F5344CB8AC3E}">
-        <p14:creationId xmlns:p14="http://schemas.microsoft.com/office/powerpoint/2010/main" val="2785325697"/>
-      </p:ext>
-    </p:extLst>
-  </p:cSld>
-  <p:clrMapOvr>
-    <a:masterClrMapping/>
-  </p:clrMapOvr>
-  <p:timing>
-    <p:tnLst>
-      <p:par>
-        <p:cTn id="1" dur="indefinite" restart="never" nodeType="tmRoot"/>
-      </p:par>
-    </p:tnLst>
-  </p:timing>
-</p:sld>
-</file>
-
-<file path=ppt/slides/slide11.xml><?xml version="1.0" encoding="utf-8"?>
-<p:sld xmlns:a="http://schemas.openxmlformats.org/drawingml/2006/main" xmlns:r="http://schemas.openxmlformats.org/officeDocument/2006/relationships" xmlns:p="http://schemas.openxmlformats.org/presentationml/2006/main">
-  <p:cSld>
-    <p:spTree>
-      <p:nvGrpSpPr>
-        <p:cNvPr id="1" name=""/>
-        <p:cNvGrpSpPr/>
-        <p:nvPr/>
-      </p:nvGrpSpPr>
-      <p:grpSpPr>
-        <a:xfrm>
-          <a:off x="0" y="0"/>
-          <a:ext cx="0" cy="0"/>
-          <a:chOff x="0" y="0"/>
-          <a:chExt cx="0" cy="0"/>
-        </a:xfrm>
-      </p:grpSpPr>
-      <p:sp>
-        <p:nvSpPr>
-          <p:cNvPr id="2" name="Title 1"/>
-          <p:cNvSpPr>
-            <a:spLocks noGrp="1"/>
-          </p:cNvSpPr>
-          <p:nvPr>
-            <p:ph type="title"/>
-          </p:nvPr>
-        </p:nvSpPr>
-        <p:spPr/>
-        <p:txBody>
-          <a:bodyPr/>
-          <a:lstStyle/>
-          <a:p>
-            <a:r>
-              <a:rPr lang="en-US" dirty="0" smtClean="0"/>
-              <a:t>An easy way to remember NRW</a:t>
-            </a:r>
-            <a:endParaRPr lang="en-US" dirty="0"/>
-          </a:p>
-        </p:txBody>
-      </p:sp>
-      <p:sp>
-        <p:nvSpPr>
-          <p:cNvPr id="4" name="Content Placeholder 3"/>
-          <p:cNvSpPr>
-            <a:spLocks noGrp="1"/>
-          </p:cNvSpPr>
-          <p:nvPr>
-            <p:ph idx="1"/>
-          </p:nvPr>
-        </p:nvSpPr>
-        <p:spPr>
-          <a:xfrm>
-            <a:off x="1103312" y="2052918"/>
-            <a:ext cx="8946541" cy="5813825"/>
-          </a:xfrm>
-        </p:spPr>
-        <p:txBody>
-          <a:bodyPr>
-            <a:normAutofit/>
-          </a:bodyPr>
-          <a:lstStyle/>
-          <a:p>
-            <a:r>
-              <a:rPr lang="en-US" dirty="0"/>
-              <a:t>When Read or Write are 1 and the other two variables are the same, the unpaired (variable with 1) is the optimized pillar </a:t>
-            </a:r>
-          </a:p>
-          <a:p>
-            <a:pPr lvl="1">
-              <a:buFont typeface="Wingdings" panose="05000000000000000000" pitchFamily="2" charset="2"/>
-              <a:buChar char="§"/>
-            </a:pPr>
-            <a:r>
-              <a:rPr lang="en-US" dirty="0"/>
-              <a:t>will always be “read/write optimized </a:t>
-            </a:r>
-            <a:r>
-              <a:rPr lang="en-US" u="sng" dirty="0"/>
-              <a:t>strong</a:t>
-            </a:r>
-            <a:r>
-              <a:rPr lang="en-US" dirty="0"/>
-              <a:t> consistency”, since 1+x is always &gt; x</a:t>
-            </a:r>
-          </a:p>
-          <a:p>
-            <a:endParaRPr lang="en-US" dirty="0"/>
-          </a:p>
-          <a:p>
-            <a:pPr marL="0" indent="0">
-              <a:buNone/>
-            </a:pPr>
-            <a:r>
-              <a:rPr lang="en-US" dirty="0" smtClean="0"/>
-              <a:t>So, once more, what is the answer to this question: </a:t>
-            </a:r>
-            <a:br>
-              <a:rPr lang="en-US" dirty="0" smtClean="0"/>
-            </a:br>
-            <a:r>
-              <a:rPr lang="en-US" dirty="0" smtClean="0"/>
-              <a:t>Let R = 3, W = 1, and N = 1: STRONG CONSISTENCY</a:t>
-            </a:r>
-          </a:p>
-          <a:p>
-            <a:pPr marL="0" indent="0">
-              <a:buNone/>
-            </a:pPr>
-            <a:r>
-              <a:rPr lang="en-US" dirty="0" smtClean="0"/>
-              <a:t>The latency of read or write is dictated by the slowest of the R or W replicas. This is why R and W are usually configured to be less than N, to provide better latency (</a:t>
-            </a:r>
-            <a:r>
-              <a:rPr lang="en-US" dirty="0" err="1" smtClean="0"/>
-              <a:t>ctd</a:t>
-            </a:r>
-            <a:r>
-              <a:rPr lang="en-US" dirty="0" smtClean="0"/>
-              <a:t>. in “Dynamo: Amazon”).</a:t>
-            </a:r>
-          </a:p>
-          <a:p>
-            <a:pPr marL="0" indent="0">
-              <a:buNone/>
-            </a:pPr>
-            <a:r>
-              <a:rPr lang="en-US" dirty="0"/>
-              <a:t>	</a:t>
-            </a:r>
-            <a:r>
-              <a:rPr lang="en-US" dirty="0" smtClean="0"/>
-              <a:t>Typical Values of (NRW) for Amazon Apps are (3, 2, 2)</a:t>
-            </a:r>
-            <a:endParaRPr lang="en-US" dirty="0"/>
-          </a:p>
-        </p:txBody>
-      </p:sp>
-    </p:spTree>
-    <p:extLst>
-      <p:ext uri="{BB962C8B-B14F-4D97-AF65-F5344CB8AC3E}">
-        <p14:creationId xmlns:p14="http://schemas.microsoft.com/office/powerpoint/2010/main" val="3231271256"/>
-      </p:ext>
-    </p:extLst>
-  </p:cSld>
-  <p:clrMapOvr>
-    <a:masterClrMapping/>
-  </p:clrMapOvr>
-  <p:timing>
-    <p:tnLst>
-      <p:par>
-        <p:cTn id="1" dur="indefinite" restart="never" nodeType="tmRoot"/>
-      </p:par>
-    </p:tnLst>
-  </p:timing>
-</p:sld>
-</file>
-
-<file path=ppt/slides/slide12.xml><?xml version="1.0" encoding="utf-8"?>
-<p:sld xmlns:a="http://schemas.openxmlformats.org/drawingml/2006/main" xmlns:r="http://schemas.openxmlformats.org/officeDocument/2006/relationships" xmlns:p="http://schemas.openxmlformats.org/presentationml/2006/main">
-  <p:cSld>
-    <p:spTree>
-      <p:nvGrpSpPr>
-        <p:cNvPr id="1" name=""/>
-        <p:cNvGrpSpPr/>
-        <p:nvPr/>
-      </p:nvGrpSpPr>
-      <p:grpSpPr>
-        <a:xfrm>
-          <a:off x="0" y="0"/>
-          <a:ext cx="0" cy="0"/>
-          <a:chOff x="0" y="0"/>
-          <a:chExt cx="0" cy="0"/>
-        </a:xfrm>
-      </p:grpSpPr>
-      <p:sp>
-        <p:nvSpPr>
-          <p:cNvPr id="2" name="Title 1"/>
-          <p:cNvSpPr>
-            <a:spLocks noGrp="1"/>
-          </p:cNvSpPr>
-          <p:nvPr>
-            <p:ph type="title"/>
-          </p:nvPr>
-        </p:nvSpPr>
-        <p:spPr/>
-        <p:txBody>
-          <a:bodyPr/>
-          <a:lstStyle/>
-          <a:p>
-            <a:r>
-              <a:rPr lang="en-US" dirty="0" err="1" smtClean="0"/>
-              <a:t>DynamoDB</a:t>
-            </a:r>
-            <a:r>
-              <a:rPr lang="en-US" dirty="0" smtClean="0"/>
-              <a:t>: Amazon’s Highly Available Key-value Store</a:t>
-            </a:r>
-            <a:endParaRPr lang="en-US" dirty="0"/>
-          </a:p>
-        </p:txBody>
-      </p:sp>
-      <p:sp>
-        <p:nvSpPr>
-          <p:cNvPr id="3" name="Content Placeholder 2"/>
-          <p:cNvSpPr>
-            <a:spLocks noGrp="1"/>
-          </p:cNvSpPr>
-          <p:nvPr>
-            <p:ph idx="1"/>
-          </p:nvPr>
-        </p:nvSpPr>
-        <p:spPr/>
-        <p:txBody>
-          <a:bodyPr/>
-          <a:lstStyle/>
-          <a:p>
-            <a:r>
-              <a:rPr lang="en-US" dirty="0" smtClean="0"/>
-              <a:t>One problem </a:t>
-            </a:r>
-            <a:r>
-              <a:rPr lang="en-US" dirty="0" err="1" smtClean="0"/>
-              <a:t>DynamoDB</a:t>
-            </a:r>
-            <a:r>
-              <a:rPr lang="en-US" dirty="0" smtClean="0"/>
-              <a:t>, a NoSQL database service, has is partitioning. Their solution was to do “Consistent Hashing,” which resulted in incremental scalability. </a:t>
-            </a:r>
-            <a:endParaRPr lang="en-US" dirty="0"/>
-          </a:p>
-          <a:p>
-            <a:r>
-              <a:rPr lang="en-US" dirty="0" smtClean="0"/>
-              <a:t>There are many good tools out there that can simulate the NRW patterns, i.e. </a:t>
-            </a:r>
-            <a:r>
-              <a:rPr lang="en-US" i="1" dirty="0" err="1" smtClean="0"/>
-              <a:t>Simizer</a:t>
-            </a:r>
-            <a:r>
-              <a:rPr lang="en-US" dirty="0" smtClean="0"/>
-              <a:t>, </a:t>
-            </a:r>
-            <a:r>
-              <a:rPr lang="en-US" i="1" dirty="0" err="1" smtClean="0"/>
-              <a:t>CloudSim</a:t>
-            </a:r>
-            <a:r>
-              <a:rPr lang="en-US" i="1" dirty="0" smtClean="0"/>
-              <a:t>,</a:t>
-            </a:r>
-            <a:r>
-              <a:rPr lang="en-US" dirty="0" smtClean="0"/>
-              <a:t> </a:t>
-            </a:r>
-            <a:r>
-              <a:rPr lang="en-US" i="1" dirty="0" err="1" smtClean="0"/>
-              <a:t>SimGRID</a:t>
-            </a:r>
-            <a:r>
-              <a:rPr lang="en-US" dirty="0" smtClean="0"/>
-              <a:t>, and </a:t>
-            </a:r>
-            <a:r>
-              <a:rPr lang="en-US" i="1" dirty="0" err="1" smtClean="0"/>
-              <a:t>OptorSim</a:t>
-            </a:r>
-            <a:r>
-              <a:rPr lang="en-US" dirty="0" smtClean="0"/>
-              <a:t>. </a:t>
-            </a:r>
-          </a:p>
-          <a:p>
-            <a:endParaRPr lang="en-US" dirty="0"/>
-          </a:p>
-        </p:txBody>
-      </p:sp>
-    </p:spTree>
-    <p:extLst>
-      <p:ext uri="{BB962C8B-B14F-4D97-AF65-F5344CB8AC3E}">
-        <p14:creationId xmlns:p14="http://schemas.microsoft.com/office/powerpoint/2010/main" val="3446903"/>
-      </p:ext>
-    </p:extLst>
-  </p:cSld>
-  <p:clrMapOvr>
-    <a:masterClrMapping/>
-  </p:clrMapOvr>
-  <p:timing>
-    <p:tnLst>
-      <p:par>
-        <p:cTn id="1" dur="indefinite" restart="never" nodeType="tmRoot"/>
-      </p:par>
-    </p:tnLst>
-  </p:timing>
-</p:sld>
-</file>
-
-<file path=ppt/slides/slide13.xml><?xml version="1.0" encoding="utf-8"?>
-<p:sld xmlns:a="http://schemas.openxmlformats.org/drawingml/2006/main" xmlns:r="http://schemas.openxmlformats.org/officeDocument/2006/relationships" xmlns:p="http://schemas.openxmlformats.org/presentationml/2006/main">
-  <p:cSld>
-    <p:spTree>
-      <p:nvGrpSpPr>
-        <p:cNvPr id="1" name=""/>
-        <p:cNvGrpSpPr/>
-        <p:nvPr/>
-      </p:nvGrpSpPr>
-      <p:grpSpPr>
-        <a:xfrm>
-          <a:off x="0" y="0"/>
-          <a:ext cx="0" cy="0"/>
-          <a:chOff x="0" y="0"/>
-          <a:chExt cx="0" cy="0"/>
-        </a:xfrm>
-      </p:grpSpPr>
-      <p:sp>
-        <p:nvSpPr>
-          <p:cNvPr id="2" name="Title 1"/>
-          <p:cNvSpPr>
-            <a:spLocks noGrp="1"/>
-          </p:cNvSpPr>
-          <p:nvPr>
-            <p:ph type="title"/>
-          </p:nvPr>
-        </p:nvSpPr>
-        <p:spPr>
-          <a:xfrm>
-            <a:off x="1395411" y="3716618"/>
-            <a:ext cx="9404723" cy="1400530"/>
-          </a:xfrm>
-        </p:spPr>
-        <p:txBody>
-          <a:bodyPr/>
-          <a:lstStyle/>
-          <a:p>
-            <a:r>
-              <a:rPr lang="en-US" sz="2000" dirty="0"/>
-              <a:t>This here is a diagram of control flow for client write to Dynamo-style quorum. </a:t>
-            </a:r>
-            <a:br>
-              <a:rPr lang="en-US" sz="2000" dirty="0"/>
-            </a:br>
-            <a:r>
-              <a:rPr lang="en-US" sz="2000" dirty="0"/>
-              <a:t/>
-            </a:r>
-            <a:br>
-              <a:rPr lang="en-US" sz="2000" dirty="0"/>
-            </a:br>
-            <a:r>
-              <a:rPr lang="en-US" sz="2000" dirty="0"/>
-              <a:t>Where N = 3 and W = 2. A coordinator node handles the client write and sends it to all N replicas. The Write call returns after the coordinator </a:t>
-            </a:r>
-            <a:r>
-              <a:rPr lang="en-US" sz="2000" dirty="0" smtClean="0"/>
-              <a:t>receives </a:t>
-            </a:r>
-            <a:r>
-              <a:rPr lang="en-US" sz="2000" dirty="0"/>
-              <a:t>W acknowledgements. </a:t>
-            </a:r>
-            <a:endParaRPr lang="en-US" sz="2000" dirty="0"/>
-          </a:p>
-        </p:txBody>
-      </p:sp>
-      <p:pic>
-        <p:nvPicPr>
-          <p:cNvPr id="5" name="Picture 4"/>
-          <p:cNvPicPr>
-            <a:picLocks noChangeAspect="1"/>
-          </p:cNvPicPr>
-          <p:nvPr/>
-        </p:nvPicPr>
-        <p:blipFill>
-          <a:blip r:embed="rId2" cstate="print">
-            <a:extLst>
-              <a:ext uri="{28A0092B-C50C-407E-A947-70E740481C1C}">
-                <a14:useLocalDpi xmlns:a14="http://schemas.microsoft.com/office/drawing/2010/main" val="0"/>
-              </a:ext>
-            </a:extLst>
-          </a:blip>
-          <a:stretch>
-            <a:fillRect/>
-          </a:stretch>
-        </p:blipFill>
-        <p:spPr>
-          <a:xfrm>
-            <a:off x="2148616" y="0"/>
-            <a:ext cx="6614467" cy="3759199"/>
-          </a:xfrm>
-          <a:prstGeom prst="rect">
-            <a:avLst/>
-          </a:prstGeom>
-        </p:spPr>
-      </p:pic>
-    </p:spTree>
-    <p:extLst>
-      <p:ext uri="{BB962C8B-B14F-4D97-AF65-F5344CB8AC3E}">
-        <p14:creationId xmlns:p14="http://schemas.microsoft.com/office/powerpoint/2010/main" val="4133866526"/>
-      </p:ext>
-    </p:extLst>
-  </p:cSld>
-  <p:clrMapOvr>
-    <a:masterClrMapping/>
-  </p:clrMapOvr>
-  <p:timing>
-    <p:tnLst>
-      <p:par>
-        <p:cTn id="1" dur="indefinite" restart="never" nodeType="tmRoot"/>
-      </p:par>
-    </p:tnLst>
-  </p:timing>
-</p:sld>
-</file>
-
-<file path=ppt/slides/slide14.xml><?xml version="1.0" encoding="utf-8"?>
-<p:sld xmlns:a="http://schemas.openxmlformats.org/drawingml/2006/main" xmlns:r="http://schemas.openxmlformats.org/officeDocument/2006/relationships" xmlns:p="http://schemas.openxmlformats.org/presentationml/2006/main">
-  <p:cSld>
-    <p:spTree>
-      <p:nvGrpSpPr>
-        <p:cNvPr id="1" name=""/>
-        <p:cNvGrpSpPr/>
-        <p:nvPr/>
-      </p:nvGrpSpPr>
-      <p:grpSpPr>
-        <a:xfrm>
-          <a:off x="0" y="0"/>
-          <a:ext cx="0" cy="0"/>
-          <a:chOff x="0" y="0"/>
-          <a:chExt cx="0" cy="0"/>
-        </a:xfrm>
-      </p:grpSpPr>
-      <p:sp>
-        <p:nvSpPr>
-          <p:cNvPr id="2" name="Title 1"/>
-          <p:cNvSpPr>
-            <a:spLocks noGrp="1"/>
-          </p:cNvSpPr>
-          <p:nvPr>
-            <p:ph type="title"/>
-          </p:nvPr>
-        </p:nvSpPr>
-        <p:spPr/>
-        <p:txBody>
-          <a:bodyPr/>
-          <a:lstStyle/>
-          <a:p>
-            <a:r>
-              <a:rPr lang="en-US" dirty="0" smtClean="0"/>
-              <a:t>Some other configurations</a:t>
-            </a:r>
-            <a:endParaRPr lang="en-US" dirty="0"/>
-          </a:p>
-        </p:txBody>
-      </p:sp>
-      <p:sp>
-        <p:nvSpPr>
-          <p:cNvPr id="3" name="Content Placeholder 2"/>
-          <p:cNvSpPr>
-            <a:spLocks noGrp="1"/>
-          </p:cNvSpPr>
-          <p:nvPr>
-            <p:ph idx="1"/>
-          </p:nvPr>
-        </p:nvSpPr>
-        <p:spPr>
-          <a:xfrm>
-            <a:off x="646111" y="1853248"/>
-            <a:ext cx="10669588" cy="4195481"/>
-          </a:xfrm>
-        </p:spPr>
-        <p:txBody>
-          <a:bodyPr/>
-          <a:lstStyle/>
-          <a:p>
-            <a:r>
-              <a:rPr lang="en-US" dirty="0" smtClean="0"/>
-              <a:t>Cassandra: N = 3, R = W = 1</a:t>
-            </a:r>
-          </a:p>
-          <a:p>
-            <a:r>
-              <a:rPr lang="en-US" dirty="0" smtClean="0"/>
-              <a:t>Rika: N = 3, R = W = 2</a:t>
-            </a:r>
-          </a:p>
-          <a:p>
-            <a:pPr lvl="1"/>
-            <a:r>
-              <a:rPr lang="en-US" dirty="0" smtClean="0"/>
-              <a:t>User sometimes suggest using “low value” R = W = 1 &amp; N = 2 and strict quorum variants for “web,” “mission critical,” and “financial” data.</a:t>
-            </a:r>
-          </a:p>
-          <a:p>
-            <a:r>
-              <a:rPr lang="en-US" dirty="0" smtClean="0"/>
-              <a:t>Voldemort’s authors at LinkedIn often choose: N = </a:t>
-            </a:r>
-            <a:r>
-              <a:rPr lang="en-US" i="1" dirty="0" smtClean="0"/>
-              <a:t>c</a:t>
-            </a:r>
-            <a:r>
-              <a:rPr lang="en-US" dirty="0" smtClean="0"/>
-              <a:t>, R = W = [</a:t>
-            </a:r>
-            <a:r>
-              <a:rPr lang="en-US" i="1" dirty="0" smtClean="0"/>
-              <a:t>c</a:t>
-            </a:r>
-            <a:r>
-              <a:rPr lang="en-US" dirty="0" smtClean="0"/>
-              <a:t>/2] for odd </a:t>
-            </a:r>
-            <a:r>
-              <a:rPr lang="en-US" i="1" dirty="0" smtClean="0"/>
-              <a:t>c</a:t>
-            </a:r>
-            <a:r>
-              <a:rPr lang="en-US" dirty="0" smtClean="0"/>
-              <a:t> </a:t>
-            </a:r>
-          </a:p>
-          <a:p>
-            <a:pPr lvl="1"/>
-            <a:r>
-              <a:rPr lang="en-US" dirty="0" smtClean="0"/>
-              <a:t>Often great for “very low latency and high availability.</a:t>
-            </a:r>
-            <a:endParaRPr lang="en-US" dirty="0"/>
-          </a:p>
-          <a:p>
-            <a:r>
-              <a:rPr lang="en-US" dirty="0" smtClean="0"/>
-              <a:t>LinkedIn deployments of Voldemort with N = 2, R = W = 1 provide “some consistency,” when three way replication is not required (</a:t>
-            </a:r>
-            <a:r>
-              <a:rPr lang="en-US" dirty="0" err="1" smtClean="0"/>
-              <a:t>ctd</a:t>
-            </a:r>
-            <a:r>
-              <a:rPr lang="en-US" dirty="0" smtClean="0"/>
-              <a:t>. in Berkeley). </a:t>
-            </a:r>
-          </a:p>
-        </p:txBody>
-      </p:sp>
-    </p:spTree>
-    <p:extLst>
-      <p:ext uri="{BB962C8B-B14F-4D97-AF65-F5344CB8AC3E}">
-        <p14:creationId xmlns:p14="http://schemas.microsoft.com/office/powerpoint/2010/main" val="1427029301"/>
-      </p:ext>
-    </p:extLst>
-  </p:cSld>
-  <p:clrMapOvr>
-    <a:masterClrMapping/>
-  </p:clrMapOvr>
-  <p:timing>
-    <p:tnLst>
-      <p:par>
-        <p:cTn id="1" dur="indefinite" restart="never" nodeType="tmRoot"/>
-      </p:par>
-    </p:tnLst>
-  </p:timing>
-</p:sld>
-</file>
-
-<file path=ppt/slides/slide15.xml><?xml version="1.0" encoding="utf-8"?>
-<p:sld xmlns:a="http://schemas.openxmlformats.org/drawingml/2006/main" xmlns:r="http://schemas.openxmlformats.org/officeDocument/2006/relationships" xmlns:p="http://schemas.openxmlformats.org/presentationml/2006/main">
-  <p:cSld>
-    <p:spTree>
-      <p:nvGrpSpPr>
-        <p:cNvPr id="1" name=""/>
-        <p:cNvGrpSpPr/>
-        <p:nvPr/>
-      </p:nvGrpSpPr>
-      <p:grpSpPr>
-        <a:xfrm>
-          <a:off x="0" y="0"/>
-          <a:ext cx="0" cy="0"/>
-          <a:chOff x="0" y="0"/>
-          <a:chExt cx="0" cy="0"/>
-        </a:xfrm>
-      </p:grpSpPr>
-      <p:sp>
-        <p:nvSpPr>
-          <p:cNvPr id="2" name="Title 1"/>
-          <p:cNvSpPr>
-            <a:spLocks noGrp="1"/>
-          </p:cNvSpPr>
-          <p:nvPr>
-            <p:ph type="title"/>
-          </p:nvPr>
-        </p:nvSpPr>
-        <p:spPr/>
-        <p:txBody>
-          <a:bodyPr/>
-          <a:lstStyle/>
-          <a:p>
-            <a:pPr algn="ctr"/>
-            <a:r>
-              <a:rPr lang="en-US" dirty="0" smtClean="0"/>
-              <a:t>Works Cited</a:t>
-            </a:r>
-            <a:endParaRPr lang="en-US" dirty="0"/>
-          </a:p>
-        </p:txBody>
-      </p:sp>
-      <p:sp>
-        <p:nvSpPr>
-          <p:cNvPr id="3" name="Content Placeholder 2"/>
-          <p:cNvSpPr>
-            <a:spLocks noGrp="1"/>
-          </p:cNvSpPr>
-          <p:nvPr>
-            <p:ph idx="1"/>
-          </p:nvPr>
-        </p:nvSpPr>
-        <p:spPr>
-          <a:xfrm>
-            <a:off x="1103312" y="1175658"/>
-            <a:ext cx="8946541" cy="5072742"/>
-          </a:xfrm>
-        </p:spPr>
-        <p:txBody>
-          <a:bodyPr>
-            <a:normAutofit/>
-          </a:bodyPr>
-          <a:lstStyle/>
-          <a:p>
-            <a:pPr marL="0" indent="0">
-              <a:buNone/>
-            </a:pPr>
-            <a:r>
-              <a:rPr lang="en-US" sz="1200" dirty="0"/>
-              <a:t>"Dynamo: </a:t>
-            </a:r>
-            <a:r>
-              <a:rPr lang="en-US" sz="1200" dirty="0" err="1"/>
-              <a:t>Amazon’S</a:t>
-            </a:r>
-            <a:r>
-              <a:rPr lang="en-US" sz="1200" dirty="0"/>
-              <a:t> Highly Available Key-Value </a:t>
-            </a:r>
-            <a:r>
-              <a:rPr lang="en-US" sz="1200" dirty="0" smtClean="0"/>
-              <a:t>Store” </a:t>
-            </a:r>
-            <a:r>
-              <a:rPr lang="en-US" sz="1200" dirty="0" err="1" smtClean="0"/>
-              <a:t>Slideplayer.Com</a:t>
-            </a:r>
-            <a:r>
-              <a:rPr lang="en-US" sz="1200" dirty="0"/>
-              <a:t>, 2019, </a:t>
-            </a:r>
-            <a:r>
-              <a:rPr lang="en-US" sz="1200" dirty="0" smtClean="0"/>
-              <a:t/>
-            </a:r>
-            <a:br>
-              <a:rPr lang="en-US" sz="1200" dirty="0" smtClean="0"/>
-            </a:br>
-            <a:r>
-              <a:rPr lang="en-US" sz="1200" dirty="0" smtClean="0"/>
-              <a:t>	</a:t>
-            </a:r>
-            <a:r>
-              <a:rPr lang="en-US" sz="1200" dirty="0" smtClean="0">
-                <a:hlinkClick r:id="rId2"/>
-              </a:rPr>
-              <a:t>https</a:t>
-            </a:r>
-            <a:r>
-              <a:rPr lang="en-US" sz="1200" dirty="0">
-                <a:hlinkClick r:id="rId2"/>
-              </a:rPr>
-              <a:t>://slideplayer.com/slide/7720997</a:t>
-            </a:r>
-            <a:r>
-              <a:rPr lang="en-US" sz="1200" dirty="0" smtClean="0">
-                <a:hlinkClick r:id="rId2"/>
-              </a:rPr>
-              <a:t>/</a:t>
-            </a:r>
-            <a:r>
-              <a:rPr lang="en-US" sz="1200" dirty="0" smtClean="0"/>
-              <a:t>.</a:t>
-            </a:r>
-          </a:p>
-          <a:p>
-            <a:pPr marL="0" indent="0">
-              <a:buNone/>
-            </a:pPr>
-            <a:r>
-              <a:rPr lang="en-US" sz="1200" dirty="0" smtClean="0"/>
-              <a:t>Harrison</a:t>
-            </a:r>
-            <a:r>
-              <a:rPr lang="en-US" sz="1200" dirty="0"/>
-              <a:t>, Guy. “Eventual Consistency.” </a:t>
-            </a:r>
-            <a:r>
-              <a:rPr lang="en-US" sz="1200" i="1" dirty="0"/>
-              <a:t>Database Trends and Applications</a:t>
-            </a:r>
-            <a:r>
-              <a:rPr lang="en-US" sz="1200" dirty="0"/>
-              <a:t>, 7 Jan. 2011,</a:t>
-            </a:r>
-            <a:br>
-              <a:rPr lang="en-US" sz="1200" dirty="0"/>
-            </a:br>
-            <a:r>
-              <a:rPr lang="en-US" sz="1200" dirty="0"/>
-              <a:t>	</a:t>
-            </a:r>
-            <a:r>
-              <a:rPr lang="en-US" sz="1200" dirty="0">
-                <a:hlinkClick r:id="rId3"/>
-              </a:rPr>
-              <a:t>www.dbta.com/Columns/Applications-Insight/Eventual-Consistency-73004.aspx</a:t>
-            </a:r>
-            <a:r>
-              <a:rPr lang="en-US" sz="1200" dirty="0" smtClean="0"/>
-              <a:t>.</a:t>
-            </a:r>
-          </a:p>
-          <a:p>
-            <a:pPr marL="0" indent="0">
-              <a:buNone/>
-            </a:pPr>
-            <a:r>
-              <a:rPr lang="en-US" sz="1200" dirty="0" smtClean="0"/>
-              <a:t>---. "</a:t>
-            </a:r>
-            <a:r>
-              <a:rPr lang="en-US" sz="1200" dirty="0"/>
-              <a:t>Consistency Models." Next Generation Databases. </a:t>
-            </a:r>
-            <a:r>
-              <a:rPr lang="en-US" sz="1200" dirty="0" err="1"/>
-              <a:t>Apress</a:t>
-            </a:r>
-            <a:r>
-              <a:rPr lang="en-US" sz="1200" dirty="0"/>
-              <a:t>, Berkeley, CA, </a:t>
-            </a:r>
-            <a:r>
-              <a:rPr lang="en-US" sz="1200" dirty="0" smtClean="0"/>
-              <a:t>2015.</a:t>
-            </a:r>
-          </a:p>
-          <a:p>
-            <a:pPr marL="0" indent="0">
-              <a:buNone/>
-            </a:pPr>
-            <a:r>
-              <a:rPr lang="en-US" sz="1200" dirty="0"/>
-              <a:t>Springer, Wilfred. “Eventually Consistent.” LinkedIn </a:t>
-            </a:r>
-            <a:r>
-              <a:rPr lang="en-US" sz="1200" dirty="0" err="1"/>
-              <a:t>SlideShare</a:t>
-            </a:r>
-            <a:r>
-              <a:rPr lang="en-US" sz="1200" dirty="0"/>
-              <a:t>, 21 July 2010, </a:t>
-            </a:r>
-            <a:r>
-              <a:rPr lang="en-US" sz="1200" dirty="0" smtClean="0"/>
-              <a:t>www.slideshare.net/springerw/eventually-</a:t>
-            </a:r>
-            <a:br>
-              <a:rPr lang="en-US" sz="1200" dirty="0" smtClean="0"/>
-            </a:br>
-            <a:r>
-              <a:rPr lang="en-US" sz="1200" dirty="0" smtClean="0"/>
-              <a:t>	consistent</a:t>
-            </a:r>
-            <a:r>
-              <a:rPr lang="en-US" sz="1200" dirty="0"/>
-              <a:t>.</a:t>
-            </a:r>
-            <a:endParaRPr lang="en-US" sz="1200" dirty="0" smtClean="0"/>
-          </a:p>
-          <a:p>
-            <a:pPr marL="0" indent="0">
-              <a:buNone/>
-            </a:pPr>
-            <a:r>
-              <a:rPr lang="en-US" sz="1200" dirty="0" smtClean="0"/>
-              <a:t>Thant</a:t>
-            </a:r>
-            <a:r>
-              <a:rPr lang="en-US" sz="1200" dirty="0"/>
-              <a:t>, </a:t>
-            </a:r>
-            <a:r>
-              <a:rPr lang="en-US" sz="1200" dirty="0" err="1"/>
-              <a:t>Phyo</a:t>
-            </a:r>
-            <a:r>
-              <a:rPr lang="en-US" sz="1200" dirty="0"/>
-              <a:t> </a:t>
-            </a:r>
-            <a:r>
-              <a:rPr lang="en-US" sz="1200" dirty="0" err="1"/>
-              <a:t>Thandar</a:t>
-            </a:r>
-            <a:r>
-              <a:rPr lang="en-US" sz="1200" dirty="0"/>
-              <a:t>, and Thinn Thu </a:t>
-            </a:r>
-            <a:r>
-              <a:rPr lang="en-US" sz="1200" dirty="0" err="1"/>
-              <a:t>Naing</a:t>
-            </a:r>
-            <a:r>
-              <a:rPr lang="en-US" sz="1200" dirty="0"/>
-              <a:t>. "Improving the availability of NoSQL databases for Cloud Storage." </a:t>
-            </a:r>
-            <a:br>
-              <a:rPr lang="en-US" sz="1200" dirty="0"/>
-            </a:br>
-            <a:r>
-              <a:rPr lang="en-US" sz="1200" dirty="0"/>
-              <a:t>	Yangon: University of Computer Studies.</a:t>
-            </a:r>
-          </a:p>
-          <a:p>
-            <a:pPr marL="0" indent="0">
-              <a:buNone/>
-            </a:pPr>
-            <a:r>
-              <a:rPr lang="en-US" sz="1200" dirty="0" err="1" smtClean="0"/>
-              <a:t>Vanroose</a:t>
-            </a:r>
-            <a:r>
-              <a:rPr lang="en-US" sz="1200" dirty="0"/>
-              <a:t>, Peter, and GSE DB Belgium. "ACID or BASE?-the case of NoSQL</a:t>
-            </a:r>
-            <a:r>
-              <a:rPr lang="en-US" sz="1200" dirty="0" smtClean="0"/>
-              <a:t>.“</a:t>
-            </a:r>
-          </a:p>
-          <a:p>
-            <a:pPr marL="0" indent="0">
-              <a:buNone/>
-            </a:pPr>
-            <a:r>
-              <a:rPr lang="en-US" sz="1200" dirty="0" smtClean="0"/>
-              <a:t>Berkeley, Www2.Eecs.Berkeley.Edu</a:t>
-            </a:r>
-            <a:r>
-              <a:rPr lang="en-US" sz="1200" dirty="0"/>
-              <a:t>, 2019, https://www2.eecs.berkeley.edu/Pubs/TechRpts/2012/EECS-2012-4.pdf.</a:t>
-            </a:r>
-            <a:endParaRPr lang="en-US" sz="1200" dirty="0" smtClean="0"/>
-          </a:p>
-          <a:p>
-            <a:pPr marL="0" indent="0">
-              <a:buNone/>
-            </a:pPr>
-            <a:endParaRPr lang="en-US" sz="1200" dirty="0"/>
-          </a:p>
-        </p:txBody>
-      </p:sp>
-    </p:spTree>
-    <p:extLst>
-      <p:ext uri="{BB962C8B-B14F-4D97-AF65-F5344CB8AC3E}">
-        <p14:creationId xmlns:p14="http://schemas.microsoft.com/office/powerpoint/2010/main" val="3288187351"/>
-      </p:ext>
-    </p:extLst>
-  </p:cSld>
-  <p:clrMapOvr>
-    <a:masterClrMapping/>
-  </p:clrMapOvr>
-  <p:timing>
-    <p:tnLst>
-      <p:par>
-        <p:cTn id="1" dur="indefinite" restart="never" nodeType="tmRoot"/>
-      </p:par>
-    </p:tnLst>
-  </p:timing>
-</p:sld>
-</file>
-
 <file path=ppt/slides/slide2.xml><?xml version="1.0" encoding="utf-8"?>
-<p:sld xmlns:a="http://schemas.openxmlformats.org/drawingml/2006/main" xmlns:r="http://schemas.openxmlformats.org/officeDocument/2006/relationships" xmlns:p="http://schemas.openxmlformats.org/presentationml/2006/main">
-  <p:cSld>
-    <p:spTree>
-      <p:nvGrpSpPr>
-        <p:cNvPr id="1" name=""/>
-        <p:cNvGrpSpPr/>
-        <p:nvPr/>
-      </p:nvGrpSpPr>
-      <p:grpSpPr>
-        <a:xfrm>
-          <a:off x="0" y="0"/>
-          <a:ext cx="0" cy="0"/>
-          <a:chOff x="0" y="0"/>
-          <a:chExt cx="0" cy="0"/>
-        </a:xfrm>
-      </p:grpSpPr>
-      <p:sp>
-        <p:nvSpPr>
-          <p:cNvPr id="2" name="Title 1"/>
-          <p:cNvSpPr>
-            <a:spLocks noGrp="1"/>
-          </p:cNvSpPr>
-          <p:nvPr>
-            <p:ph type="title"/>
-          </p:nvPr>
-        </p:nvSpPr>
-        <p:spPr/>
-        <p:txBody>
-          <a:bodyPr/>
-          <a:lstStyle/>
-          <a:p>
-            <a:r>
-              <a:rPr lang="en-US" dirty="0" smtClean="0"/>
-              <a:t>CAP Theorem review</a:t>
-            </a:r>
-            <a:endParaRPr lang="en-US" dirty="0"/>
-          </a:p>
-        </p:txBody>
-      </p:sp>
-      <p:sp>
-        <p:nvSpPr>
-          <p:cNvPr id="3" name="Content Placeholder 2"/>
-          <p:cNvSpPr>
-            <a:spLocks noGrp="1"/>
-          </p:cNvSpPr>
-          <p:nvPr>
-            <p:ph idx="1"/>
-          </p:nvPr>
-        </p:nvSpPr>
-        <p:spPr/>
-        <p:txBody>
-          <a:bodyPr/>
-          <a:lstStyle/>
-          <a:p>
-            <a:r>
-              <a:rPr lang="en-US" dirty="0" smtClean="0"/>
-              <a:t>CAP</a:t>
-            </a:r>
-          </a:p>
-          <a:p>
-            <a:pPr marL="800100" lvl="1" indent="-342900">
-              <a:buFont typeface="+mj-lt"/>
-              <a:buAutoNum type="arabicPeriod"/>
-            </a:pPr>
-            <a:r>
-              <a:rPr lang="en-US" i="1" dirty="0" smtClean="0"/>
-              <a:t>Consistency</a:t>
-            </a:r>
-          </a:p>
-          <a:p>
-            <a:pPr marL="800100" lvl="1" indent="-342900">
-              <a:buFont typeface="+mj-lt"/>
-              <a:buAutoNum type="arabicPeriod"/>
-            </a:pPr>
-            <a:r>
-              <a:rPr lang="en-US" i="1" dirty="0" smtClean="0"/>
-              <a:t>Availability</a:t>
-            </a:r>
-          </a:p>
-          <a:p>
-            <a:pPr marL="800100" lvl="1" indent="-342900">
-              <a:buFont typeface="+mj-lt"/>
-              <a:buAutoNum type="arabicPeriod"/>
-            </a:pPr>
-            <a:r>
-              <a:rPr lang="en-US" i="1" dirty="0" smtClean="0"/>
-              <a:t>Partition Tolerance</a:t>
-            </a:r>
-          </a:p>
-          <a:p>
-            <a:r>
-              <a:rPr lang="en-US" dirty="0" smtClean="0"/>
-              <a:t>After Eric Brewer outlined the “CAP theorem” (where, at most, two of the three aforementioned database system pillars can be supported at any one time), we quickly realized that some compromise was needed.</a:t>
-            </a:r>
-          </a:p>
-          <a:p>
-            <a:r>
-              <a:rPr lang="en-US" dirty="0" smtClean="0"/>
-              <a:t>One of those compromises was noted “Eventual Consistency.” (</a:t>
-            </a:r>
-            <a:r>
-              <a:rPr lang="en-US" dirty="0" err="1" smtClean="0"/>
-              <a:t>ctd</a:t>
-            </a:r>
-            <a:r>
-              <a:rPr lang="en-US" dirty="0" smtClean="0"/>
-              <a:t>. in Thant)</a:t>
-            </a:r>
-            <a:endParaRPr lang="en-US" dirty="0"/>
-          </a:p>
-        </p:txBody>
-      </p:sp>
-    </p:spTree>
-    <p:extLst>
-      <p:ext uri="{BB962C8B-B14F-4D97-AF65-F5344CB8AC3E}">
-        <p14:creationId xmlns:p14="http://schemas.microsoft.com/office/powerpoint/2010/main" val="3427947398"/>
-      </p:ext>
-    </p:extLst>
-  </p:cSld>
-  <p:clrMapOvr>
-    <a:masterClrMapping/>
-  </p:clrMapOvr>
-  <mc:AlternateContent xmlns:mc="http://schemas.openxmlformats.org/markup-compatibility/2006">
-    <mc:Choice xmlns:p14="http://schemas.microsoft.com/office/powerpoint/2010/main" Requires="p14">
-      <p:transition spd="slow" p14:dur="2000"/>
-    </mc:Choice>
-    <mc:Fallback>
-      <p:transition spd="slow"/>
-    </mc:Fallback>
-  </mc:AlternateContent>
-  <p:timing>
-    <p:tnLst>
-      <p:par>
-        <p:cTn id="1" dur="indefinite" restart="never" nodeType="tmRoot"/>
-      </p:par>
-    </p:tnLst>
-  </p:timing>
-</p:sld>
-</file>
-
-<file path=ppt/slides/slide3.xml><?xml version="1.0" encoding="utf-8"?>
-<p:sld xmlns:a="http://schemas.openxmlformats.org/drawingml/2006/main" xmlns:r="http://schemas.openxmlformats.org/officeDocument/2006/relationships" xmlns:p="http://schemas.openxmlformats.org/presentationml/2006/main">
-  <p:cSld>
-    <p:spTree>
-      <p:nvGrpSpPr>
-        <p:cNvPr id="1" name=""/>
-        <p:cNvGrpSpPr/>
-        <p:nvPr/>
-      </p:nvGrpSpPr>
-      <p:grpSpPr>
-        <a:xfrm>
-          <a:off x="0" y="0"/>
-          <a:ext cx="0" cy="0"/>
-          <a:chOff x="0" y="0"/>
-          <a:chExt cx="0" cy="0"/>
-        </a:xfrm>
-      </p:grpSpPr>
-      <p:sp>
-        <p:nvSpPr>
-          <p:cNvPr id="2" name="Title 1"/>
-          <p:cNvSpPr>
-            <a:spLocks noGrp="1"/>
-          </p:cNvSpPr>
-          <p:nvPr>
-            <p:ph type="title"/>
-          </p:nvPr>
-        </p:nvSpPr>
-        <p:spPr/>
-        <p:txBody>
-          <a:bodyPr/>
-          <a:lstStyle/>
-          <a:p>
-            <a:r>
-              <a:rPr lang="en-US" dirty="0" smtClean="0"/>
-              <a:t>Consistencies</a:t>
-            </a:r>
-            <a:endParaRPr lang="en-US" dirty="0"/>
-          </a:p>
-        </p:txBody>
-      </p:sp>
-      <p:sp>
-        <p:nvSpPr>
-          <p:cNvPr id="3" name="Content Placeholder 2"/>
-          <p:cNvSpPr>
-            <a:spLocks noGrp="1"/>
-          </p:cNvSpPr>
-          <p:nvPr>
-            <p:ph idx="1"/>
-          </p:nvPr>
-        </p:nvSpPr>
-        <p:spPr/>
-        <p:txBody>
-          <a:bodyPr/>
-          <a:lstStyle/>
-          <a:p>
-            <a:pPr marL="342900" lvl="1" indent="-342900"/>
-            <a:r>
-              <a:rPr lang="en-US" dirty="0" smtClean="0"/>
-              <a:t>There are many types of consistencies </a:t>
-            </a:r>
-            <a:r>
-              <a:rPr lang="en-US" dirty="0"/>
-              <a:t>(</a:t>
-            </a:r>
-            <a:r>
-              <a:rPr lang="en-US" dirty="0" err="1"/>
-              <a:t>ctd</a:t>
-            </a:r>
-            <a:r>
-              <a:rPr lang="en-US" dirty="0"/>
-              <a:t>. in Springer</a:t>
-            </a:r>
-            <a:r>
-              <a:rPr lang="en-US" dirty="0" smtClean="0"/>
-              <a:t>):</a:t>
-            </a:r>
-            <a:endParaRPr lang="en-US" dirty="0"/>
-          </a:p>
-          <a:p>
-            <a:pPr marL="742950" lvl="2" indent="-342900">
-              <a:buFont typeface="Wingdings" panose="05000000000000000000" pitchFamily="2" charset="2"/>
-              <a:buChar char="v"/>
-            </a:pPr>
-            <a:r>
-              <a:rPr lang="en-US" dirty="0" smtClean="0"/>
-              <a:t>Strong Consistency: After the update, any subsequent accesses will return the updated value.</a:t>
-            </a:r>
-          </a:p>
-          <a:p>
-            <a:pPr marL="742950" lvl="2" indent="-342900">
-              <a:buFont typeface="Wingdings" panose="05000000000000000000" pitchFamily="2" charset="2"/>
-              <a:buChar char="v"/>
-            </a:pPr>
-            <a:r>
-              <a:rPr lang="en-US" dirty="0" smtClean="0"/>
-              <a:t>Weak Consistency: The system does not guarantee that at any given point in the future subsequent access will return the updated value.</a:t>
-            </a:r>
-          </a:p>
-          <a:p>
-            <a:pPr marL="742950" lvl="2" indent="-342900">
-              <a:buFont typeface="Wingdings" panose="05000000000000000000" pitchFamily="2" charset="2"/>
-              <a:buChar char="v"/>
-            </a:pPr>
-            <a:r>
-              <a:rPr lang="en-US" dirty="0" smtClean="0"/>
-              <a:t>Eventual Consistency: If </a:t>
-            </a:r>
-            <a:r>
-              <a:rPr lang="en-US" u="sng" dirty="0" smtClean="0"/>
-              <a:t>NO UPDATES</a:t>
-            </a:r>
-            <a:r>
-              <a:rPr lang="en-US" dirty="0" smtClean="0"/>
-              <a:t> are made to the objet, eventually all accesses will return the last updated value.</a:t>
-            </a:r>
-          </a:p>
-          <a:p>
-            <a:pPr marL="742950" lvl="2" indent="-342900">
-              <a:buFont typeface="Wingdings" panose="05000000000000000000" pitchFamily="2" charset="2"/>
-              <a:buChar char="v"/>
-            </a:pPr>
-            <a:r>
-              <a:rPr lang="en-US" dirty="0" smtClean="0"/>
-              <a:t>There are also these, but we’ll not go any deeper than this: Casual, Read-Your-Writes, Session, Monotonic Read/Write, Eventual RDBMS consistencies. </a:t>
-            </a:r>
-            <a:endParaRPr lang="en-US" dirty="0"/>
-          </a:p>
-        </p:txBody>
-      </p:sp>
-    </p:spTree>
-    <p:extLst>
-      <p:ext uri="{BB962C8B-B14F-4D97-AF65-F5344CB8AC3E}">
-        <p14:creationId xmlns:p14="http://schemas.microsoft.com/office/powerpoint/2010/main" val="236508873"/>
-      </p:ext>
-    </p:extLst>
-  </p:cSld>
-  <p:clrMapOvr>
-    <a:masterClrMapping/>
-  </p:clrMapOvr>
-  <mc:AlternateContent xmlns:mc="http://schemas.openxmlformats.org/markup-compatibility/2006">
-    <mc:Choice xmlns:p14="http://schemas.microsoft.com/office/powerpoint/2010/main" Requires="p14">
-      <p:transition spd="slow" p14:dur="2000"/>
-    </mc:Choice>
-    <mc:Fallback>
-      <p:transition spd="slow"/>
-    </mc:Fallback>
-  </mc:AlternateContent>
-  <p:timing>
-    <p:tnLst>
-      <p:par>
-        <p:cTn id="1" dur="indefinite" restart="never" nodeType="tmRoot"/>
-      </p:par>
-    </p:tnLst>
-  </p:timing>
-</p:sld>
-</file>
-
-<file path=ppt/slides/slide4.xml><?xml version="1.0" encoding="utf-8"?>
 <p:sld xmlns:a="http://schemas.openxmlformats.org/drawingml/2006/main" xmlns:r="http://schemas.openxmlformats.org/officeDocument/2006/relationships" xmlns:p="http://schemas.openxmlformats.org/presentationml/2006/main">
   <p:cSld>
     <p:spTree>
@@ -7695,7 +6381,7 @@
 </p:sld>
 </file>
 
-<file path=ppt/slides/slide5.xml><?xml version="1.0" encoding="utf-8"?>
+<file path=ppt/slides/slide3.xml><?xml version="1.0" encoding="utf-8"?>
 <p:sld xmlns:a="http://schemas.openxmlformats.org/drawingml/2006/main" xmlns:r="http://schemas.openxmlformats.org/officeDocument/2006/relationships" xmlns:p="http://schemas.openxmlformats.org/presentationml/2006/main">
   <p:cSld>
     <p:spTree>
@@ -8111,7 +6797,7 @@
 </p:sld>
 </file>
 
-<file path=ppt/slides/slide6.xml><?xml version="1.0" encoding="utf-8"?>
+<file path=ppt/slides/slide4.xml><?xml version="1.0" encoding="utf-8"?>
 <p:sld xmlns:a="http://schemas.openxmlformats.org/drawingml/2006/main" xmlns:r="http://schemas.openxmlformats.org/officeDocument/2006/relationships" xmlns:p="http://schemas.openxmlformats.org/presentationml/2006/main">
   <p:cSld>
     <p:spTree>
@@ -8140,7 +6826,7 @@
         </p:nvSpPr>
         <p:spPr>
           <a:xfrm>
-            <a:off x="1208088" y="4865062"/>
+            <a:off x="1208088" y="4357062"/>
             <a:ext cx="9404723" cy="1400530"/>
           </a:xfrm>
         </p:spPr>
@@ -8150,8 +6836,40 @@
           <a:p>
             <a:r>
               <a:rPr lang="en-US" sz="2000" dirty="0" smtClean="0"/>
-              <a:t>When W = 3, R = 2 and N = 4 our outcome is: 3 + 2 = 5 and 5 &gt; 4 so it is a STRONG CONSISTENCY.</a:t>
-            </a:r>
+              <a:t>When W = 3, R = 2 and N = 4 our outcome is: 3 + 2 = 5 and 5 &gt; 4 so it is a STRONG CONSISTENCY</a:t>
+            </a:r>
+            <a:r>
+              <a:rPr lang="en-US" sz="2000" dirty="0" smtClean="0"/>
+              <a:t>.</a:t>
+            </a:r>
+            <a:r>
+              <a:rPr lang="en-US" sz="2000" dirty="0"/>
+              <a:t/>
+            </a:r>
+            <a:br>
+              <a:rPr lang="en-US" sz="2000" dirty="0"/>
+            </a:br>
+            <a:r>
+              <a:rPr lang="en-US" sz="2000" dirty="0" smtClean="0"/>
+              <a:t/>
+            </a:r>
+            <a:br>
+              <a:rPr lang="en-US" sz="2000" dirty="0" smtClean="0"/>
+            </a:br>
+            <a:r>
+              <a:rPr lang="en-US" sz="2000" dirty="0"/>
+              <a:t>The latency of read or write is dictated by the slowest of the R or W replicas. This is why R and W are usually configured to be less than N, to provide better latency (ctd. in “Dynamo: Amazon”).</a:t>
+            </a:r>
+            <a:br>
+              <a:rPr lang="en-US" sz="2000" dirty="0"/>
+            </a:br>
+            <a:r>
+              <a:rPr lang="en-US" sz="2000" dirty="0"/>
+              <a:t>	Typical Values of (NRW) for Amazon Apps are (3, 2, 2)</a:t>
+            </a:r>
+            <a:br>
+              <a:rPr lang="en-US" sz="2000" dirty="0"/>
+            </a:br>
             <a:endParaRPr lang="en-US" sz="2000" dirty="0"/>
           </a:p>
         </p:txBody>
@@ -8523,6 +7241,247 @@
 </p:sld>
 </file>
 
+<file path=ppt/slides/slide5.xml><?xml version="1.0" encoding="utf-8"?>
+<p:sld xmlns:a="http://schemas.openxmlformats.org/drawingml/2006/main" xmlns:r="http://schemas.openxmlformats.org/officeDocument/2006/relationships" xmlns:p="http://schemas.openxmlformats.org/presentationml/2006/main">
+  <p:cSld>
+    <p:spTree>
+      <p:nvGrpSpPr>
+        <p:cNvPr id="1" name=""/>
+        <p:cNvGrpSpPr/>
+        <p:nvPr/>
+      </p:nvGrpSpPr>
+      <p:grpSpPr>
+        <a:xfrm>
+          <a:off x="0" y="0"/>
+          <a:ext cx="0" cy="0"/>
+          <a:chOff x="0" y="0"/>
+          <a:chExt cx="0" cy="0"/>
+        </a:xfrm>
+      </p:grpSpPr>
+      <p:sp>
+        <p:nvSpPr>
+          <p:cNvPr id="2" name="Title 1"/>
+          <p:cNvSpPr>
+            <a:spLocks noGrp="1"/>
+          </p:cNvSpPr>
+          <p:nvPr>
+            <p:ph type="title"/>
+          </p:nvPr>
+        </p:nvSpPr>
+        <p:spPr/>
+        <p:txBody>
+          <a:bodyPr/>
+          <a:lstStyle/>
+          <a:p>
+            <a:r>
+              <a:rPr lang="en-US" dirty="0" smtClean="0"/>
+              <a:t>DynamoDB: Amazon’s Highly Available Key-value Store</a:t>
+            </a:r>
+            <a:endParaRPr lang="en-US" dirty="0"/>
+          </a:p>
+        </p:txBody>
+      </p:sp>
+      <p:sp>
+        <p:nvSpPr>
+          <p:cNvPr id="3" name="Content Placeholder 2"/>
+          <p:cNvSpPr>
+            <a:spLocks noGrp="1"/>
+          </p:cNvSpPr>
+          <p:nvPr>
+            <p:ph idx="1"/>
+          </p:nvPr>
+        </p:nvSpPr>
+        <p:spPr/>
+        <p:txBody>
+          <a:bodyPr/>
+          <a:lstStyle/>
+          <a:p>
+            <a:r>
+              <a:rPr lang="en-US" dirty="0" smtClean="0"/>
+              <a:t>One problem DynamoDB, a NoSQL database service, has is partitioning. Their solution was to do “Consistent Hashing,” which resulted in incremental scalability. </a:t>
+            </a:r>
+            <a:endParaRPr lang="en-US" dirty="0"/>
+          </a:p>
+          <a:p>
+            <a:r>
+              <a:rPr lang="en-US" dirty="0" smtClean="0"/>
+              <a:t>There are many good tools out there that can simulate the NRW patterns, i.e. </a:t>
+            </a:r>
+            <a:r>
+              <a:rPr lang="en-US" i="1" dirty="0" smtClean="0"/>
+              <a:t>Simizer</a:t>
+            </a:r>
+            <a:r>
+              <a:rPr lang="en-US" dirty="0" smtClean="0"/>
+              <a:t>, </a:t>
+            </a:r>
+            <a:r>
+              <a:rPr lang="en-US" i="1" dirty="0" smtClean="0"/>
+              <a:t>CloudSim,</a:t>
+            </a:r>
+            <a:r>
+              <a:rPr lang="en-US" dirty="0" smtClean="0"/>
+              <a:t> </a:t>
+            </a:r>
+            <a:r>
+              <a:rPr lang="en-US" i="1" dirty="0" smtClean="0"/>
+              <a:t>SimGRID</a:t>
+            </a:r>
+            <a:r>
+              <a:rPr lang="en-US" dirty="0" smtClean="0"/>
+              <a:t>, and </a:t>
+            </a:r>
+            <a:r>
+              <a:rPr lang="en-US" i="1" dirty="0" smtClean="0"/>
+              <a:t>OptorSim</a:t>
+            </a:r>
+            <a:r>
+              <a:rPr lang="en-US" dirty="0" smtClean="0"/>
+              <a:t>. </a:t>
+            </a:r>
+          </a:p>
+          <a:p>
+            <a:endParaRPr lang="en-US" dirty="0"/>
+          </a:p>
+        </p:txBody>
+      </p:sp>
+    </p:spTree>
+    <p:extLst>
+      <p:ext uri="{BB962C8B-B14F-4D97-AF65-F5344CB8AC3E}">
+        <p14:creationId xmlns:p14="http://schemas.microsoft.com/office/powerpoint/2010/main" val="3446903"/>
+      </p:ext>
+    </p:extLst>
+  </p:cSld>
+  <p:clrMapOvr>
+    <a:masterClrMapping/>
+  </p:clrMapOvr>
+  <p:timing>
+    <p:tnLst>
+      <p:par>
+        <p:cTn id="1" dur="indefinite" restart="never" nodeType="tmRoot"/>
+      </p:par>
+    </p:tnLst>
+  </p:timing>
+</p:sld>
+</file>
+
+<file path=ppt/slides/slide6.xml><?xml version="1.0" encoding="utf-8"?>
+<p:sld xmlns:a="http://schemas.openxmlformats.org/drawingml/2006/main" xmlns:r="http://schemas.openxmlformats.org/officeDocument/2006/relationships" xmlns:p="http://schemas.openxmlformats.org/presentationml/2006/main">
+  <p:cSld>
+    <p:spTree>
+      <p:nvGrpSpPr>
+        <p:cNvPr id="1" name=""/>
+        <p:cNvGrpSpPr/>
+        <p:nvPr/>
+      </p:nvGrpSpPr>
+      <p:grpSpPr>
+        <a:xfrm>
+          <a:off x="0" y="0"/>
+          <a:ext cx="0" cy="0"/>
+          <a:chOff x="0" y="0"/>
+          <a:chExt cx="0" cy="0"/>
+        </a:xfrm>
+      </p:grpSpPr>
+      <p:sp>
+        <p:nvSpPr>
+          <p:cNvPr id="2" name="Title 1"/>
+          <p:cNvSpPr>
+            <a:spLocks noGrp="1"/>
+          </p:cNvSpPr>
+          <p:nvPr>
+            <p:ph type="title"/>
+          </p:nvPr>
+        </p:nvSpPr>
+        <p:spPr>
+          <a:xfrm>
+            <a:off x="1395411" y="3716618"/>
+            <a:ext cx="9404723" cy="1400530"/>
+          </a:xfrm>
+        </p:spPr>
+        <p:txBody>
+          <a:bodyPr/>
+          <a:lstStyle/>
+          <a:p>
+            <a:r>
+              <a:rPr lang="en-US" sz="2000" dirty="0"/>
+              <a:t>This here is a diagram of control flow for client write to Dynamo-style quorum. </a:t>
+            </a:r>
+            <a:br>
+              <a:rPr lang="en-US" sz="2000" dirty="0"/>
+            </a:br>
+            <a:r>
+              <a:rPr lang="en-US" sz="2000" dirty="0"/>
+              <a:t/>
+            </a:r>
+            <a:br>
+              <a:rPr lang="en-US" sz="2000" dirty="0"/>
+            </a:br>
+            <a:r>
+              <a:rPr lang="en-US" sz="2000" dirty="0"/>
+              <a:t>Where N = 3 and W = 2. A coordinator node handles the client write and sends it to all N replicas. The Write call returns after the coordinator </a:t>
+            </a:r>
+            <a:r>
+              <a:rPr lang="en-US" sz="2000" dirty="0" smtClean="0"/>
+              <a:t>receives </a:t>
+            </a:r>
+            <a:r>
+              <a:rPr lang="en-US" sz="2000" dirty="0"/>
+              <a:t>W acknowledgements. </a:t>
+            </a:r>
+            <a:endParaRPr lang="en-US" sz="2000" dirty="0"/>
+          </a:p>
+        </p:txBody>
+      </p:sp>
+      <p:pic>
+        <p:nvPicPr>
+          <p:cNvPr id="5" name="Picture 4"/>
+          <p:cNvPicPr>
+            <a:picLocks noChangeAspect="1"/>
+          </p:cNvPicPr>
+          <p:nvPr/>
+        </p:nvPicPr>
+        <p:blipFill>
+          <a:blip r:embed="rId2" cstate="print">
+            <a:extLst>
+              <a:ext uri="{28A0092B-C50C-407E-A947-70E740481C1C}">
+                <a14:useLocalDpi xmlns:a14="http://schemas.microsoft.com/office/drawing/2010/main" val="0"/>
+              </a:ext>
+            </a:extLst>
+          </a:blip>
+          <a:stretch>
+            <a:fillRect/>
+          </a:stretch>
+        </p:blipFill>
+        <p:spPr>
+          <a:xfrm>
+            <a:off x="2148616" y="0"/>
+            <a:ext cx="6614467" cy="3759199"/>
+          </a:xfrm>
+          <a:prstGeom prst="rect">
+            <a:avLst/>
+          </a:prstGeom>
+        </p:spPr>
+      </p:pic>
+    </p:spTree>
+    <p:extLst>
+      <p:ext uri="{BB962C8B-B14F-4D97-AF65-F5344CB8AC3E}">
+        <p14:creationId xmlns:p14="http://schemas.microsoft.com/office/powerpoint/2010/main" val="4133866526"/>
+      </p:ext>
+    </p:extLst>
+  </p:cSld>
+  <p:clrMapOvr>
+    <a:masterClrMapping/>
+  </p:clrMapOvr>
+  <p:timing>
+    <p:tnLst>
+      <p:par>
+        <p:cTn id="1" dur="indefinite" restart="never" nodeType="tmRoot"/>
+      </p:par>
+    </p:tnLst>
+  </p:timing>
+</p:sld>
+</file>
+
 <file path=ppt/slides/slide7.xml><?xml version="1.0" encoding="utf-8"?>
 <p:sld xmlns:a="http://schemas.openxmlformats.org/drawingml/2006/main" xmlns:r="http://schemas.openxmlformats.org/officeDocument/2006/relationships" xmlns:p="http://schemas.openxmlformats.org/presentationml/2006/main">
   <p:cSld>
@@ -8550,10 +7509,33 @@
             <p:ph type="title"/>
           </p:nvPr>
         </p:nvSpPr>
+        <p:spPr/>
+        <p:txBody>
+          <a:bodyPr/>
+          <a:lstStyle/>
+          <a:p>
+            <a:r>
+              <a:rPr lang="en-US" dirty="0" smtClean="0"/>
+              <a:t>Some other configurations</a:t>
+            </a:r>
+            <a:endParaRPr lang="en-US" dirty="0"/>
+          </a:p>
+        </p:txBody>
+      </p:sp>
+      <p:sp>
+        <p:nvSpPr>
+          <p:cNvPr id="3" name="Content Placeholder 2"/>
+          <p:cNvSpPr>
+            <a:spLocks noGrp="1"/>
+          </p:cNvSpPr>
+          <p:nvPr>
+            <p:ph idx="1"/>
+          </p:nvPr>
+        </p:nvSpPr>
         <p:spPr>
           <a:xfrm>
-            <a:off x="1208088" y="4865062"/>
-            <a:ext cx="9404723" cy="1400530"/>
+            <a:off x="646111" y="1853248"/>
+            <a:ext cx="10669588" cy="4195481"/>
           </a:xfrm>
         </p:spPr>
         <p:txBody>
@@ -8561,374 +7543,73 @@
           <a:lstStyle/>
           <a:p>
             <a:r>
-              <a:rPr lang="en-US" sz="2000" dirty="0" smtClean="0"/>
-              <a:t>When W = 3, R = 2 and N = 4 our outcome is: 3 + 2 = 5 and 5 &gt; 4 so it is a STRONG CONSISTENCY.</a:t>
-            </a:r>
-            <a:br>
-              <a:rPr lang="en-US" sz="2000" dirty="0" smtClean="0"/>
-            </a:br>
-            <a:r>
-              <a:rPr lang="en-US" sz="2000" dirty="0" smtClean="0"/>
-              <a:t/>
-            </a:r>
-            <a:br>
-              <a:rPr lang="en-US" sz="2000" dirty="0" smtClean="0"/>
-            </a:br>
-            <a:r>
-              <a:rPr lang="en-US" sz="2000" dirty="0" smtClean="0"/>
-              <a:t>Let W = 7, R = 1 and N = 7; what’s the outcome? </a:t>
-            </a:r>
-            <a:endParaRPr lang="en-US" sz="2000" dirty="0"/>
-          </a:p>
-        </p:txBody>
-      </p:sp>
-      <p:graphicFrame>
-        <p:nvGraphicFramePr>
-          <p:cNvPr id="5" name="Content Placeholder 4"/>
-          <p:cNvGraphicFramePr>
-            <a:graphicFrameLocks/>
-          </p:cNvGraphicFramePr>
-          <p:nvPr>
-            <p:extLst/>
-          </p:nvPr>
-        </p:nvGraphicFramePr>
-        <p:xfrm>
-          <a:off x="1208088" y="1726292"/>
-          <a:ext cx="9802814" cy="2382840"/>
-        </p:xfrm>
-        <a:graphic>
-          <a:graphicData uri="http://schemas.openxmlformats.org/drawingml/2006/table">
-            <a:tbl>
-              <a:tblPr firstRow="1" bandRow="1">
-                <a:tableStyleId>{775DCB02-9BB8-47FD-8907-85C794F793BA}</a:tableStyleId>
-              </a:tblPr>
-              <a:tblGrid>
-                <a:gridCol w="4901407">
-                  <a:extLst>
-                    <a:ext uri="{9D8B030D-6E8A-4147-A177-3AD203B41FA5}">
-                      <a16:colId xmlns:a16="http://schemas.microsoft.com/office/drawing/2014/main" val="3734456281"/>
-                    </a:ext>
-                  </a:extLst>
-                </a:gridCol>
-                <a:gridCol w="4901407">
-                  <a:extLst>
-                    <a:ext uri="{9D8B030D-6E8A-4147-A177-3AD203B41FA5}">
-                      <a16:colId xmlns:a16="http://schemas.microsoft.com/office/drawing/2014/main" val="1935269608"/>
-                    </a:ext>
-                  </a:extLst>
-                </a:gridCol>
-              </a:tblGrid>
-              <a:tr h="476568">
-                <a:tc>
-                  <a:txBody>
-                    <a:bodyPr/>
-                    <a:lstStyle/>
-                    <a:p>
-                      <a:pPr algn="ctr"/>
-                      <a:r>
-                        <a:rPr lang="en-US" dirty="0" smtClean="0"/>
-                        <a:t>NRW Configuration</a:t>
-                      </a:r>
-                      <a:endParaRPr lang="en-US" dirty="0"/>
-                    </a:p>
-                  </a:txBody>
-                  <a:tcPr/>
-                </a:tc>
-                <a:tc>
-                  <a:txBody>
-                    <a:bodyPr/>
-                    <a:lstStyle/>
-                    <a:p>
-                      <a:pPr algn="ctr"/>
-                      <a:r>
-                        <a:rPr lang="en-US" dirty="0" smtClean="0"/>
-                        <a:t>Outcome</a:t>
-                      </a:r>
-                      <a:endParaRPr lang="en-US" dirty="0"/>
-                    </a:p>
-                  </a:txBody>
-                  <a:tcPr/>
-                </a:tc>
-                <a:extLst>
-                  <a:ext uri="{0D108BD9-81ED-4DB2-BD59-A6C34878D82A}">
-                    <a16:rowId xmlns:a16="http://schemas.microsoft.com/office/drawing/2014/main" val="685672887"/>
-                  </a:ext>
-                </a:extLst>
-              </a:tr>
-              <a:tr h="476568">
-                <a:tc>
-                  <a:txBody>
-                    <a:bodyPr/>
-                    <a:lstStyle/>
-                    <a:p>
-                      <a:pPr algn="ctr"/>
-                      <a:r>
-                        <a:rPr lang="en-US" dirty="0" smtClean="0"/>
-                        <a:t>(</a:t>
-                      </a:r>
-                      <a:r>
-                        <a:rPr lang="en-US" baseline="0" dirty="0" smtClean="0"/>
-                        <a:t> W = N ) &amp; ( R = 1 )</a:t>
-                      </a:r>
-                      <a:endParaRPr lang="en-US" dirty="0"/>
-                    </a:p>
-                  </a:txBody>
-                  <a:tcPr/>
-                </a:tc>
-                <a:tc>
-                  <a:txBody>
-                    <a:bodyPr/>
-                    <a:lstStyle/>
-                    <a:p>
-                      <a:pPr algn="l"/>
-                      <a:r>
-                        <a:rPr lang="en-US" dirty="0" smtClean="0"/>
-                        <a:t>Read optimized strong consistency</a:t>
-                      </a:r>
-                      <a:endParaRPr lang="en-US" dirty="0"/>
-                    </a:p>
-                  </a:txBody>
-                  <a:tcPr/>
-                </a:tc>
-                <a:extLst>
-                  <a:ext uri="{0D108BD9-81ED-4DB2-BD59-A6C34878D82A}">
-                    <a16:rowId xmlns:a16="http://schemas.microsoft.com/office/drawing/2014/main" val="563112223"/>
-                  </a:ext>
-                </a:extLst>
-              </a:tr>
-              <a:tr h="476568">
-                <a:tc>
-                  <a:txBody>
-                    <a:bodyPr/>
-                    <a:lstStyle/>
-                    <a:p>
-                      <a:pPr algn="ctr"/>
-                      <a:r>
-                        <a:rPr lang="en-US" dirty="0" smtClean="0"/>
-                        <a:t>( W = 1 ) &amp; (</a:t>
-                      </a:r>
-                      <a:r>
-                        <a:rPr lang="en-US" baseline="0" dirty="0" smtClean="0"/>
-                        <a:t> R = N )</a:t>
-                      </a:r>
-                      <a:endParaRPr lang="en-US" dirty="0"/>
-                    </a:p>
-                  </a:txBody>
-                  <a:tcPr/>
-                </a:tc>
-                <a:tc>
-                  <a:txBody>
-                    <a:bodyPr/>
-                    <a:lstStyle/>
-                    <a:p>
-                      <a:pPr algn="l"/>
-                      <a:r>
-                        <a:rPr lang="en-US" dirty="0" smtClean="0"/>
-                        <a:t>Write optimized strong consistency</a:t>
-                      </a:r>
-                      <a:endParaRPr lang="en-US" dirty="0"/>
-                    </a:p>
-                  </a:txBody>
-                  <a:tcPr/>
-                </a:tc>
-                <a:extLst>
-                  <a:ext uri="{0D108BD9-81ED-4DB2-BD59-A6C34878D82A}">
-                    <a16:rowId xmlns:a16="http://schemas.microsoft.com/office/drawing/2014/main" val="1092152895"/>
-                  </a:ext>
-                </a:extLst>
-              </a:tr>
-              <a:tr h="476568">
-                <a:tc>
-                  <a:txBody>
-                    <a:bodyPr/>
-                    <a:lstStyle/>
-                    <a:p>
-                      <a:pPr algn="ctr"/>
-                      <a:r>
-                        <a:rPr lang="en-US" dirty="0" smtClean="0"/>
-                        <a:t>(</a:t>
-                      </a:r>
-                      <a:r>
-                        <a:rPr lang="en-US" baseline="0" dirty="0" smtClean="0"/>
-                        <a:t> W + R ) &lt;= N</a:t>
-                      </a:r>
-                      <a:endParaRPr lang="en-US" dirty="0"/>
-                    </a:p>
-                  </a:txBody>
-                  <a:tcPr/>
-                </a:tc>
-                <a:tc>
-                  <a:txBody>
-                    <a:bodyPr/>
-                    <a:lstStyle/>
-                    <a:p>
-                      <a:pPr algn="l"/>
-                      <a:r>
-                        <a:rPr lang="en-US" dirty="0" smtClean="0"/>
-                        <a:t>Weak eventual consistency</a:t>
-                      </a:r>
-                      <a:endParaRPr lang="en-US" dirty="0"/>
-                    </a:p>
-                  </a:txBody>
-                  <a:tcPr/>
-                </a:tc>
-                <a:extLst>
-                  <a:ext uri="{0D108BD9-81ED-4DB2-BD59-A6C34878D82A}">
-                    <a16:rowId xmlns:a16="http://schemas.microsoft.com/office/drawing/2014/main" val="2292941581"/>
-                  </a:ext>
-                </a:extLst>
-              </a:tr>
-              <a:tr h="476568">
-                <a:tc>
-                  <a:txBody>
-                    <a:bodyPr/>
-                    <a:lstStyle/>
-                    <a:p>
-                      <a:pPr algn="ctr"/>
-                      <a:r>
-                        <a:rPr lang="en-US" dirty="0" smtClean="0"/>
-                        <a:t>( W + R</a:t>
-                      </a:r>
-                      <a:r>
-                        <a:rPr lang="en-US" baseline="0" dirty="0" smtClean="0"/>
-                        <a:t> ) &gt; N</a:t>
-                      </a:r>
-                      <a:endParaRPr lang="en-US" dirty="0"/>
-                    </a:p>
-                  </a:txBody>
-                  <a:tcPr/>
-                </a:tc>
-                <a:tc>
-                  <a:txBody>
-                    <a:bodyPr/>
-                    <a:lstStyle/>
-                    <a:p>
-                      <a:pPr algn="l"/>
-                      <a:r>
-                        <a:rPr lang="en-US" dirty="0" smtClean="0"/>
-                        <a:t>Strong consistency though quorum</a:t>
-                      </a:r>
-                      <a:endParaRPr lang="en-US" dirty="0"/>
-                    </a:p>
-                  </a:txBody>
-                  <a:tcPr/>
-                </a:tc>
-                <a:extLst>
-                  <a:ext uri="{0D108BD9-81ED-4DB2-BD59-A6C34878D82A}">
-                    <a16:rowId xmlns:a16="http://schemas.microsoft.com/office/drawing/2014/main" val="1228862889"/>
-                  </a:ext>
-                </a:extLst>
-              </a:tr>
-            </a:tbl>
-          </a:graphicData>
-        </a:graphic>
-      </p:graphicFrame>
-      <p:sp>
-        <p:nvSpPr>
-          <p:cNvPr id="6" name="Title 1"/>
-          <p:cNvSpPr txBox="1">
-            <a:spLocks/>
-          </p:cNvSpPr>
-          <p:nvPr/>
-        </p:nvSpPr>
-        <p:spPr>
-          <a:xfrm>
-            <a:off x="798511" y="605118"/>
-            <a:ext cx="9404723" cy="1400530"/>
-          </a:xfrm>
-          <a:prstGeom prst="rect">
-            <a:avLst/>
-          </a:prstGeom>
-        </p:spPr>
-        <p:txBody>
-          <a:bodyPr vert="horz" lIns="91440" tIns="45720" rIns="91440" bIns="45720" rtlCol="0" anchor="t">
-            <a:noAutofit/>
-          </a:bodyPr>
-          <a:lstStyle>
-            <a:lvl1pPr algn="l" defTabSz="457200" rtl="0" eaLnBrk="1" latinLnBrk="0" hangingPunct="1">
-              <a:spcBef>
-                <a:spcPct val="0"/>
-              </a:spcBef>
-              <a:buNone/>
-              <a:defRPr sz="4200" b="0" i="0" kern="1200">
-                <a:solidFill>
-                  <a:schemeClr val="tx2"/>
-                </a:solidFill>
-                <a:latin typeface="+mj-lt"/>
-                <a:ea typeface="+mj-ea"/>
-                <a:cs typeface="+mj-cs"/>
-              </a:defRPr>
-            </a:lvl1pPr>
-            <a:lvl2pPr eaLnBrk="1" hangingPunct="1">
-              <a:defRPr>
-                <a:solidFill>
-                  <a:schemeClr val="tx2"/>
-                </a:solidFill>
-              </a:defRPr>
-            </a:lvl2pPr>
-            <a:lvl3pPr eaLnBrk="1" hangingPunct="1">
-              <a:defRPr>
-                <a:solidFill>
-                  <a:schemeClr val="tx2"/>
-                </a:solidFill>
-              </a:defRPr>
-            </a:lvl3pPr>
-            <a:lvl4pPr eaLnBrk="1" hangingPunct="1">
-              <a:defRPr>
-                <a:solidFill>
-                  <a:schemeClr val="tx2"/>
-                </a:solidFill>
-              </a:defRPr>
-            </a:lvl4pPr>
-            <a:lvl5pPr eaLnBrk="1" hangingPunct="1">
-              <a:defRPr>
-                <a:solidFill>
-                  <a:schemeClr val="tx2"/>
-                </a:solidFill>
-              </a:defRPr>
-            </a:lvl5pPr>
-            <a:lvl6pPr eaLnBrk="1" hangingPunct="1">
-              <a:defRPr>
-                <a:solidFill>
-                  <a:schemeClr val="tx2"/>
-                </a:solidFill>
-              </a:defRPr>
-            </a:lvl6pPr>
-            <a:lvl7pPr eaLnBrk="1" hangingPunct="1">
-              <a:defRPr>
-                <a:solidFill>
-                  <a:schemeClr val="tx2"/>
-                </a:solidFill>
-              </a:defRPr>
-            </a:lvl7pPr>
-            <a:lvl8pPr eaLnBrk="1" hangingPunct="1">
-              <a:defRPr>
-                <a:solidFill>
-                  <a:schemeClr val="tx2"/>
-                </a:solidFill>
-              </a:defRPr>
-            </a:lvl8pPr>
-            <a:lvl9pPr eaLnBrk="1" hangingPunct="1">
-              <a:defRPr>
-                <a:solidFill>
-                  <a:schemeClr val="tx2"/>
-                </a:solidFill>
-              </a:defRPr>
-            </a:lvl9pPr>
-          </a:lstStyle>
-          <a:p>
-            <a:r>
               <a:rPr lang="en-US" dirty="0" smtClean="0"/>
-              <a:t>NRW NOTATION</a:t>
-            </a:r>
-            <a:endParaRPr lang="en-US" dirty="0"/>
+              <a:t>Cassandra: N = 3, R = W = 1</a:t>
+            </a:r>
+          </a:p>
+          <a:p>
+            <a:r>
+              <a:rPr lang="en-US" dirty="0" smtClean="0"/>
+              <a:t>Rika: N = 3, R = W = 2</a:t>
+            </a:r>
+          </a:p>
+          <a:p>
+            <a:pPr lvl="1"/>
+            <a:r>
+              <a:rPr lang="en-US" dirty="0" smtClean="0"/>
+              <a:t>User sometimes suggest using “low value” R = W = 1 &amp; N = 2 and strict quorum variants for “web,” “mission critical,” and “financial” data.</a:t>
+            </a:r>
+          </a:p>
+          <a:p>
+            <a:r>
+              <a:rPr lang="en-US" dirty="0" smtClean="0"/>
+              <a:t>Voldemort’s authors at LinkedIn often choose: N = </a:t>
+            </a:r>
+            <a:r>
+              <a:rPr lang="en-US" i="1" dirty="0" smtClean="0"/>
+              <a:t>c</a:t>
+            </a:r>
+            <a:r>
+              <a:rPr lang="en-US" dirty="0" smtClean="0"/>
+              <a:t>, R = W = [</a:t>
+            </a:r>
+            <a:r>
+              <a:rPr lang="en-US" i="1" dirty="0" smtClean="0"/>
+              <a:t>c</a:t>
+            </a:r>
+            <a:r>
+              <a:rPr lang="en-US" dirty="0" smtClean="0"/>
+              <a:t>/2] for odd </a:t>
+            </a:r>
+            <a:r>
+              <a:rPr lang="en-US" i="1" dirty="0" smtClean="0"/>
+              <a:t>c</a:t>
+            </a:r>
+            <a:r>
+              <a:rPr lang="en-US" dirty="0" smtClean="0"/>
+              <a:t> </a:t>
+            </a:r>
+          </a:p>
+          <a:p>
+            <a:pPr lvl="1"/>
+            <a:r>
+              <a:rPr lang="en-US" dirty="0" smtClean="0"/>
+              <a:t>Often great for “very low latency and high availability.</a:t>
+            </a:r>
+            <a:endParaRPr lang="en-US" dirty="0"/>
+          </a:p>
+          <a:p>
+            <a:r>
+              <a:rPr lang="en-US" dirty="0" smtClean="0"/>
+              <a:t>LinkedIn deployments of Voldemort with N = 2, R = W = 1 provide “some consistency,” when three way replication is not required (ctd. in Berkeley). </a:t>
+            </a:r>
           </a:p>
         </p:txBody>
       </p:sp>
     </p:spTree>
     <p:extLst>
       <p:ext uri="{BB962C8B-B14F-4D97-AF65-F5344CB8AC3E}">
-        <p14:creationId xmlns:p14="http://schemas.microsoft.com/office/powerpoint/2010/main" val="2159059242"/>
+        <p14:creationId xmlns:p14="http://schemas.microsoft.com/office/powerpoint/2010/main" val="1427029301"/>
       </p:ext>
     </p:extLst>
   </p:cSld>
@@ -8972,512 +7653,234 @@
             <p:ph type="title"/>
           </p:nvPr>
         </p:nvSpPr>
+        <p:spPr/>
+        <p:txBody>
+          <a:bodyPr/>
+          <a:lstStyle/>
+          <a:p>
+            <a:pPr algn="ctr"/>
+            <a:r>
+              <a:rPr lang="en-US" dirty="0" smtClean="0"/>
+              <a:t>Works Cited</a:t>
+            </a:r>
+            <a:endParaRPr lang="en-US" dirty="0"/>
+          </a:p>
+        </p:txBody>
+      </p:sp>
+      <p:sp>
+        <p:nvSpPr>
+          <p:cNvPr id="3" name="Content Placeholder 2"/>
+          <p:cNvSpPr>
+            <a:spLocks noGrp="1"/>
+          </p:cNvSpPr>
+          <p:nvPr>
+            <p:ph idx="1"/>
+          </p:nvPr>
+        </p:nvSpPr>
         <p:spPr>
           <a:xfrm>
-            <a:off x="1208088" y="4865061"/>
-            <a:ext cx="9404723" cy="2101795"/>
+            <a:off x="1103312" y="1175658"/>
+            <a:ext cx="8946541" cy="5072742"/>
           </a:xfrm>
         </p:spPr>
         <p:txBody>
-          <a:bodyPr/>
+          <a:bodyPr>
+            <a:normAutofit/>
+          </a:bodyPr>
           <a:lstStyle/>
           <a:p>
-            <a:r>
-              <a:rPr lang="en-US" sz="2000" dirty="0" smtClean="0"/>
-              <a:t>When W = 3, R = 2 and N = 4 our outcome is: 3 + 2 = 5 and 5 &gt; 4 so it is a STRONG CONSISTENCY.</a:t>
+            <a:pPr marL="0" indent="0">
+              <a:buNone/>
+            </a:pPr>
+            <a:r>
+              <a:rPr lang="en-US" sz="1200" dirty="0"/>
+              <a:t>"Dynamo: Amazon’S Highly Available Key-Value </a:t>
+            </a:r>
+            <a:r>
+              <a:rPr lang="en-US" sz="1200" dirty="0" smtClean="0"/>
+              <a:t>Store” Slideplayer.Com</a:t>
+            </a:r>
+            <a:r>
+              <a:rPr lang="en-US" sz="1200" dirty="0"/>
+              <a:t>, 2019, </a:t>
+            </a:r>
+            <a:r>
+              <a:rPr lang="en-US" sz="1200" dirty="0" smtClean="0"/>
+              <a:t/>
             </a:r>
             <a:br>
-              <a:rPr lang="en-US" sz="2000" dirty="0" smtClean="0"/>
+              <a:rPr lang="en-US" sz="1200" dirty="0" smtClean="0"/>
             </a:br>
             <a:r>
-              <a:rPr lang="en-US" sz="2000" dirty="0" smtClean="0"/>
-              <a:t/>
+              <a:rPr lang="en-US" sz="1200" dirty="0" smtClean="0"/>
+              <a:t>	</a:t>
+            </a:r>
+            <a:r>
+              <a:rPr lang="en-US" sz="1200" dirty="0" smtClean="0">
+                <a:hlinkClick r:id="rId2"/>
+              </a:rPr>
+              <a:t>https</a:t>
+            </a:r>
+            <a:r>
+              <a:rPr lang="en-US" sz="1200" dirty="0">
+                <a:hlinkClick r:id="rId2"/>
+              </a:rPr>
+              <a:t>://slideplayer.com/slide/7720997</a:t>
+            </a:r>
+            <a:r>
+              <a:rPr lang="en-US" sz="1200" dirty="0" smtClean="0">
+                <a:hlinkClick r:id="rId2"/>
+              </a:rPr>
+              <a:t>/</a:t>
+            </a:r>
+            <a:r>
+              <a:rPr lang="en-US" sz="1200" dirty="0" smtClean="0"/>
+              <a:t>.</a:t>
+            </a:r>
+          </a:p>
+          <a:p>
+            <a:pPr marL="0" indent="0">
+              <a:buNone/>
+            </a:pPr>
+            <a:r>
+              <a:rPr lang="en-US" sz="1200" dirty="0" smtClean="0"/>
+              <a:t>Harrison</a:t>
+            </a:r>
+            <a:r>
+              <a:rPr lang="en-US" sz="1200" dirty="0"/>
+              <a:t>, Guy. “Eventual Consistency.” </a:t>
+            </a:r>
+            <a:r>
+              <a:rPr lang="en-US" sz="1200" i="1" dirty="0"/>
+              <a:t>Database Trends and Applications</a:t>
+            </a:r>
+            <a:r>
+              <a:rPr lang="en-US" sz="1200" dirty="0"/>
+              <a:t>, 7 Jan. 2011,</a:t>
             </a:r>
             <a:br>
-              <a:rPr lang="en-US" sz="2000" dirty="0" smtClean="0"/>
+              <a:rPr lang="en-US" sz="1200" dirty="0"/>
             </a:br>
             <a:r>
-              <a:rPr lang="en-US" sz="2000" dirty="0" smtClean="0"/>
-              <a:t>Let W = 7, R = 1 and N = 7; what’s the outcome: Since W == N and R = 1</a:t>
+              <a:rPr lang="en-US" sz="1200" dirty="0"/>
+              <a:t>	</a:t>
+            </a:r>
+            <a:r>
+              <a:rPr lang="en-US" sz="1200" dirty="0">
+                <a:hlinkClick r:id="rId3"/>
+              </a:rPr>
+              <a:t>www.dbta.com/Columns/Applications-Insight/Eventual-Consistency-73004.aspx</a:t>
+            </a:r>
+            <a:r>
+              <a:rPr lang="en-US" sz="1200" dirty="0" smtClean="0"/>
+              <a:t>.</a:t>
+            </a:r>
+          </a:p>
+          <a:p>
+            <a:pPr marL="0" indent="0">
+              <a:buNone/>
+            </a:pPr>
+            <a:r>
+              <a:rPr lang="en-US" sz="1200" dirty="0" smtClean="0"/>
+              <a:t>---. "</a:t>
+            </a:r>
+            <a:r>
+              <a:rPr lang="en-US" sz="1200" dirty="0"/>
+              <a:t>Consistency Models." Next Generation Databases. Apress, Berkeley, CA, </a:t>
+            </a:r>
+            <a:r>
+              <a:rPr lang="en-US" sz="1200" dirty="0" smtClean="0"/>
+              <a:t>2015.</a:t>
+            </a:r>
+          </a:p>
+          <a:p>
+            <a:pPr marL="0" indent="0">
+              <a:buNone/>
+            </a:pPr>
+            <a:r>
+              <a:rPr lang="en-US" sz="1200" dirty="0"/>
+              <a:t>Springer, Wilfred. “Eventually Consistent.” LinkedIn SlideShare, 21 July 2010, </a:t>
+            </a:r>
+            <a:r>
+              <a:rPr lang="en-US" sz="1200" dirty="0" smtClean="0"/>
+              <a:t>www.slideshare.net/springerw/eventually-</a:t>
             </a:r>
             <a:br>
-              <a:rPr lang="en-US" sz="2000" dirty="0" smtClean="0"/>
+              <a:rPr lang="en-US" sz="1200" dirty="0" smtClean="0"/>
             </a:br>
             <a:r>
-              <a:rPr lang="en-US" sz="2000" dirty="0" smtClean="0"/>
-              <a:t>our configuration’s outcome is READ OPTIMIZED STRONG CONSISTENCY</a:t>
-            </a:r>
-            <a:endParaRPr lang="en-US" sz="2000" dirty="0"/>
-          </a:p>
-        </p:txBody>
-      </p:sp>
-      <p:graphicFrame>
-        <p:nvGraphicFramePr>
-          <p:cNvPr id="5" name="Content Placeholder 4"/>
-          <p:cNvGraphicFramePr>
-            <a:graphicFrameLocks/>
-          </p:cNvGraphicFramePr>
-          <p:nvPr>
-            <p:extLst/>
-          </p:nvPr>
-        </p:nvGraphicFramePr>
-        <p:xfrm>
-          <a:off x="1208088" y="1726292"/>
-          <a:ext cx="9802814" cy="2382840"/>
-        </p:xfrm>
-        <a:graphic>
-          <a:graphicData uri="http://schemas.openxmlformats.org/drawingml/2006/table">
-            <a:tbl>
-              <a:tblPr firstRow="1" bandRow="1">
-                <a:tableStyleId>{775DCB02-9BB8-47FD-8907-85C794F793BA}</a:tableStyleId>
-              </a:tblPr>
-              <a:tblGrid>
-                <a:gridCol w="4901407">
-                  <a:extLst>
-                    <a:ext uri="{9D8B030D-6E8A-4147-A177-3AD203B41FA5}">
-                      <a16:colId xmlns:a16="http://schemas.microsoft.com/office/drawing/2014/main" val="3734456281"/>
-                    </a:ext>
-                  </a:extLst>
-                </a:gridCol>
-                <a:gridCol w="4901407">
-                  <a:extLst>
-                    <a:ext uri="{9D8B030D-6E8A-4147-A177-3AD203B41FA5}">
-                      <a16:colId xmlns:a16="http://schemas.microsoft.com/office/drawing/2014/main" val="1935269608"/>
-                    </a:ext>
-                  </a:extLst>
-                </a:gridCol>
-              </a:tblGrid>
-              <a:tr h="476568">
-                <a:tc>
-                  <a:txBody>
-                    <a:bodyPr/>
-                    <a:lstStyle/>
-                    <a:p>
-                      <a:pPr algn="ctr"/>
-                      <a:r>
-                        <a:rPr lang="en-US" dirty="0" smtClean="0"/>
-                        <a:t>NRW Configuration</a:t>
-                      </a:r>
-                      <a:endParaRPr lang="en-US" dirty="0"/>
-                    </a:p>
-                  </a:txBody>
-                  <a:tcPr/>
-                </a:tc>
-                <a:tc>
-                  <a:txBody>
-                    <a:bodyPr/>
-                    <a:lstStyle/>
-                    <a:p>
-                      <a:pPr algn="ctr"/>
-                      <a:r>
-                        <a:rPr lang="en-US" dirty="0" smtClean="0"/>
-                        <a:t>Outcome</a:t>
-                      </a:r>
-                      <a:endParaRPr lang="en-US" dirty="0"/>
-                    </a:p>
-                  </a:txBody>
-                  <a:tcPr/>
-                </a:tc>
-                <a:extLst>
-                  <a:ext uri="{0D108BD9-81ED-4DB2-BD59-A6C34878D82A}">
-                    <a16:rowId xmlns:a16="http://schemas.microsoft.com/office/drawing/2014/main" val="685672887"/>
-                  </a:ext>
-                </a:extLst>
-              </a:tr>
-              <a:tr h="476568">
-                <a:tc>
-                  <a:txBody>
-                    <a:bodyPr/>
-                    <a:lstStyle/>
-                    <a:p>
-                      <a:pPr algn="ctr"/>
-                      <a:r>
-                        <a:rPr lang="en-US" dirty="0" smtClean="0"/>
-                        <a:t>(</a:t>
-                      </a:r>
-                      <a:r>
-                        <a:rPr lang="en-US" baseline="0" dirty="0" smtClean="0"/>
-                        <a:t> W = N ) &amp; ( R = 1 )</a:t>
-                      </a:r>
-                      <a:endParaRPr lang="en-US" dirty="0"/>
-                    </a:p>
-                  </a:txBody>
-                  <a:tcPr/>
-                </a:tc>
-                <a:tc>
-                  <a:txBody>
-                    <a:bodyPr/>
-                    <a:lstStyle/>
-                    <a:p>
-                      <a:pPr algn="l"/>
-                      <a:r>
-                        <a:rPr lang="en-US" dirty="0" smtClean="0"/>
-                        <a:t>Read optimized strong consistency</a:t>
-                      </a:r>
-                      <a:endParaRPr lang="en-US" dirty="0"/>
-                    </a:p>
-                  </a:txBody>
-                  <a:tcPr/>
-                </a:tc>
-                <a:extLst>
-                  <a:ext uri="{0D108BD9-81ED-4DB2-BD59-A6C34878D82A}">
-                    <a16:rowId xmlns:a16="http://schemas.microsoft.com/office/drawing/2014/main" val="563112223"/>
-                  </a:ext>
-                </a:extLst>
-              </a:tr>
-              <a:tr h="476568">
-                <a:tc>
-                  <a:txBody>
-                    <a:bodyPr/>
-                    <a:lstStyle/>
-                    <a:p>
-                      <a:pPr algn="ctr"/>
-                      <a:r>
-                        <a:rPr lang="en-US" dirty="0" smtClean="0"/>
-                        <a:t>( W = 1 ) &amp; (</a:t>
-                      </a:r>
-                      <a:r>
-                        <a:rPr lang="en-US" baseline="0" dirty="0" smtClean="0"/>
-                        <a:t> R = N )</a:t>
-                      </a:r>
-                      <a:endParaRPr lang="en-US" dirty="0"/>
-                    </a:p>
-                  </a:txBody>
-                  <a:tcPr/>
-                </a:tc>
-                <a:tc>
-                  <a:txBody>
-                    <a:bodyPr/>
-                    <a:lstStyle/>
-                    <a:p>
-                      <a:pPr algn="l"/>
-                      <a:r>
-                        <a:rPr lang="en-US" dirty="0" smtClean="0"/>
-                        <a:t>Write optimized strong consistency</a:t>
-                      </a:r>
-                      <a:endParaRPr lang="en-US" dirty="0"/>
-                    </a:p>
-                  </a:txBody>
-                  <a:tcPr/>
-                </a:tc>
-                <a:extLst>
-                  <a:ext uri="{0D108BD9-81ED-4DB2-BD59-A6C34878D82A}">
-                    <a16:rowId xmlns:a16="http://schemas.microsoft.com/office/drawing/2014/main" val="1092152895"/>
-                  </a:ext>
-                </a:extLst>
-              </a:tr>
-              <a:tr h="476568">
-                <a:tc>
-                  <a:txBody>
-                    <a:bodyPr/>
-                    <a:lstStyle/>
-                    <a:p>
-                      <a:pPr algn="ctr"/>
-                      <a:r>
-                        <a:rPr lang="en-US" dirty="0" smtClean="0"/>
-                        <a:t>(</a:t>
-                      </a:r>
-                      <a:r>
-                        <a:rPr lang="en-US" baseline="0" dirty="0" smtClean="0"/>
-                        <a:t> W + R ) &lt;= N</a:t>
-                      </a:r>
-                      <a:endParaRPr lang="en-US" dirty="0"/>
-                    </a:p>
-                  </a:txBody>
-                  <a:tcPr/>
-                </a:tc>
-                <a:tc>
-                  <a:txBody>
-                    <a:bodyPr/>
-                    <a:lstStyle/>
-                    <a:p>
-                      <a:pPr algn="l"/>
-                      <a:r>
-                        <a:rPr lang="en-US" dirty="0" smtClean="0"/>
-                        <a:t>Weak eventual consistency</a:t>
-                      </a:r>
-                      <a:endParaRPr lang="en-US" dirty="0"/>
-                    </a:p>
-                  </a:txBody>
-                  <a:tcPr/>
-                </a:tc>
-                <a:extLst>
-                  <a:ext uri="{0D108BD9-81ED-4DB2-BD59-A6C34878D82A}">
-                    <a16:rowId xmlns:a16="http://schemas.microsoft.com/office/drawing/2014/main" val="2292941581"/>
-                  </a:ext>
-                </a:extLst>
-              </a:tr>
-              <a:tr h="476568">
-                <a:tc>
-                  <a:txBody>
-                    <a:bodyPr/>
-                    <a:lstStyle/>
-                    <a:p>
-                      <a:pPr algn="ctr"/>
-                      <a:r>
-                        <a:rPr lang="en-US" dirty="0" smtClean="0"/>
-                        <a:t>( W + R</a:t>
-                      </a:r>
-                      <a:r>
-                        <a:rPr lang="en-US" baseline="0" dirty="0" smtClean="0"/>
-                        <a:t> ) &gt; N</a:t>
-                      </a:r>
-                      <a:endParaRPr lang="en-US" dirty="0"/>
-                    </a:p>
-                  </a:txBody>
-                  <a:tcPr/>
-                </a:tc>
-                <a:tc>
-                  <a:txBody>
-                    <a:bodyPr/>
-                    <a:lstStyle/>
-                    <a:p>
-                      <a:pPr algn="l"/>
-                      <a:r>
-                        <a:rPr lang="en-US" dirty="0" smtClean="0"/>
-                        <a:t>Strong consistency though quorum</a:t>
-                      </a:r>
-                      <a:endParaRPr lang="en-US" dirty="0"/>
-                    </a:p>
-                  </a:txBody>
-                  <a:tcPr/>
-                </a:tc>
-                <a:extLst>
-                  <a:ext uri="{0D108BD9-81ED-4DB2-BD59-A6C34878D82A}">
-                    <a16:rowId xmlns:a16="http://schemas.microsoft.com/office/drawing/2014/main" val="1228862889"/>
-                  </a:ext>
-                </a:extLst>
-              </a:tr>
-            </a:tbl>
-          </a:graphicData>
-        </a:graphic>
-      </p:graphicFrame>
-      <p:sp>
-        <p:nvSpPr>
-          <p:cNvPr id="6" name="Title 1"/>
-          <p:cNvSpPr txBox="1">
-            <a:spLocks/>
-          </p:cNvSpPr>
-          <p:nvPr/>
-        </p:nvSpPr>
-        <p:spPr>
-          <a:xfrm>
-            <a:off x="798511" y="605118"/>
-            <a:ext cx="9404723" cy="1400530"/>
-          </a:xfrm>
-          <a:prstGeom prst="rect">
-            <a:avLst/>
-          </a:prstGeom>
-        </p:spPr>
-        <p:txBody>
-          <a:bodyPr vert="horz" lIns="91440" tIns="45720" rIns="91440" bIns="45720" rtlCol="0" anchor="t">
-            <a:noAutofit/>
-          </a:bodyPr>
-          <a:lstStyle>
-            <a:lvl1pPr algn="l" defTabSz="457200" rtl="0" eaLnBrk="1" latinLnBrk="0" hangingPunct="1">
-              <a:spcBef>
-                <a:spcPct val="0"/>
-              </a:spcBef>
-              <a:buNone/>
-              <a:defRPr sz="4200" b="0" i="0" kern="1200">
-                <a:solidFill>
-                  <a:schemeClr val="tx2"/>
-                </a:solidFill>
-                <a:latin typeface="+mj-lt"/>
-                <a:ea typeface="+mj-ea"/>
-                <a:cs typeface="+mj-cs"/>
-              </a:defRPr>
-            </a:lvl1pPr>
-            <a:lvl2pPr eaLnBrk="1" hangingPunct="1">
-              <a:defRPr>
-                <a:solidFill>
-                  <a:schemeClr val="tx2"/>
-                </a:solidFill>
-              </a:defRPr>
-            </a:lvl2pPr>
-            <a:lvl3pPr eaLnBrk="1" hangingPunct="1">
-              <a:defRPr>
-                <a:solidFill>
-                  <a:schemeClr val="tx2"/>
-                </a:solidFill>
-              </a:defRPr>
-            </a:lvl3pPr>
-            <a:lvl4pPr eaLnBrk="1" hangingPunct="1">
-              <a:defRPr>
-                <a:solidFill>
-                  <a:schemeClr val="tx2"/>
-                </a:solidFill>
-              </a:defRPr>
-            </a:lvl4pPr>
-            <a:lvl5pPr eaLnBrk="1" hangingPunct="1">
-              <a:defRPr>
-                <a:solidFill>
-                  <a:schemeClr val="tx2"/>
-                </a:solidFill>
-              </a:defRPr>
-            </a:lvl5pPr>
-            <a:lvl6pPr eaLnBrk="1" hangingPunct="1">
-              <a:defRPr>
-                <a:solidFill>
-                  <a:schemeClr val="tx2"/>
-                </a:solidFill>
-              </a:defRPr>
-            </a:lvl6pPr>
-            <a:lvl7pPr eaLnBrk="1" hangingPunct="1">
-              <a:defRPr>
-                <a:solidFill>
-                  <a:schemeClr val="tx2"/>
-                </a:solidFill>
-              </a:defRPr>
-            </a:lvl7pPr>
-            <a:lvl8pPr eaLnBrk="1" hangingPunct="1">
-              <a:defRPr>
-                <a:solidFill>
-                  <a:schemeClr val="tx2"/>
-                </a:solidFill>
-              </a:defRPr>
-            </a:lvl8pPr>
-            <a:lvl9pPr eaLnBrk="1" hangingPunct="1">
-              <a:defRPr>
-                <a:solidFill>
-                  <a:schemeClr val="tx2"/>
-                </a:solidFill>
-              </a:defRPr>
-            </a:lvl9pPr>
-          </a:lstStyle>
-          <a:p>
-            <a:r>
-              <a:rPr lang="en-US" dirty="0" smtClean="0"/>
-              <a:t>NRW NOTATION</a:t>
-            </a:r>
-            <a:endParaRPr lang="en-US" dirty="0"/>
+              <a:rPr lang="en-US" sz="1200" dirty="0" smtClean="0"/>
+              <a:t>	consistent</a:t>
+            </a:r>
+            <a:r>
+              <a:rPr lang="en-US" sz="1200" dirty="0"/>
+              <a:t>.</a:t>
+            </a:r>
+            <a:endParaRPr lang="en-US" sz="1200" dirty="0" smtClean="0"/>
+          </a:p>
+          <a:p>
+            <a:pPr marL="0" indent="0">
+              <a:buNone/>
+            </a:pPr>
+            <a:r>
+              <a:rPr lang="en-US" sz="1200" dirty="0" smtClean="0"/>
+              <a:t>Thant</a:t>
+            </a:r>
+            <a:r>
+              <a:rPr lang="en-US" sz="1200" dirty="0"/>
+              <a:t>, Phyo Thandar, and Thinn Thu Naing. "Improving the availability of NoSQL databases for Cloud Storage." </a:t>
+            </a:r>
+            <a:br>
+              <a:rPr lang="en-US" sz="1200" dirty="0"/>
+            </a:br>
+            <a:r>
+              <a:rPr lang="en-US" sz="1200" dirty="0"/>
+              <a:t>	Yangon: University of Computer Studies.</a:t>
+            </a:r>
+          </a:p>
+          <a:p>
+            <a:pPr marL="0" indent="0">
+              <a:buNone/>
+            </a:pPr>
+            <a:r>
+              <a:rPr lang="en-US" sz="1200" dirty="0" smtClean="0"/>
+              <a:t>Vanroose</a:t>
+            </a:r>
+            <a:r>
+              <a:rPr lang="en-US" sz="1200" dirty="0"/>
+              <a:t>, Peter, and GSE DB Belgium. "ACID or BASE?-the case of NoSQL</a:t>
+            </a:r>
+            <a:r>
+              <a:rPr lang="en-US" sz="1200" dirty="0" smtClean="0"/>
+              <a:t>.“</a:t>
+            </a:r>
+          </a:p>
+          <a:p>
+            <a:pPr marL="0" indent="0">
+              <a:buNone/>
+            </a:pPr>
+            <a:r>
+              <a:rPr lang="en-US" sz="1200" dirty="0" smtClean="0"/>
+              <a:t>Berkeley, Www2.Eecs.Berkeley.Edu</a:t>
+            </a:r>
+            <a:r>
+              <a:rPr lang="en-US" sz="1200" dirty="0"/>
+              <a:t>, 2019, https://www2.eecs.berkeley.edu/Pubs/TechRpts/2012/EECS-2012-4.pdf.</a:t>
+            </a:r>
+            <a:endParaRPr lang="en-US" sz="1200" dirty="0" smtClean="0"/>
+          </a:p>
+          <a:p>
+            <a:pPr marL="0" indent="0">
+              <a:buNone/>
+            </a:pPr>
+            <a:endParaRPr lang="en-US" sz="1200" dirty="0"/>
           </a:p>
         </p:txBody>
       </p:sp>
     </p:spTree>
     <p:extLst>
       <p:ext uri="{BB962C8B-B14F-4D97-AF65-F5344CB8AC3E}">
-        <p14:creationId xmlns:p14="http://schemas.microsoft.com/office/powerpoint/2010/main" val="4202009229"/>
-      </p:ext>
-    </p:extLst>
-  </p:cSld>
-  <p:clrMapOvr>
-    <a:masterClrMapping/>
-  </p:clrMapOvr>
-  <p:timing>
-    <p:tnLst>
-      <p:par>
-        <p:cTn id="1" dur="indefinite" restart="never" nodeType="tmRoot"/>
-      </p:par>
-    </p:tnLst>
-  </p:timing>
-</p:sld>
-</file>
-
-<file path=ppt/slides/slide9.xml><?xml version="1.0" encoding="utf-8"?>
-<p:sld xmlns:a="http://schemas.openxmlformats.org/drawingml/2006/main" xmlns:r="http://schemas.openxmlformats.org/officeDocument/2006/relationships" xmlns:p="http://schemas.openxmlformats.org/presentationml/2006/main">
-  <p:cSld>
-    <p:spTree>
-      <p:nvGrpSpPr>
-        <p:cNvPr id="1" name=""/>
-        <p:cNvGrpSpPr/>
-        <p:nvPr/>
-      </p:nvGrpSpPr>
-      <p:grpSpPr>
-        <a:xfrm>
-          <a:off x="0" y="0"/>
-          <a:ext cx="0" cy="0"/>
-          <a:chOff x="0" y="0"/>
-          <a:chExt cx="0" cy="0"/>
-        </a:xfrm>
-      </p:grpSpPr>
-      <p:sp>
-        <p:nvSpPr>
-          <p:cNvPr id="2" name="Title 1"/>
-          <p:cNvSpPr>
-            <a:spLocks noGrp="1"/>
-          </p:cNvSpPr>
-          <p:nvPr>
-            <p:ph type="title"/>
-          </p:nvPr>
-        </p:nvSpPr>
-        <p:spPr/>
-        <p:txBody>
-          <a:bodyPr/>
-          <a:lstStyle/>
-          <a:p>
-            <a:r>
-              <a:rPr lang="en-US" dirty="0" smtClean="0"/>
-              <a:t>An easy way to remember NRW</a:t>
-            </a:r>
-            <a:endParaRPr lang="en-US" dirty="0"/>
-          </a:p>
-        </p:txBody>
-      </p:sp>
-      <p:sp>
-        <p:nvSpPr>
-          <p:cNvPr id="4" name="Content Placeholder 3"/>
-          <p:cNvSpPr>
-            <a:spLocks noGrp="1"/>
-          </p:cNvSpPr>
-          <p:nvPr>
-            <p:ph idx="1"/>
-          </p:nvPr>
-        </p:nvSpPr>
-        <p:spPr/>
-        <p:txBody>
-          <a:bodyPr/>
-          <a:lstStyle/>
-          <a:p>
-            <a:r>
-              <a:rPr lang="en-US" dirty="0" smtClean="0"/>
-              <a:t>When Read or Write are 1 and the other two variables are the same, the unpaired (variable with 1) is the optimized pillar </a:t>
-            </a:r>
-          </a:p>
-          <a:p>
-            <a:pPr lvl="1">
-              <a:buFont typeface="Wingdings" panose="05000000000000000000" pitchFamily="2" charset="2"/>
-              <a:buChar char="§"/>
-            </a:pPr>
-            <a:r>
-              <a:rPr lang="en-US" dirty="0" smtClean="0"/>
-              <a:t>will always be “read/write optimized </a:t>
-            </a:r>
-            <a:r>
-              <a:rPr lang="en-US" u="sng" dirty="0" smtClean="0"/>
-              <a:t>strong</a:t>
-            </a:r>
-            <a:r>
-              <a:rPr lang="en-US" dirty="0" smtClean="0"/>
-              <a:t> consistency”, since 1+x is always &gt; x</a:t>
-            </a:r>
-          </a:p>
-          <a:p>
-            <a:endParaRPr lang="en-US" dirty="0"/>
-          </a:p>
-          <a:p>
-            <a:pPr marL="0" indent="0">
-              <a:buNone/>
-            </a:pPr>
-            <a:r>
-              <a:rPr lang="en-US" dirty="0" smtClean="0"/>
-              <a:t>So, once more, what is the answer to this question: </a:t>
-            </a:r>
-            <a:br>
-              <a:rPr lang="en-US" dirty="0" smtClean="0"/>
-            </a:br>
-            <a:r>
-              <a:rPr lang="en-US" dirty="0" smtClean="0"/>
-              <a:t>Let R = 3, W = 1, and N = 1:</a:t>
-            </a:r>
-            <a:endParaRPr lang="en-US" dirty="0"/>
-          </a:p>
-        </p:txBody>
-      </p:sp>
-    </p:spTree>
-    <p:extLst>
-      <p:ext uri="{BB962C8B-B14F-4D97-AF65-F5344CB8AC3E}">
-        <p14:creationId xmlns:p14="http://schemas.microsoft.com/office/powerpoint/2010/main" val="670038221"/>
+        <p14:creationId xmlns:p14="http://schemas.microsoft.com/office/powerpoint/2010/main" val="3288187351"/>
       </p:ext>
     </p:extLst>
   </p:cSld>

--- a/group6slidshow.pptx
+++ b/group6slidshow.pptx
@@ -7,12 +7,11 @@
   <p:sldIdLst>
     <p:sldId id="256" r:id="rId2"/>
     <p:sldId id="257" r:id="rId3"/>
-    <p:sldId id="271" r:id="rId4"/>
-    <p:sldId id="265" r:id="rId5"/>
-    <p:sldId id="272" r:id="rId6"/>
-    <p:sldId id="273" r:id="rId7"/>
-    <p:sldId id="274" r:id="rId8"/>
-    <p:sldId id="262" r:id="rId9"/>
+    <p:sldId id="265" r:id="rId4"/>
+    <p:sldId id="272" r:id="rId5"/>
+    <p:sldId id="273" r:id="rId6"/>
+    <p:sldId id="274" r:id="rId7"/>
+    <p:sldId id="262" r:id="rId8"/>
   </p:sldIdLst>
   <p:sldSz cx="12192000" cy="6858000"/>
   <p:notesSz cx="6858000" cy="9144000"/>
@@ -6410,7 +6409,7 @@
         </p:nvSpPr>
         <p:spPr>
           <a:xfrm>
-            <a:off x="1208088" y="4865062"/>
+            <a:off x="1208088" y="4357062"/>
             <a:ext cx="9404723" cy="1400530"/>
           </a:xfrm>
         </p:spPr>
@@ -6420,8 +6419,40 @@
           <a:p>
             <a:r>
               <a:rPr lang="en-US" sz="2000" dirty="0" smtClean="0"/>
-              <a:t>When W = 3, R = 2 and N = 4 our outcome is:</a:t>
-            </a:r>
+              <a:t>When W = 3, R = 2 and N = 4 our outcome is: 3 + 2 = 5 and 5 &gt; 4 so it is a STRONG CONSISTENCY</a:t>
+            </a:r>
+            <a:r>
+              <a:rPr lang="en-US" sz="2000" dirty="0" smtClean="0"/>
+              <a:t>.</a:t>
+            </a:r>
+            <a:r>
+              <a:rPr lang="en-US" sz="2000" dirty="0"/>
+              <a:t/>
+            </a:r>
+            <a:br>
+              <a:rPr lang="en-US" sz="2000" dirty="0"/>
+            </a:br>
+            <a:r>
+              <a:rPr lang="en-US" sz="2000" dirty="0" smtClean="0"/>
+              <a:t/>
+            </a:r>
+            <a:br>
+              <a:rPr lang="en-US" sz="2000" dirty="0" smtClean="0"/>
+            </a:br>
+            <a:r>
+              <a:rPr lang="en-US" sz="2000" dirty="0"/>
+              <a:t>The latency of read or write is dictated by the slowest of the R or W replicas. This is why R and W are usually configured to be less than N, to provide better latency (ctd. in “Dynamo: Amazon”).</a:t>
+            </a:r>
+            <a:br>
+              <a:rPr lang="en-US" sz="2000" dirty="0"/>
+            </a:br>
+            <a:r>
+              <a:rPr lang="en-US" sz="2000" dirty="0"/>
+              <a:t>	Typical Values of (NRW) for Amazon Apps are (3, 2, 2)</a:t>
+            </a:r>
+            <a:br>
+              <a:rPr lang="en-US" sz="2000" dirty="0"/>
+            </a:br>
             <a:endParaRPr lang="en-US" sz="2000" dirty="0"/>
           </a:p>
         </p:txBody>
@@ -6433,7 +6464,11 @@
             <a:graphicFrameLocks/>
           </p:cNvGraphicFramePr>
           <p:nvPr>
-            <p:extLst/>
+            <p:extLst>
+              <p:ext uri="{D42A27DB-BD31-4B8C-83A1-F6EECF244321}">
+                <p14:modId xmlns:p14="http://schemas.microsoft.com/office/powerpoint/2010/main" val="857674150"/>
+              </p:ext>
+            </p:extLst>
           </p:nvPr>
         </p:nvGraphicFramePr>
         <p:xfrm>
@@ -6772,21 +6807,13 @@
     </p:spTree>
     <p:extLst>
       <p:ext uri="{BB962C8B-B14F-4D97-AF65-F5344CB8AC3E}">
-        <p14:creationId xmlns:p14="http://schemas.microsoft.com/office/powerpoint/2010/main" val="776413369"/>
+        <p14:creationId xmlns:p14="http://schemas.microsoft.com/office/powerpoint/2010/main" val="1873022180"/>
       </p:ext>
     </p:extLst>
   </p:cSld>
   <p:clrMapOvr>
     <a:masterClrMapping/>
   </p:clrMapOvr>
-  <mc:AlternateContent xmlns:mc="http://schemas.openxmlformats.org/markup-compatibility/2006" xmlns:p14="http://schemas.microsoft.com/office/powerpoint/2010/main">
-    <mc:Choice Requires="p14">
-      <p:transition spd="slow" p14:dur="2000"/>
-    </mc:Choice>
-    <mc:Fallback xmlns="">
-      <p:transition spd="slow"/>
-    </mc:Fallback>
-  </mc:AlternateContent>
   <p:timing>
     <p:tnLst>
       <p:par>
@@ -6824,450 +6851,6 @@
             <p:ph type="title"/>
           </p:nvPr>
         </p:nvSpPr>
-        <p:spPr>
-          <a:xfrm>
-            <a:off x="1208088" y="4357062"/>
-            <a:ext cx="9404723" cy="1400530"/>
-          </a:xfrm>
-        </p:spPr>
-        <p:txBody>
-          <a:bodyPr/>
-          <a:lstStyle/>
-          <a:p>
-            <a:r>
-              <a:rPr lang="en-US" sz="2000" dirty="0" smtClean="0"/>
-              <a:t>When W = 3, R = 2 and N = 4 our outcome is: 3 + 2 = 5 and 5 &gt; 4 so it is a STRONG CONSISTENCY</a:t>
-            </a:r>
-            <a:r>
-              <a:rPr lang="en-US" sz="2000" dirty="0" smtClean="0"/>
-              <a:t>.</a:t>
-            </a:r>
-            <a:r>
-              <a:rPr lang="en-US" sz="2000" dirty="0"/>
-              <a:t/>
-            </a:r>
-            <a:br>
-              <a:rPr lang="en-US" sz="2000" dirty="0"/>
-            </a:br>
-            <a:r>
-              <a:rPr lang="en-US" sz="2000" dirty="0" smtClean="0"/>
-              <a:t/>
-            </a:r>
-            <a:br>
-              <a:rPr lang="en-US" sz="2000" dirty="0" smtClean="0"/>
-            </a:br>
-            <a:r>
-              <a:rPr lang="en-US" sz="2000" dirty="0"/>
-              <a:t>The latency of read or write is dictated by the slowest of the R or W replicas. This is why R and W are usually configured to be less than N, to provide better latency (ctd. in “Dynamo: Amazon”).</a:t>
-            </a:r>
-            <a:br>
-              <a:rPr lang="en-US" sz="2000" dirty="0"/>
-            </a:br>
-            <a:r>
-              <a:rPr lang="en-US" sz="2000" dirty="0"/>
-              <a:t>	Typical Values of (NRW) for Amazon Apps are (3, 2, 2)</a:t>
-            </a:r>
-            <a:br>
-              <a:rPr lang="en-US" sz="2000" dirty="0"/>
-            </a:br>
-            <a:endParaRPr lang="en-US" sz="2000" dirty="0"/>
-          </a:p>
-        </p:txBody>
-      </p:sp>
-      <p:graphicFrame>
-        <p:nvGraphicFramePr>
-          <p:cNvPr id="5" name="Content Placeholder 4"/>
-          <p:cNvGraphicFramePr>
-            <a:graphicFrameLocks/>
-          </p:cNvGraphicFramePr>
-          <p:nvPr>
-            <p:extLst>
-              <p:ext uri="{D42A27DB-BD31-4B8C-83A1-F6EECF244321}">
-                <p14:modId xmlns:p14="http://schemas.microsoft.com/office/powerpoint/2010/main" val="857674150"/>
-              </p:ext>
-            </p:extLst>
-          </p:nvPr>
-        </p:nvGraphicFramePr>
-        <p:xfrm>
-          <a:off x="1208088" y="1726292"/>
-          <a:ext cx="9802814" cy="2382840"/>
-        </p:xfrm>
-        <a:graphic>
-          <a:graphicData uri="http://schemas.openxmlformats.org/drawingml/2006/table">
-            <a:tbl>
-              <a:tblPr firstRow="1" bandRow="1">
-                <a:tableStyleId>{775DCB02-9BB8-47FD-8907-85C794F793BA}</a:tableStyleId>
-              </a:tblPr>
-              <a:tblGrid>
-                <a:gridCol w="4901407">
-                  <a:extLst>
-                    <a:ext uri="{9D8B030D-6E8A-4147-A177-3AD203B41FA5}">
-                      <a16:colId xmlns:a16="http://schemas.microsoft.com/office/drawing/2014/main" val="3734456281"/>
-                    </a:ext>
-                  </a:extLst>
-                </a:gridCol>
-                <a:gridCol w="4901407">
-                  <a:extLst>
-                    <a:ext uri="{9D8B030D-6E8A-4147-A177-3AD203B41FA5}">
-                      <a16:colId xmlns:a16="http://schemas.microsoft.com/office/drawing/2014/main" val="1935269608"/>
-                    </a:ext>
-                  </a:extLst>
-                </a:gridCol>
-              </a:tblGrid>
-              <a:tr h="476568">
-                <a:tc>
-                  <a:txBody>
-                    <a:bodyPr/>
-                    <a:lstStyle/>
-                    <a:p>
-                      <a:pPr algn="ctr"/>
-                      <a:r>
-                        <a:rPr lang="en-US" dirty="0" smtClean="0"/>
-                        <a:t>NRW Configuration</a:t>
-                      </a:r>
-                      <a:endParaRPr lang="en-US" dirty="0"/>
-                    </a:p>
-                  </a:txBody>
-                  <a:tcPr/>
-                </a:tc>
-                <a:tc>
-                  <a:txBody>
-                    <a:bodyPr/>
-                    <a:lstStyle/>
-                    <a:p>
-                      <a:pPr algn="ctr"/>
-                      <a:r>
-                        <a:rPr lang="en-US" dirty="0" smtClean="0"/>
-                        <a:t>Outcome</a:t>
-                      </a:r>
-                      <a:endParaRPr lang="en-US" dirty="0"/>
-                    </a:p>
-                  </a:txBody>
-                  <a:tcPr/>
-                </a:tc>
-                <a:extLst>
-                  <a:ext uri="{0D108BD9-81ED-4DB2-BD59-A6C34878D82A}">
-                    <a16:rowId xmlns:a16="http://schemas.microsoft.com/office/drawing/2014/main" val="685672887"/>
-                  </a:ext>
-                </a:extLst>
-              </a:tr>
-              <a:tr h="476568">
-                <a:tc>
-                  <a:txBody>
-                    <a:bodyPr/>
-                    <a:lstStyle/>
-                    <a:p>
-                      <a:pPr algn="ctr"/>
-                      <a:r>
-                        <a:rPr lang="en-US" dirty="0" smtClean="0"/>
-                        <a:t>(</a:t>
-                      </a:r>
-                      <a:r>
-                        <a:rPr lang="en-US" baseline="0" dirty="0" smtClean="0"/>
-                        <a:t> W = N ) &amp; ( R = 1 )</a:t>
-                      </a:r>
-                      <a:endParaRPr lang="en-US" dirty="0"/>
-                    </a:p>
-                  </a:txBody>
-                  <a:tcPr/>
-                </a:tc>
-                <a:tc>
-                  <a:txBody>
-                    <a:bodyPr/>
-                    <a:lstStyle/>
-                    <a:p>
-                      <a:pPr algn="l"/>
-                      <a:r>
-                        <a:rPr lang="en-US" dirty="0" smtClean="0"/>
-                        <a:t>Read optimized strong consistency</a:t>
-                      </a:r>
-                      <a:endParaRPr lang="en-US" dirty="0"/>
-                    </a:p>
-                  </a:txBody>
-                  <a:tcPr/>
-                </a:tc>
-                <a:extLst>
-                  <a:ext uri="{0D108BD9-81ED-4DB2-BD59-A6C34878D82A}">
-                    <a16:rowId xmlns:a16="http://schemas.microsoft.com/office/drawing/2014/main" val="563112223"/>
-                  </a:ext>
-                </a:extLst>
-              </a:tr>
-              <a:tr h="476568">
-                <a:tc>
-                  <a:txBody>
-                    <a:bodyPr/>
-                    <a:lstStyle/>
-                    <a:p>
-                      <a:pPr algn="ctr"/>
-                      <a:r>
-                        <a:rPr lang="en-US" dirty="0" smtClean="0"/>
-                        <a:t>( W = 1 ) &amp; (</a:t>
-                      </a:r>
-                      <a:r>
-                        <a:rPr lang="en-US" baseline="0" dirty="0" smtClean="0"/>
-                        <a:t> R = N )</a:t>
-                      </a:r>
-                      <a:endParaRPr lang="en-US" dirty="0"/>
-                    </a:p>
-                  </a:txBody>
-                  <a:tcPr/>
-                </a:tc>
-                <a:tc>
-                  <a:txBody>
-                    <a:bodyPr/>
-                    <a:lstStyle/>
-                    <a:p>
-                      <a:pPr algn="l"/>
-                      <a:r>
-                        <a:rPr lang="en-US" dirty="0" smtClean="0"/>
-                        <a:t>Write optimized strong consistency</a:t>
-                      </a:r>
-                      <a:endParaRPr lang="en-US" dirty="0"/>
-                    </a:p>
-                  </a:txBody>
-                  <a:tcPr/>
-                </a:tc>
-                <a:extLst>
-                  <a:ext uri="{0D108BD9-81ED-4DB2-BD59-A6C34878D82A}">
-                    <a16:rowId xmlns:a16="http://schemas.microsoft.com/office/drawing/2014/main" val="1092152895"/>
-                  </a:ext>
-                </a:extLst>
-              </a:tr>
-              <a:tr h="476568">
-                <a:tc>
-                  <a:txBody>
-                    <a:bodyPr/>
-                    <a:lstStyle/>
-                    <a:p>
-                      <a:pPr algn="ctr"/>
-                      <a:r>
-                        <a:rPr lang="en-US" dirty="0" smtClean="0"/>
-                        <a:t>(</a:t>
-                      </a:r>
-                      <a:r>
-                        <a:rPr lang="en-US" baseline="0" dirty="0" smtClean="0"/>
-                        <a:t> W + R ) &lt;= N</a:t>
-                      </a:r>
-                      <a:endParaRPr lang="en-US" dirty="0"/>
-                    </a:p>
-                  </a:txBody>
-                  <a:tcPr/>
-                </a:tc>
-                <a:tc>
-                  <a:txBody>
-                    <a:bodyPr/>
-                    <a:lstStyle/>
-                    <a:p>
-                      <a:pPr algn="l"/>
-                      <a:r>
-                        <a:rPr lang="en-US" dirty="0" smtClean="0"/>
-                        <a:t>Weak eventual consistency</a:t>
-                      </a:r>
-                      <a:endParaRPr lang="en-US" dirty="0"/>
-                    </a:p>
-                  </a:txBody>
-                  <a:tcPr/>
-                </a:tc>
-                <a:extLst>
-                  <a:ext uri="{0D108BD9-81ED-4DB2-BD59-A6C34878D82A}">
-                    <a16:rowId xmlns:a16="http://schemas.microsoft.com/office/drawing/2014/main" val="2292941581"/>
-                  </a:ext>
-                </a:extLst>
-              </a:tr>
-              <a:tr h="476568">
-                <a:tc>
-                  <a:txBody>
-                    <a:bodyPr/>
-                    <a:lstStyle/>
-                    <a:p>
-                      <a:pPr algn="ctr"/>
-                      <a:r>
-                        <a:rPr lang="en-US" dirty="0" smtClean="0"/>
-                        <a:t>( W + R</a:t>
-                      </a:r>
-                      <a:r>
-                        <a:rPr lang="en-US" baseline="0" dirty="0" smtClean="0"/>
-                        <a:t> ) &gt; N</a:t>
-                      </a:r>
-                      <a:endParaRPr lang="en-US" dirty="0"/>
-                    </a:p>
-                  </a:txBody>
-                  <a:tcPr/>
-                </a:tc>
-                <a:tc>
-                  <a:txBody>
-                    <a:bodyPr/>
-                    <a:lstStyle/>
-                    <a:p>
-                      <a:pPr algn="l"/>
-                      <a:r>
-                        <a:rPr lang="en-US" dirty="0" smtClean="0"/>
-                        <a:t>Strong consistency though quorum</a:t>
-                      </a:r>
-                      <a:endParaRPr lang="en-US" dirty="0"/>
-                    </a:p>
-                  </a:txBody>
-                  <a:tcPr/>
-                </a:tc>
-                <a:extLst>
-                  <a:ext uri="{0D108BD9-81ED-4DB2-BD59-A6C34878D82A}">
-                    <a16:rowId xmlns:a16="http://schemas.microsoft.com/office/drawing/2014/main" val="1228862889"/>
-                  </a:ext>
-                </a:extLst>
-              </a:tr>
-            </a:tbl>
-          </a:graphicData>
-        </a:graphic>
-      </p:graphicFrame>
-      <p:sp>
-        <p:nvSpPr>
-          <p:cNvPr id="6" name="Title 1"/>
-          <p:cNvSpPr txBox="1">
-            <a:spLocks/>
-          </p:cNvSpPr>
-          <p:nvPr/>
-        </p:nvSpPr>
-        <p:spPr>
-          <a:xfrm>
-            <a:off x="798511" y="605118"/>
-            <a:ext cx="9404723" cy="1400530"/>
-          </a:xfrm>
-          <a:prstGeom prst="rect">
-            <a:avLst/>
-          </a:prstGeom>
-        </p:spPr>
-        <p:txBody>
-          <a:bodyPr vert="horz" lIns="91440" tIns="45720" rIns="91440" bIns="45720" rtlCol="0" anchor="t">
-            <a:noAutofit/>
-          </a:bodyPr>
-          <a:lstStyle>
-            <a:lvl1pPr algn="l" defTabSz="457200" rtl="0" eaLnBrk="1" latinLnBrk="0" hangingPunct="1">
-              <a:spcBef>
-                <a:spcPct val="0"/>
-              </a:spcBef>
-              <a:buNone/>
-              <a:defRPr sz="4200" b="0" i="0" kern="1200">
-                <a:solidFill>
-                  <a:schemeClr val="tx2"/>
-                </a:solidFill>
-                <a:latin typeface="+mj-lt"/>
-                <a:ea typeface="+mj-ea"/>
-                <a:cs typeface="+mj-cs"/>
-              </a:defRPr>
-            </a:lvl1pPr>
-            <a:lvl2pPr eaLnBrk="1" hangingPunct="1">
-              <a:defRPr>
-                <a:solidFill>
-                  <a:schemeClr val="tx2"/>
-                </a:solidFill>
-              </a:defRPr>
-            </a:lvl2pPr>
-            <a:lvl3pPr eaLnBrk="1" hangingPunct="1">
-              <a:defRPr>
-                <a:solidFill>
-                  <a:schemeClr val="tx2"/>
-                </a:solidFill>
-              </a:defRPr>
-            </a:lvl3pPr>
-            <a:lvl4pPr eaLnBrk="1" hangingPunct="1">
-              <a:defRPr>
-                <a:solidFill>
-                  <a:schemeClr val="tx2"/>
-                </a:solidFill>
-              </a:defRPr>
-            </a:lvl4pPr>
-            <a:lvl5pPr eaLnBrk="1" hangingPunct="1">
-              <a:defRPr>
-                <a:solidFill>
-                  <a:schemeClr val="tx2"/>
-                </a:solidFill>
-              </a:defRPr>
-            </a:lvl5pPr>
-            <a:lvl6pPr eaLnBrk="1" hangingPunct="1">
-              <a:defRPr>
-                <a:solidFill>
-                  <a:schemeClr val="tx2"/>
-                </a:solidFill>
-              </a:defRPr>
-            </a:lvl6pPr>
-            <a:lvl7pPr eaLnBrk="1" hangingPunct="1">
-              <a:defRPr>
-                <a:solidFill>
-                  <a:schemeClr val="tx2"/>
-                </a:solidFill>
-              </a:defRPr>
-            </a:lvl7pPr>
-            <a:lvl8pPr eaLnBrk="1" hangingPunct="1">
-              <a:defRPr>
-                <a:solidFill>
-                  <a:schemeClr val="tx2"/>
-                </a:solidFill>
-              </a:defRPr>
-            </a:lvl8pPr>
-            <a:lvl9pPr eaLnBrk="1" hangingPunct="1">
-              <a:defRPr>
-                <a:solidFill>
-                  <a:schemeClr val="tx2"/>
-                </a:solidFill>
-              </a:defRPr>
-            </a:lvl9pPr>
-          </a:lstStyle>
-          <a:p>
-            <a:r>
-              <a:rPr lang="en-US" dirty="0" smtClean="0"/>
-              <a:t>NRW NOTATION</a:t>
-            </a:r>
-            <a:endParaRPr lang="en-US" dirty="0"/>
-          </a:p>
-        </p:txBody>
-      </p:sp>
-    </p:spTree>
-    <p:extLst>
-      <p:ext uri="{BB962C8B-B14F-4D97-AF65-F5344CB8AC3E}">
-        <p14:creationId xmlns:p14="http://schemas.microsoft.com/office/powerpoint/2010/main" val="1873022180"/>
-      </p:ext>
-    </p:extLst>
-  </p:cSld>
-  <p:clrMapOvr>
-    <a:masterClrMapping/>
-  </p:clrMapOvr>
-  <p:timing>
-    <p:tnLst>
-      <p:par>
-        <p:cTn id="1" dur="indefinite" restart="never" nodeType="tmRoot"/>
-      </p:par>
-    </p:tnLst>
-  </p:timing>
-</p:sld>
-</file>
-
-<file path=ppt/slides/slide5.xml><?xml version="1.0" encoding="utf-8"?>
-<p:sld xmlns:a="http://schemas.openxmlformats.org/drawingml/2006/main" xmlns:r="http://schemas.openxmlformats.org/officeDocument/2006/relationships" xmlns:p="http://schemas.openxmlformats.org/presentationml/2006/main">
-  <p:cSld>
-    <p:spTree>
-      <p:nvGrpSpPr>
-        <p:cNvPr id="1" name=""/>
-        <p:cNvGrpSpPr/>
-        <p:nvPr/>
-      </p:nvGrpSpPr>
-      <p:grpSpPr>
-        <a:xfrm>
-          <a:off x="0" y="0"/>
-          <a:ext cx="0" cy="0"/>
-          <a:chOff x="0" y="0"/>
-          <a:chExt cx="0" cy="0"/>
-        </a:xfrm>
-      </p:grpSpPr>
-      <p:sp>
-        <p:nvSpPr>
-          <p:cNvPr id="2" name="Title 1"/>
-          <p:cNvSpPr>
-            <a:spLocks noGrp="1"/>
-          </p:cNvSpPr>
-          <p:nvPr>
-            <p:ph type="title"/>
-          </p:nvPr>
-        </p:nvSpPr>
         <p:spPr/>
         <p:txBody>
           <a:bodyPr/>
@@ -7365,7 +6948,7 @@
 </p:sld>
 </file>
 
-<file path=ppt/slides/slide6.xml><?xml version="1.0" encoding="utf-8"?>
+<file path=ppt/slides/slide5.xml><?xml version="1.0" encoding="utf-8"?>
 <p:sld xmlns:a="http://schemas.openxmlformats.org/drawingml/2006/main" xmlns:r="http://schemas.openxmlformats.org/officeDocument/2006/relationships" xmlns:p="http://schemas.openxmlformats.org/presentationml/2006/main">
   <p:cSld>
     <p:spTree>
@@ -7482,7 +7065,7 @@
 </p:sld>
 </file>
 
-<file path=ppt/slides/slide7.xml><?xml version="1.0" encoding="utf-8"?>
+<file path=ppt/slides/slide6.xml><?xml version="1.0" encoding="utf-8"?>
 <p:sld xmlns:a="http://schemas.openxmlformats.org/drawingml/2006/main" xmlns:r="http://schemas.openxmlformats.org/officeDocument/2006/relationships" xmlns:p="http://schemas.openxmlformats.org/presentationml/2006/main">
   <p:cSld>
     <p:spTree>
@@ -7626,7 +7209,7 @@
 </p:sld>
 </file>
 
-<file path=ppt/slides/slide8.xml><?xml version="1.0" encoding="utf-8"?>
+<file path=ppt/slides/slide7.xml><?xml version="1.0" encoding="utf-8"?>
 <p:sld xmlns:a="http://schemas.openxmlformats.org/drawingml/2006/main" xmlns:r="http://schemas.openxmlformats.org/officeDocument/2006/relationships" xmlns:p="http://schemas.openxmlformats.org/presentationml/2006/main">
   <p:cSld>
     <p:spTree>

--- a/group6slidshow.pptx
+++ b/group6slidshow.pptx
@@ -4,6 +4,9 @@
   <p:sldMasterIdLst>
     <p:sldMasterId id="2147483660" r:id="rId1"/>
   </p:sldMasterIdLst>
+  <p:notesMasterIdLst>
+    <p:notesMasterId r:id="rId15"/>
+  </p:notesMasterIdLst>
   <p:sldIdLst>
     <p:sldId id="256" r:id="rId2"/>
     <p:sldId id="257" r:id="rId3"/>
@@ -11,7 +14,13 @@
     <p:sldId id="272" r:id="rId5"/>
     <p:sldId id="273" r:id="rId6"/>
     <p:sldId id="274" r:id="rId7"/>
-    <p:sldId id="262" r:id="rId8"/>
+    <p:sldId id="275" r:id="rId8"/>
+    <p:sldId id="276" r:id="rId9"/>
+    <p:sldId id="277" r:id="rId10"/>
+    <p:sldId id="278" r:id="rId11"/>
+    <p:sldId id="280" r:id="rId12"/>
+    <p:sldId id="279" r:id="rId13"/>
+    <p:sldId id="262" r:id="rId14"/>
   </p:sldIdLst>
   <p:sldSz cx="12192000" cy="6858000"/>
   <p:notesSz cx="6858000" cy="9144000"/>
@@ -118,6 +127,355 @@
 </p:presentation>
 </file>
 
+<file path=ppt/notesMasters/notesMaster1.xml><?xml version="1.0" encoding="utf-8"?>
+<p:notesMaster xmlns:a="http://schemas.openxmlformats.org/drawingml/2006/main" xmlns:r="http://schemas.openxmlformats.org/officeDocument/2006/relationships" xmlns:p="http://schemas.openxmlformats.org/presentationml/2006/main">
+  <p:cSld>
+    <p:bg>
+      <p:bgRef idx="1001">
+        <a:schemeClr val="bg1"/>
+      </p:bgRef>
+    </p:bg>
+    <p:spTree>
+      <p:nvGrpSpPr>
+        <p:cNvPr id="1" name=""/>
+        <p:cNvGrpSpPr/>
+        <p:nvPr/>
+      </p:nvGrpSpPr>
+      <p:grpSpPr>
+        <a:xfrm>
+          <a:off x="0" y="0"/>
+          <a:ext cx="0" cy="0"/>
+          <a:chOff x="0" y="0"/>
+          <a:chExt cx="0" cy="0"/>
+        </a:xfrm>
+      </p:grpSpPr>
+      <p:sp>
+        <p:nvSpPr>
+          <p:cNvPr id="2" name="Header Placeholder 1"/>
+          <p:cNvSpPr>
+            <a:spLocks noGrp="1"/>
+          </p:cNvSpPr>
+          <p:nvPr>
+            <p:ph type="hdr" sz="quarter"/>
+          </p:nvPr>
+        </p:nvSpPr>
+        <p:spPr>
+          <a:xfrm>
+            <a:off x="0" y="0"/>
+            <a:ext cx="2971800" cy="458788"/>
+          </a:xfrm>
+          <a:prstGeom prst="rect">
+            <a:avLst/>
+          </a:prstGeom>
+        </p:spPr>
+        <p:txBody>
+          <a:bodyPr vert="horz" lIns="91440" tIns="45720" rIns="91440" bIns="45720" rtlCol="0"/>
+          <a:lstStyle>
+            <a:lvl1pPr algn="l">
+              <a:defRPr sz="1200"/>
+            </a:lvl1pPr>
+          </a:lstStyle>
+          <a:p>
+            <a:endParaRPr lang="en-US"/>
+          </a:p>
+        </p:txBody>
+      </p:sp>
+      <p:sp>
+        <p:nvSpPr>
+          <p:cNvPr id="3" name="Date Placeholder 2"/>
+          <p:cNvSpPr>
+            <a:spLocks noGrp="1"/>
+          </p:cNvSpPr>
+          <p:nvPr>
+            <p:ph type="dt" idx="1"/>
+          </p:nvPr>
+        </p:nvSpPr>
+        <p:spPr>
+          <a:xfrm>
+            <a:off x="3884613" y="0"/>
+            <a:ext cx="2971800" cy="458788"/>
+          </a:xfrm>
+          <a:prstGeom prst="rect">
+            <a:avLst/>
+          </a:prstGeom>
+        </p:spPr>
+        <p:txBody>
+          <a:bodyPr vert="horz" lIns="91440" tIns="45720" rIns="91440" bIns="45720" rtlCol="0"/>
+          <a:lstStyle>
+            <a:lvl1pPr algn="r">
+              <a:defRPr sz="1200"/>
+            </a:lvl1pPr>
+          </a:lstStyle>
+          <a:p>
+            <a:fld id="{8165EBC6-0CC8-47E0-960D-C0E08CE7FC8C}" type="datetimeFigureOut">
+              <a:rPr lang="en-US" smtClean="0"/>
+              <a:t>6/2/2019</a:t>
+            </a:fld>
+            <a:endParaRPr lang="en-US"/>
+          </a:p>
+        </p:txBody>
+      </p:sp>
+      <p:sp>
+        <p:nvSpPr>
+          <p:cNvPr id="4" name="Slide Image Placeholder 3"/>
+          <p:cNvSpPr>
+            <a:spLocks noGrp="1" noRot="1" noChangeAspect="1"/>
+          </p:cNvSpPr>
+          <p:nvPr>
+            <p:ph type="sldImg" idx="2"/>
+          </p:nvPr>
+        </p:nvSpPr>
+        <p:spPr>
+          <a:xfrm>
+            <a:off x="685800" y="1143000"/>
+            <a:ext cx="5486400" cy="3086100"/>
+          </a:xfrm>
+          <a:prstGeom prst="rect">
+            <a:avLst/>
+          </a:prstGeom>
+          <a:noFill/>
+          <a:ln w="12700">
+            <a:solidFill>
+              <a:prstClr val="black"/>
+            </a:solidFill>
+          </a:ln>
+        </p:spPr>
+        <p:txBody>
+          <a:bodyPr vert="horz" lIns="91440" tIns="45720" rIns="91440" bIns="45720" rtlCol="0" anchor="ctr"/>
+          <a:lstStyle/>
+          <a:p>
+            <a:endParaRPr lang="en-US"/>
+          </a:p>
+        </p:txBody>
+      </p:sp>
+      <p:sp>
+        <p:nvSpPr>
+          <p:cNvPr id="5" name="Notes Placeholder 4"/>
+          <p:cNvSpPr>
+            <a:spLocks noGrp="1"/>
+          </p:cNvSpPr>
+          <p:nvPr>
+            <p:ph type="body" sz="quarter" idx="3"/>
+          </p:nvPr>
+        </p:nvSpPr>
+        <p:spPr>
+          <a:xfrm>
+            <a:off x="685800" y="4400550"/>
+            <a:ext cx="5486400" cy="3600450"/>
+          </a:xfrm>
+          <a:prstGeom prst="rect">
+            <a:avLst/>
+          </a:prstGeom>
+        </p:spPr>
+        <p:txBody>
+          <a:bodyPr vert="horz" lIns="91440" tIns="45720" rIns="91440" bIns="45720" rtlCol="0"/>
+          <a:lstStyle/>
+          <a:p>
+            <a:pPr lvl="0"/>
+            <a:r>
+              <a:rPr lang="en-US"/>
+              <a:t>Click to edit Master text styles</a:t>
+            </a:r>
+          </a:p>
+          <a:p>
+            <a:pPr lvl="1"/>
+            <a:r>
+              <a:rPr lang="en-US"/>
+              <a:t>Second level</a:t>
+            </a:r>
+          </a:p>
+          <a:p>
+            <a:pPr lvl="2"/>
+            <a:r>
+              <a:rPr lang="en-US"/>
+              <a:t>Third level</a:t>
+            </a:r>
+          </a:p>
+          <a:p>
+            <a:pPr lvl="3"/>
+            <a:r>
+              <a:rPr lang="en-US"/>
+              <a:t>Fourth level</a:t>
+            </a:r>
+          </a:p>
+          <a:p>
+            <a:pPr lvl="4"/>
+            <a:r>
+              <a:rPr lang="en-US"/>
+              <a:t>Fifth level</a:t>
+            </a:r>
+          </a:p>
+        </p:txBody>
+      </p:sp>
+      <p:sp>
+        <p:nvSpPr>
+          <p:cNvPr id="6" name="Footer Placeholder 5"/>
+          <p:cNvSpPr>
+            <a:spLocks noGrp="1"/>
+          </p:cNvSpPr>
+          <p:nvPr>
+            <p:ph type="ftr" sz="quarter" idx="4"/>
+          </p:nvPr>
+        </p:nvSpPr>
+        <p:spPr>
+          <a:xfrm>
+            <a:off x="0" y="8685213"/>
+            <a:ext cx="2971800" cy="458787"/>
+          </a:xfrm>
+          <a:prstGeom prst="rect">
+            <a:avLst/>
+          </a:prstGeom>
+        </p:spPr>
+        <p:txBody>
+          <a:bodyPr vert="horz" lIns="91440" tIns="45720" rIns="91440" bIns="45720" rtlCol="0" anchor="b"/>
+          <a:lstStyle>
+            <a:lvl1pPr algn="l">
+              <a:defRPr sz="1200"/>
+            </a:lvl1pPr>
+          </a:lstStyle>
+          <a:p>
+            <a:endParaRPr lang="en-US"/>
+          </a:p>
+        </p:txBody>
+      </p:sp>
+      <p:sp>
+        <p:nvSpPr>
+          <p:cNvPr id="7" name="Slide Number Placeholder 6"/>
+          <p:cNvSpPr>
+            <a:spLocks noGrp="1"/>
+          </p:cNvSpPr>
+          <p:nvPr>
+            <p:ph type="sldNum" sz="quarter" idx="5"/>
+          </p:nvPr>
+        </p:nvSpPr>
+        <p:spPr>
+          <a:xfrm>
+            <a:off x="3884613" y="8685213"/>
+            <a:ext cx="2971800" cy="458787"/>
+          </a:xfrm>
+          <a:prstGeom prst="rect">
+            <a:avLst/>
+          </a:prstGeom>
+        </p:spPr>
+        <p:txBody>
+          <a:bodyPr vert="horz" lIns="91440" tIns="45720" rIns="91440" bIns="45720" rtlCol="0" anchor="b"/>
+          <a:lstStyle>
+            <a:lvl1pPr algn="r">
+              <a:defRPr sz="1200"/>
+            </a:lvl1pPr>
+          </a:lstStyle>
+          <a:p>
+            <a:fld id="{04D269B0-9A3D-4406-8829-B31EE04B0368}" type="slidenum">
+              <a:rPr lang="en-US" smtClean="0"/>
+              <a:t>‹#›</a:t>
+            </a:fld>
+            <a:endParaRPr lang="en-US"/>
+          </a:p>
+        </p:txBody>
+      </p:sp>
+    </p:spTree>
+    <p:extLst>
+      <p:ext uri="{BB962C8B-B14F-4D97-AF65-F5344CB8AC3E}">
+        <p14:creationId xmlns:p14="http://schemas.microsoft.com/office/powerpoint/2010/main" val="1511270411"/>
+      </p:ext>
+    </p:extLst>
+  </p:cSld>
+  <p:clrMap bg1="lt1" tx1="dk1" bg2="lt2" tx2="dk2" accent1="accent1" accent2="accent2" accent3="accent3" accent4="accent4" accent5="accent5" accent6="accent6" hlink="hlink" folHlink="folHlink"/>
+  <p:notesStyle>
+    <a:lvl1pPr marL="0" algn="l" defTabSz="914400" rtl="0" eaLnBrk="1" latinLnBrk="0" hangingPunct="1">
+      <a:defRPr sz="1200" kern="1200">
+        <a:solidFill>
+          <a:schemeClr val="tx1"/>
+        </a:solidFill>
+        <a:latin typeface="+mn-lt"/>
+        <a:ea typeface="+mn-ea"/>
+        <a:cs typeface="+mn-cs"/>
+      </a:defRPr>
+    </a:lvl1pPr>
+    <a:lvl2pPr marL="457200" algn="l" defTabSz="914400" rtl="0" eaLnBrk="1" latinLnBrk="0" hangingPunct="1">
+      <a:defRPr sz="1200" kern="1200">
+        <a:solidFill>
+          <a:schemeClr val="tx1"/>
+        </a:solidFill>
+        <a:latin typeface="+mn-lt"/>
+        <a:ea typeface="+mn-ea"/>
+        <a:cs typeface="+mn-cs"/>
+      </a:defRPr>
+    </a:lvl2pPr>
+    <a:lvl3pPr marL="914400" algn="l" defTabSz="914400" rtl="0" eaLnBrk="1" latinLnBrk="0" hangingPunct="1">
+      <a:defRPr sz="1200" kern="1200">
+        <a:solidFill>
+          <a:schemeClr val="tx1"/>
+        </a:solidFill>
+        <a:latin typeface="+mn-lt"/>
+        <a:ea typeface="+mn-ea"/>
+        <a:cs typeface="+mn-cs"/>
+      </a:defRPr>
+    </a:lvl3pPr>
+    <a:lvl4pPr marL="1371600" algn="l" defTabSz="914400" rtl="0" eaLnBrk="1" latinLnBrk="0" hangingPunct="1">
+      <a:defRPr sz="1200" kern="1200">
+        <a:solidFill>
+          <a:schemeClr val="tx1"/>
+        </a:solidFill>
+        <a:latin typeface="+mn-lt"/>
+        <a:ea typeface="+mn-ea"/>
+        <a:cs typeface="+mn-cs"/>
+      </a:defRPr>
+    </a:lvl4pPr>
+    <a:lvl5pPr marL="1828800" algn="l" defTabSz="914400" rtl="0" eaLnBrk="1" latinLnBrk="0" hangingPunct="1">
+      <a:defRPr sz="1200" kern="1200">
+        <a:solidFill>
+          <a:schemeClr val="tx1"/>
+        </a:solidFill>
+        <a:latin typeface="+mn-lt"/>
+        <a:ea typeface="+mn-ea"/>
+        <a:cs typeface="+mn-cs"/>
+      </a:defRPr>
+    </a:lvl5pPr>
+    <a:lvl6pPr marL="2286000" algn="l" defTabSz="914400" rtl="0" eaLnBrk="1" latinLnBrk="0" hangingPunct="1">
+      <a:defRPr sz="1200" kern="1200">
+        <a:solidFill>
+          <a:schemeClr val="tx1"/>
+        </a:solidFill>
+        <a:latin typeface="+mn-lt"/>
+        <a:ea typeface="+mn-ea"/>
+        <a:cs typeface="+mn-cs"/>
+      </a:defRPr>
+    </a:lvl6pPr>
+    <a:lvl7pPr marL="2743200" algn="l" defTabSz="914400" rtl="0" eaLnBrk="1" latinLnBrk="0" hangingPunct="1">
+      <a:defRPr sz="1200" kern="1200">
+        <a:solidFill>
+          <a:schemeClr val="tx1"/>
+        </a:solidFill>
+        <a:latin typeface="+mn-lt"/>
+        <a:ea typeface="+mn-ea"/>
+        <a:cs typeface="+mn-cs"/>
+      </a:defRPr>
+    </a:lvl7pPr>
+    <a:lvl8pPr marL="3200400" algn="l" defTabSz="914400" rtl="0" eaLnBrk="1" latinLnBrk="0" hangingPunct="1">
+      <a:defRPr sz="1200" kern="1200">
+        <a:solidFill>
+          <a:schemeClr val="tx1"/>
+        </a:solidFill>
+        <a:latin typeface="+mn-lt"/>
+        <a:ea typeface="+mn-ea"/>
+        <a:cs typeface="+mn-cs"/>
+      </a:defRPr>
+    </a:lvl8pPr>
+    <a:lvl9pPr marL="3657600" algn="l" defTabSz="914400" rtl="0" eaLnBrk="1" latinLnBrk="0" hangingPunct="1">
+      <a:defRPr sz="1200" kern="1200">
+        <a:solidFill>
+          <a:schemeClr val="tx1"/>
+        </a:solidFill>
+        <a:latin typeface="+mn-lt"/>
+        <a:ea typeface="+mn-ea"/>
+        <a:cs typeface="+mn-cs"/>
+      </a:defRPr>
+    </a:lvl9pPr>
+  </p:notesStyle>
+</p:notesMaster>
+</file>
+
 <file path=ppt/slideLayouts/slideLayout1.xml><?xml version="1.0" encoding="utf-8"?>
 <p:sldLayout xmlns:a="http://schemas.openxmlformats.org/drawingml/2006/main" xmlns:r="http://schemas.openxmlformats.org/officeDocument/2006/relationships" xmlns:p="http://schemas.openxmlformats.org/presentationml/2006/main" type="title" preserve="1">
   <p:cSld name="Title Slide">
@@ -160,7 +518,7 @@
           </a:lstStyle>
           <a:p>
             <a:r>
-              <a:rPr lang="en-US" smtClean="0"/>
+              <a:rPr lang="en-US"/>
               <a:t>Click to edit Master title style</a:t>
             </a:r>
             <a:endParaRPr lang="en-US" dirty="0"/>
@@ -280,7 +638,7 @@
           </a:lstStyle>
           <a:p>
             <a:r>
-              <a:rPr lang="en-US" smtClean="0"/>
+              <a:rPr lang="en-US"/>
               <a:t>Click to edit Master subtitle style</a:t>
             </a:r>
             <a:endParaRPr lang="en-US" dirty="0"/>
@@ -304,7 +662,7 @@
           <a:p>
             <a:fld id="{37461C0B-7B0A-4439-9D20-3DEC988BCA09}" type="datetimeFigureOut">
               <a:rPr lang="en-US" smtClean="0"/>
-              <a:t>5/31/2019</a:t>
+              <a:t>6/2/2019</a:t>
             </a:fld>
             <a:endParaRPr lang="en-US" dirty="0"/>
           </a:p>
@@ -409,7 +767,7 @@
           </a:lstStyle>
           <a:p>
             <a:r>
-              <a:rPr lang="en-US" smtClean="0"/>
+              <a:rPr lang="en-US"/>
               <a:t>Click to edit Master title style</a:t>
             </a:r>
             <a:endParaRPr lang="en-US" dirty="0"/>
@@ -488,10 +846,9 @@
           </a:lstStyle>
           <a:p>
             <a:r>
-              <a:rPr lang="en-US" dirty="0" smtClean="0"/>
+              <a:rPr lang="en-US" dirty="0"/>
               <a:t>Click icon to add picture</a:t>
             </a:r>
-            <a:endParaRPr lang="en-US" dirty="0"/>
           </a:p>
         </p:txBody>
       </p:sp>
@@ -556,7 +913,7 @@
           <a:p>
             <a:pPr lvl="0"/>
             <a:r>
-              <a:rPr lang="en-US" smtClean="0"/>
+              <a:rPr lang="en-US"/>
               <a:t>Edit Master text styles</a:t>
             </a:r>
           </a:p>
@@ -579,7 +936,7 @@
           <a:p>
             <a:fld id="{37461C0B-7B0A-4439-9D20-3DEC988BCA09}" type="datetimeFigureOut">
               <a:rPr lang="en-US" smtClean="0"/>
-              <a:t>5/31/2019</a:t>
+              <a:t>6/2/2019</a:t>
             </a:fld>
             <a:endParaRPr lang="en-US" dirty="0"/>
           </a:p>
@@ -682,7 +1039,7 @@
           </a:lstStyle>
           <a:p>
             <a:r>
-              <a:rPr lang="en-US" smtClean="0"/>
+              <a:rPr lang="en-US"/>
               <a:t>Click to edit Master title style</a:t>
             </a:r>
             <a:endParaRPr lang="en-US" dirty="0"/>
@@ -750,7 +1107,7 @@
           <a:p>
             <a:pPr lvl="0"/>
             <a:r>
-              <a:rPr lang="en-US" smtClean="0"/>
+              <a:rPr lang="en-US"/>
               <a:t>Edit Master text styles</a:t>
             </a:r>
           </a:p>
@@ -773,7 +1130,7 @@
           <a:p>
             <a:fld id="{37461C0B-7B0A-4439-9D20-3DEC988BCA09}" type="datetimeFigureOut">
               <a:rPr lang="en-US" smtClean="0"/>
-              <a:t>5/31/2019</a:t>
+              <a:t>6/2/2019</a:t>
             </a:fld>
             <a:endParaRPr lang="en-US" dirty="0"/>
           </a:p>
@@ -876,7 +1233,7 @@
           </a:lstStyle>
           <a:p>
             <a:r>
-              <a:rPr lang="en-US" smtClean="0"/>
+              <a:rPr lang="en-US"/>
               <a:t>Click to edit Master title style</a:t>
             </a:r>
             <a:endParaRPr lang="en-US" dirty="0"/>
@@ -956,7 +1313,7 @@
               <a:buNone/>
             </a:pPr>
             <a:r>
-              <a:rPr lang="en-US" smtClean="0"/>
+              <a:rPr lang="en-US"/>
               <a:t>Edit Master text styles</a:t>
             </a:r>
           </a:p>
@@ -1023,7 +1380,7 @@
           <a:p>
             <a:pPr lvl="0"/>
             <a:r>
-              <a:rPr lang="en-US" smtClean="0"/>
+              <a:rPr lang="en-US"/>
               <a:t>Edit Master text styles</a:t>
             </a:r>
           </a:p>
@@ -1046,7 +1403,7 @@
           <a:p>
             <a:fld id="{37461C0B-7B0A-4439-9D20-3DEC988BCA09}" type="datetimeFigureOut">
               <a:rPr lang="en-US" smtClean="0"/>
-              <a:t>5/31/2019</a:t>
+              <a:t>6/2/2019</a:t>
             </a:fld>
             <a:endParaRPr lang="en-US" dirty="0"/>
           </a:p>
@@ -1243,7 +1600,7 @@
           </a:lstStyle>
           <a:p>
             <a:r>
-              <a:rPr lang="en-US" smtClean="0"/>
+              <a:rPr lang="en-US"/>
               <a:t>Click to edit Master title style</a:t>
             </a:r>
             <a:endParaRPr lang="en-US" dirty="0"/>
@@ -1364,7 +1721,7 @@
           <a:p>
             <a:pPr lvl="0"/>
             <a:r>
-              <a:rPr lang="en-US" smtClean="0"/>
+              <a:rPr lang="en-US"/>
               <a:t>Edit Master text styles</a:t>
             </a:r>
           </a:p>
@@ -1387,7 +1744,7 @@
           <a:p>
             <a:fld id="{37461C0B-7B0A-4439-9D20-3DEC988BCA09}" type="datetimeFigureOut">
               <a:rPr lang="en-US" smtClean="0"/>
-              <a:t>5/31/2019</a:t>
+              <a:t>6/2/2019</a:t>
             </a:fld>
             <a:endParaRPr lang="en-US" dirty="0"/>
           </a:p>
@@ -1485,7 +1842,7 @@
           </a:lstStyle>
           <a:p>
             <a:r>
-              <a:rPr lang="en-US" smtClean="0"/>
+              <a:rPr lang="en-US"/>
               <a:t>Click to edit Master title style</a:t>
             </a:r>
             <a:endParaRPr lang="en-US" dirty="0"/>
@@ -1560,7 +1917,7 @@
           <a:p>
             <a:pPr lvl="0"/>
             <a:r>
-              <a:rPr lang="en-US" smtClean="0"/>
+              <a:rPr lang="en-US"/>
               <a:t>Edit Master text styles</a:t>
             </a:r>
           </a:p>
@@ -1627,7 +1984,7 @@
           <a:p>
             <a:pPr lvl="0"/>
             <a:r>
-              <a:rPr lang="en-US" smtClean="0"/>
+              <a:rPr lang="en-US"/>
               <a:t>Edit Master text styles</a:t>
             </a:r>
           </a:p>
@@ -1701,7 +2058,7 @@
           <a:p>
             <a:pPr lvl="0"/>
             <a:r>
-              <a:rPr lang="en-US" smtClean="0"/>
+              <a:rPr lang="en-US"/>
               <a:t>Edit Master text styles</a:t>
             </a:r>
           </a:p>
@@ -1768,7 +2125,7 @@
           <a:p>
             <a:pPr lvl="0"/>
             <a:r>
-              <a:rPr lang="en-US" smtClean="0"/>
+              <a:rPr lang="en-US"/>
               <a:t>Edit Master text styles</a:t>
             </a:r>
           </a:p>
@@ -1842,7 +2199,7 @@
           <a:p>
             <a:pPr lvl="0"/>
             <a:r>
-              <a:rPr lang="en-US" smtClean="0"/>
+              <a:rPr lang="en-US"/>
               <a:t>Edit Master text styles</a:t>
             </a:r>
           </a:p>
@@ -1909,7 +2266,7 @@
           <a:p>
             <a:pPr lvl="0"/>
             <a:r>
-              <a:rPr lang="en-US" smtClean="0"/>
+              <a:rPr lang="en-US"/>
               <a:t>Edit Master text styles</a:t>
             </a:r>
           </a:p>
@@ -2010,7 +2367,7 @@
           <a:p>
             <a:fld id="{37461C0B-7B0A-4439-9D20-3DEC988BCA09}" type="datetimeFigureOut">
               <a:rPr lang="en-US" smtClean="0"/>
-              <a:t>5/31/2019</a:t>
+              <a:t>6/2/2019</a:t>
             </a:fld>
             <a:endParaRPr lang="en-US" dirty="0"/>
           </a:p>
@@ -2108,7 +2465,7 @@
           </a:lstStyle>
           <a:p>
             <a:r>
-              <a:rPr lang="en-US" smtClean="0"/>
+              <a:rPr lang="en-US"/>
               <a:t>Click to edit Master title style</a:t>
             </a:r>
             <a:endParaRPr lang="en-US" dirty="0"/>
@@ -2183,7 +2540,7 @@
           <a:p>
             <a:pPr lvl="0"/>
             <a:r>
-              <a:rPr lang="en-US" smtClean="0"/>
+              <a:rPr lang="en-US"/>
               <a:t>Edit Master text styles</a:t>
             </a:r>
           </a:p>
@@ -2261,10 +2618,9 @@
           </a:lstStyle>
           <a:p>
             <a:r>
-              <a:rPr lang="en-US" dirty="0" smtClean="0"/>
+              <a:rPr lang="en-US" dirty="0"/>
               <a:t>Click icon to add picture</a:t>
             </a:r>
-            <a:endParaRPr lang="en-US" dirty="0"/>
           </a:p>
         </p:txBody>
       </p:sp>
@@ -2329,7 +2685,7 @@
           <a:p>
             <a:pPr lvl="0"/>
             <a:r>
-              <a:rPr lang="en-US" smtClean="0"/>
+              <a:rPr lang="en-US"/>
               <a:t>Edit Master text styles</a:t>
             </a:r>
           </a:p>
@@ -2403,7 +2759,7 @@
           <a:p>
             <a:pPr lvl="0"/>
             <a:r>
-              <a:rPr lang="en-US" smtClean="0"/>
+              <a:rPr lang="en-US"/>
               <a:t>Edit Master text styles</a:t>
             </a:r>
           </a:p>
@@ -2481,10 +2837,9 @@
           </a:lstStyle>
           <a:p>
             <a:r>
-              <a:rPr lang="en-US" dirty="0" smtClean="0"/>
+              <a:rPr lang="en-US" dirty="0"/>
               <a:t>Click icon to add picture</a:t>
             </a:r>
-            <a:endParaRPr lang="en-US" dirty="0"/>
           </a:p>
         </p:txBody>
       </p:sp>
@@ -2549,7 +2904,7 @@
           <a:p>
             <a:pPr lvl="0"/>
             <a:r>
-              <a:rPr lang="en-US" smtClean="0"/>
+              <a:rPr lang="en-US"/>
               <a:t>Edit Master text styles</a:t>
             </a:r>
           </a:p>
@@ -2623,7 +2978,7 @@
           <a:p>
             <a:pPr lvl="0"/>
             <a:r>
-              <a:rPr lang="en-US" smtClean="0"/>
+              <a:rPr lang="en-US"/>
               <a:t>Edit Master text styles</a:t>
             </a:r>
           </a:p>
@@ -2701,10 +3056,9 @@
           </a:lstStyle>
           <a:p>
             <a:r>
-              <a:rPr lang="en-US" dirty="0" smtClean="0"/>
+              <a:rPr lang="en-US" dirty="0"/>
               <a:t>Click icon to add picture</a:t>
             </a:r>
-            <a:endParaRPr lang="en-US" dirty="0"/>
           </a:p>
         </p:txBody>
       </p:sp>
@@ -2769,7 +3123,7 @@
           <a:p>
             <a:pPr lvl="0"/>
             <a:r>
-              <a:rPr lang="en-US" smtClean="0"/>
+              <a:rPr lang="en-US"/>
               <a:t>Edit Master text styles</a:t>
             </a:r>
           </a:p>
@@ -2870,7 +3224,7 @@
           <a:p>
             <a:fld id="{37461C0B-7B0A-4439-9D20-3DEC988BCA09}" type="datetimeFigureOut">
               <a:rPr lang="en-US" smtClean="0"/>
-              <a:t>5/31/2019</a:t>
+              <a:t>6/2/2019</a:t>
             </a:fld>
             <a:endParaRPr lang="en-US" dirty="0"/>
           </a:p>
@@ -2964,7 +3318,7 @@
           <a:lstStyle/>
           <a:p>
             <a:r>
-              <a:rPr lang="en-US" smtClean="0"/>
+              <a:rPr lang="en-US"/>
               <a:t>Click to edit Master title style</a:t>
             </a:r>
             <a:endParaRPr lang="en-US" dirty="0"/>
@@ -2988,35 +3342,35 @@
           <a:p>
             <a:pPr lvl="0"/>
             <a:r>
-              <a:rPr lang="en-US" smtClean="0"/>
+              <a:rPr lang="en-US"/>
               <a:t>Edit Master text styles</a:t>
             </a:r>
           </a:p>
           <a:p>
             <a:pPr lvl="1"/>
             <a:r>
-              <a:rPr lang="en-US" smtClean="0"/>
+              <a:rPr lang="en-US"/>
               <a:t>Second level</a:t>
             </a:r>
           </a:p>
           <a:p>
             <a:pPr lvl="2"/>
             <a:r>
-              <a:rPr lang="en-US" smtClean="0"/>
+              <a:rPr lang="en-US"/>
               <a:t>Third level</a:t>
             </a:r>
           </a:p>
           <a:p>
             <a:pPr lvl="3"/>
             <a:r>
-              <a:rPr lang="en-US" smtClean="0"/>
+              <a:rPr lang="en-US"/>
               <a:t>Fourth level</a:t>
             </a:r>
           </a:p>
           <a:p>
             <a:pPr lvl="4"/>
             <a:r>
-              <a:rPr lang="en-US" smtClean="0"/>
+              <a:rPr lang="en-US"/>
               <a:t>Fifth level</a:t>
             </a:r>
             <a:endParaRPr lang="en-US" dirty="0"/>
@@ -3040,7 +3394,7 @@
           <a:p>
             <a:fld id="{37461C0B-7B0A-4439-9D20-3DEC988BCA09}" type="datetimeFigureOut">
               <a:rPr lang="en-US" smtClean="0"/>
-              <a:t>5/31/2019</a:t>
+              <a:t>6/2/2019</a:t>
             </a:fld>
             <a:endParaRPr lang="en-US" dirty="0"/>
           </a:p>
@@ -3139,7 +3493,7 @@
           <a:lstStyle/>
           <a:p>
             <a:r>
-              <a:rPr lang="en-US" smtClean="0"/>
+              <a:rPr lang="en-US"/>
               <a:t>Click to edit Master title style</a:t>
             </a:r>
             <a:endParaRPr lang="en-US" dirty="0"/>
@@ -3168,35 +3522,35 @@
           <a:p>
             <a:pPr lvl="0"/>
             <a:r>
-              <a:rPr lang="en-US" smtClean="0"/>
+              <a:rPr lang="en-US"/>
               <a:t>Edit Master text styles</a:t>
             </a:r>
           </a:p>
           <a:p>
             <a:pPr lvl="1"/>
             <a:r>
-              <a:rPr lang="en-US" smtClean="0"/>
+              <a:rPr lang="en-US"/>
               <a:t>Second level</a:t>
             </a:r>
           </a:p>
           <a:p>
             <a:pPr lvl="2"/>
             <a:r>
-              <a:rPr lang="en-US" smtClean="0"/>
+              <a:rPr lang="en-US"/>
               <a:t>Third level</a:t>
             </a:r>
           </a:p>
           <a:p>
             <a:pPr lvl="3"/>
             <a:r>
-              <a:rPr lang="en-US" smtClean="0"/>
+              <a:rPr lang="en-US"/>
               <a:t>Fourth level</a:t>
             </a:r>
           </a:p>
           <a:p>
             <a:pPr lvl="4"/>
             <a:r>
-              <a:rPr lang="en-US" smtClean="0"/>
+              <a:rPr lang="en-US"/>
               <a:t>Fifth level</a:t>
             </a:r>
             <a:endParaRPr lang="en-US" dirty="0"/>
@@ -3220,7 +3574,7 @@
           <a:p>
             <a:fld id="{37461C0B-7B0A-4439-9D20-3DEC988BCA09}" type="datetimeFigureOut">
               <a:rPr lang="en-US" smtClean="0"/>
-              <a:t>5/31/2019</a:t>
+              <a:t>6/2/2019</a:t>
             </a:fld>
             <a:endParaRPr lang="en-US" dirty="0"/>
           </a:p>
@@ -3314,7 +3668,7 @@
           <a:lstStyle/>
           <a:p>
             <a:r>
-              <a:rPr lang="en-US" smtClean="0"/>
+              <a:rPr lang="en-US"/>
               <a:t>Click to edit Master title style</a:t>
             </a:r>
             <a:endParaRPr lang="en-US" dirty="0"/>
@@ -3338,35 +3692,35 @@
           <a:p>
             <a:pPr lvl="0"/>
             <a:r>
-              <a:rPr lang="en-US" smtClean="0"/>
+              <a:rPr lang="en-US"/>
               <a:t>Edit Master text styles</a:t>
             </a:r>
           </a:p>
           <a:p>
             <a:pPr lvl="1"/>
             <a:r>
-              <a:rPr lang="en-US" smtClean="0"/>
+              <a:rPr lang="en-US"/>
               <a:t>Second level</a:t>
             </a:r>
           </a:p>
           <a:p>
             <a:pPr lvl="2"/>
             <a:r>
-              <a:rPr lang="en-US" smtClean="0"/>
+              <a:rPr lang="en-US"/>
               <a:t>Third level</a:t>
             </a:r>
           </a:p>
           <a:p>
             <a:pPr lvl="3"/>
             <a:r>
-              <a:rPr lang="en-US" smtClean="0"/>
+              <a:rPr lang="en-US"/>
               <a:t>Fourth level</a:t>
             </a:r>
           </a:p>
           <a:p>
             <a:pPr lvl="4"/>
             <a:r>
-              <a:rPr lang="en-US" smtClean="0"/>
+              <a:rPr lang="en-US"/>
               <a:t>Fifth level</a:t>
             </a:r>
             <a:endParaRPr lang="en-US" dirty="0"/>
@@ -3390,7 +3744,7 @@
           <a:p>
             <a:fld id="{37461C0B-7B0A-4439-9D20-3DEC988BCA09}" type="datetimeFigureOut">
               <a:rPr lang="en-US" smtClean="0"/>
-              <a:t>5/31/2019</a:t>
+              <a:t>6/2/2019</a:t>
             </a:fld>
             <a:endParaRPr lang="en-US" dirty="0"/>
           </a:p>
@@ -3493,7 +3847,7 @@
           </a:lstStyle>
           <a:p>
             <a:r>
-              <a:rPr lang="en-US" smtClean="0"/>
+              <a:rPr lang="en-US"/>
               <a:t>Click to edit Master title style</a:t>
             </a:r>
             <a:endParaRPr lang="en-US" dirty="0"/>
@@ -3614,7 +3968,7 @@
           <a:p>
             <a:pPr lvl="0"/>
             <a:r>
-              <a:rPr lang="en-US" smtClean="0"/>
+              <a:rPr lang="en-US"/>
               <a:t>Edit Master text styles</a:t>
             </a:r>
           </a:p>
@@ -3637,7 +3991,7 @@
           <a:p>
             <a:fld id="{37461C0B-7B0A-4439-9D20-3DEC988BCA09}" type="datetimeFigureOut">
               <a:rPr lang="en-US" smtClean="0"/>
-              <a:t>5/31/2019</a:t>
+              <a:t>6/2/2019</a:t>
             </a:fld>
             <a:endParaRPr lang="en-US" dirty="0"/>
           </a:p>
@@ -3731,7 +4085,7 @@
           <a:lstStyle/>
           <a:p>
             <a:r>
-              <a:rPr lang="en-US" smtClean="0"/>
+              <a:rPr lang="en-US"/>
               <a:t>Click to edit Master title style</a:t>
             </a:r>
             <a:endParaRPr lang="en-US" dirty="0"/>
@@ -3790,35 +4144,35 @@
           <a:p>
             <a:pPr lvl="0"/>
             <a:r>
-              <a:rPr lang="en-US" smtClean="0"/>
+              <a:rPr lang="en-US"/>
               <a:t>Edit Master text styles</a:t>
             </a:r>
           </a:p>
           <a:p>
             <a:pPr lvl="1"/>
             <a:r>
-              <a:rPr lang="en-US" smtClean="0"/>
+              <a:rPr lang="en-US"/>
               <a:t>Second level</a:t>
             </a:r>
           </a:p>
           <a:p>
             <a:pPr lvl="2"/>
             <a:r>
-              <a:rPr lang="en-US" smtClean="0"/>
+              <a:rPr lang="en-US"/>
               <a:t>Third level</a:t>
             </a:r>
           </a:p>
           <a:p>
             <a:pPr lvl="3"/>
             <a:r>
-              <a:rPr lang="en-US" smtClean="0"/>
+              <a:rPr lang="en-US"/>
               <a:t>Fourth level</a:t>
             </a:r>
           </a:p>
           <a:p>
             <a:pPr lvl="4"/>
             <a:r>
-              <a:rPr lang="en-US" smtClean="0"/>
+              <a:rPr lang="en-US"/>
               <a:t>Fifth level</a:t>
             </a:r>
             <a:endParaRPr lang="en-US" dirty="0"/>
@@ -3877,35 +4231,35 @@
           <a:p>
             <a:pPr lvl="0"/>
             <a:r>
-              <a:rPr lang="en-US" smtClean="0"/>
+              <a:rPr lang="en-US"/>
               <a:t>Edit Master text styles</a:t>
             </a:r>
           </a:p>
           <a:p>
             <a:pPr lvl="1"/>
             <a:r>
-              <a:rPr lang="en-US" smtClean="0"/>
+              <a:rPr lang="en-US"/>
               <a:t>Second level</a:t>
             </a:r>
           </a:p>
           <a:p>
             <a:pPr lvl="2"/>
             <a:r>
-              <a:rPr lang="en-US" smtClean="0"/>
+              <a:rPr lang="en-US"/>
               <a:t>Third level</a:t>
             </a:r>
           </a:p>
           <a:p>
             <a:pPr lvl="3"/>
             <a:r>
-              <a:rPr lang="en-US" smtClean="0"/>
+              <a:rPr lang="en-US"/>
               <a:t>Fourth level</a:t>
             </a:r>
           </a:p>
           <a:p>
             <a:pPr lvl="4"/>
             <a:r>
-              <a:rPr lang="en-US" smtClean="0"/>
+              <a:rPr lang="en-US"/>
               <a:t>Fifth level</a:t>
             </a:r>
             <a:endParaRPr lang="en-US" dirty="0"/>
@@ -3929,7 +4283,7 @@
           <a:p>
             <a:fld id="{37461C0B-7B0A-4439-9D20-3DEC988BCA09}" type="datetimeFigureOut">
               <a:rPr lang="en-US" smtClean="0"/>
-              <a:t>5/31/2019</a:t>
+              <a:t>6/2/2019</a:t>
             </a:fld>
             <a:endParaRPr lang="en-US" dirty="0"/>
           </a:p>
@@ -4027,7 +4381,7 @@
           </a:lstStyle>
           <a:p>
             <a:r>
-              <a:rPr lang="en-US" smtClean="0"/>
+              <a:rPr lang="en-US"/>
               <a:t>Click to edit Master title style</a:t>
             </a:r>
             <a:endParaRPr lang="en-US" dirty="0"/>
@@ -4102,7 +4456,7 @@
           <a:p>
             <a:pPr lvl="0"/>
             <a:r>
-              <a:rPr lang="en-US" smtClean="0"/>
+              <a:rPr lang="en-US"/>
               <a:t>Edit Master text styles</a:t>
             </a:r>
           </a:p>
@@ -4160,35 +4514,35 @@
           <a:p>
             <a:pPr lvl="0"/>
             <a:r>
-              <a:rPr lang="en-US" smtClean="0"/>
+              <a:rPr lang="en-US"/>
               <a:t>Edit Master text styles</a:t>
             </a:r>
           </a:p>
           <a:p>
             <a:pPr lvl="1"/>
             <a:r>
-              <a:rPr lang="en-US" smtClean="0"/>
+              <a:rPr lang="en-US"/>
               <a:t>Second level</a:t>
             </a:r>
           </a:p>
           <a:p>
             <a:pPr lvl="2"/>
             <a:r>
-              <a:rPr lang="en-US" smtClean="0"/>
+              <a:rPr lang="en-US"/>
               <a:t>Third level</a:t>
             </a:r>
           </a:p>
           <a:p>
             <a:pPr lvl="3"/>
             <a:r>
-              <a:rPr lang="en-US" smtClean="0"/>
+              <a:rPr lang="en-US"/>
               <a:t>Fourth level</a:t>
             </a:r>
           </a:p>
           <a:p>
             <a:pPr lvl="4"/>
             <a:r>
-              <a:rPr lang="en-US" smtClean="0"/>
+              <a:rPr lang="en-US"/>
               <a:t>Fifth level</a:t>
             </a:r>
             <a:endParaRPr lang="en-US" dirty="0"/>
@@ -4263,7 +4617,7 @@
           <a:p>
             <a:pPr lvl="0"/>
             <a:r>
-              <a:rPr lang="en-US" smtClean="0"/>
+              <a:rPr lang="en-US"/>
               <a:t>Edit Master text styles</a:t>
             </a:r>
           </a:p>
@@ -4321,35 +4675,35 @@
           <a:p>
             <a:pPr lvl="0"/>
             <a:r>
-              <a:rPr lang="en-US" smtClean="0"/>
+              <a:rPr lang="en-US"/>
               <a:t>Edit Master text styles</a:t>
             </a:r>
           </a:p>
           <a:p>
             <a:pPr lvl="1"/>
             <a:r>
-              <a:rPr lang="en-US" smtClean="0"/>
+              <a:rPr lang="en-US"/>
               <a:t>Second level</a:t>
             </a:r>
           </a:p>
           <a:p>
             <a:pPr lvl="2"/>
             <a:r>
-              <a:rPr lang="en-US" smtClean="0"/>
+              <a:rPr lang="en-US"/>
               <a:t>Third level</a:t>
             </a:r>
           </a:p>
           <a:p>
             <a:pPr lvl="3"/>
             <a:r>
-              <a:rPr lang="en-US" smtClean="0"/>
+              <a:rPr lang="en-US"/>
               <a:t>Fourth level</a:t>
             </a:r>
           </a:p>
           <a:p>
             <a:pPr lvl="4"/>
             <a:r>
-              <a:rPr lang="en-US" smtClean="0"/>
+              <a:rPr lang="en-US"/>
               <a:t>Fifth level</a:t>
             </a:r>
             <a:endParaRPr lang="en-US" dirty="0"/>
@@ -4373,7 +4727,7 @@
           <a:p>
             <a:fld id="{37461C0B-7B0A-4439-9D20-3DEC988BCA09}" type="datetimeFigureOut">
               <a:rPr lang="en-US" smtClean="0"/>
-              <a:t>5/31/2019</a:t>
+              <a:t>6/2/2019</a:t>
             </a:fld>
             <a:endParaRPr lang="en-US" dirty="0"/>
           </a:p>
@@ -4467,7 +4821,7 @@
           <a:lstStyle/>
           <a:p>
             <a:r>
-              <a:rPr lang="en-US" smtClean="0"/>
+              <a:rPr lang="en-US"/>
               <a:t>Click to edit Master title style</a:t>
             </a:r>
             <a:endParaRPr lang="en-US" dirty="0"/>
@@ -4491,7 +4845,7 @@
           <a:p>
             <a:fld id="{37461C0B-7B0A-4439-9D20-3DEC988BCA09}" type="datetimeFigureOut">
               <a:rPr lang="en-US" smtClean="0"/>
-              <a:t>5/31/2019</a:t>
+              <a:t>6/2/2019</a:t>
             </a:fld>
             <a:endParaRPr lang="en-US" dirty="0"/>
           </a:p>
@@ -4586,7 +4940,7 @@
           <a:p>
             <a:fld id="{37461C0B-7B0A-4439-9D20-3DEC988BCA09}" type="datetimeFigureOut">
               <a:rPr lang="en-US" smtClean="0"/>
-              <a:t>5/31/2019</a:t>
+              <a:t>6/2/2019</a:t>
             </a:fld>
             <a:endParaRPr lang="en-US" dirty="0"/>
           </a:p>
@@ -4689,7 +5043,7 @@
           </a:lstStyle>
           <a:p>
             <a:r>
-              <a:rPr lang="en-US" smtClean="0"/>
+              <a:rPr lang="en-US"/>
               <a:t>Click to edit Master title style</a:t>
             </a:r>
             <a:endParaRPr lang="en-US" dirty="0"/>
@@ -4748,35 +5102,35 @@
           <a:p>
             <a:pPr lvl="0"/>
             <a:r>
-              <a:rPr lang="en-US" smtClean="0"/>
+              <a:rPr lang="en-US"/>
               <a:t>Edit Master text styles</a:t>
             </a:r>
           </a:p>
           <a:p>
             <a:pPr lvl="1"/>
             <a:r>
-              <a:rPr lang="en-US" smtClean="0"/>
+              <a:rPr lang="en-US"/>
               <a:t>Second level</a:t>
             </a:r>
           </a:p>
           <a:p>
             <a:pPr lvl="2"/>
             <a:r>
-              <a:rPr lang="en-US" smtClean="0"/>
+              <a:rPr lang="en-US"/>
               <a:t>Third level</a:t>
             </a:r>
           </a:p>
           <a:p>
             <a:pPr lvl="3"/>
             <a:r>
-              <a:rPr lang="en-US" smtClean="0"/>
+              <a:rPr lang="en-US"/>
               <a:t>Fourth level</a:t>
             </a:r>
           </a:p>
           <a:p>
             <a:pPr lvl="4"/>
             <a:r>
-              <a:rPr lang="en-US" smtClean="0"/>
+              <a:rPr lang="en-US"/>
               <a:t>Fifth level</a:t>
             </a:r>
             <a:endParaRPr lang="en-US" dirty="0"/>
@@ -4842,7 +5196,7 @@
           <a:p>
             <a:pPr lvl="0"/>
             <a:r>
-              <a:rPr lang="en-US" smtClean="0"/>
+              <a:rPr lang="en-US"/>
               <a:t>Edit Master text styles</a:t>
             </a:r>
           </a:p>
@@ -4865,7 +5219,7 @@
           <a:p>
             <a:fld id="{37461C0B-7B0A-4439-9D20-3DEC988BCA09}" type="datetimeFigureOut">
               <a:rPr lang="en-US" smtClean="0"/>
-              <a:t>5/31/2019</a:t>
+              <a:t>6/2/2019</a:t>
             </a:fld>
             <a:endParaRPr lang="en-US" dirty="0"/>
           </a:p>
@@ -4970,7 +5324,7 @@
           </a:lstStyle>
           <a:p>
             <a:r>
-              <a:rPr lang="en-US" smtClean="0"/>
+              <a:rPr lang="en-US"/>
               <a:t>Click to edit Master title style</a:t>
             </a:r>
             <a:endParaRPr lang="en-US" dirty="0"/>
@@ -5049,10 +5403,9 @@
           </a:lstStyle>
           <a:p>
             <a:r>
-              <a:rPr lang="en-US" dirty="0" smtClean="0"/>
+              <a:rPr lang="en-US" dirty="0"/>
               <a:t>Click icon to add picture</a:t>
             </a:r>
-            <a:endParaRPr lang="en-US" dirty="0"/>
           </a:p>
         </p:txBody>
       </p:sp>
@@ -5117,7 +5470,7 @@
           <a:p>
             <a:pPr lvl="0"/>
             <a:r>
-              <a:rPr lang="en-US" smtClean="0"/>
+              <a:rPr lang="en-US"/>
               <a:t>Edit Master text styles</a:t>
             </a:r>
           </a:p>
@@ -5140,7 +5493,7 @@
           <a:p>
             <a:fld id="{37461C0B-7B0A-4439-9D20-3DEC988BCA09}" type="datetimeFigureOut">
               <a:rPr lang="en-US" smtClean="0"/>
-              <a:t>5/31/2019</a:t>
+              <a:t>6/2/2019</a:t>
             </a:fld>
             <a:endParaRPr lang="en-US" dirty="0"/>
           </a:p>
@@ -5464,7 +5817,7 @@
           <a:lstStyle/>
           <a:p>
             <a:r>
-              <a:rPr lang="en-US" smtClean="0"/>
+              <a:rPr lang="en-US"/>
               <a:t>Click to edit Master title style</a:t>
             </a:r>
             <a:endParaRPr lang="en-US" dirty="0"/>
@@ -5498,35 +5851,35 @@
           <a:p>
             <a:pPr lvl="0"/>
             <a:r>
-              <a:rPr lang="en-US" smtClean="0"/>
+              <a:rPr lang="en-US"/>
               <a:t>Edit Master text styles</a:t>
             </a:r>
           </a:p>
           <a:p>
             <a:pPr lvl="1"/>
             <a:r>
-              <a:rPr lang="en-US" smtClean="0"/>
+              <a:rPr lang="en-US"/>
               <a:t>Second level</a:t>
             </a:r>
           </a:p>
           <a:p>
             <a:pPr lvl="2"/>
             <a:r>
-              <a:rPr lang="en-US" smtClean="0"/>
+              <a:rPr lang="en-US"/>
               <a:t>Third level</a:t>
             </a:r>
           </a:p>
           <a:p>
             <a:pPr lvl="3"/>
             <a:r>
-              <a:rPr lang="en-US" smtClean="0"/>
+              <a:rPr lang="en-US"/>
               <a:t>Fourth level</a:t>
             </a:r>
           </a:p>
           <a:p>
             <a:pPr lvl="4"/>
             <a:r>
-              <a:rPr lang="en-US" smtClean="0"/>
+              <a:rPr lang="en-US"/>
               <a:t>Fifth level</a:t>
             </a:r>
             <a:endParaRPr lang="en-US" dirty="0"/>
@@ -5569,7 +5922,7 @@
           <a:p>
             <a:fld id="{37461C0B-7B0A-4439-9D20-3DEC988BCA09}" type="datetimeFigureOut">
               <a:rPr lang="en-US" smtClean="0"/>
-              <a:t>5/31/2019</a:t>
+              <a:t>6/2/2019</a:t>
             </a:fld>
             <a:endParaRPr lang="en-US" dirty="0"/>
           </a:p>
@@ -6119,10 +6472,9 @@
           <a:p>
             <a:pPr algn="ctr"/>
             <a:r>
-              <a:rPr lang="en-US" dirty="0" smtClean="0"/>
+              <a:rPr lang="en-US" dirty="0"/>
               <a:t>Consistency in Database Systems Illustrated with NRW Notation</a:t>
             </a:r>
-            <a:endParaRPr lang="en-US" dirty="0"/>
           </a:p>
         </p:txBody>
       </p:sp>
@@ -6136,13 +6488,830 @@
   <p:clrMapOvr>
     <a:masterClrMapping/>
   </p:clrMapOvr>
-  <p:timing>
-    <p:tnLst>
-      <p:par>
-        <p:cTn id="1" dur="indefinite" restart="never" nodeType="tmRoot"/>
-      </p:par>
-    </p:tnLst>
-  </p:timing>
+</p:sld>
+</file>
+
+<file path=ppt/slides/slide10.xml><?xml version="1.0" encoding="utf-8"?>
+<p:sld xmlns:a="http://schemas.openxmlformats.org/drawingml/2006/main" xmlns:r="http://schemas.openxmlformats.org/officeDocument/2006/relationships" xmlns:p="http://schemas.openxmlformats.org/presentationml/2006/main">
+  <p:cSld>
+    <p:spTree>
+      <p:nvGrpSpPr>
+        <p:cNvPr id="1" name=""/>
+        <p:cNvGrpSpPr/>
+        <p:nvPr/>
+      </p:nvGrpSpPr>
+      <p:grpSpPr>
+        <a:xfrm>
+          <a:off x="0" y="0"/>
+          <a:ext cx="0" cy="0"/>
+          <a:chOff x="0" y="0"/>
+          <a:chExt cx="0" cy="0"/>
+        </a:xfrm>
+      </p:grpSpPr>
+      <p:pic>
+        <p:nvPicPr>
+          <p:cNvPr id="4" name="Picture 2" descr="Related image">
+            <a:extLst>
+              <a:ext uri="{FF2B5EF4-FFF2-40B4-BE49-F238E27FC236}">
+                <a16:creationId xmlns:a16="http://schemas.microsoft.com/office/drawing/2014/main" id="{E6EF5713-AC5C-4404-B2A2-561562DB667D}"/>
+              </a:ext>
+            </a:extLst>
+          </p:cNvPr>
+          <p:cNvPicPr>
+            <a:picLocks noChangeAspect="1" noChangeArrowheads="1"/>
+          </p:cNvPicPr>
+          <p:nvPr/>
+        </p:nvPicPr>
+        <p:blipFill>
+          <a:blip r:embed="rId2" cstate="print">
+            <a:extLst>
+              <a:ext uri="{28A0092B-C50C-407E-A947-70E740481C1C}">
+                <a14:useLocalDpi xmlns:a14="http://schemas.microsoft.com/office/drawing/2010/main" val="0"/>
+              </a:ext>
+            </a:extLst>
+          </a:blip>
+          <a:srcRect/>
+          <a:stretch>
+            <a:fillRect/>
+          </a:stretch>
+        </p:blipFill>
+        <p:spPr bwMode="auto">
+          <a:xfrm>
+            <a:off x="5612235" y="0"/>
+            <a:ext cx="4066282" cy="2726422"/>
+          </a:xfrm>
+          <a:prstGeom prst="rect">
+            <a:avLst/>
+          </a:prstGeom>
+          <a:noFill/>
+          <a:extLst>
+            <a:ext uri="{909E8E84-426E-40DD-AFC4-6F175D3DCCD1}">
+              <a14:hiddenFill xmlns:a14="http://schemas.microsoft.com/office/drawing/2010/main">
+                <a:solidFill>
+                  <a:srgbClr val="FFFFFF"/>
+                </a:solidFill>
+              </a14:hiddenFill>
+            </a:ext>
+          </a:extLst>
+        </p:spPr>
+      </p:pic>
+      <p:sp>
+        <p:nvSpPr>
+          <p:cNvPr id="5" name="TextBox 4">
+            <a:extLst>
+              <a:ext uri="{FF2B5EF4-FFF2-40B4-BE49-F238E27FC236}">
+                <a16:creationId xmlns:a16="http://schemas.microsoft.com/office/drawing/2014/main" id="{61E95513-FEF8-46AE-99AA-D1488CEDA306}"/>
+              </a:ext>
+            </a:extLst>
+          </p:cNvPr>
+          <p:cNvSpPr txBox="1"/>
+          <p:nvPr/>
+        </p:nvSpPr>
+        <p:spPr>
+          <a:xfrm>
+            <a:off x="498854" y="606582"/>
+            <a:ext cx="4970353" cy="2031325"/>
+          </a:xfrm>
+          <a:prstGeom prst="rect">
+            <a:avLst/>
+          </a:prstGeom>
+          <a:noFill/>
+        </p:spPr>
+        <p:txBody>
+          <a:bodyPr wrap="square" rtlCol="0">
+            <a:spAutoFit/>
+          </a:bodyPr>
+          <a:lstStyle/>
+          <a:p>
+            <a:r>
+              <a:rPr lang="en-US" dirty="0"/>
+              <a:t>-Developed and maintained by Apache Software Foundation</a:t>
+            </a:r>
+          </a:p>
+          <a:p>
+            <a:endParaRPr lang="en-US" dirty="0"/>
+          </a:p>
+          <a:p>
+            <a:r>
+              <a:rPr lang="en-US" dirty="0"/>
+              <a:t>-In use by CERN, eBay, GitHub, Hulu, Instagram, Netflix, Reddit and over 1500 more companies</a:t>
+            </a:r>
+          </a:p>
+          <a:p>
+            <a:endParaRPr lang="en-US" dirty="0"/>
+          </a:p>
+        </p:txBody>
+      </p:sp>
+      <p:sp>
+        <p:nvSpPr>
+          <p:cNvPr id="7" name="TextBox 6">
+            <a:extLst>
+              <a:ext uri="{FF2B5EF4-FFF2-40B4-BE49-F238E27FC236}">
+                <a16:creationId xmlns:a16="http://schemas.microsoft.com/office/drawing/2014/main" id="{8712F75F-3D3C-46A5-A0C9-AB132CCA4F50}"/>
+              </a:ext>
+            </a:extLst>
+          </p:cNvPr>
+          <p:cNvSpPr txBox="1"/>
+          <p:nvPr/>
+        </p:nvSpPr>
+        <p:spPr>
+          <a:xfrm>
+            <a:off x="2064190" y="2953450"/>
+            <a:ext cx="8229963" cy="3970318"/>
+          </a:xfrm>
+          <a:prstGeom prst="rect">
+            <a:avLst/>
+          </a:prstGeom>
+          <a:noFill/>
+        </p:spPr>
+        <p:txBody>
+          <a:bodyPr wrap="square" rtlCol="0">
+            <a:spAutoFit/>
+          </a:bodyPr>
+          <a:lstStyle/>
+          <a:p>
+            <a:r>
+              <a:rPr lang="en-US" dirty="0"/>
+              <a:t>The Apache Cassandra database prioritizes:</a:t>
+            </a:r>
+          </a:p>
+          <a:p>
+            <a:endParaRPr lang="en-US" dirty="0"/>
+          </a:p>
+          <a:p>
+            <a:r>
+              <a:rPr lang="en-US" dirty="0"/>
+              <a:t>-Performance; Consistently outperforms popular NoSQL options in both benchmarks and real applications.</a:t>
+            </a:r>
+          </a:p>
+          <a:p>
+            <a:endParaRPr lang="en-US" dirty="0"/>
+          </a:p>
+          <a:p>
+            <a:r>
+              <a:rPr lang="en-US" dirty="0"/>
+              <a:t>-Scalability; Linear Scalability allows large scale operations. Apple uses a network of over 75,000 nodes storing over 10 petabytes of data. </a:t>
+            </a:r>
+          </a:p>
+          <a:p>
+            <a:endParaRPr lang="en-US" dirty="0"/>
+          </a:p>
+          <a:p>
+            <a:r>
+              <a:rPr lang="en-US" dirty="0"/>
+              <a:t>-Fault Tolerance; Data is automatically replicated to multiple nodes for fault tolerance, including across multiple data centers. </a:t>
+            </a:r>
+          </a:p>
+          <a:p>
+            <a:endParaRPr lang="en-US" dirty="0"/>
+          </a:p>
+          <a:p>
+            <a:r>
+              <a:rPr lang="en-US" dirty="0"/>
+              <a:t>-Elasticity; Read and write throughput increase linearly as new machines are added, with no downtime or interruption of application services.</a:t>
+            </a:r>
+          </a:p>
+          <a:p>
+            <a:endParaRPr lang="en-US" dirty="0"/>
+          </a:p>
+        </p:txBody>
+      </p:sp>
+    </p:spTree>
+    <p:extLst>
+      <p:ext uri="{BB962C8B-B14F-4D97-AF65-F5344CB8AC3E}">
+        <p14:creationId xmlns:p14="http://schemas.microsoft.com/office/powerpoint/2010/main" val="2702137320"/>
+      </p:ext>
+    </p:extLst>
+  </p:cSld>
+  <p:clrMapOvr>
+    <a:masterClrMapping/>
+  </p:clrMapOvr>
+</p:sld>
+</file>
+
+<file path=ppt/slides/slide11.xml><?xml version="1.0" encoding="utf-8"?>
+<p:sld xmlns:a="http://schemas.openxmlformats.org/drawingml/2006/main" xmlns:r="http://schemas.openxmlformats.org/officeDocument/2006/relationships" xmlns:p="http://schemas.openxmlformats.org/presentationml/2006/main">
+  <p:cSld>
+    <p:spTree>
+      <p:nvGrpSpPr>
+        <p:cNvPr id="1" name=""/>
+        <p:cNvGrpSpPr/>
+        <p:nvPr/>
+      </p:nvGrpSpPr>
+      <p:grpSpPr>
+        <a:xfrm>
+          <a:off x="0" y="0"/>
+          <a:ext cx="0" cy="0"/>
+          <a:chOff x="0" y="0"/>
+          <a:chExt cx="0" cy="0"/>
+        </a:xfrm>
+      </p:grpSpPr>
+      <p:pic>
+        <p:nvPicPr>
+          <p:cNvPr id="4" name="Picture 3">
+            <a:extLst>
+              <a:ext uri="{FF2B5EF4-FFF2-40B4-BE49-F238E27FC236}">
+                <a16:creationId xmlns:a16="http://schemas.microsoft.com/office/drawing/2014/main" id="{895F4206-C0FA-4BF2-8040-855719FC5FC3}"/>
+              </a:ext>
+            </a:extLst>
+          </p:cNvPr>
+          <p:cNvPicPr>
+            <a:picLocks noChangeAspect="1"/>
+          </p:cNvPicPr>
+          <p:nvPr/>
+        </p:nvPicPr>
+        <p:blipFill>
+          <a:blip r:embed="rId2">
+            <a:extLst>
+              <a:ext uri="{28A0092B-C50C-407E-A947-70E740481C1C}">
+                <a14:useLocalDpi xmlns:a14="http://schemas.microsoft.com/office/drawing/2010/main" val="0"/>
+              </a:ext>
+            </a:extLst>
+          </a:blip>
+          <a:stretch>
+            <a:fillRect/>
+          </a:stretch>
+        </p:blipFill>
+        <p:spPr>
+          <a:xfrm>
+            <a:off x="562062" y="3757199"/>
+            <a:ext cx="6666495" cy="2875219"/>
+          </a:xfrm>
+          <a:prstGeom prst="rect">
+            <a:avLst/>
+          </a:prstGeom>
+        </p:spPr>
+      </p:pic>
+      <p:sp>
+        <p:nvSpPr>
+          <p:cNvPr id="5" name="TextBox 4">
+            <a:extLst>
+              <a:ext uri="{FF2B5EF4-FFF2-40B4-BE49-F238E27FC236}">
+                <a16:creationId xmlns:a16="http://schemas.microsoft.com/office/drawing/2014/main" id="{FB4B2591-619F-432A-BCA2-0793CD26C690}"/>
+              </a:ext>
+            </a:extLst>
+          </p:cNvPr>
+          <p:cNvSpPr txBox="1"/>
+          <p:nvPr/>
+        </p:nvSpPr>
+        <p:spPr>
+          <a:xfrm>
+            <a:off x="7382465" y="4787164"/>
+            <a:ext cx="3232087" cy="1200329"/>
+          </a:xfrm>
+          <a:prstGeom prst="rect">
+            <a:avLst/>
+          </a:prstGeom>
+          <a:noFill/>
+        </p:spPr>
+        <p:txBody>
+          <a:bodyPr wrap="square" rtlCol="0">
+            <a:spAutoFit/>
+          </a:bodyPr>
+          <a:lstStyle/>
+          <a:p>
+            <a:r>
+              <a:rPr lang="en-US" dirty="0"/>
+              <a:t>An R + W &gt; N architecture guarantees overlap of the read and write </a:t>
+            </a:r>
+            <a:r>
+              <a:rPr lang="en-US" dirty="0" err="1"/>
+              <a:t>quoroms</a:t>
+            </a:r>
+            <a:r>
+              <a:rPr lang="en-US" dirty="0"/>
+              <a:t>. </a:t>
+            </a:r>
+          </a:p>
+          <a:p>
+            <a:endParaRPr lang="en-US" dirty="0"/>
+          </a:p>
+        </p:txBody>
+      </p:sp>
+      <p:sp>
+        <p:nvSpPr>
+          <p:cNvPr id="6" name="TextBox 5">
+            <a:extLst>
+              <a:ext uri="{FF2B5EF4-FFF2-40B4-BE49-F238E27FC236}">
+                <a16:creationId xmlns:a16="http://schemas.microsoft.com/office/drawing/2014/main" id="{4726D6A7-EA62-42C0-9B28-D968DFE6576A}"/>
+              </a:ext>
+            </a:extLst>
+          </p:cNvPr>
+          <p:cNvSpPr txBox="1"/>
+          <p:nvPr/>
+        </p:nvSpPr>
+        <p:spPr>
+          <a:xfrm>
+            <a:off x="562062" y="440467"/>
+            <a:ext cx="9251894" cy="3416320"/>
+          </a:xfrm>
+          <a:prstGeom prst="rect">
+            <a:avLst/>
+          </a:prstGeom>
+          <a:noFill/>
+        </p:spPr>
+        <p:txBody>
+          <a:bodyPr wrap="square" rtlCol="0">
+            <a:spAutoFit/>
+          </a:bodyPr>
+          <a:lstStyle/>
+          <a:p>
+            <a:r>
+              <a:rPr lang="en-US" b="1" u="sng" dirty="0"/>
+              <a:t>CAP THEOREM</a:t>
+            </a:r>
+          </a:p>
+          <a:p>
+            <a:r>
+              <a:rPr lang="en-US" dirty="0"/>
+              <a:t>-Cassandra is an A-P (availability &amp; partition tolerant) database. It aims to achieve  C through eventual consistency.</a:t>
+            </a:r>
+          </a:p>
+          <a:p>
+            <a:endParaRPr lang="en-US" dirty="0"/>
+          </a:p>
+          <a:p>
+            <a:r>
+              <a:rPr lang="en-US" b="1" u="sng" dirty="0"/>
+              <a:t>ACID vs. BASE</a:t>
+            </a:r>
+            <a:endParaRPr lang="en-US" b="1" dirty="0"/>
+          </a:p>
+          <a:p>
+            <a:r>
+              <a:rPr lang="en-US" dirty="0"/>
+              <a:t>-Cassandra follows the BASE paradigm to achieve eventual consistency.</a:t>
+            </a:r>
+          </a:p>
+          <a:p>
+            <a:endParaRPr lang="en-US" dirty="0"/>
+          </a:p>
+          <a:p>
+            <a:r>
+              <a:rPr lang="en-US" b="1" u="sng" dirty="0"/>
+              <a:t>NRW Notation</a:t>
+            </a:r>
+            <a:endParaRPr lang="en-US" dirty="0"/>
+          </a:p>
+          <a:p>
+            <a:r>
+              <a:rPr lang="en-US" dirty="0"/>
+              <a:t>-By default Cassandra is a N = 3, R = 1, W = 1 database which is weak consistency. I will be discussing an N = 3, R = 2, W = 2 implementation which uses strong consistency through </a:t>
+            </a:r>
+            <a:r>
+              <a:rPr lang="en-US" dirty="0" err="1"/>
+              <a:t>quoroms</a:t>
+            </a:r>
+            <a:r>
+              <a:rPr lang="en-US" dirty="0"/>
+              <a:t> (R + W &gt; N).</a:t>
+            </a:r>
+          </a:p>
+          <a:p>
+            <a:endParaRPr lang="en-US" dirty="0"/>
+          </a:p>
+        </p:txBody>
+      </p:sp>
+    </p:spTree>
+    <p:extLst>
+      <p:ext uri="{BB962C8B-B14F-4D97-AF65-F5344CB8AC3E}">
+        <p14:creationId xmlns:p14="http://schemas.microsoft.com/office/powerpoint/2010/main" val="4235318356"/>
+      </p:ext>
+    </p:extLst>
+  </p:cSld>
+  <p:clrMapOvr>
+    <a:masterClrMapping/>
+  </p:clrMapOvr>
+</p:sld>
+</file>
+
+<file path=ppt/slides/slide12.xml><?xml version="1.0" encoding="utf-8"?>
+<p:sld xmlns:a="http://schemas.openxmlformats.org/drawingml/2006/main" xmlns:r="http://schemas.openxmlformats.org/officeDocument/2006/relationships" xmlns:p="http://schemas.openxmlformats.org/presentationml/2006/main">
+  <p:cSld>
+    <p:spTree>
+      <p:nvGrpSpPr>
+        <p:cNvPr id="1" name=""/>
+        <p:cNvGrpSpPr/>
+        <p:nvPr/>
+      </p:nvGrpSpPr>
+      <p:grpSpPr>
+        <a:xfrm>
+          <a:off x="0" y="0"/>
+          <a:ext cx="0" cy="0"/>
+          <a:chOff x="0" y="0"/>
+          <a:chExt cx="0" cy="0"/>
+        </a:xfrm>
+      </p:grpSpPr>
+      <p:pic>
+        <p:nvPicPr>
+          <p:cNvPr id="4" name="Picture 3">
+            <a:extLst>
+              <a:ext uri="{FF2B5EF4-FFF2-40B4-BE49-F238E27FC236}">
+                <a16:creationId xmlns:a16="http://schemas.microsoft.com/office/drawing/2014/main" id="{3114C02A-2210-4D4D-BD8D-0568AC509E33}"/>
+              </a:ext>
+            </a:extLst>
+          </p:cNvPr>
+          <p:cNvPicPr>
+            <a:picLocks noChangeAspect="1"/>
+          </p:cNvPicPr>
+          <p:nvPr/>
+        </p:nvPicPr>
+        <p:blipFill>
+          <a:blip r:embed="rId2"/>
+          <a:stretch>
+            <a:fillRect/>
+          </a:stretch>
+        </p:blipFill>
+        <p:spPr>
+          <a:xfrm>
+            <a:off x="231527" y="319087"/>
+            <a:ext cx="8239125" cy="6219825"/>
+          </a:xfrm>
+          <a:prstGeom prst="rect">
+            <a:avLst/>
+          </a:prstGeom>
+        </p:spPr>
+      </p:pic>
+      <p:sp>
+        <p:nvSpPr>
+          <p:cNvPr id="5" name="TextBox 4">
+            <a:extLst>
+              <a:ext uri="{FF2B5EF4-FFF2-40B4-BE49-F238E27FC236}">
+                <a16:creationId xmlns:a16="http://schemas.microsoft.com/office/drawing/2014/main" id="{249CFDBF-34A7-4152-B5F9-ED1727B12FD9}"/>
+              </a:ext>
+            </a:extLst>
+          </p:cNvPr>
+          <p:cNvSpPr txBox="1"/>
+          <p:nvPr/>
+        </p:nvSpPr>
+        <p:spPr>
+          <a:xfrm>
+            <a:off x="8682274" y="1358020"/>
+            <a:ext cx="3350627" cy="5355312"/>
+          </a:xfrm>
+          <a:prstGeom prst="rect">
+            <a:avLst/>
+          </a:prstGeom>
+          <a:noFill/>
+        </p:spPr>
+        <p:txBody>
+          <a:bodyPr wrap="square" rtlCol="0">
+            <a:spAutoFit/>
+          </a:bodyPr>
+          <a:lstStyle/>
+          <a:p>
+            <a:r>
+              <a:rPr lang="en-US" dirty="0"/>
+              <a:t>This picture represents a Single Region 3 node cluster network. </a:t>
+            </a:r>
+          </a:p>
+          <a:p>
+            <a:endParaRPr lang="en-US" dirty="0"/>
+          </a:p>
+          <a:p>
+            <a:r>
+              <a:rPr lang="en-US" dirty="0"/>
+              <a:t>Each piece of data is stored in 3 places (N = 3) as can be seen by P1, P2 and P3 replicas. </a:t>
+            </a:r>
+          </a:p>
+          <a:p>
+            <a:endParaRPr lang="en-US" dirty="0"/>
+          </a:p>
+          <a:p>
+            <a:r>
+              <a:rPr lang="en-US" dirty="0"/>
+              <a:t>With this structure if a single failure occurs the network is still fine as 2 replicas remain satisfying the R(</a:t>
+            </a:r>
+            <a:r>
+              <a:rPr lang="en-US" dirty="0" err="1"/>
+              <a:t>ead</a:t>
+            </a:r>
+            <a:r>
+              <a:rPr lang="en-US" dirty="0"/>
+              <a:t>) = 2 and W(rite) = 2 scenarios. </a:t>
+            </a:r>
+          </a:p>
+          <a:p>
+            <a:endParaRPr lang="en-US" dirty="0"/>
+          </a:p>
+          <a:p>
+            <a:r>
+              <a:rPr lang="en-US" dirty="0"/>
+              <a:t>However, if 2 nodes / connections were to fail, this network would fail. </a:t>
+            </a:r>
+          </a:p>
+          <a:p>
+            <a:endParaRPr lang="en-US" dirty="0"/>
+          </a:p>
+        </p:txBody>
+      </p:sp>
+    </p:spTree>
+    <p:extLst>
+      <p:ext uri="{BB962C8B-B14F-4D97-AF65-F5344CB8AC3E}">
+        <p14:creationId xmlns:p14="http://schemas.microsoft.com/office/powerpoint/2010/main" val="527343656"/>
+      </p:ext>
+    </p:extLst>
+  </p:cSld>
+  <p:clrMapOvr>
+    <a:masterClrMapping/>
+  </p:clrMapOvr>
+</p:sld>
+</file>
+
+<file path=ppt/slides/slide13.xml><?xml version="1.0" encoding="utf-8"?>
+<p:sld xmlns:a="http://schemas.openxmlformats.org/drawingml/2006/main" xmlns:r="http://schemas.openxmlformats.org/officeDocument/2006/relationships" xmlns:p="http://schemas.openxmlformats.org/presentationml/2006/main">
+  <p:cSld>
+    <p:spTree>
+      <p:nvGrpSpPr>
+        <p:cNvPr id="1" name=""/>
+        <p:cNvGrpSpPr/>
+        <p:nvPr/>
+      </p:nvGrpSpPr>
+      <p:grpSpPr>
+        <a:xfrm>
+          <a:off x="0" y="0"/>
+          <a:ext cx="0" cy="0"/>
+          <a:chOff x="0" y="0"/>
+          <a:chExt cx="0" cy="0"/>
+        </a:xfrm>
+      </p:grpSpPr>
+      <p:sp>
+        <p:nvSpPr>
+          <p:cNvPr id="2" name="Title 1"/>
+          <p:cNvSpPr>
+            <a:spLocks noGrp="1"/>
+          </p:cNvSpPr>
+          <p:nvPr>
+            <p:ph type="title"/>
+          </p:nvPr>
+        </p:nvSpPr>
+        <p:spPr/>
+        <p:txBody>
+          <a:bodyPr/>
+          <a:lstStyle/>
+          <a:p>
+            <a:pPr algn="ctr"/>
+            <a:r>
+              <a:rPr lang="en-US" dirty="0"/>
+              <a:t>Works Cited</a:t>
+            </a:r>
+          </a:p>
+        </p:txBody>
+      </p:sp>
+      <p:sp>
+        <p:nvSpPr>
+          <p:cNvPr id="3" name="Content Placeholder 2"/>
+          <p:cNvSpPr>
+            <a:spLocks noGrp="1"/>
+          </p:cNvSpPr>
+          <p:nvPr>
+            <p:ph idx="1"/>
+          </p:nvPr>
+        </p:nvSpPr>
+        <p:spPr>
+          <a:xfrm>
+            <a:off x="1103312" y="1175658"/>
+            <a:ext cx="8946541" cy="5072742"/>
+          </a:xfrm>
+        </p:spPr>
+        <p:txBody>
+          <a:bodyPr>
+            <a:normAutofit/>
+          </a:bodyPr>
+          <a:lstStyle/>
+          <a:p>
+            <a:pPr marL="0" indent="0">
+              <a:buNone/>
+            </a:pPr>
+            <a:r>
+              <a:rPr lang="en-US" sz="1200" dirty="0"/>
+              <a:t>"Dynamo: Amazon’S Highly Available Key-Value Store” Slideplayer.Com, 2019, </a:t>
+            </a:r>
+            <a:br>
+              <a:rPr lang="en-US" sz="1200" dirty="0"/>
+            </a:br>
+            <a:r>
+              <a:rPr lang="en-US" sz="1200" dirty="0"/>
+              <a:t>	</a:t>
+            </a:r>
+            <a:r>
+              <a:rPr lang="en-US" sz="1200" dirty="0">
+                <a:hlinkClick r:id="rId2"/>
+              </a:rPr>
+              <a:t>https://slideplayer.com/slide/7720997/</a:t>
+            </a:r>
+            <a:r>
+              <a:rPr lang="en-US" sz="1200" dirty="0"/>
+              <a:t>.</a:t>
+            </a:r>
+          </a:p>
+          <a:p>
+            <a:pPr marL="0" indent="0">
+              <a:buNone/>
+            </a:pPr>
+            <a:r>
+              <a:rPr lang="en-US" sz="1200" dirty="0"/>
+              <a:t>Harrison, Guy. “Eventual Consistency.” </a:t>
+            </a:r>
+            <a:r>
+              <a:rPr lang="en-US" sz="1200" i="1" dirty="0"/>
+              <a:t>Database Trends and Applications</a:t>
+            </a:r>
+            <a:r>
+              <a:rPr lang="en-US" sz="1200" dirty="0"/>
+              <a:t>, 7 Jan. 2011,</a:t>
+            </a:r>
+            <a:br>
+              <a:rPr lang="en-US" sz="1200" dirty="0"/>
+            </a:br>
+            <a:r>
+              <a:rPr lang="en-US" sz="1200" dirty="0"/>
+              <a:t>	</a:t>
+            </a:r>
+            <a:r>
+              <a:rPr lang="en-US" sz="1200" dirty="0">
+                <a:hlinkClick r:id="rId3"/>
+              </a:rPr>
+              <a:t>www.dbta.com/Columns/Applications-Insight/Eventual-Consistency-73004.aspx</a:t>
+            </a:r>
+            <a:r>
+              <a:rPr lang="en-US" sz="1200" dirty="0"/>
+              <a:t>.</a:t>
+            </a:r>
+          </a:p>
+          <a:p>
+            <a:pPr marL="0" indent="0">
+              <a:buNone/>
+            </a:pPr>
+            <a:r>
+              <a:rPr lang="en-US" sz="1200" dirty="0"/>
+              <a:t>---. "Consistency Models." Next Generation Databases. Apress, Berkeley, CA, 2015.</a:t>
+            </a:r>
+          </a:p>
+          <a:p>
+            <a:pPr marL="0" indent="0">
+              <a:buNone/>
+            </a:pPr>
+            <a:r>
+              <a:rPr lang="en-US" sz="1200" dirty="0"/>
+              <a:t>Springer, Wilfred. “Eventually Consistent.” LinkedIn SlideShare, 21 July 2010, www.slideshare.net/springerw/eventually-</a:t>
+            </a:r>
+            <a:br>
+              <a:rPr lang="en-US" sz="1200" dirty="0"/>
+            </a:br>
+            <a:r>
+              <a:rPr lang="en-US" sz="1200" dirty="0"/>
+              <a:t>	consistent.</a:t>
+            </a:r>
+          </a:p>
+          <a:p>
+            <a:pPr marL="0" indent="0">
+              <a:buNone/>
+            </a:pPr>
+            <a:r>
+              <a:rPr lang="en-US" sz="1200" dirty="0"/>
+              <a:t>Thant, Phyo Thandar, and Thinn Thu Naing. "Improving the availability of NoSQL databases for Cloud Storage." </a:t>
+            </a:r>
+            <a:br>
+              <a:rPr lang="en-US" sz="1200" dirty="0"/>
+            </a:br>
+            <a:r>
+              <a:rPr lang="en-US" sz="1200" dirty="0"/>
+              <a:t>	Yangon: University of Computer Studies.</a:t>
+            </a:r>
+          </a:p>
+          <a:p>
+            <a:pPr marL="0" indent="0">
+              <a:buNone/>
+            </a:pPr>
+            <a:r>
+              <a:rPr lang="en-US" sz="1200" dirty="0"/>
+              <a:t>Vanroose, Peter, and GSE DB Belgium. "ACID or BASE?-the case of NoSQL.“</a:t>
+            </a:r>
+          </a:p>
+          <a:p>
+            <a:pPr marL="0" indent="0">
+              <a:buNone/>
+            </a:pPr>
+            <a:r>
+              <a:rPr lang="en-US" sz="1200" dirty="0"/>
+              <a:t>Berkeley, Www2.Eecs.Berkeley.Edu, 2019, </a:t>
+            </a:r>
+            <a:r>
+              <a:rPr lang="en-US" sz="1200" dirty="0">
+                <a:hlinkClick r:id="rId4"/>
+              </a:rPr>
+              <a:t>https://www2.eecs.berkeley.edu/Pubs/TechRpts/2012/EECS-2012-4.pdf</a:t>
+            </a:r>
+            <a:r>
+              <a:rPr lang="en-US" sz="1200" dirty="0"/>
+              <a:t>.</a:t>
+            </a:r>
+          </a:p>
+          <a:p>
+            <a:pPr marL="0" indent="0">
+              <a:buNone/>
+            </a:pPr>
+            <a:r>
+              <a:rPr lang="en-US" sz="1200" dirty="0"/>
+              <a:t>Weintraub, </a:t>
+            </a:r>
+            <a:r>
+              <a:rPr lang="en-US" sz="1200" dirty="0" err="1"/>
+              <a:t>Grisha</a:t>
+            </a:r>
+            <a:r>
+              <a:rPr lang="en-US" sz="1200" dirty="0"/>
+              <a:t>. </a:t>
+            </a:r>
+            <a:r>
+              <a:rPr lang="en-US" sz="1200" i="1" dirty="0"/>
+              <a:t>Database and Data Mining, </a:t>
+            </a:r>
+            <a:r>
+              <a:rPr lang="en-US" sz="1200" dirty="0"/>
+              <a:t>2013, </a:t>
+            </a:r>
+            <a:r>
+              <a:rPr lang="en-US" sz="1200" dirty="0">
+                <a:hlinkClick r:id="rId5"/>
+              </a:rPr>
+              <a:t>https://www.slideshare.net/GrishaWeintraub/cap-28353551</a:t>
+            </a:r>
+            <a:endParaRPr lang="en-US" sz="1200" dirty="0"/>
+          </a:p>
+          <a:p>
+            <a:pPr marL="0" indent="0">
+              <a:buNone/>
+            </a:pPr>
+            <a:r>
+              <a:rPr lang="en-US" sz="1200" dirty="0"/>
+              <a:t>The Apache Software Foundation, </a:t>
+            </a:r>
+            <a:r>
+              <a:rPr lang="en-US" sz="1200" dirty="0">
+                <a:hlinkClick r:id="rId6"/>
+              </a:rPr>
+              <a:t>http://cassandra.apache.org/</a:t>
+            </a:r>
+            <a:endParaRPr lang="en-US" sz="1200" dirty="0"/>
+          </a:p>
+          <a:p>
+            <a:pPr marL="0" indent="0">
+              <a:buNone/>
+            </a:pPr>
+            <a:r>
+              <a:rPr lang="en-US" sz="1200" dirty="0"/>
+              <a:t>Benjamin Black, </a:t>
+            </a:r>
+            <a:r>
+              <a:rPr lang="en-US" sz="1200" i="1" dirty="0"/>
+              <a:t>Cassandra Replication &amp; Consistency, </a:t>
+            </a:r>
+            <a:r>
+              <a:rPr lang="en-US" sz="1200" dirty="0"/>
+              <a:t>2014, </a:t>
+            </a:r>
+            <a:r>
+              <a:rPr lang="en-US" sz="1200" dirty="0">
+                <a:hlinkClick r:id="rId7"/>
+              </a:rPr>
+              <a:t>https://www.slideshare.net/benjaminblack/introduction-to-cassandra-replication-and-consistency</a:t>
+            </a:r>
+            <a:endParaRPr lang="en-US" sz="1200" dirty="0"/>
+          </a:p>
+          <a:p>
+            <a:pPr marL="0" indent="0">
+              <a:buNone/>
+            </a:pPr>
+            <a:r>
+              <a:rPr lang="en-US" sz="1200" dirty="0"/>
+              <a:t>Sid Choudhury, </a:t>
+            </a:r>
+            <a:r>
+              <a:rPr lang="en-US" sz="1200" i="1" dirty="0"/>
+              <a:t>Apache Cassandra: The Truth Behind Turntable Consistency, Lightweight Transactions &amp; Secondary 	Indexes, </a:t>
+            </a:r>
+            <a:r>
+              <a:rPr lang="en-US" sz="1200" dirty="0">
+                <a:hlinkClick r:id="rId8"/>
+              </a:rPr>
+              <a:t>https://blog.yugabyte.com/apache-cassandra-lightweight-transactions-secondary-indexes-tunable-consistency/</a:t>
+            </a:r>
+            <a:endParaRPr lang="en-US" sz="1200" dirty="0"/>
+          </a:p>
+        </p:txBody>
+      </p:sp>
+    </p:spTree>
+    <p:extLst>
+      <p:ext uri="{BB962C8B-B14F-4D97-AF65-F5344CB8AC3E}">
+        <p14:creationId xmlns:p14="http://schemas.microsoft.com/office/powerpoint/2010/main" val="3288187351"/>
+      </p:ext>
+    </p:extLst>
+  </p:cSld>
+  <p:clrMapOvr>
+    <a:masterClrMapping/>
+  </p:clrMapOvr>
 </p:sld>
 </file>
 
@@ -6179,10 +7348,9 @@
           <a:lstStyle/>
           <a:p>
             <a:r>
-              <a:rPr lang="en-US" dirty="0" smtClean="0"/>
+              <a:rPr lang="en-US" dirty="0"/>
               <a:t>NRW NOTATION</a:t>
             </a:r>
-            <a:endParaRPr lang="en-US" dirty="0"/>
           </a:p>
         </p:txBody>
       </p:sp>
@@ -6204,151 +7372,44 @@
           <a:lstStyle/>
           <a:p>
             <a:r>
-              <a:rPr lang="en-US" dirty="0" smtClean="0"/>
+              <a:rPr lang="en-US" dirty="0"/>
               <a:t>NRW (</a:t>
             </a:r>
             <a:r>
-              <a:rPr lang="en-US" i="1" dirty="0" smtClean="0"/>
+              <a:rPr lang="en-US" i="1" dirty="0"/>
               <a:t>Node, Read, Write)</a:t>
             </a:r>
             <a:r>
-              <a:rPr lang="en-US" dirty="0" smtClean="0"/>
-              <a:t> </a:t>
-            </a:r>
-            <a:r>
               <a:rPr lang="en-US" dirty="0"/>
-              <a:t>notation </a:t>
-            </a:r>
-            <a:r>
-              <a:rPr lang="en-US" dirty="0" smtClean="0"/>
-              <a:t>describes, </a:t>
-            </a:r>
+              <a:t> notation describes, at a high level, how a distributed database will trade consistency, read and write performance.</a:t>
+            </a:r>
+          </a:p>
+          <a:p>
+            <a:endParaRPr lang="en-US" dirty="0"/>
+          </a:p>
+          <a:p>
             <a:r>
               <a:rPr lang="en-US" dirty="0"/>
-              <a:t>at a high </a:t>
-            </a:r>
-            <a:r>
-              <a:rPr lang="en-US" dirty="0" smtClean="0"/>
-              <a:t>level, </a:t>
-            </a:r>
+              <a:t>N = No. of copies of each data item that the database will maintain</a:t>
+            </a:r>
+          </a:p>
+          <a:p>
             <a:r>
               <a:rPr lang="en-US" dirty="0"/>
-              <a:t>how </a:t>
-            </a:r>
-            <a:r>
-              <a:rPr lang="en-US" dirty="0" smtClean="0"/>
-              <a:t>a distributed </a:t>
-            </a:r>
+              <a:t>R = No. of copies that application will assess when reading the data item</a:t>
+            </a:r>
+          </a:p>
+          <a:p>
             <a:r>
               <a:rPr lang="en-US" dirty="0"/>
-              <a:t>database will trade </a:t>
-            </a:r>
-            <a:r>
-              <a:rPr lang="en-US" dirty="0" smtClean="0"/>
-              <a:t>consistency</a:t>
-            </a:r>
+              <a:t>W = No. of copies of data item that must be written before the write can complete</a:t>
+            </a:r>
+          </a:p>
+          <a:p>
             <a:r>
               <a:rPr lang="en-US" dirty="0"/>
-              <a:t>, </a:t>
-            </a:r>
-            <a:r>
-              <a:rPr lang="en-US" dirty="0" smtClean="0"/>
-              <a:t>read and </a:t>
-            </a:r>
-            <a:r>
-              <a:rPr lang="en-US" dirty="0"/>
-              <a:t>write performance</a:t>
-            </a:r>
-            <a:r>
-              <a:rPr lang="en-US" dirty="0" smtClean="0"/>
-              <a:t>.</a:t>
-            </a:r>
-            <a:endParaRPr lang="en-US" dirty="0"/>
-          </a:p>
-          <a:p>
-            <a:endParaRPr lang="en-US" dirty="0" smtClean="0"/>
-          </a:p>
-          <a:p>
-            <a:r>
-              <a:rPr lang="en-US" dirty="0" smtClean="0"/>
-              <a:t>N = No. </a:t>
-            </a:r>
-            <a:r>
-              <a:rPr lang="en-US" dirty="0"/>
-              <a:t>of copies of each data item that </a:t>
-            </a:r>
-            <a:r>
-              <a:rPr lang="en-US" dirty="0" smtClean="0"/>
-              <a:t>the database </a:t>
-            </a:r>
-            <a:r>
-              <a:rPr lang="en-US" dirty="0"/>
-              <a:t>will </a:t>
-            </a:r>
-            <a:r>
-              <a:rPr lang="en-US" dirty="0" smtClean="0"/>
-              <a:t>maintain</a:t>
-            </a:r>
-          </a:p>
-          <a:p>
-            <a:r>
-              <a:rPr lang="en-US" dirty="0" smtClean="0"/>
-              <a:t>R </a:t>
-            </a:r>
-            <a:r>
-              <a:rPr lang="en-US" dirty="0"/>
-              <a:t>= </a:t>
-            </a:r>
-            <a:r>
-              <a:rPr lang="en-US" dirty="0" smtClean="0"/>
-              <a:t>No. of </a:t>
-            </a:r>
-            <a:r>
-              <a:rPr lang="en-US" dirty="0"/>
-              <a:t>copies that application will </a:t>
-            </a:r>
-            <a:r>
-              <a:rPr lang="en-US" dirty="0" smtClean="0"/>
-              <a:t>assess when </a:t>
-            </a:r>
-            <a:r>
-              <a:rPr lang="en-US" dirty="0"/>
-              <a:t>reading the data </a:t>
-            </a:r>
-            <a:r>
-              <a:rPr lang="en-US" dirty="0" smtClean="0"/>
-              <a:t>item</a:t>
-            </a:r>
-          </a:p>
-          <a:p>
-            <a:r>
-              <a:rPr lang="en-US" dirty="0" smtClean="0"/>
-              <a:t>W = No. </a:t>
-            </a:r>
-            <a:r>
-              <a:rPr lang="en-US" dirty="0"/>
-              <a:t>of copies of data item that must </a:t>
-            </a:r>
-            <a:r>
-              <a:rPr lang="en-US" dirty="0" smtClean="0"/>
-              <a:t>be written </a:t>
-            </a:r>
-            <a:r>
-              <a:rPr lang="en-US" dirty="0"/>
-              <a:t>before the write can </a:t>
-            </a:r>
-            <a:r>
-              <a:rPr lang="en-US" dirty="0" smtClean="0"/>
-              <a:t>complete</a:t>
-            </a:r>
-            <a:endParaRPr lang="en-US" dirty="0"/>
-          </a:p>
-          <a:p>
-            <a:r>
-              <a:rPr lang="en-US" dirty="0" smtClean="0"/>
               <a:t>Most NoSQL Databases use N&gt;W&gt;1 more than one write must complete, but not all nodes need to be updated immediately.</a:t>
             </a:r>
-            <a:endParaRPr lang="en-US" dirty="0"/>
           </a:p>
         </p:txBody>
       </p:sp>
@@ -6362,21 +7423,6 @@
   <p:clrMapOvr>
     <a:masterClrMapping/>
   </p:clrMapOvr>
-  <mc:AlternateContent xmlns:mc="http://schemas.openxmlformats.org/markup-compatibility/2006" xmlns:p14="http://schemas.microsoft.com/office/powerpoint/2010/main">
-    <mc:Choice Requires="p14">
-      <p:transition spd="slow" p14:dur="2000"/>
-    </mc:Choice>
-    <mc:Fallback xmlns="">
-      <p:transition spd="slow"/>
-    </mc:Fallback>
-  </mc:AlternateContent>
-  <p:timing>
-    <p:tnLst>
-      <p:par>
-        <p:cTn id="1" dur="indefinite" restart="never" nodeType="tmRoot"/>
-      </p:par>
-    </p:tnLst>
-  </p:timing>
 </p:sld>
 </file>
 
@@ -6418,26 +7464,18 @@
           <a:lstStyle/>
           <a:p>
             <a:r>
-              <a:rPr lang="en-US" sz="2000" dirty="0" smtClean="0"/>
-              <a:t>When W = 3, R = 2 and N = 4 our outcome is: 3 + 2 = 5 and 5 &gt; 4 so it is a STRONG CONSISTENCY</a:t>
-            </a:r>
-            <a:r>
-              <a:rPr lang="en-US" sz="2000" dirty="0" smtClean="0"/>
-              <a:t>.</a:t>
-            </a:r>
-            <a:r>
               <a:rPr lang="en-US" sz="2000" dirty="0"/>
-              <a:t/>
+              <a:t>When W = 3, R = 2 and N = 4 our outcome is: 3 + 2 = 5 and 5 &gt; 4 so it is a STRONG CONSISTENCY.</a:t>
             </a:r>
             <a:br>
               <a:rPr lang="en-US" sz="2000" dirty="0"/>
             </a:br>
             <a:r>
-              <a:rPr lang="en-US" sz="2000" dirty="0" smtClean="0"/>
+              <a:rPr lang="en-US" sz="2000" dirty="0"/>
               <a:t/>
             </a:r>
             <a:br>
-              <a:rPr lang="en-US" sz="2000" dirty="0" smtClean="0"/>
+              <a:rPr lang="en-US" sz="2000" dirty="0"/>
             </a:br>
             <a:r>
               <a:rPr lang="en-US" sz="2000" dirty="0"/>
@@ -6505,10 +7543,9 @@
                     <a:p>
                       <a:pPr algn="ctr"/>
                       <a:r>
-                        <a:rPr lang="en-US" dirty="0" smtClean="0"/>
+                        <a:rPr lang="en-US" dirty="0"/>
                         <a:t>NRW Configuration</a:t>
                       </a:r>
-                      <a:endParaRPr lang="en-US" dirty="0"/>
                     </a:p>
                   </a:txBody>
                   <a:tcPr/>
@@ -6520,10 +7557,9 @@
                     <a:p>
                       <a:pPr algn="ctr"/>
                       <a:r>
-                        <a:rPr lang="en-US" dirty="0" smtClean="0"/>
+                        <a:rPr lang="en-US" dirty="0"/>
                         <a:t>Outcome</a:t>
                       </a:r>
-                      <a:endParaRPr lang="en-US" dirty="0"/>
                     </a:p>
                   </a:txBody>
                   <a:tcPr/>
@@ -6542,11 +7578,11 @@
                     <a:p>
                       <a:pPr algn="ctr"/>
                       <a:r>
-                        <a:rPr lang="en-US" dirty="0" smtClean="0"/>
+                        <a:rPr lang="en-US" dirty="0"/>
                         <a:t>(</a:t>
                       </a:r>
                       <a:r>
-                        <a:rPr lang="en-US" baseline="0" dirty="0" smtClean="0"/>
+                        <a:rPr lang="en-US" baseline="0" dirty="0"/>
                         <a:t> W = N ) &amp; ( R = 1 )</a:t>
                       </a:r>
                       <a:endParaRPr lang="en-US" dirty="0"/>
@@ -6561,10 +7597,9 @@
                     <a:p>
                       <a:pPr algn="l"/>
                       <a:r>
-                        <a:rPr lang="en-US" dirty="0" smtClean="0"/>
+                        <a:rPr lang="en-US" dirty="0"/>
                         <a:t>Read optimized strong consistency</a:t>
                       </a:r>
-                      <a:endParaRPr lang="en-US" dirty="0"/>
                     </a:p>
                   </a:txBody>
                   <a:tcPr/>
@@ -6583,11 +7618,11 @@
                     <a:p>
                       <a:pPr algn="ctr"/>
                       <a:r>
-                        <a:rPr lang="en-US" dirty="0" smtClean="0"/>
+                        <a:rPr lang="en-US" dirty="0"/>
                         <a:t>( W = 1 ) &amp; (</a:t>
                       </a:r>
                       <a:r>
-                        <a:rPr lang="en-US" baseline="0" dirty="0" smtClean="0"/>
+                        <a:rPr lang="en-US" baseline="0" dirty="0"/>
                         <a:t> R = N )</a:t>
                       </a:r>
                       <a:endParaRPr lang="en-US" dirty="0"/>
@@ -6602,10 +7637,9 @@
                     <a:p>
                       <a:pPr algn="l"/>
                       <a:r>
-                        <a:rPr lang="en-US" dirty="0" smtClean="0"/>
+                        <a:rPr lang="en-US" dirty="0"/>
                         <a:t>Write optimized strong consistency</a:t>
                       </a:r>
-                      <a:endParaRPr lang="en-US" dirty="0"/>
                     </a:p>
                   </a:txBody>
                   <a:tcPr/>
@@ -6624,11 +7658,11 @@
                     <a:p>
                       <a:pPr algn="ctr"/>
                       <a:r>
-                        <a:rPr lang="en-US" dirty="0" smtClean="0"/>
+                        <a:rPr lang="en-US" dirty="0"/>
                         <a:t>(</a:t>
                       </a:r>
                       <a:r>
-                        <a:rPr lang="en-US" baseline="0" dirty="0" smtClean="0"/>
+                        <a:rPr lang="en-US" baseline="0" dirty="0"/>
                         <a:t> W + R ) &lt;= N</a:t>
                       </a:r>
                       <a:endParaRPr lang="en-US" dirty="0"/>
@@ -6643,10 +7677,9 @@
                     <a:p>
                       <a:pPr algn="l"/>
                       <a:r>
-                        <a:rPr lang="en-US" dirty="0" smtClean="0"/>
+                        <a:rPr lang="en-US" dirty="0"/>
                         <a:t>Weak eventual consistency</a:t>
                       </a:r>
-                      <a:endParaRPr lang="en-US" dirty="0"/>
                     </a:p>
                   </a:txBody>
                   <a:tcPr/>
@@ -6665,11 +7698,11 @@
                     <a:p>
                       <a:pPr algn="ctr"/>
                       <a:r>
-                        <a:rPr lang="en-US" dirty="0" smtClean="0"/>
+                        <a:rPr lang="en-US" dirty="0"/>
                         <a:t>( W + R</a:t>
                       </a:r>
                       <a:r>
-                        <a:rPr lang="en-US" baseline="0" dirty="0" smtClean="0"/>
+                        <a:rPr lang="en-US" baseline="0" dirty="0"/>
                         <a:t> ) &gt; N</a:t>
                       </a:r>
                       <a:endParaRPr lang="en-US" dirty="0"/>
@@ -6684,10 +7717,9 @@
                     <a:p>
                       <a:pPr algn="l"/>
                       <a:r>
-                        <a:rPr lang="en-US" dirty="0" smtClean="0"/>
+                        <a:rPr lang="en-US" dirty="0"/>
                         <a:t>Strong consistency though quorum</a:t>
                       </a:r>
-                      <a:endParaRPr lang="en-US" dirty="0"/>
                     </a:p>
                   </a:txBody>
                   <a:tcPr/>
@@ -6797,10 +7829,9 @@
           </a:lstStyle>
           <a:p>
             <a:r>
-              <a:rPr lang="en-US" dirty="0" smtClean="0"/>
+              <a:rPr lang="en-US" dirty="0"/>
               <a:t>NRW NOTATION</a:t>
             </a:r>
-            <a:endParaRPr lang="en-US" dirty="0"/>
           </a:p>
         </p:txBody>
       </p:sp>
@@ -6814,13 +7845,6 @@
   <p:clrMapOvr>
     <a:masterClrMapping/>
   </p:clrMapOvr>
-  <p:timing>
-    <p:tnLst>
-      <p:par>
-        <p:cTn id="1" dur="indefinite" restart="never" nodeType="tmRoot"/>
-      </p:par>
-    </p:tnLst>
-  </p:timing>
 </p:sld>
 </file>
 
@@ -6857,10 +7881,9 @@
           <a:lstStyle/>
           <a:p>
             <a:r>
-              <a:rPr lang="en-US" dirty="0" smtClean="0"/>
+              <a:rPr lang="en-US" dirty="0"/>
               <a:t>DynamoDB: Amazon’s Highly Available Key-value Store</a:t>
             </a:r>
-            <a:endParaRPr lang="en-US" dirty="0"/>
           </a:p>
         </p:txBody>
       </p:sp>
@@ -6880,46 +7903,45 @@
           <a:lstStyle/>
           <a:p>
             <a:r>
-              <a:rPr lang="en-US" dirty="0" smtClean="0"/>
+              <a:rPr lang="en-US" dirty="0"/>
               <a:t>One problem DynamoDB, a NoSQL database service, has is partitioning. Their solution was to do “Consistent Hashing,” which resulted in incremental scalability. </a:t>
             </a:r>
-            <a:endParaRPr lang="en-US" dirty="0"/>
-          </a:p>
-          <a:p>
-            <a:r>
-              <a:rPr lang="en-US" dirty="0" smtClean="0"/>
+          </a:p>
+          <a:p>
+            <a:r>
+              <a:rPr lang="en-US" dirty="0"/>
               <a:t>There are many good tools out there that can simulate the NRW patterns, i.e. </a:t>
             </a:r>
             <a:r>
-              <a:rPr lang="en-US" i="1" dirty="0" smtClean="0"/>
+              <a:rPr lang="en-US" i="1" dirty="0"/>
               <a:t>Simizer</a:t>
             </a:r>
             <a:r>
-              <a:rPr lang="en-US" dirty="0" smtClean="0"/>
+              <a:rPr lang="en-US" dirty="0"/>
               <a:t>, </a:t>
             </a:r>
             <a:r>
-              <a:rPr lang="en-US" i="1" dirty="0" smtClean="0"/>
+              <a:rPr lang="en-US" i="1" dirty="0"/>
               <a:t>CloudSim,</a:t>
             </a:r>
             <a:r>
-              <a:rPr lang="en-US" dirty="0" smtClean="0"/>
+              <a:rPr lang="en-US" dirty="0"/>
               <a:t> </a:t>
             </a:r>
             <a:r>
-              <a:rPr lang="en-US" i="1" dirty="0" smtClean="0"/>
+              <a:rPr lang="en-US" i="1" dirty="0"/>
               <a:t>SimGRID</a:t>
             </a:r>
             <a:r>
-              <a:rPr lang="en-US" dirty="0" smtClean="0"/>
+              <a:rPr lang="en-US" dirty="0"/>
               <a:t>, and </a:t>
             </a:r>
             <a:r>
-              <a:rPr lang="en-US" i="1" dirty="0" smtClean="0"/>
+              <a:rPr lang="en-US" i="1" dirty="0"/>
               <a:t>OptorSim</a:t>
             </a:r>
             <a:r>
-              <a:rPr lang="en-US" dirty="0" smtClean="0"/>
+              <a:rPr lang="en-US" dirty="0"/>
               <a:t>. </a:t>
             </a:r>
           </a:p>
@@ -6938,13 +7960,6 @@
   <p:clrMapOvr>
     <a:masterClrMapping/>
   </p:clrMapOvr>
-  <p:timing>
-    <p:tnLst>
-      <p:par>
-        <p:cTn id="1" dur="indefinite" restart="never" nodeType="tmRoot"/>
-      </p:par>
-    </p:tnLst>
-  </p:timing>
 </p:sld>
 </file>
 
@@ -7001,17 +8016,8 @@
             </a:br>
             <a:r>
               <a:rPr lang="en-US" sz="2000" dirty="0"/>
-              <a:t>Where N = 3 and W = 2. A coordinator node handles the client write and sends it to all N replicas. The Write call returns after the coordinator </a:t>
-            </a:r>
-            <a:r>
-              <a:rPr lang="en-US" sz="2000" dirty="0" smtClean="0"/>
-              <a:t>receives </a:t>
-            </a:r>
-            <a:r>
-              <a:rPr lang="en-US" sz="2000" dirty="0"/>
-              <a:t>W acknowledgements. </a:t>
-            </a:r>
-            <a:endParaRPr lang="en-US" sz="2000" dirty="0"/>
+              <a:t>Where N = 3 and W = 2. A coordinator node handles the client write and sends it to all N replicas. The Write call returns after the coordinator receives W acknowledgements. </a:t>
+            </a:r>
           </a:p>
         </p:txBody>
       </p:sp>
@@ -7055,13 +8061,6 @@
   <p:clrMapOvr>
     <a:masterClrMapping/>
   </p:clrMapOvr>
-  <p:timing>
-    <p:tnLst>
-      <p:par>
-        <p:cTn id="1" dur="indefinite" restart="never" nodeType="tmRoot"/>
-      </p:par>
-    </p:tnLst>
-  </p:timing>
 </p:sld>
 </file>
 
@@ -7098,10 +8097,9 @@
           <a:lstStyle/>
           <a:p>
             <a:r>
-              <a:rPr lang="en-US" dirty="0" smtClean="0"/>
+              <a:rPr lang="en-US" dirty="0"/>
               <a:t>Some other configurations</a:t>
             </a:r>
-            <a:endParaRPr lang="en-US" dirty="0"/>
           </a:p>
         </p:txBody>
       </p:sp>
@@ -7126,64 +8124,57 @@
           <a:lstStyle/>
           <a:p>
             <a:r>
-              <a:rPr lang="en-US" dirty="0" smtClean="0"/>
-              <a:t>Cassandra: N = 3, R = W = 1</a:t>
-            </a:r>
-          </a:p>
-          <a:p>
-            <a:r>
-              <a:rPr lang="en-US" dirty="0" smtClean="0"/>
+              <a:rPr lang="en-US" dirty="0"/>
               <a:t>Rika: N = 3, R = W = 2</a:t>
             </a:r>
           </a:p>
           <a:p>
             <a:pPr lvl="1"/>
             <a:r>
-              <a:rPr lang="en-US" dirty="0" smtClean="0"/>
+              <a:rPr lang="en-US" dirty="0"/>
               <a:t>User sometimes suggest using “low value” R = W = 1 &amp; N = 2 and strict quorum variants for “web,” “mission critical,” and “financial” data.</a:t>
             </a:r>
           </a:p>
           <a:p>
             <a:r>
-              <a:rPr lang="en-US" dirty="0" smtClean="0"/>
+              <a:rPr lang="en-US" dirty="0"/>
               <a:t>Voldemort’s authors at LinkedIn often choose: N = </a:t>
             </a:r>
             <a:r>
-              <a:rPr lang="en-US" i="1" dirty="0" smtClean="0"/>
+              <a:rPr lang="en-US" i="1" dirty="0"/>
               <a:t>c</a:t>
             </a:r>
             <a:r>
-              <a:rPr lang="en-US" dirty="0" smtClean="0"/>
+              <a:rPr lang="en-US" dirty="0"/>
               <a:t>, R = W = [</a:t>
             </a:r>
             <a:r>
-              <a:rPr lang="en-US" i="1" dirty="0" smtClean="0"/>
+              <a:rPr lang="en-US" i="1" dirty="0"/>
               <a:t>c</a:t>
             </a:r>
             <a:r>
-              <a:rPr lang="en-US" dirty="0" smtClean="0"/>
+              <a:rPr lang="en-US" dirty="0"/>
               <a:t>/2] for odd </a:t>
             </a:r>
             <a:r>
-              <a:rPr lang="en-US" i="1" dirty="0" smtClean="0"/>
+              <a:rPr lang="en-US" i="1" dirty="0"/>
               <a:t>c</a:t>
             </a:r>
             <a:r>
-              <a:rPr lang="en-US" dirty="0" smtClean="0"/>
+              <a:rPr lang="en-US" dirty="0"/>
               <a:t> </a:t>
             </a:r>
           </a:p>
           <a:p>
             <a:pPr lvl="1"/>
             <a:r>
-              <a:rPr lang="en-US" dirty="0" smtClean="0"/>
+              <a:rPr lang="en-US" dirty="0"/>
               <a:t>Often great for “very low latency and high availability.</a:t>
             </a:r>
-            <a:endParaRPr lang="en-US" dirty="0"/>
-          </a:p>
-          <a:p>
-            <a:r>
-              <a:rPr lang="en-US" dirty="0" smtClean="0"/>
+          </a:p>
+          <a:p>
+            <a:r>
+              <a:rPr lang="en-US" dirty="0"/>
               <a:t>LinkedIn deployments of Voldemort with N = 2, R = W = 1 provide “some consistency,” when three way replication is not required (ctd. in Berkeley). </a:t>
             </a:r>
           </a:p>
@@ -7199,13 +8190,6 @@
   <p:clrMapOvr>
     <a:masterClrMapping/>
   </p:clrMapOvr>
-  <p:timing>
-    <p:tnLst>
-      <p:par>
-        <p:cTn id="1" dur="indefinite" restart="never" nodeType="tmRoot"/>
-      </p:par>
-    </p:tnLst>
-  </p:timing>
 </p:sld>
 </file>
 
@@ -7241,11 +8225,20 @@
           <a:bodyPr/>
           <a:lstStyle/>
           <a:p>
-            <a:pPr algn="ctr"/>
-            <a:r>
-              <a:rPr lang="en-US" dirty="0" smtClean="0"/>
-              <a:t>Works Cited</a:t>
-            </a:r>
+            <a:r>
+              <a:rPr lang="en-US" dirty="0"/>
+              <a:t>Example of databases that do not use NRW notation:</a:t>
+            </a:r>
+            <a:br>
+              <a:rPr lang="en-US" dirty="0"/>
+            </a:br>
+            <a:r>
+              <a:rPr lang="en-US" dirty="0"/>
+              <a:t/>
+            </a:r>
+            <a:br>
+              <a:rPr lang="en-US" dirty="0"/>
+            </a:br>
             <a:endParaRPr lang="en-US" dirty="0"/>
           </a:p>
         </p:txBody>
@@ -7260,223 +8253,336 @@
             <p:ph idx="1"/>
           </p:nvPr>
         </p:nvSpPr>
-        <p:spPr>
-          <a:xfrm>
-            <a:off x="1103312" y="1175658"/>
-            <a:ext cx="8946541" cy="5072742"/>
-          </a:xfrm>
-        </p:spPr>
+        <p:spPr/>
         <p:txBody>
           <a:bodyPr>
             <a:normAutofit/>
           </a:bodyPr>
           <a:lstStyle/>
           <a:p>
+            <a:pPr fontAlgn="base"/>
+            <a:endParaRPr lang="en-US" dirty="0"/>
+          </a:p>
+          <a:p>
+            <a:pPr fontAlgn="base"/>
+            <a:r>
+              <a:rPr lang="en-US" dirty="0"/>
+              <a:t>OrientDB</a:t>
+            </a:r>
+          </a:p>
+          <a:p>
+            <a:pPr fontAlgn="base"/>
+            <a:r>
+              <a:rPr lang="en-US" dirty="0"/>
+              <a:t>Redis</a:t>
+            </a:r>
+          </a:p>
+          <a:p>
+            <a:pPr fontAlgn="base"/>
+            <a:r>
+              <a:rPr lang="en-US" dirty="0"/>
+              <a:t>MongoDB</a:t>
+            </a:r>
+          </a:p>
+          <a:p>
+            <a:pPr fontAlgn="base"/>
+            <a:r>
+              <a:rPr lang="en-US" dirty="0"/>
+              <a:t>Bigtable</a:t>
+            </a:r>
+          </a:p>
+          <a:p>
+            <a:endParaRPr lang="en-US" dirty="0"/>
+          </a:p>
+          <a:p>
             <a:pPr marL="0" indent="0">
               <a:buNone/>
             </a:pPr>
             <a:r>
-              <a:rPr lang="en-US" sz="1200" dirty="0"/>
-              <a:t>"Dynamo: Amazon’S Highly Available Key-Value </a:t>
-            </a:r>
-            <a:r>
-              <a:rPr lang="en-US" sz="1200" dirty="0" smtClean="0"/>
-              <a:t>Store” Slideplayer.Com</a:t>
-            </a:r>
-            <a:r>
-              <a:rPr lang="en-US" sz="1200" dirty="0"/>
-              <a:t>, 2019, </a:t>
-            </a:r>
-            <a:r>
-              <a:rPr lang="en-US" sz="1200" dirty="0" smtClean="0"/>
-              <a:t/>
+              <a:rPr lang="en-US" dirty="0"/>
+              <a:t>For the next upcoming slides we will focus more on Bigtable as an example.</a:t>
             </a:r>
             <a:br>
-              <a:rPr lang="en-US" sz="1200" dirty="0" smtClean="0"/>
+              <a:rPr lang="en-US" dirty="0"/>
             </a:br>
-            <a:r>
-              <a:rPr lang="en-US" sz="1200" dirty="0" smtClean="0"/>
-              <a:t>	</a:t>
-            </a:r>
-            <a:r>
-              <a:rPr lang="en-US" sz="1200" dirty="0" smtClean="0">
-                <a:hlinkClick r:id="rId2"/>
-              </a:rPr>
-              <a:t>https</a:t>
-            </a:r>
-            <a:r>
-              <a:rPr lang="en-US" sz="1200" dirty="0">
-                <a:hlinkClick r:id="rId2"/>
-              </a:rPr>
-              <a:t>://slideplayer.com/slide/7720997</a:t>
-            </a:r>
-            <a:r>
-              <a:rPr lang="en-US" sz="1200" dirty="0" smtClean="0">
-                <a:hlinkClick r:id="rId2"/>
-              </a:rPr>
-              <a:t>/</a:t>
-            </a:r>
-            <a:r>
-              <a:rPr lang="en-US" sz="1200" dirty="0" smtClean="0"/>
-              <a:t>.</a:t>
-            </a:r>
-          </a:p>
-          <a:p>
-            <a:pPr marL="0" indent="0">
-              <a:buNone/>
-            </a:pPr>
-            <a:r>
-              <a:rPr lang="en-US" sz="1200" dirty="0" smtClean="0"/>
-              <a:t>Harrison</a:t>
-            </a:r>
-            <a:r>
-              <a:rPr lang="en-US" sz="1200" dirty="0"/>
-              <a:t>, Guy. “Eventual Consistency.” </a:t>
-            </a:r>
-            <a:r>
-              <a:rPr lang="en-US" sz="1200" i="1" dirty="0"/>
-              <a:t>Database Trends and Applications</a:t>
-            </a:r>
-            <a:r>
-              <a:rPr lang="en-US" sz="1200" dirty="0"/>
-              <a:t>, 7 Jan. 2011,</a:t>
-            </a:r>
-            <a:br>
-              <a:rPr lang="en-US" sz="1200" dirty="0"/>
-            </a:br>
-            <a:r>
-              <a:rPr lang="en-US" sz="1200" dirty="0"/>
-              <a:t>	</a:t>
-            </a:r>
-            <a:r>
-              <a:rPr lang="en-US" sz="1200" dirty="0">
-                <a:hlinkClick r:id="rId3"/>
-              </a:rPr>
-              <a:t>www.dbta.com/Columns/Applications-Insight/Eventual-Consistency-73004.aspx</a:t>
-            </a:r>
-            <a:r>
-              <a:rPr lang="en-US" sz="1200" dirty="0" smtClean="0"/>
-              <a:t>.</a:t>
-            </a:r>
-          </a:p>
-          <a:p>
-            <a:pPr marL="0" indent="0">
-              <a:buNone/>
-            </a:pPr>
-            <a:r>
-              <a:rPr lang="en-US" sz="1200" dirty="0" smtClean="0"/>
-              <a:t>---. "</a:t>
-            </a:r>
-            <a:r>
-              <a:rPr lang="en-US" sz="1200" dirty="0"/>
-              <a:t>Consistency Models." Next Generation Databases. Apress, Berkeley, CA, </a:t>
-            </a:r>
-            <a:r>
-              <a:rPr lang="en-US" sz="1200" dirty="0" smtClean="0"/>
-              <a:t>2015.</a:t>
-            </a:r>
-          </a:p>
-          <a:p>
-            <a:pPr marL="0" indent="0">
-              <a:buNone/>
-            </a:pPr>
-            <a:r>
-              <a:rPr lang="en-US" sz="1200" dirty="0"/>
-              <a:t>Springer, Wilfred. “Eventually Consistent.” LinkedIn SlideShare, 21 July 2010, </a:t>
-            </a:r>
-            <a:r>
-              <a:rPr lang="en-US" sz="1200" dirty="0" smtClean="0"/>
-              <a:t>www.slideshare.net/springerw/eventually-</a:t>
-            </a:r>
-            <a:br>
-              <a:rPr lang="en-US" sz="1200" dirty="0" smtClean="0"/>
-            </a:br>
-            <a:r>
-              <a:rPr lang="en-US" sz="1200" dirty="0" smtClean="0"/>
-              <a:t>	consistent</a:t>
-            </a:r>
-            <a:r>
-              <a:rPr lang="en-US" sz="1200" dirty="0"/>
-              <a:t>.</a:t>
-            </a:r>
-            <a:endParaRPr lang="en-US" sz="1200" dirty="0" smtClean="0"/>
-          </a:p>
-          <a:p>
-            <a:pPr marL="0" indent="0">
-              <a:buNone/>
-            </a:pPr>
-            <a:r>
-              <a:rPr lang="en-US" sz="1200" dirty="0" smtClean="0"/>
-              <a:t>Thant</a:t>
-            </a:r>
-            <a:r>
-              <a:rPr lang="en-US" sz="1200" dirty="0"/>
-              <a:t>, Phyo Thandar, and Thinn Thu Naing. "Improving the availability of NoSQL databases for Cloud Storage." </a:t>
-            </a:r>
-            <a:br>
-              <a:rPr lang="en-US" sz="1200" dirty="0"/>
-            </a:br>
-            <a:r>
-              <a:rPr lang="en-US" sz="1200" dirty="0"/>
-              <a:t>	Yangon: University of Computer Studies.</a:t>
-            </a:r>
-          </a:p>
-          <a:p>
-            <a:pPr marL="0" indent="0">
-              <a:buNone/>
-            </a:pPr>
-            <a:r>
-              <a:rPr lang="en-US" sz="1200" dirty="0" smtClean="0"/>
-              <a:t>Vanroose</a:t>
-            </a:r>
-            <a:r>
-              <a:rPr lang="en-US" sz="1200" dirty="0"/>
-              <a:t>, Peter, and GSE DB Belgium. "ACID or BASE?-the case of NoSQL</a:t>
-            </a:r>
-            <a:r>
-              <a:rPr lang="en-US" sz="1200" dirty="0" smtClean="0"/>
-              <a:t>.“</a:t>
-            </a:r>
-          </a:p>
-          <a:p>
-            <a:pPr marL="0" indent="0">
-              <a:buNone/>
-            </a:pPr>
-            <a:r>
-              <a:rPr lang="en-US" sz="1200" dirty="0" smtClean="0"/>
-              <a:t>Berkeley, Www2.Eecs.Berkeley.Edu</a:t>
-            </a:r>
-            <a:r>
-              <a:rPr lang="en-US" sz="1200" dirty="0"/>
-              <a:t>, 2019, https://www2.eecs.berkeley.edu/Pubs/TechRpts/2012/EECS-2012-4.pdf.</a:t>
-            </a:r>
-            <a:endParaRPr lang="en-US" sz="1200" dirty="0" smtClean="0"/>
-          </a:p>
-          <a:p>
-            <a:pPr marL="0" indent="0">
-              <a:buNone/>
-            </a:pPr>
-            <a:endParaRPr lang="en-US" sz="1200" dirty="0"/>
+            <a:endParaRPr lang="en-US" dirty="0"/>
+          </a:p>
+        </p:txBody>
+      </p:sp>
+      <p:sp>
+        <p:nvSpPr>
+          <p:cNvPr id="4" name="Rectangle 3"/>
+          <p:cNvSpPr/>
+          <p:nvPr/>
+        </p:nvSpPr>
+        <p:spPr>
+          <a:xfrm>
+            <a:off x="5971607" y="3244334"/>
+            <a:ext cx="248786" cy="369332"/>
+          </a:xfrm>
+          <a:prstGeom prst="rect">
+            <a:avLst/>
+          </a:prstGeom>
+        </p:spPr>
+        <p:txBody>
+          <a:bodyPr wrap="none">
+            <a:spAutoFit/>
+          </a:bodyPr>
+          <a:lstStyle/>
+          <a:p>
+            <a:r>
+              <a:rPr lang="sk-SK" dirty="0"/>
+              <a:t> </a:t>
+            </a:r>
+            <a:endParaRPr lang="en-US" dirty="0"/>
           </a:p>
         </p:txBody>
       </p:sp>
     </p:spTree>
     <p:extLst>
       <p:ext uri="{BB962C8B-B14F-4D97-AF65-F5344CB8AC3E}">
-        <p14:creationId xmlns:p14="http://schemas.microsoft.com/office/powerpoint/2010/main" val="3288187351"/>
+        <p14:creationId xmlns:p14="http://schemas.microsoft.com/office/powerpoint/2010/main" val="211004877"/>
       </p:ext>
     </p:extLst>
   </p:cSld>
   <p:clrMapOvr>
     <a:masterClrMapping/>
   </p:clrMapOvr>
-  <p:timing>
-    <p:tnLst>
-      <p:par>
-        <p:cTn id="1" dur="indefinite" restart="never" nodeType="tmRoot"/>
-      </p:par>
-    </p:tnLst>
-  </p:timing>
+</p:sld>
+</file>
+
+<file path=ppt/slides/slide8.xml><?xml version="1.0" encoding="utf-8"?>
+<p:sld xmlns:a="http://schemas.openxmlformats.org/drawingml/2006/main" xmlns:r="http://schemas.openxmlformats.org/officeDocument/2006/relationships" xmlns:p="http://schemas.openxmlformats.org/presentationml/2006/main">
+  <p:cSld>
+    <p:spTree>
+      <p:nvGrpSpPr>
+        <p:cNvPr id="1" name=""/>
+        <p:cNvGrpSpPr/>
+        <p:nvPr/>
+      </p:nvGrpSpPr>
+      <p:grpSpPr>
+        <a:xfrm>
+          <a:off x="0" y="0"/>
+          <a:ext cx="0" cy="0"/>
+          <a:chOff x="0" y="0"/>
+          <a:chExt cx="0" cy="0"/>
+        </a:xfrm>
+      </p:grpSpPr>
+      <p:sp>
+        <p:nvSpPr>
+          <p:cNvPr id="2" name="Title 1"/>
+          <p:cNvSpPr>
+            <a:spLocks noGrp="1"/>
+          </p:cNvSpPr>
+          <p:nvPr>
+            <p:ph type="title"/>
+          </p:nvPr>
+        </p:nvSpPr>
+        <p:spPr/>
+        <p:txBody>
+          <a:bodyPr/>
+          <a:lstStyle/>
+          <a:p>
+            <a:r>
+              <a:rPr lang="en-US" dirty="0"/>
+              <a:t>What is Bigtable??</a:t>
+            </a:r>
+            <a:br>
+              <a:rPr lang="en-US" dirty="0"/>
+            </a:br>
+            <a:r>
+              <a:rPr lang="en-US" dirty="0"/>
+              <a:t/>
+            </a:r>
+            <a:br>
+              <a:rPr lang="en-US" dirty="0"/>
+            </a:br>
+            <a:endParaRPr lang="en-US" dirty="0"/>
+          </a:p>
+        </p:txBody>
+      </p:sp>
+      <p:sp>
+        <p:nvSpPr>
+          <p:cNvPr id="3" name="Content Placeholder 2"/>
+          <p:cNvSpPr>
+            <a:spLocks noGrp="1"/>
+          </p:cNvSpPr>
+          <p:nvPr>
+            <p:ph idx="1"/>
+          </p:nvPr>
+        </p:nvSpPr>
+        <p:spPr/>
+        <p:txBody>
+          <a:bodyPr/>
+          <a:lstStyle/>
+          <a:p>
+            <a:pPr marL="0" indent="0">
+              <a:buNone/>
+            </a:pPr>
+            <a:r>
+              <a:rPr lang="en-US" dirty="0"/>
+              <a:t>Bigtable is a distributed storage system for managing structured data that is designed to scale to a very large size: petabytes of data across thousands of commodity servers.</a:t>
+            </a:r>
+          </a:p>
+          <a:p>
+            <a:endParaRPr lang="en-US" dirty="0"/>
+          </a:p>
+          <a:p>
+            <a:pPr fontAlgn="base"/>
+            <a:r>
+              <a:rPr lang="en-US" dirty="0"/>
+              <a:t>Developed by Google</a:t>
+            </a:r>
+          </a:p>
+          <a:p>
+            <a:pPr fontAlgn="base"/>
+            <a:r>
+              <a:rPr lang="en-US" dirty="0"/>
+              <a:t>Column Oriented</a:t>
+            </a:r>
+          </a:p>
+          <a:p>
+            <a:pPr fontAlgn="base"/>
+            <a:r>
+              <a:rPr lang="en-US" dirty="0"/>
+              <a:t>NoSQL database</a:t>
+            </a:r>
+          </a:p>
+          <a:p>
+            <a:pPr fontAlgn="base"/>
+            <a:r>
+              <a:rPr lang="en-US" dirty="0"/>
+              <a:t>Consistency &amp; Partial Tolerance  (of CAP Theorem)</a:t>
+            </a:r>
+            <a:br>
+              <a:rPr lang="en-US" dirty="0"/>
+            </a:br>
+            <a:endParaRPr lang="en-US" dirty="0"/>
+          </a:p>
+        </p:txBody>
+      </p:sp>
+    </p:spTree>
+    <p:extLst>
+      <p:ext uri="{BB962C8B-B14F-4D97-AF65-F5344CB8AC3E}">
+        <p14:creationId xmlns:p14="http://schemas.microsoft.com/office/powerpoint/2010/main" val="384783512"/>
+      </p:ext>
+    </p:extLst>
+  </p:cSld>
+  <p:clrMapOvr>
+    <a:masterClrMapping/>
+  </p:clrMapOvr>
+</p:sld>
+</file>
+
+<file path=ppt/slides/slide9.xml><?xml version="1.0" encoding="utf-8"?>
+<p:sld xmlns:a="http://schemas.openxmlformats.org/drawingml/2006/main" xmlns:r="http://schemas.openxmlformats.org/officeDocument/2006/relationships" xmlns:p="http://schemas.openxmlformats.org/presentationml/2006/main">
+  <p:cSld>
+    <p:spTree>
+      <p:nvGrpSpPr>
+        <p:cNvPr id="1" name=""/>
+        <p:cNvGrpSpPr/>
+        <p:nvPr/>
+      </p:nvGrpSpPr>
+      <p:grpSpPr>
+        <a:xfrm>
+          <a:off x="0" y="0"/>
+          <a:ext cx="0" cy="0"/>
+          <a:chOff x="0" y="0"/>
+          <a:chExt cx="0" cy="0"/>
+        </a:xfrm>
+      </p:grpSpPr>
+      <p:sp>
+        <p:nvSpPr>
+          <p:cNvPr id="2" name="Title 1"/>
+          <p:cNvSpPr>
+            <a:spLocks noGrp="1"/>
+          </p:cNvSpPr>
+          <p:nvPr>
+            <p:ph type="title"/>
+          </p:nvPr>
+        </p:nvSpPr>
+        <p:spPr/>
+        <p:txBody>
+          <a:bodyPr/>
+          <a:lstStyle/>
+          <a:p>
+            <a:r>
+              <a:rPr lang="en-US" dirty="0"/>
+              <a:t>What Bigtable uses instead</a:t>
+            </a:r>
+            <a:br>
+              <a:rPr lang="en-US" dirty="0"/>
+            </a:br>
+            <a:r>
+              <a:rPr lang="en-US" dirty="0"/>
+              <a:t/>
+            </a:r>
+            <a:br>
+              <a:rPr lang="en-US" dirty="0"/>
+            </a:br>
+            <a:endParaRPr lang="en-US" dirty="0"/>
+          </a:p>
+        </p:txBody>
+      </p:sp>
+      <p:sp>
+        <p:nvSpPr>
+          <p:cNvPr id="3" name="Content Placeholder 2"/>
+          <p:cNvSpPr>
+            <a:spLocks noGrp="1"/>
+          </p:cNvSpPr>
+          <p:nvPr>
+            <p:ph idx="1"/>
+          </p:nvPr>
+        </p:nvSpPr>
+        <p:spPr/>
+        <p:txBody>
+          <a:bodyPr/>
+          <a:lstStyle/>
+          <a:p>
+            <a:pPr fontAlgn="base"/>
+            <a:endParaRPr lang="en-US" dirty="0"/>
+          </a:p>
+          <a:p>
+            <a:pPr fontAlgn="base"/>
+            <a:r>
+              <a:rPr lang="en-US" dirty="0"/>
+              <a:t>A lock system called a Chubby.</a:t>
+            </a:r>
+          </a:p>
+          <a:p>
+            <a:pPr fontAlgn="base"/>
+            <a:endParaRPr lang="en-US" dirty="0"/>
+          </a:p>
+          <a:p>
+            <a:pPr fontAlgn="base"/>
+            <a:r>
+              <a:rPr lang="en-US" dirty="0"/>
+              <a:t>GFS (Google File System), a large scale file system</a:t>
+            </a:r>
+          </a:p>
+          <a:p>
+            <a:pPr fontAlgn="base"/>
+            <a:endParaRPr lang="en-US" dirty="0"/>
+          </a:p>
+          <a:p>
+            <a:pPr fontAlgn="base"/>
+            <a:r>
+              <a:rPr lang="en-US" dirty="0"/>
+              <a:t>SSTable, what Bigtable uses to store all their data.</a:t>
+            </a:r>
+          </a:p>
+        </p:txBody>
+      </p:sp>
+    </p:spTree>
+    <p:extLst>
+      <p:ext uri="{BB962C8B-B14F-4D97-AF65-F5344CB8AC3E}">
+        <p14:creationId xmlns:p14="http://schemas.microsoft.com/office/powerpoint/2010/main" val="1792303295"/>
+      </p:ext>
+    </p:extLst>
+  </p:cSld>
+  <p:clrMapOvr>
+    <a:masterClrMapping/>
+  </p:clrMapOvr>
 </p:sld>
 </file>
 
@@ -7744,4 +8850,299 @@
     </a:ext>
   </a:extLst>
 </a:theme>
+</file>
+
+<file path=ppt/theme/theme2.xml><?xml version="1.0" encoding="utf-8"?>
+<a:theme xmlns:a="http://schemas.openxmlformats.org/drawingml/2006/main" name="Office Theme">
+  <a:themeElements>
+    <a:clrScheme name="Office">
+      <a:dk1>
+        <a:sysClr val="windowText" lastClr="000000"/>
+      </a:dk1>
+      <a:lt1>
+        <a:sysClr val="window" lastClr="FFFFFF"/>
+      </a:lt1>
+      <a:dk2>
+        <a:srgbClr val="44546A"/>
+      </a:dk2>
+      <a:lt2>
+        <a:srgbClr val="E7E6E6"/>
+      </a:lt2>
+      <a:accent1>
+        <a:srgbClr val="4472C4"/>
+      </a:accent1>
+      <a:accent2>
+        <a:srgbClr val="ED7D31"/>
+      </a:accent2>
+      <a:accent3>
+        <a:srgbClr val="A5A5A5"/>
+      </a:accent3>
+      <a:accent4>
+        <a:srgbClr val="FFC000"/>
+      </a:accent4>
+      <a:accent5>
+        <a:srgbClr val="5B9BD5"/>
+      </a:accent5>
+      <a:accent6>
+        <a:srgbClr val="70AD47"/>
+      </a:accent6>
+      <a:hlink>
+        <a:srgbClr val="0563C1"/>
+      </a:hlink>
+      <a:folHlink>
+        <a:srgbClr val="954F72"/>
+      </a:folHlink>
+    </a:clrScheme>
+    <a:fontScheme name="Office">
+      <a:majorFont>
+        <a:latin typeface="Calibri Light" panose="020F0302020204030204"/>
+        <a:ea typeface=""/>
+        <a:cs typeface=""/>
+        <a:font script="Jpan" typeface="游ゴシック Light"/>
+        <a:font script="Hang" typeface="맑은 고딕"/>
+        <a:font script="Hans" typeface="等线 Light"/>
+        <a:font script="Hant" typeface="新細明體"/>
+        <a:font script="Arab" typeface="Times New Roman"/>
+        <a:font script="Hebr" typeface="Times New Roman"/>
+        <a:font script="Thai" typeface="Angsana New"/>
+        <a:font script="Ethi" typeface="Nyala"/>
+        <a:font script="Beng" typeface="Vrinda"/>
+        <a:font script="Gujr" typeface="Shruti"/>
+        <a:font script="Khmr" typeface="MoolBoran"/>
+        <a:font script="Knda" typeface="Tunga"/>
+        <a:font script="Guru" typeface="Raavi"/>
+        <a:font script="Cans" typeface="Euphemia"/>
+        <a:font script="Cher" typeface="Plantagenet Cherokee"/>
+        <a:font script="Yiii" typeface="Microsoft Yi Baiti"/>
+        <a:font script="Tibt" typeface="Microsoft Himalaya"/>
+        <a:font script="Thaa" typeface="MV Boli"/>
+        <a:font script="Deva" typeface="Mangal"/>
+        <a:font script="Telu" typeface="Gautami"/>
+        <a:font script="Taml" typeface="Latha"/>
+        <a:font script="Syrc" typeface="Estrangelo Edessa"/>
+        <a:font script="Orya" typeface="Kalinga"/>
+        <a:font script="Mlym" typeface="Kartika"/>
+        <a:font script="Laoo" typeface="DokChampa"/>
+        <a:font script="Sinh" typeface="Iskoola Pota"/>
+        <a:font script="Mong" typeface="Mongolian Baiti"/>
+        <a:font script="Viet" typeface="Times New Roman"/>
+        <a:font script="Uigh" typeface="Microsoft Uighur"/>
+        <a:font script="Geor" typeface="Sylfaen"/>
+        <a:font script="Armn" typeface="Arial"/>
+        <a:font script="Bugi" typeface="Leelawadee UI"/>
+        <a:font script="Bopo" typeface="Microsoft JhengHei"/>
+        <a:font script="Java" typeface="Javanese Text"/>
+        <a:font script="Lisu" typeface="Segoe UI"/>
+        <a:font script="Mymr" typeface="Myanmar Text"/>
+        <a:font script="Nkoo" typeface="Ebrima"/>
+        <a:font script="Olck" typeface="Nirmala UI"/>
+        <a:font script="Osma" typeface="Ebrima"/>
+        <a:font script="Phag" typeface="Phagspa"/>
+        <a:font script="Syrn" typeface="Estrangelo Edessa"/>
+        <a:font script="Syrj" typeface="Estrangelo Edessa"/>
+        <a:font script="Syre" typeface="Estrangelo Edessa"/>
+        <a:font script="Sora" typeface="Nirmala UI"/>
+        <a:font script="Tale" typeface="Microsoft Tai Le"/>
+        <a:font script="Talu" typeface="Microsoft New Tai Lue"/>
+        <a:font script="Tfng" typeface="Ebrima"/>
+      </a:majorFont>
+      <a:minorFont>
+        <a:latin typeface="Calibri" panose="020F0502020204030204"/>
+        <a:ea typeface=""/>
+        <a:cs typeface=""/>
+        <a:font script="Jpan" typeface="游ゴシック"/>
+        <a:font script="Hang" typeface="맑은 고딕"/>
+        <a:font script="Hans" typeface="等线"/>
+        <a:font script="Hant" typeface="新細明體"/>
+        <a:font script="Arab" typeface="Arial"/>
+        <a:font script="Hebr" typeface="Arial"/>
+        <a:font script="Thai" typeface="Cordia New"/>
+        <a:font script="Ethi" typeface="Nyala"/>
+        <a:font script="Beng" typeface="Vrinda"/>
+        <a:font script="Gujr" typeface="Shruti"/>
+        <a:font script="Khmr" typeface="DaunPenh"/>
+        <a:font script="Knda" typeface="Tunga"/>
+        <a:font script="Guru" typeface="Raavi"/>
+        <a:font script="Cans" typeface="Euphemia"/>
+        <a:font script="Cher" typeface="Plantagenet Cherokee"/>
+        <a:font script="Yiii" typeface="Microsoft Yi Baiti"/>
+        <a:font script="Tibt" typeface="Microsoft Himalaya"/>
+        <a:font script="Thaa" typeface="MV Boli"/>
+        <a:font script="Deva" typeface="Mangal"/>
+        <a:font script="Telu" typeface="Gautami"/>
+        <a:font script="Taml" typeface="Latha"/>
+        <a:font script="Syrc" typeface="Estrangelo Edessa"/>
+        <a:font script="Orya" typeface="Kalinga"/>
+        <a:font script="Mlym" typeface="Kartika"/>
+        <a:font script="Laoo" typeface="DokChampa"/>
+        <a:font script="Sinh" typeface="Iskoola Pota"/>
+        <a:font script="Mong" typeface="Mongolian Baiti"/>
+        <a:font script="Viet" typeface="Arial"/>
+        <a:font script="Uigh" typeface="Microsoft Uighur"/>
+        <a:font script="Geor" typeface="Sylfaen"/>
+        <a:font script="Armn" typeface="Arial"/>
+        <a:font script="Bugi" typeface="Leelawadee UI"/>
+        <a:font script="Bopo" typeface="Microsoft JhengHei"/>
+        <a:font script="Java" typeface="Javanese Text"/>
+        <a:font script="Lisu" typeface="Segoe UI"/>
+        <a:font script="Mymr" typeface="Myanmar Text"/>
+        <a:font script="Nkoo" typeface="Ebrima"/>
+        <a:font script="Olck" typeface="Nirmala UI"/>
+        <a:font script="Osma" typeface="Ebrima"/>
+        <a:font script="Phag" typeface="Phagspa"/>
+        <a:font script="Syrn" typeface="Estrangelo Edessa"/>
+        <a:font script="Syrj" typeface="Estrangelo Edessa"/>
+        <a:font script="Syre" typeface="Estrangelo Edessa"/>
+        <a:font script="Sora" typeface="Nirmala UI"/>
+        <a:font script="Tale" typeface="Microsoft Tai Le"/>
+        <a:font script="Talu" typeface="Microsoft New Tai Lue"/>
+        <a:font script="Tfng" typeface="Ebrima"/>
+      </a:minorFont>
+    </a:fontScheme>
+    <a:fmtScheme name="Office">
+      <a:fillStyleLst>
+        <a:solidFill>
+          <a:schemeClr val="phClr"/>
+        </a:solidFill>
+        <a:gradFill rotWithShape="1">
+          <a:gsLst>
+            <a:gs pos="0">
+              <a:schemeClr val="phClr">
+                <a:lumMod val="110000"/>
+                <a:satMod val="105000"/>
+                <a:tint val="67000"/>
+              </a:schemeClr>
+            </a:gs>
+            <a:gs pos="50000">
+              <a:schemeClr val="phClr">
+                <a:lumMod val="105000"/>
+                <a:satMod val="103000"/>
+                <a:tint val="73000"/>
+              </a:schemeClr>
+            </a:gs>
+            <a:gs pos="100000">
+              <a:schemeClr val="phClr">
+                <a:lumMod val="105000"/>
+                <a:satMod val="109000"/>
+                <a:tint val="81000"/>
+              </a:schemeClr>
+            </a:gs>
+          </a:gsLst>
+          <a:lin ang="5400000" scaled="0"/>
+        </a:gradFill>
+        <a:gradFill rotWithShape="1">
+          <a:gsLst>
+            <a:gs pos="0">
+              <a:schemeClr val="phClr">
+                <a:satMod val="103000"/>
+                <a:lumMod val="102000"/>
+                <a:tint val="94000"/>
+              </a:schemeClr>
+            </a:gs>
+            <a:gs pos="50000">
+              <a:schemeClr val="phClr">
+                <a:satMod val="110000"/>
+                <a:lumMod val="100000"/>
+                <a:shade val="100000"/>
+              </a:schemeClr>
+            </a:gs>
+            <a:gs pos="100000">
+              <a:schemeClr val="phClr">
+                <a:lumMod val="99000"/>
+                <a:satMod val="120000"/>
+                <a:shade val="78000"/>
+              </a:schemeClr>
+            </a:gs>
+          </a:gsLst>
+          <a:lin ang="5400000" scaled="0"/>
+        </a:gradFill>
+      </a:fillStyleLst>
+      <a:lnStyleLst>
+        <a:ln w="6350" cap="flat" cmpd="sng" algn="ctr">
+          <a:solidFill>
+            <a:schemeClr val="phClr"/>
+          </a:solidFill>
+          <a:prstDash val="solid"/>
+          <a:miter lim="800000"/>
+        </a:ln>
+        <a:ln w="12700" cap="flat" cmpd="sng" algn="ctr">
+          <a:solidFill>
+            <a:schemeClr val="phClr"/>
+          </a:solidFill>
+          <a:prstDash val="solid"/>
+          <a:miter lim="800000"/>
+        </a:ln>
+        <a:ln w="19050" cap="flat" cmpd="sng" algn="ctr">
+          <a:solidFill>
+            <a:schemeClr val="phClr"/>
+          </a:solidFill>
+          <a:prstDash val="solid"/>
+          <a:miter lim="800000"/>
+        </a:ln>
+      </a:lnStyleLst>
+      <a:effectStyleLst>
+        <a:effectStyle>
+          <a:effectLst/>
+        </a:effectStyle>
+        <a:effectStyle>
+          <a:effectLst/>
+        </a:effectStyle>
+        <a:effectStyle>
+          <a:effectLst>
+            <a:outerShdw blurRad="57150" dist="19050" dir="5400000" algn="ctr" rotWithShape="0">
+              <a:srgbClr val="000000">
+                <a:alpha val="63000"/>
+              </a:srgbClr>
+            </a:outerShdw>
+          </a:effectLst>
+        </a:effectStyle>
+      </a:effectStyleLst>
+      <a:bgFillStyleLst>
+        <a:solidFill>
+          <a:schemeClr val="phClr"/>
+        </a:solidFill>
+        <a:solidFill>
+          <a:schemeClr val="phClr">
+            <a:tint val="95000"/>
+            <a:satMod val="170000"/>
+          </a:schemeClr>
+        </a:solidFill>
+        <a:gradFill rotWithShape="1">
+          <a:gsLst>
+            <a:gs pos="0">
+              <a:schemeClr val="phClr">
+                <a:tint val="93000"/>
+                <a:satMod val="150000"/>
+                <a:shade val="98000"/>
+                <a:lumMod val="102000"/>
+              </a:schemeClr>
+            </a:gs>
+            <a:gs pos="50000">
+              <a:schemeClr val="phClr">
+                <a:tint val="98000"/>
+                <a:satMod val="130000"/>
+                <a:shade val="90000"/>
+                <a:lumMod val="103000"/>
+              </a:schemeClr>
+            </a:gs>
+            <a:gs pos="100000">
+              <a:schemeClr val="phClr">
+                <a:shade val="63000"/>
+                <a:satMod val="120000"/>
+              </a:schemeClr>
+            </a:gs>
+          </a:gsLst>
+          <a:lin ang="5400000" scaled="0"/>
+        </a:gradFill>
+      </a:bgFillStyleLst>
+    </a:fmtScheme>
+  </a:themeElements>
+  <a:objectDefaults/>
+  <a:extraClrSchemeLst/>
+  <a:extLst>
+    <a:ext uri="{05A4C25C-085E-4340-85A3-A5531E510DB2}">
+      <thm15:themeFamily xmlns:thm15="http://schemas.microsoft.com/office/thememl/2012/main" name="Office Theme" id="{62F939B6-93AF-4DB8-9C6B-D6C7DFDC589F}" vid="{4A3C46E8-61CC-4603-A589-7422A47A8E4A}"/>
+    </a:ext>
+  </a:extLst>
+</a:theme>
 </file>